--- a/Presentation/ppt 7.pptx
+++ b/Presentation/ppt 7.pptx
@@ -5,16 +5,19 @@
     <p:sldMasterId id="2147483648" r:id="rId4"/>
   </p:sldMasterIdLst>
   <p:notesMasterIdLst>
-    <p:notesMasterId r:id="rId9"/>
+    <p:notesMasterId r:id="rId12"/>
   </p:notesMasterIdLst>
   <p:handoutMasterIdLst>
-    <p:handoutMasterId r:id="rId10"/>
+    <p:handoutMasterId r:id="rId13"/>
   </p:handoutMasterIdLst>
   <p:sldIdLst>
     <p:sldId id="256" r:id="rId5"/>
     <p:sldId id="277" r:id="rId6"/>
     <p:sldId id="278" r:id="rId7"/>
     <p:sldId id="279" r:id="rId8"/>
+    <p:sldId id="280" r:id="rId9"/>
+    <p:sldId id="281" r:id="rId10"/>
+    <p:sldId id="282" r:id="rId11"/>
   </p:sldIdLst>
   <p:sldSz cx="12192000" cy="6858000"/>
   <p:notesSz cx="6858000" cy="9144000"/>
@@ -122,6 +125,912 @@
     </p:ext>
   </p:extLst>
 </p:presentation>
+</file>
+
+<file path=ppt/charts/chart1.xml><?xml version="1.0" encoding="utf-8"?>
+<c:chartSpace xmlns:c="http://schemas.openxmlformats.org/drawingml/2006/chart" xmlns:a="http://schemas.openxmlformats.org/drawingml/2006/main" xmlns:r="http://schemas.openxmlformats.org/officeDocument/2006/relationships" xmlns:c16r2="http://schemas.microsoft.com/office/drawing/2015/06/chart">
+  <c:date1904 val="0"/>
+  <c:lang val="ja-JP"/>
+  <c:roundedCorners val="0"/>
+  <mc:AlternateContent xmlns:mc="http://schemas.openxmlformats.org/markup-compatibility/2006">
+    <mc:Choice xmlns:c14="http://schemas.microsoft.com/office/drawing/2007/8/2/chart" Requires="c14">
+      <c14:style val="102"/>
+    </mc:Choice>
+    <mc:Fallback>
+      <c:style val="2"/>
+    </mc:Fallback>
+  </mc:AlternateContent>
+  <c:chart>
+    <c:title>
+      <c:tx>
+        <c:rich>
+          <a:bodyPr rot="0" spcFirstLastPara="1" vertOverflow="ellipsis" vert="horz" wrap="square" anchor="ctr" anchorCtr="1"/>
+          <a:lstStyle/>
+          <a:p>
+            <a:pPr>
+              <a:defRPr sz="1862" b="0" i="0" u="none" strike="noStrike" kern="1200" spc="0" baseline="0">
+                <a:solidFill>
+                  <a:schemeClr val="tx1">
+                    <a:lumMod val="65000"/>
+                    <a:lumOff val="35000"/>
+                  </a:schemeClr>
+                </a:solidFill>
+                <a:latin typeface="+mn-lt"/>
+                <a:ea typeface="+mn-ea"/>
+                <a:cs typeface="+mn-cs"/>
+              </a:defRPr>
+            </a:pPr>
+            <a:r>
+              <a:rPr lang="en-US" altLang="ja-JP" dirty="0"/>
+              <a:t>Gate</a:t>
+            </a:r>
+            <a:endParaRPr lang="ja-JP" altLang="en-US" dirty="0"/>
+          </a:p>
+        </c:rich>
+      </c:tx>
+      <c:overlay val="0"/>
+      <c:spPr>
+        <a:noFill/>
+        <a:ln>
+          <a:noFill/>
+        </a:ln>
+        <a:effectLst/>
+      </c:spPr>
+      <c:txPr>
+        <a:bodyPr rot="0" spcFirstLastPara="1" vertOverflow="ellipsis" vert="horz" wrap="square" anchor="ctr" anchorCtr="1"/>
+        <a:lstStyle/>
+        <a:p>
+          <a:pPr>
+            <a:defRPr sz="1862" b="0" i="0" u="none" strike="noStrike" kern="1200" spc="0" baseline="0">
+              <a:solidFill>
+                <a:schemeClr val="tx1">
+                  <a:lumMod val="65000"/>
+                  <a:lumOff val="35000"/>
+                </a:schemeClr>
+              </a:solidFill>
+              <a:latin typeface="+mn-lt"/>
+              <a:ea typeface="+mn-ea"/>
+              <a:cs typeface="+mn-cs"/>
+            </a:defRPr>
+          </a:pPr>
+          <a:endParaRPr lang="ja-JP"/>
+        </a:p>
+      </c:txPr>
+    </c:title>
+    <c:autoTitleDeleted val="0"/>
+    <c:plotArea>
+      <c:layout/>
+      <c:scatterChart>
+        <c:scatterStyle val="lineMarker"/>
+        <c:varyColors val="0"/>
+        <c:ser>
+          <c:idx val="0"/>
+          <c:order val="0"/>
+          <c:tx>
+            <c:strRef>
+              <c:f>Sheet1!$B$1</c:f>
+              <c:strCache>
+                <c:ptCount val="1"/>
+                <c:pt idx="0">
+                  <c:v>X2</c:v>
+                </c:pt>
+              </c:strCache>
+            </c:strRef>
+          </c:tx>
+          <c:spPr>
+            <a:ln w="28575" cap="rnd">
+              <a:noFill/>
+              <a:round/>
+            </a:ln>
+            <a:effectLst>
+              <a:outerShdw blurRad="50800" dist="50800" dir="5400000" algn="ctr" rotWithShape="0">
+                <a:schemeClr val="bg1"/>
+              </a:outerShdw>
+            </a:effectLst>
+          </c:spPr>
+          <c:marker>
+            <c:symbol val="circle"/>
+            <c:size val="8"/>
+            <c:spPr>
+              <a:solidFill>
+                <a:schemeClr val="accent1"/>
+              </a:solidFill>
+              <a:ln w="12700">
+                <a:solidFill>
+                  <a:schemeClr val="accent1"/>
+                </a:solidFill>
+              </a:ln>
+              <a:effectLst>
+                <a:outerShdw blurRad="50800" dist="50800" dir="5400000" algn="ctr" rotWithShape="0">
+                  <a:schemeClr val="bg1"/>
+                </a:outerShdw>
+              </a:effectLst>
+            </c:spPr>
+          </c:marker>
+          <c:xVal>
+            <c:numRef>
+              <c:f>Sheet1!$A$2:$A$5</c:f>
+              <c:numCache>
+                <c:formatCode>General</c:formatCode>
+                <c:ptCount val="4"/>
+                <c:pt idx="0">
+                  <c:v>0</c:v>
+                </c:pt>
+                <c:pt idx="1">
+                  <c:v>0</c:v>
+                </c:pt>
+                <c:pt idx="2">
+                  <c:v>1</c:v>
+                </c:pt>
+                <c:pt idx="3">
+                  <c:v>1</c:v>
+                </c:pt>
+              </c:numCache>
+            </c:numRef>
+          </c:xVal>
+          <c:yVal>
+            <c:numRef>
+              <c:f>Sheet1!$B$2:$B$5</c:f>
+              <c:numCache>
+                <c:formatCode>General</c:formatCode>
+                <c:ptCount val="4"/>
+                <c:pt idx="0">
+                  <c:v>0</c:v>
+                </c:pt>
+                <c:pt idx="1">
+                  <c:v>1</c:v>
+                </c:pt>
+                <c:pt idx="2">
+                  <c:v>0</c:v>
+                </c:pt>
+                <c:pt idx="3">
+                  <c:v>1</c:v>
+                </c:pt>
+              </c:numCache>
+            </c:numRef>
+          </c:yVal>
+          <c:smooth val="0"/>
+          <c:extLst>
+            <c:ext xmlns:c16="http://schemas.microsoft.com/office/drawing/2014/chart" uri="{C3380CC4-5D6E-409C-BE32-E72D297353CC}">
+              <c16:uniqueId val="{00000000-741E-46AE-BD4D-3B2D3A42212F}"/>
+            </c:ext>
+          </c:extLst>
+        </c:ser>
+        <c:dLbls>
+          <c:showLegendKey val="0"/>
+          <c:showVal val="0"/>
+          <c:showCatName val="0"/>
+          <c:showSerName val="0"/>
+          <c:showPercent val="0"/>
+          <c:showBubbleSize val="0"/>
+        </c:dLbls>
+        <c:axId val="1142436608"/>
+        <c:axId val="1142436192"/>
+      </c:scatterChart>
+      <c:valAx>
+        <c:axId val="1142436608"/>
+        <c:scaling>
+          <c:orientation val="minMax"/>
+          <c:max val="1"/>
+        </c:scaling>
+        <c:delete val="0"/>
+        <c:axPos val="b"/>
+        <c:majorGridlines>
+          <c:spPr>
+            <a:ln w="9525" cap="flat" cmpd="sng" algn="ctr">
+              <a:solidFill>
+                <a:schemeClr val="tx1">
+                  <a:lumMod val="15000"/>
+                  <a:lumOff val="85000"/>
+                </a:schemeClr>
+              </a:solidFill>
+              <a:round/>
+            </a:ln>
+            <a:effectLst/>
+          </c:spPr>
+        </c:majorGridlines>
+        <c:numFmt formatCode="General" sourceLinked="1"/>
+        <c:majorTickMark val="none"/>
+        <c:minorTickMark val="none"/>
+        <c:tickLblPos val="nextTo"/>
+        <c:spPr>
+          <a:noFill/>
+          <a:ln w="9525" cap="flat" cmpd="sng" algn="ctr">
+            <a:solidFill>
+              <a:schemeClr val="tx1">
+                <a:lumMod val="25000"/>
+                <a:lumOff val="75000"/>
+              </a:schemeClr>
+            </a:solidFill>
+            <a:round/>
+          </a:ln>
+          <a:effectLst/>
+        </c:spPr>
+        <c:txPr>
+          <a:bodyPr rot="-60000000" spcFirstLastPara="1" vertOverflow="ellipsis" vert="horz" wrap="square" anchor="ctr" anchorCtr="1"/>
+          <a:lstStyle/>
+          <a:p>
+            <a:pPr>
+              <a:defRPr sz="1197" b="0" i="0" u="none" strike="noStrike" kern="1200" baseline="0">
+                <a:solidFill>
+                  <a:schemeClr val="tx1">
+                    <a:lumMod val="65000"/>
+                    <a:lumOff val="35000"/>
+                  </a:schemeClr>
+                </a:solidFill>
+                <a:latin typeface="+mn-lt"/>
+                <a:ea typeface="+mn-ea"/>
+                <a:cs typeface="+mn-cs"/>
+              </a:defRPr>
+            </a:pPr>
+            <a:endParaRPr lang="ja-JP"/>
+          </a:p>
+        </c:txPr>
+        <c:crossAx val="1142436192"/>
+        <c:crosses val="autoZero"/>
+        <c:crossBetween val="midCat"/>
+        <c:majorUnit val="1"/>
+      </c:valAx>
+      <c:valAx>
+        <c:axId val="1142436192"/>
+        <c:scaling>
+          <c:orientation val="minMax"/>
+          <c:max val="1"/>
+        </c:scaling>
+        <c:delete val="0"/>
+        <c:axPos val="l"/>
+        <c:majorGridlines>
+          <c:spPr>
+            <a:ln w="9525" cap="flat" cmpd="sng" algn="ctr">
+              <a:solidFill>
+                <a:schemeClr val="tx1">
+                  <a:lumMod val="15000"/>
+                  <a:lumOff val="85000"/>
+                </a:schemeClr>
+              </a:solidFill>
+              <a:round/>
+            </a:ln>
+            <a:effectLst/>
+          </c:spPr>
+        </c:majorGridlines>
+        <c:numFmt formatCode="General" sourceLinked="1"/>
+        <c:majorTickMark val="none"/>
+        <c:minorTickMark val="none"/>
+        <c:tickLblPos val="nextTo"/>
+        <c:spPr>
+          <a:noFill/>
+          <a:ln w="9525" cap="flat" cmpd="sng" algn="ctr">
+            <a:solidFill>
+              <a:schemeClr val="tx1">
+                <a:lumMod val="25000"/>
+                <a:lumOff val="75000"/>
+              </a:schemeClr>
+            </a:solidFill>
+            <a:round/>
+          </a:ln>
+          <a:effectLst/>
+        </c:spPr>
+        <c:txPr>
+          <a:bodyPr rot="-60000000" spcFirstLastPara="1" vertOverflow="ellipsis" vert="horz" wrap="square" anchor="ctr" anchorCtr="1"/>
+          <a:lstStyle/>
+          <a:p>
+            <a:pPr>
+              <a:defRPr sz="1197" b="0" i="0" u="none" strike="noStrike" kern="1200" baseline="0">
+                <a:solidFill>
+                  <a:schemeClr val="tx1">
+                    <a:lumMod val="65000"/>
+                    <a:lumOff val="35000"/>
+                  </a:schemeClr>
+                </a:solidFill>
+                <a:latin typeface="+mn-lt"/>
+                <a:ea typeface="+mn-ea"/>
+                <a:cs typeface="+mn-cs"/>
+              </a:defRPr>
+            </a:pPr>
+            <a:endParaRPr lang="ja-JP"/>
+          </a:p>
+        </c:txPr>
+        <c:crossAx val="1142436608"/>
+        <c:crosses val="autoZero"/>
+        <c:crossBetween val="midCat"/>
+        <c:majorUnit val="1"/>
+      </c:valAx>
+      <c:spPr>
+        <a:noFill/>
+        <a:ln>
+          <a:noFill/>
+        </a:ln>
+        <a:effectLst/>
+      </c:spPr>
+    </c:plotArea>
+    <c:plotVisOnly val="1"/>
+    <c:dispBlanksAs val="gap"/>
+    <c:extLst>
+      <c:ext xmlns:c16r3="http://schemas.microsoft.com/office/drawing/2017/03/chart" uri="{56B9EC1D-385E-4148-901F-78D8002777C0}">
+        <c16r3:dataDisplayOptions16>
+          <c16r3:dispNaAsBlank val="1"/>
+        </c16r3:dataDisplayOptions16>
+      </c:ext>
+    </c:extLst>
+    <c:showDLblsOverMax val="0"/>
+  </c:chart>
+  <c:spPr>
+    <a:noFill/>
+    <a:ln>
+      <a:noFill/>
+    </a:ln>
+    <a:effectLst/>
+  </c:spPr>
+  <c:txPr>
+    <a:bodyPr/>
+    <a:lstStyle/>
+    <a:p>
+      <a:pPr>
+        <a:defRPr/>
+      </a:pPr>
+      <a:endParaRPr lang="ja-JP"/>
+    </a:p>
+  </c:txPr>
+  <c:externalData r:id="rId3">
+    <c:autoUpdate val="0"/>
+  </c:externalData>
+</c:chartSpace>
+</file>
+
+<file path=ppt/charts/colors1.xml><?xml version="1.0" encoding="utf-8"?>
+<cs:colorStyle xmlns:cs="http://schemas.microsoft.com/office/drawing/2012/chartStyle" xmlns:a="http://schemas.openxmlformats.org/drawingml/2006/main" meth="cycle" id="10">
+  <a:schemeClr val="accent1"/>
+  <a:schemeClr val="accent2"/>
+  <a:schemeClr val="accent3"/>
+  <a:schemeClr val="accent4"/>
+  <a:schemeClr val="accent5"/>
+  <a:schemeClr val="accent6"/>
+  <cs:variation/>
+  <cs:variation>
+    <a:lumMod val="60000"/>
+  </cs:variation>
+  <cs:variation>
+    <a:lumMod val="80000"/>
+    <a:lumOff val="20000"/>
+  </cs:variation>
+  <cs:variation>
+    <a:lumMod val="80000"/>
+  </cs:variation>
+  <cs:variation>
+    <a:lumMod val="60000"/>
+    <a:lumOff val="40000"/>
+  </cs:variation>
+  <cs:variation>
+    <a:lumMod val="50000"/>
+  </cs:variation>
+  <cs:variation>
+    <a:lumMod val="70000"/>
+    <a:lumOff val="30000"/>
+  </cs:variation>
+  <cs:variation>
+    <a:lumMod val="70000"/>
+  </cs:variation>
+  <cs:variation>
+    <a:lumMod val="50000"/>
+    <a:lumOff val="50000"/>
+  </cs:variation>
+</cs:colorStyle>
+</file>
+
+<file path=ppt/charts/style1.xml><?xml version="1.0" encoding="utf-8"?>
+<cs:chartStyle xmlns:cs="http://schemas.microsoft.com/office/drawing/2012/chartStyle" xmlns:a="http://schemas.openxmlformats.org/drawingml/2006/main" id="240">
+  <cs:axisTitle>
+    <cs:lnRef idx="0"/>
+    <cs:fillRef idx="0"/>
+    <cs:effectRef idx="0"/>
+    <cs:fontRef idx="minor">
+      <a:schemeClr val="tx1">
+        <a:lumMod val="65000"/>
+        <a:lumOff val="35000"/>
+      </a:schemeClr>
+    </cs:fontRef>
+    <cs:defRPr sz="1330" kern="1200"/>
+  </cs:axisTitle>
+  <cs:categoryAxis>
+    <cs:lnRef idx="0"/>
+    <cs:fillRef idx="0"/>
+    <cs:effectRef idx="0"/>
+    <cs:fontRef idx="minor">
+      <a:schemeClr val="tx1">
+        <a:lumMod val="65000"/>
+        <a:lumOff val="35000"/>
+      </a:schemeClr>
+    </cs:fontRef>
+    <cs:spPr>
+      <a:ln w="9525" cap="flat" cmpd="sng" algn="ctr">
+        <a:solidFill>
+          <a:schemeClr val="tx1">
+            <a:lumMod val="25000"/>
+            <a:lumOff val="75000"/>
+          </a:schemeClr>
+        </a:solidFill>
+        <a:round/>
+      </a:ln>
+    </cs:spPr>
+    <cs:defRPr sz="1197" kern="1200"/>
+  </cs:categoryAxis>
+  <cs:chartArea mods="allowNoFillOverride allowNoLineOverride">
+    <cs:lnRef idx="0"/>
+    <cs:fillRef idx="0"/>
+    <cs:effectRef idx="0"/>
+    <cs:fontRef idx="minor">
+      <a:schemeClr val="tx1"/>
+    </cs:fontRef>
+    <cs:spPr>
+      <a:solidFill>
+        <a:schemeClr val="bg1"/>
+      </a:solidFill>
+      <a:ln w="9525" cap="flat" cmpd="sng" algn="ctr">
+        <a:solidFill>
+          <a:schemeClr val="tx1">
+            <a:lumMod val="15000"/>
+            <a:lumOff val="85000"/>
+          </a:schemeClr>
+        </a:solidFill>
+        <a:round/>
+      </a:ln>
+    </cs:spPr>
+    <cs:defRPr sz="1330" kern="1200"/>
+  </cs:chartArea>
+  <cs:dataLabel>
+    <cs:lnRef idx="0"/>
+    <cs:fillRef idx="0"/>
+    <cs:effectRef idx="0"/>
+    <cs:fontRef idx="minor">
+      <a:schemeClr val="tx1">
+        <a:lumMod val="75000"/>
+        <a:lumOff val="25000"/>
+      </a:schemeClr>
+    </cs:fontRef>
+    <cs:defRPr sz="1197" kern="1200"/>
+  </cs:dataLabel>
+  <cs:dataLabelCallout>
+    <cs:lnRef idx="0"/>
+    <cs:fillRef idx="0"/>
+    <cs:effectRef idx="0"/>
+    <cs:fontRef idx="minor">
+      <a:schemeClr val="dk1">
+        <a:lumMod val="65000"/>
+        <a:lumOff val="35000"/>
+      </a:schemeClr>
+    </cs:fontRef>
+    <cs:spPr>
+      <a:solidFill>
+        <a:schemeClr val="lt1"/>
+      </a:solidFill>
+      <a:ln>
+        <a:solidFill>
+          <a:schemeClr val="dk1">
+            <a:lumMod val="25000"/>
+            <a:lumOff val="75000"/>
+          </a:schemeClr>
+        </a:solidFill>
+      </a:ln>
+    </cs:spPr>
+    <cs:defRPr sz="1197" kern="1200"/>
+    <cs:bodyPr rot="0" spcFirstLastPara="1" vertOverflow="clip" horzOverflow="clip" vert="horz" wrap="square" lIns="36576" tIns="18288" rIns="36576" bIns="18288" anchor="ctr" anchorCtr="1">
+      <a:spAutoFit/>
+    </cs:bodyPr>
+  </cs:dataLabelCallout>
+  <cs:dataPoint>
+    <cs:lnRef idx="0"/>
+    <cs:fillRef idx="1">
+      <cs:styleClr val="auto"/>
+    </cs:fillRef>
+    <cs:effectRef idx="0"/>
+    <cs:fontRef idx="minor">
+      <a:schemeClr val="tx1"/>
+    </cs:fontRef>
+  </cs:dataPoint>
+  <cs:dataPoint3D>
+    <cs:lnRef idx="0"/>
+    <cs:fillRef idx="1">
+      <cs:styleClr val="auto"/>
+    </cs:fillRef>
+    <cs:effectRef idx="0"/>
+    <cs:fontRef idx="minor">
+      <a:schemeClr val="tx1"/>
+    </cs:fontRef>
+  </cs:dataPoint3D>
+  <cs:dataPointLine>
+    <cs:lnRef idx="0">
+      <cs:styleClr val="auto"/>
+    </cs:lnRef>
+    <cs:fillRef idx="1"/>
+    <cs:effectRef idx="0"/>
+    <cs:fontRef idx="minor">
+      <a:schemeClr val="tx1"/>
+    </cs:fontRef>
+    <cs:spPr>
+      <a:ln w="19050" cap="rnd">
+        <a:solidFill>
+          <a:schemeClr val="phClr"/>
+        </a:solidFill>
+        <a:round/>
+      </a:ln>
+    </cs:spPr>
+  </cs:dataPointLine>
+  <cs:dataPointMarker>
+    <cs:lnRef idx="0">
+      <cs:styleClr val="auto"/>
+    </cs:lnRef>
+    <cs:fillRef idx="1">
+      <cs:styleClr val="auto"/>
+    </cs:fillRef>
+    <cs:effectRef idx="0"/>
+    <cs:fontRef idx="minor">
+      <a:schemeClr val="tx1"/>
+    </cs:fontRef>
+    <cs:spPr>
+      <a:ln w="9525">
+        <a:solidFill>
+          <a:schemeClr val="phClr"/>
+        </a:solidFill>
+      </a:ln>
+    </cs:spPr>
+  </cs:dataPointMarker>
+  <cs:dataPointMarkerLayout symbol="circle" size="5"/>
+  <cs:dataPointWireframe>
+    <cs:lnRef idx="0">
+      <cs:styleClr val="auto"/>
+    </cs:lnRef>
+    <cs:fillRef idx="0"/>
+    <cs:effectRef idx="0"/>
+    <cs:fontRef idx="minor">
+      <a:schemeClr val="dk1"/>
+    </cs:fontRef>
+    <cs:spPr>
+      <a:ln w="9525" cap="rnd">
+        <a:solidFill>
+          <a:schemeClr val="phClr"/>
+        </a:solidFill>
+        <a:round/>
+      </a:ln>
+    </cs:spPr>
+  </cs:dataPointWireframe>
+  <cs:dataTable>
+    <cs:lnRef idx="0"/>
+    <cs:fillRef idx="0"/>
+    <cs:effectRef idx="0"/>
+    <cs:fontRef idx="minor">
+      <a:schemeClr val="tx1">
+        <a:lumMod val="65000"/>
+        <a:lumOff val="35000"/>
+      </a:schemeClr>
+    </cs:fontRef>
+    <cs:spPr>
+      <a:noFill/>
+      <a:ln w="9525" cap="flat" cmpd="sng" algn="ctr">
+        <a:solidFill>
+          <a:schemeClr val="tx1">
+            <a:lumMod val="15000"/>
+            <a:lumOff val="85000"/>
+          </a:schemeClr>
+        </a:solidFill>
+        <a:round/>
+      </a:ln>
+    </cs:spPr>
+    <cs:defRPr sz="1197" kern="1200"/>
+  </cs:dataTable>
+  <cs:downBar>
+    <cs:lnRef idx="0"/>
+    <cs:fillRef idx="0"/>
+    <cs:effectRef idx="0"/>
+    <cs:fontRef idx="minor">
+      <a:schemeClr val="tx1"/>
+    </cs:fontRef>
+    <cs:spPr>
+      <a:solidFill>
+        <a:schemeClr val="dk1">
+          <a:lumMod val="75000"/>
+          <a:lumOff val="25000"/>
+        </a:schemeClr>
+      </a:solidFill>
+      <a:ln w="9525" cap="flat" cmpd="sng" algn="ctr">
+        <a:solidFill>
+          <a:schemeClr val="tx1">
+            <a:lumMod val="65000"/>
+            <a:lumOff val="35000"/>
+          </a:schemeClr>
+        </a:solidFill>
+        <a:round/>
+      </a:ln>
+    </cs:spPr>
+  </cs:downBar>
+  <cs:dropLine>
+    <cs:lnRef idx="0"/>
+    <cs:fillRef idx="0"/>
+    <cs:effectRef idx="0"/>
+    <cs:fontRef idx="minor">
+      <a:schemeClr val="tx1"/>
+    </cs:fontRef>
+    <cs:spPr>
+      <a:ln w="9525" cap="flat" cmpd="sng" algn="ctr">
+        <a:solidFill>
+          <a:schemeClr val="tx1">
+            <a:lumMod val="35000"/>
+            <a:lumOff val="65000"/>
+          </a:schemeClr>
+        </a:solidFill>
+        <a:round/>
+      </a:ln>
+    </cs:spPr>
+  </cs:dropLine>
+  <cs:errorBar>
+    <cs:lnRef idx="0"/>
+    <cs:fillRef idx="0"/>
+    <cs:effectRef idx="0"/>
+    <cs:fontRef idx="minor">
+      <a:schemeClr val="tx1"/>
+    </cs:fontRef>
+    <cs:spPr>
+      <a:ln w="9525" cap="flat" cmpd="sng" algn="ctr">
+        <a:solidFill>
+          <a:schemeClr val="tx1">
+            <a:lumMod val="65000"/>
+            <a:lumOff val="35000"/>
+          </a:schemeClr>
+        </a:solidFill>
+        <a:round/>
+      </a:ln>
+    </cs:spPr>
+  </cs:errorBar>
+  <cs:floor>
+    <cs:lnRef idx="0"/>
+    <cs:fillRef idx="0"/>
+    <cs:effectRef idx="0"/>
+    <cs:fontRef idx="minor">
+      <a:schemeClr val="tx1"/>
+    </cs:fontRef>
+    <cs:spPr>
+      <a:noFill/>
+      <a:ln>
+        <a:noFill/>
+      </a:ln>
+    </cs:spPr>
+  </cs:floor>
+  <cs:gridlineMajor>
+    <cs:lnRef idx="0"/>
+    <cs:fillRef idx="0"/>
+    <cs:effectRef idx="0"/>
+    <cs:fontRef idx="minor">
+      <a:schemeClr val="tx1"/>
+    </cs:fontRef>
+    <cs:spPr>
+      <a:ln w="9525" cap="flat" cmpd="sng" algn="ctr">
+        <a:solidFill>
+          <a:schemeClr val="tx1">
+            <a:lumMod val="15000"/>
+            <a:lumOff val="85000"/>
+          </a:schemeClr>
+        </a:solidFill>
+        <a:round/>
+      </a:ln>
+    </cs:spPr>
+  </cs:gridlineMajor>
+  <cs:gridlineMinor>
+    <cs:lnRef idx="0"/>
+    <cs:fillRef idx="0"/>
+    <cs:effectRef idx="0"/>
+    <cs:fontRef idx="minor">
+      <a:schemeClr val="tx1"/>
+    </cs:fontRef>
+    <cs:spPr>
+      <a:ln w="9525" cap="flat" cmpd="sng" algn="ctr">
+        <a:solidFill>
+          <a:schemeClr val="tx1">
+            <a:lumMod val="5000"/>
+            <a:lumOff val="95000"/>
+          </a:schemeClr>
+        </a:solidFill>
+        <a:round/>
+      </a:ln>
+    </cs:spPr>
+  </cs:gridlineMinor>
+  <cs:hiLoLine>
+    <cs:lnRef idx="0"/>
+    <cs:fillRef idx="0"/>
+    <cs:effectRef idx="0"/>
+    <cs:fontRef idx="minor">
+      <a:schemeClr val="tx1"/>
+    </cs:fontRef>
+    <cs:spPr>
+      <a:ln w="9525" cap="flat" cmpd="sng" algn="ctr">
+        <a:solidFill>
+          <a:schemeClr val="tx1">
+            <a:lumMod val="50000"/>
+            <a:lumOff val="50000"/>
+          </a:schemeClr>
+        </a:solidFill>
+        <a:round/>
+      </a:ln>
+    </cs:spPr>
+  </cs:hiLoLine>
+  <cs:leaderLine>
+    <cs:lnRef idx="0"/>
+    <cs:fillRef idx="0"/>
+    <cs:effectRef idx="0"/>
+    <cs:fontRef idx="minor">
+      <a:schemeClr val="tx1"/>
+    </cs:fontRef>
+    <cs:spPr>
+      <a:ln w="9525" cap="flat" cmpd="sng" algn="ctr">
+        <a:solidFill>
+          <a:schemeClr val="tx1">
+            <a:lumMod val="35000"/>
+            <a:lumOff val="65000"/>
+          </a:schemeClr>
+        </a:solidFill>
+        <a:round/>
+      </a:ln>
+    </cs:spPr>
+  </cs:leaderLine>
+  <cs:legend>
+    <cs:lnRef idx="0"/>
+    <cs:fillRef idx="0"/>
+    <cs:effectRef idx="0"/>
+    <cs:fontRef idx="minor">
+      <a:schemeClr val="tx1">
+        <a:lumMod val="65000"/>
+        <a:lumOff val="35000"/>
+      </a:schemeClr>
+    </cs:fontRef>
+    <cs:defRPr sz="1197" kern="1200"/>
+  </cs:legend>
+  <cs:plotArea mods="allowNoFillOverride allowNoLineOverride">
+    <cs:lnRef idx="0"/>
+    <cs:fillRef idx="0"/>
+    <cs:effectRef idx="0"/>
+    <cs:fontRef idx="minor">
+      <a:schemeClr val="tx1"/>
+    </cs:fontRef>
+  </cs:plotArea>
+  <cs:plotArea3D mods="allowNoFillOverride allowNoLineOverride">
+    <cs:lnRef idx="0"/>
+    <cs:fillRef idx="0"/>
+    <cs:effectRef idx="0"/>
+    <cs:fontRef idx="minor">
+      <a:schemeClr val="tx1"/>
+    </cs:fontRef>
+  </cs:plotArea3D>
+  <cs:seriesAxis>
+    <cs:lnRef idx="0"/>
+    <cs:fillRef idx="0"/>
+    <cs:effectRef idx="0"/>
+    <cs:fontRef idx="minor">
+      <a:schemeClr val="tx1">
+        <a:lumMod val="65000"/>
+        <a:lumOff val="35000"/>
+      </a:schemeClr>
+    </cs:fontRef>
+    <cs:defRPr sz="1197" kern="1200"/>
+  </cs:seriesAxis>
+  <cs:seriesLine>
+    <cs:lnRef idx="0"/>
+    <cs:fillRef idx="0"/>
+    <cs:effectRef idx="0"/>
+    <cs:fontRef idx="minor">
+      <a:schemeClr val="tx1"/>
+    </cs:fontRef>
+    <cs:spPr>
+      <a:ln w="9525" cap="flat" cmpd="sng" algn="ctr">
+        <a:solidFill>
+          <a:schemeClr val="tx1">
+            <a:lumMod val="35000"/>
+            <a:lumOff val="65000"/>
+          </a:schemeClr>
+        </a:solidFill>
+        <a:round/>
+      </a:ln>
+    </cs:spPr>
+  </cs:seriesLine>
+  <cs:title>
+    <cs:lnRef idx="0"/>
+    <cs:fillRef idx="0"/>
+    <cs:effectRef idx="0"/>
+    <cs:fontRef idx="minor">
+      <a:schemeClr val="tx1">
+        <a:lumMod val="65000"/>
+        <a:lumOff val="35000"/>
+      </a:schemeClr>
+    </cs:fontRef>
+    <cs:defRPr sz="1862" b="0" kern="1200" spc="0" baseline="0"/>
+  </cs:title>
+  <cs:trendline>
+    <cs:lnRef idx="0">
+      <cs:styleClr val="auto"/>
+    </cs:lnRef>
+    <cs:fillRef idx="0"/>
+    <cs:effectRef idx="0"/>
+    <cs:fontRef idx="minor">
+      <a:schemeClr val="tx1"/>
+    </cs:fontRef>
+    <cs:spPr>
+      <a:ln w="19050" cap="rnd">
+        <a:solidFill>
+          <a:schemeClr val="phClr"/>
+        </a:solidFill>
+        <a:prstDash val="sysDot"/>
+      </a:ln>
+    </cs:spPr>
+  </cs:trendline>
+  <cs:trendlineLabel>
+    <cs:lnRef idx="0"/>
+    <cs:fillRef idx="0"/>
+    <cs:effectRef idx="0"/>
+    <cs:fontRef idx="minor">
+      <a:schemeClr val="tx1">
+        <a:lumMod val="65000"/>
+        <a:lumOff val="35000"/>
+      </a:schemeClr>
+    </cs:fontRef>
+    <cs:defRPr sz="1197" kern="1200"/>
+  </cs:trendlineLabel>
+  <cs:upBar>
+    <cs:lnRef idx="0"/>
+    <cs:fillRef idx="0"/>
+    <cs:effectRef idx="0"/>
+    <cs:fontRef idx="minor">
+      <a:schemeClr val="tx1"/>
+    </cs:fontRef>
+    <cs:spPr>
+      <a:solidFill>
+        <a:schemeClr val="lt1"/>
+      </a:solidFill>
+      <a:ln w="9525" cap="flat" cmpd="sng" algn="ctr">
+        <a:solidFill>
+          <a:schemeClr val="tx1">
+            <a:lumMod val="65000"/>
+            <a:lumOff val="35000"/>
+          </a:schemeClr>
+        </a:solidFill>
+        <a:round/>
+      </a:ln>
+    </cs:spPr>
+  </cs:upBar>
+  <cs:valueAxis>
+    <cs:lnRef idx="0"/>
+    <cs:fillRef idx="0"/>
+    <cs:effectRef idx="0"/>
+    <cs:fontRef idx="minor">
+      <a:schemeClr val="tx1">
+        <a:lumMod val="65000"/>
+        <a:lumOff val="35000"/>
+      </a:schemeClr>
+    </cs:fontRef>
+    <cs:spPr>
+      <a:ln w="9525" cap="flat" cmpd="sng" algn="ctr">
+        <a:solidFill>
+          <a:schemeClr val="tx1">
+            <a:lumMod val="25000"/>
+            <a:lumOff val="75000"/>
+          </a:schemeClr>
+        </a:solidFill>
+        <a:round/>
+      </a:ln>
+    </cs:spPr>
+    <cs:defRPr sz="1197" kern="1200"/>
+  </cs:valueAxis>
+  <cs:wall>
+    <cs:lnRef idx="0"/>
+    <cs:fillRef idx="0"/>
+    <cs:effectRef idx="0"/>
+    <cs:fontRef idx="minor">
+      <a:schemeClr val="tx1"/>
+    </cs:fontRef>
+    <cs:spPr>
+      <a:noFill/>
+      <a:ln>
+        <a:noFill/>
+      </a:ln>
+    </cs:spPr>
+  </cs:wall>
+</cs:chartStyle>
 </file>
 
 <file path=ppt/diagrams/colors1.xml><?xml version="1.0" encoding="utf-8"?>
@@ -3464,7 +4373,7 @@
                 <a:latin typeface="맑은 고딕" panose="020B0503020000020004" pitchFamily="50" charset="-127"/>
                 <a:ea typeface="맑은 고딕" panose="020B0503020000020004" pitchFamily="50" charset="-127"/>
               </a:rPr>
-              <a:t>2022-12-14</a:t>
+              <a:t>2022-12-15</a:t>
             </a:fld>
             <a:endParaRPr lang="ko-KR" altLang="en-US" dirty="0">
               <a:latin typeface="맑은 고딕" panose="020B0503020000020004" pitchFamily="50" charset="-127"/>
@@ -3651,7 +4560,7 @@
             <a:fld id="{C6D4BD08-001C-4DA3-A8F2-B1A0C43B0DFD}" type="datetime1">
               <a:rPr lang="ko-KR" altLang="en-US" smtClean="0"/>
               <a:pPr/>
-              <a:t>2022-12-14</a:t>
+              <a:t>2022-12-15</a:t>
             </a:fld>
             <a:endParaRPr lang="ko-KR" altLang="en-US" dirty="0"/>
           </a:p>
@@ -4113,7 +5022,7 @@
 </file>
 
 <file path=ppt/slideLayouts/slideLayout1.xml><?xml version="1.0" encoding="utf-8"?>
-<p:sldLayout xmlns:a="http://schemas.openxmlformats.org/drawingml/2006/main" xmlns:r="http://schemas.openxmlformats.org/officeDocument/2006/relationships" xmlns:p="http://schemas.openxmlformats.org/presentationml/2006/main" showMasterSp="0" type="title" preserve="1">
+<p:sldLayout xmlns:a="http://schemas.openxmlformats.org/drawingml/2006/main" xmlns:r="http://schemas.openxmlformats.org/officeDocument/2006/relationships" xmlns:p="http://schemas.openxmlformats.org/presentationml/2006/main" type="title" preserve="1">
   <p:cSld name="제목 슬라이드">
     <p:spTree>
       <p:nvGrpSpPr>
@@ -12908,7 +13817,7 @@
             <a:fld id="{20DA4868-5905-4D40-A3C7-A08A77FB381F}" type="datetime1">
               <a:rPr lang="ko-KR" altLang="en-US" smtClean="0"/>
               <a:pPr/>
-              <a:t>2022-12-14</a:t>
+              <a:t>2022-12-15</a:t>
             </a:fld>
             <a:endParaRPr lang="ko-KR" altLang="en-US" dirty="0"/>
           </a:p>
@@ -13118,7 +14027,7 @@
             <a:fld id="{A7059D92-5434-44F0-8311-BFCB0FE3ABFC}" type="datetime1">
               <a:rPr lang="ko-KR" altLang="en-US" smtClean="0"/>
               <a:pPr/>
-              <a:t>2022-12-14</a:t>
+              <a:t>2022-12-15</a:t>
             </a:fld>
             <a:endParaRPr lang="ko-KR" altLang="en-US" dirty="0"/>
           </a:p>
@@ -13177,7 +14086,7 @@
 </file>
 
 <file path=ppt/slideLayouts/slideLayout11.xml><?xml version="1.0" encoding="utf-8"?>
-<p:sldLayout xmlns:a="http://schemas.openxmlformats.org/drawingml/2006/main" xmlns:r="http://schemas.openxmlformats.org/officeDocument/2006/relationships" xmlns:p="http://schemas.openxmlformats.org/presentationml/2006/main" showMasterSp="0" type="vertTitleAndTx" preserve="1">
+<p:sldLayout xmlns:a="http://schemas.openxmlformats.org/drawingml/2006/main" xmlns:r="http://schemas.openxmlformats.org/officeDocument/2006/relationships" xmlns:p="http://schemas.openxmlformats.org/presentationml/2006/main" type="vertTitleAndTx" preserve="1">
   <p:cSld name="세로 제목 및 텍스트">
     <p:spTree>
       <p:nvGrpSpPr>
@@ -13342,7 +14251,7 @@
             <a:fld id="{2FB232E3-E22B-46B2-B042-7B0B4F3513F2}" type="datetime1">
               <a:rPr lang="ko-KR" altLang="en-US" smtClean="0"/>
               <a:pPr/>
-              <a:t>2022-12-14</a:t>
+              <a:t>2022-12-15</a:t>
             </a:fld>
             <a:endParaRPr lang="ko-KR" altLang="en-US" dirty="0"/>
           </a:p>
@@ -13563,7 +14472,7 @@
             <a:fld id="{9EFA091B-FB79-4832-BBA6-485BF4956E11}" type="datetime1">
               <a:rPr lang="ko-KR" altLang="en-US" smtClean="0"/>
               <a:pPr/>
-              <a:t>2022-12-14</a:t>
+              <a:t>2022-12-15</a:t>
             </a:fld>
             <a:endParaRPr lang="ko-KR" altLang="en-US" dirty="0"/>
           </a:p>
@@ -13622,7 +14531,7 @@
 </file>
 
 <file path=ppt/slideLayouts/slideLayout3.xml><?xml version="1.0" encoding="utf-8"?>
-<p:sldLayout xmlns:a="http://schemas.openxmlformats.org/drawingml/2006/main" xmlns:r="http://schemas.openxmlformats.org/officeDocument/2006/relationships" xmlns:p="http://schemas.openxmlformats.org/presentationml/2006/main" showMasterSp="0" type="secHead" preserve="1">
+<p:sldLayout xmlns:a="http://schemas.openxmlformats.org/drawingml/2006/main" xmlns:r="http://schemas.openxmlformats.org/officeDocument/2006/relationships" xmlns:p="http://schemas.openxmlformats.org/presentationml/2006/main" type="secHead" preserve="1">
   <p:cSld name="구역 머리글">
     <p:spTree>
       <p:nvGrpSpPr>
@@ -22464,7 +23373,7 @@
             <a:fld id="{5F31BFAB-5A50-4862-991D-7095D6C5D4BE}" type="datetime1">
               <a:rPr lang="ko-KR" altLang="en-US" smtClean="0"/>
               <a:pPr/>
-              <a:t>2022-12-14</a:t>
+              <a:t>2022-12-15</a:t>
             </a:fld>
             <a:endParaRPr lang="ko-KR" altLang="en-US" dirty="0"/>
           </a:p>
@@ -22741,7 +23650,7 @@
             <a:fld id="{A3BD5271-FEFE-4914-869C-5327720A295E}" type="datetime1">
               <a:rPr lang="ko-KR" altLang="en-US" smtClean="0"/>
               <a:pPr/>
-              <a:t>2022-12-14</a:t>
+              <a:t>2022-12-15</a:t>
             </a:fld>
             <a:endParaRPr lang="ko-KR" altLang="en-US" dirty="0"/>
           </a:p>
@@ -23142,7 +24051,7 @@
             <a:fld id="{6961C815-1148-4AA6-9F9C-F8BBBFBB10CA}" type="datetime1">
               <a:rPr lang="ko-KR" altLang="en-US" smtClean="0"/>
               <a:pPr/>
-              <a:t>2022-12-14</a:t>
+              <a:t>2022-12-15</a:t>
             </a:fld>
             <a:endParaRPr lang="ko-KR" altLang="en-US" dirty="0"/>
           </a:p>
@@ -23263,7 +24172,7 @@
             <a:fld id="{A47AA9F1-F81C-4105-8A81-06D610EC4B63}" type="datetime1">
               <a:rPr lang="ko-KR" altLang="en-US" smtClean="0"/>
               <a:pPr/>
-              <a:t>2022-12-14</a:t>
+              <a:t>2022-12-15</a:t>
             </a:fld>
             <a:endParaRPr lang="ko-KR" altLang="en-US" dirty="0"/>
           </a:p>
@@ -23322,7 +24231,7 @@
 </file>
 
 <file path=ppt/slideLayouts/slideLayout7.xml><?xml version="1.0" encoding="utf-8"?>
-<p:sldLayout xmlns:a="http://schemas.openxmlformats.org/drawingml/2006/main" xmlns:r="http://schemas.openxmlformats.org/officeDocument/2006/relationships" xmlns:p="http://schemas.openxmlformats.org/presentationml/2006/main" showMasterSp="0" type="blank" preserve="1">
+<p:sldLayout xmlns:a="http://schemas.openxmlformats.org/drawingml/2006/main" xmlns:r="http://schemas.openxmlformats.org/officeDocument/2006/relationships" xmlns:p="http://schemas.openxmlformats.org/presentationml/2006/main" type="blank" preserve="1">
   <p:cSld name="비어 있음">
     <p:spTree>
       <p:nvGrpSpPr>
@@ -23360,7 +24269,7 @@
             <a:fld id="{1F487A97-1A80-4798-B672-85D6AB250DCF}" type="datetime1">
               <a:rPr lang="ko-KR" altLang="en-US" smtClean="0"/>
               <a:pPr/>
-              <a:t>2022-12-14</a:t>
+              <a:t>2022-12-15</a:t>
             </a:fld>
             <a:endParaRPr lang="ko-KR" altLang="en-US" dirty="0"/>
           </a:p>
@@ -23653,7 +24562,7 @@
             <a:fld id="{EE653310-AD94-41CD-AC0F-1501C4EA6D6F}" type="datetime1">
               <a:rPr lang="ko-KR" altLang="en-US" smtClean="0"/>
               <a:pPr/>
-              <a:t>2022-12-14</a:t>
+              <a:t>2022-12-15</a:t>
             </a:fld>
             <a:endParaRPr lang="en-US" dirty="0"/>
           </a:p>
@@ -23712,7 +24621,7 @@
 </file>
 
 <file path=ppt/slideLayouts/slideLayout9.xml><?xml version="1.0" encoding="utf-8"?>
-<p:sldLayout xmlns:a="http://schemas.openxmlformats.org/drawingml/2006/main" xmlns:r="http://schemas.openxmlformats.org/officeDocument/2006/relationships" xmlns:p="http://schemas.openxmlformats.org/presentationml/2006/main" showMasterSp="0" type="picTx" preserve="1">
+<p:sldLayout xmlns:a="http://schemas.openxmlformats.org/drawingml/2006/main" xmlns:r="http://schemas.openxmlformats.org/officeDocument/2006/relationships" xmlns:p="http://schemas.openxmlformats.org/presentationml/2006/main" type="picTx" preserve="1">
   <p:cSld name="캡션 있는 그림">
     <p:spTree>
       <p:nvGrpSpPr>
@@ -23937,7 +24846,7 @@
             <a:fld id="{A9C485AE-A5AE-4102-AAA7-CE7177004C64}" type="datetime1">
               <a:rPr lang="ko-KR" altLang="en-US" smtClean="0"/>
               <a:pPr/>
-              <a:t>2022-12-14</a:t>
+              <a:t>2022-12-15</a:t>
             </a:fld>
             <a:endParaRPr lang="ko-KR" altLang="en-US" dirty="0"/>
           </a:p>
@@ -24189,7 +25098,7 @@
             <a:fld id="{55E25835-15BF-46FE-B0BD-ED10F3056879}" type="datetime1">
               <a:rPr lang="ko-KR" altLang="en-US" smtClean="0"/>
               <a:pPr/>
-              <a:t>2022-12-14</a:t>
+              <a:t>2022-12-15</a:t>
             </a:fld>
             <a:endParaRPr lang="ko-KR" altLang="en-US" dirty="0"/>
           </a:p>
@@ -24676,14 +25585,6 @@
 <file path=ppt/slides/slide1.xml><?xml version="1.0" encoding="utf-8"?>
 <p:sld xmlns:a="http://schemas.openxmlformats.org/drawingml/2006/main" xmlns:r="http://schemas.openxmlformats.org/officeDocument/2006/relationships" xmlns:p="http://schemas.openxmlformats.org/presentationml/2006/main">
   <p:cSld>
-    <p:bg>
-      <p:bgPr>
-        <a:solidFill>
-          <a:schemeClr val="bg1"/>
-        </a:solidFill>
-        <a:effectLst/>
-      </p:bgPr>
-    </p:bg>
     <p:spTree>
       <p:nvGrpSpPr>
         <p:cNvPr id="1" name=""/>
@@ -25078,14 +25979,6 @@
 <file path=ppt/slides/slide2.xml><?xml version="1.0" encoding="utf-8"?>
 <p:sld xmlns:a="http://schemas.openxmlformats.org/drawingml/2006/main" xmlns:r="http://schemas.openxmlformats.org/officeDocument/2006/relationships" xmlns:p="http://schemas.openxmlformats.org/presentationml/2006/main">
   <p:cSld>
-    <p:bg>
-      <p:bgPr>
-        <a:solidFill>
-          <a:schemeClr val="bg1"/>
-        </a:solidFill>
-        <a:effectLst/>
-      </p:bgPr>
-    </p:bg>
     <p:spTree>
       <p:nvGrpSpPr>
         <p:cNvPr id="1" name=""/>
@@ -25401,7 +26294,7 @@
           <a:p>
             <a:r>
               <a:rPr lang="en-US" altLang="ko-KR" dirty="0"/>
-              <a:t>Perceptron</a:t>
+              <a:t>Perceptron (Single Layer)</a:t>
             </a:r>
             <a:endParaRPr lang="ko-KR" altLang="en-US" dirty="0"/>
           </a:p>
@@ -25527,8 +26420,8 @@
           </a:p>
         </p:txBody>
       </p:sp>
-      <mc:AlternateContent xmlns:mc="http://schemas.openxmlformats.org/markup-compatibility/2006">
-        <mc:Choice xmlns:a14="http://schemas.microsoft.com/office/drawing/2010/main" Requires="a14">
+      <mc:AlternateContent xmlns:mc="http://schemas.openxmlformats.org/markup-compatibility/2006" xmlns:a14="http://schemas.microsoft.com/office/drawing/2010/main">
+        <mc:Choice Requires="a14">
           <p:sp>
             <p:nvSpPr>
               <p:cNvPr id="11" name="TextBox 10">
@@ -25867,7 +26760,7 @@
             </p:txBody>
           </p:sp>
         </mc:Choice>
-        <mc:Fallback>
+        <mc:Fallback xmlns="">
           <p:sp>
             <p:nvSpPr>
               <p:cNvPr id="11" name="TextBox 10">
@@ -25912,8 +26805,8 @@
           </p:sp>
         </mc:Fallback>
       </mc:AlternateContent>
-      <mc:AlternateContent xmlns:mc="http://schemas.openxmlformats.org/markup-compatibility/2006">
-        <mc:Choice xmlns:a14="http://schemas.microsoft.com/office/drawing/2010/main" Requires="a14">
+      <mc:AlternateContent xmlns:mc="http://schemas.openxmlformats.org/markup-compatibility/2006" xmlns:a14="http://schemas.microsoft.com/office/drawing/2010/main">
+        <mc:Choice Requires="a14">
           <p:sp>
             <p:nvSpPr>
               <p:cNvPr id="13" name="TextBox 12">
@@ -26269,7 +27162,7 @@
             </p:txBody>
           </p:sp>
         </mc:Choice>
-        <mc:Fallback>
+        <mc:Fallback xmlns="">
           <p:sp>
             <p:nvSpPr>
               <p:cNvPr id="13" name="TextBox 12">
@@ -26417,6 +27310,1161 @@
     <p:extLst>
       <p:ext uri="{BB962C8B-B14F-4D97-AF65-F5344CB8AC3E}">
         <p14:creationId xmlns:p14="http://schemas.microsoft.com/office/powerpoint/2010/main" val="1881289243"/>
+      </p:ext>
+    </p:extLst>
+  </p:cSld>
+  <p:clrMapOvr>
+    <a:masterClrMapping/>
+  </p:clrMapOvr>
+</p:sld>
+</file>
+
+<file path=ppt/slides/slide5.xml><?xml version="1.0" encoding="utf-8"?>
+<p:sld xmlns:a="http://schemas.openxmlformats.org/drawingml/2006/main" xmlns:r="http://schemas.openxmlformats.org/officeDocument/2006/relationships" xmlns:p="http://schemas.openxmlformats.org/presentationml/2006/main">
+  <p:cSld>
+    <p:spTree>
+      <p:nvGrpSpPr>
+        <p:cNvPr id="1" name=""/>
+        <p:cNvGrpSpPr/>
+        <p:nvPr/>
+      </p:nvGrpSpPr>
+      <p:grpSpPr>
+        <a:xfrm>
+          <a:off x="0" y="0"/>
+          <a:ext cx="0" cy="0"/>
+          <a:chOff x="0" y="0"/>
+          <a:chExt cx="0" cy="0"/>
+        </a:xfrm>
+      </p:grpSpPr>
+      <p:sp>
+        <p:nvSpPr>
+          <p:cNvPr id="2" name="タイトル 1">
+            <a:extLst>
+              <a:ext uri="{FF2B5EF4-FFF2-40B4-BE49-F238E27FC236}">
+                <a16:creationId xmlns:a16="http://schemas.microsoft.com/office/drawing/2014/main" id="{05A5F26E-2F20-93CD-40B8-B3FD6D67E0AE}"/>
+              </a:ext>
+            </a:extLst>
+          </p:cNvPr>
+          <p:cNvSpPr>
+            <a:spLocks noGrp="1"/>
+          </p:cNvSpPr>
+          <p:nvPr>
+            <p:ph type="title"/>
+          </p:nvPr>
+        </p:nvSpPr>
+        <p:spPr/>
+        <p:txBody>
+          <a:bodyPr/>
+          <a:lstStyle/>
+          <a:p>
+            <a:r>
+              <a:rPr kumimoji="1" lang="en-US" altLang="ja-JP" dirty="0"/>
+              <a:t>Single Layer perceptron</a:t>
+            </a:r>
+            <a:endParaRPr kumimoji="1" lang="ja-JP" altLang="en-US" dirty="0"/>
+          </a:p>
+        </p:txBody>
+      </p:sp>
+      <mc:AlternateContent xmlns:mc="http://schemas.openxmlformats.org/markup-compatibility/2006">
+        <mc:Choice xmlns:a14="http://schemas.microsoft.com/office/drawing/2010/main" Requires="a14">
+          <p:sp>
+            <p:nvSpPr>
+              <p:cNvPr id="3" name="コンテンツ プレースホルダー 2">
+                <a:extLst>
+                  <a:ext uri="{FF2B5EF4-FFF2-40B4-BE49-F238E27FC236}">
+                    <a16:creationId xmlns:a16="http://schemas.microsoft.com/office/drawing/2014/main" id="{3E2BDA9A-CC39-3A21-009D-F0E3074BCE2D}"/>
+                  </a:ext>
+                </a:extLst>
+              </p:cNvPr>
+              <p:cNvSpPr>
+                <a:spLocks noGrp="1"/>
+              </p:cNvSpPr>
+              <p:nvPr>
+                <p:ph idx="1"/>
+              </p:nvPr>
+            </p:nvSpPr>
+            <p:spPr/>
+            <p:txBody>
+              <a:bodyPr/>
+              <a:lstStyle/>
+              <a:p>
+                <a:r>
+                  <a:rPr kumimoji="1" lang="en-US" altLang="ja-JP" dirty="0"/>
+                  <a:t>Input layer</a:t>
+                </a:r>
+                <a:r>
+                  <a:rPr kumimoji="1" lang="ja-JP" altLang="en-US" dirty="0"/>
+                  <a:t>と</a:t>
+                </a:r>
+                <a:r>
+                  <a:rPr kumimoji="1" lang="en-US" altLang="ja-JP" dirty="0"/>
+                  <a:t>Output</a:t>
+                </a:r>
+                <a:r>
+                  <a:rPr kumimoji="1" lang="ko-KR" altLang="en-US" dirty="0"/>
+                  <a:t> </a:t>
+                </a:r>
+                <a:r>
+                  <a:rPr kumimoji="1" lang="en-US" altLang="ko-KR" dirty="0"/>
+                  <a:t>layer</a:t>
+                </a:r>
+                <a:r>
+                  <a:rPr kumimoji="1" lang="ja-JP" altLang="en-US" dirty="0"/>
+                  <a:t>二つしか存在しない。</a:t>
+                </a:r>
+                <a:endParaRPr kumimoji="1" lang="en-US" altLang="ja-JP" dirty="0"/>
+              </a:p>
+              <a:p>
+                <a:r>
+                  <a:rPr kumimoji="1" lang="en-US" altLang="ja-JP" dirty="0"/>
+                  <a:t>AND, NAND, OR gate</a:t>
+                </a:r>
+                <a:r>
+                  <a:rPr kumimoji="1" lang="ja-JP" altLang="en-US" dirty="0"/>
+                  <a:t>は、具現できるが、</a:t>
+                </a:r>
+                <a:r>
+                  <a:rPr kumimoji="1" lang="en-US" altLang="ja-JP" dirty="0"/>
+                  <a:t>XOR</a:t>
+                </a:r>
+                <a:r>
+                  <a:rPr kumimoji="1" lang="ko-KR" altLang="en-US" dirty="0"/>
+                  <a:t> </a:t>
+                </a:r>
+                <a:r>
+                  <a:rPr kumimoji="1" lang="en-US" altLang="ko-KR" dirty="0"/>
+                  <a:t>gate</a:t>
+                </a:r>
+                <a:r>
+                  <a:rPr kumimoji="1" lang="ja-JP" altLang="en-US" dirty="0"/>
+                  <a:t>はできない。</a:t>
+                </a:r>
+                <a:endParaRPr kumimoji="1" lang="en-US" altLang="ja-JP" dirty="0"/>
+              </a:p>
+              <a:p>
+                <a:pPr marL="0" indent="0">
+                  <a:buNone/>
+                </a:pPr>
+                <a:endParaRPr kumimoji="1" lang="en-US" altLang="ja-JP" dirty="0"/>
+              </a:p>
+              <a:p>
+                <a14:m>
+                  <m:oMath xmlns:m="http://schemas.openxmlformats.org/officeDocument/2006/math">
+                    <m:r>
+                      <a:rPr kumimoji="1" lang="en-US" altLang="ja-JP" b="0" i="1" smtClean="0">
+                        <a:latin typeface="Cambria Math" panose="02040503050406030204" pitchFamily="18" charset="0"/>
+                      </a:rPr>
+                      <m:t>𝑦</m:t>
+                    </m:r>
+                    <m:r>
+                      <a:rPr kumimoji="1" lang="en-US" altLang="ja-JP" b="0" i="1" smtClean="0">
+                        <a:latin typeface="Cambria Math" panose="02040503050406030204" pitchFamily="18" charset="0"/>
+                      </a:rPr>
+                      <m:t>=</m:t>
+                    </m:r>
+                    <m:sSub>
+                      <m:sSubPr>
+                        <m:ctrlPr>
+                          <a:rPr kumimoji="1" lang="en-US" altLang="ja-JP" b="0" i="1" smtClean="0">
+                            <a:latin typeface="Cambria Math" panose="02040503050406030204" pitchFamily="18" charset="0"/>
+                          </a:rPr>
+                        </m:ctrlPr>
+                      </m:sSubPr>
+                      <m:e>
+                        <m:r>
+                          <a:rPr kumimoji="1" lang="en-US" altLang="ja-JP" b="0" i="1" smtClean="0">
+                            <a:latin typeface="Cambria Math" panose="02040503050406030204" pitchFamily="18" charset="0"/>
+                          </a:rPr>
+                          <m:t>𝑥</m:t>
+                        </m:r>
+                      </m:e>
+                      <m:sub>
+                        <m:r>
+                          <a:rPr kumimoji="1" lang="en-US" altLang="ja-JP" b="0" i="1" smtClean="0">
+                            <a:latin typeface="Cambria Math" panose="02040503050406030204" pitchFamily="18" charset="0"/>
+                          </a:rPr>
+                          <m:t>1</m:t>
+                        </m:r>
+                      </m:sub>
+                    </m:sSub>
+                    <m:sSub>
+                      <m:sSubPr>
+                        <m:ctrlPr>
+                          <a:rPr kumimoji="1" lang="en-US" altLang="ja-JP" b="0" i="1" smtClean="0">
+                            <a:latin typeface="Cambria Math" panose="02040503050406030204" pitchFamily="18" charset="0"/>
+                          </a:rPr>
+                        </m:ctrlPr>
+                      </m:sSubPr>
+                      <m:e>
+                        <m:r>
+                          <a:rPr kumimoji="1" lang="en-US" altLang="ja-JP" b="0" i="1" smtClean="0">
+                            <a:latin typeface="Cambria Math" panose="02040503050406030204" pitchFamily="18" charset="0"/>
+                          </a:rPr>
+                          <m:t>𝑤</m:t>
+                        </m:r>
+                      </m:e>
+                      <m:sub>
+                        <m:r>
+                          <a:rPr kumimoji="1" lang="en-US" altLang="ja-JP" b="0" i="1" smtClean="0">
+                            <a:latin typeface="Cambria Math" panose="02040503050406030204" pitchFamily="18" charset="0"/>
+                          </a:rPr>
+                          <m:t>1</m:t>
+                        </m:r>
+                      </m:sub>
+                    </m:sSub>
+                    <m:r>
+                      <a:rPr kumimoji="1" lang="en-US" altLang="ja-JP" b="0" i="1" smtClean="0">
+                        <a:latin typeface="Cambria Math" panose="02040503050406030204" pitchFamily="18" charset="0"/>
+                      </a:rPr>
+                      <m:t>+</m:t>
+                    </m:r>
+                    <m:sSub>
+                      <m:sSubPr>
+                        <m:ctrlPr>
+                          <a:rPr kumimoji="1" lang="en-US" altLang="ja-JP" b="0" i="1" smtClean="0">
+                            <a:latin typeface="Cambria Math" panose="02040503050406030204" pitchFamily="18" charset="0"/>
+                          </a:rPr>
+                        </m:ctrlPr>
+                      </m:sSubPr>
+                      <m:e>
+                        <m:r>
+                          <a:rPr kumimoji="1" lang="en-US" altLang="ja-JP" b="0" i="1" smtClean="0">
+                            <a:latin typeface="Cambria Math" panose="02040503050406030204" pitchFamily="18" charset="0"/>
+                          </a:rPr>
+                          <m:t>𝑥</m:t>
+                        </m:r>
+                      </m:e>
+                      <m:sub>
+                        <m:r>
+                          <a:rPr kumimoji="1" lang="en-US" altLang="ja-JP" b="0" i="1" smtClean="0">
+                            <a:latin typeface="Cambria Math" panose="02040503050406030204" pitchFamily="18" charset="0"/>
+                          </a:rPr>
+                          <m:t>2</m:t>
+                        </m:r>
+                      </m:sub>
+                    </m:sSub>
+                    <m:sSub>
+                      <m:sSubPr>
+                        <m:ctrlPr>
+                          <a:rPr kumimoji="1" lang="en-US" altLang="ja-JP" b="0" i="1" smtClean="0">
+                            <a:latin typeface="Cambria Math" panose="02040503050406030204" pitchFamily="18" charset="0"/>
+                          </a:rPr>
+                        </m:ctrlPr>
+                      </m:sSubPr>
+                      <m:e>
+                        <m:r>
+                          <a:rPr kumimoji="1" lang="en-US" altLang="ja-JP" b="0" i="1" smtClean="0">
+                            <a:latin typeface="Cambria Math" panose="02040503050406030204" pitchFamily="18" charset="0"/>
+                          </a:rPr>
+                          <m:t>𝑤</m:t>
+                        </m:r>
+                      </m:e>
+                      <m:sub>
+                        <m:r>
+                          <a:rPr kumimoji="1" lang="en-US" altLang="ja-JP" b="0" i="1" smtClean="0">
+                            <a:latin typeface="Cambria Math" panose="02040503050406030204" pitchFamily="18" charset="0"/>
+                          </a:rPr>
+                          <m:t>2</m:t>
+                        </m:r>
+                      </m:sub>
+                    </m:sSub>
+                    <m:r>
+                      <a:rPr kumimoji="1" lang="en-US" altLang="ja-JP" b="0" i="1" smtClean="0">
+                        <a:latin typeface="Cambria Math" panose="02040503050406030204" pitchFamily="18" charset="0"/>
+                      </a:rPr>
+                      <m:t>+</m:t>
+                    </m:r>
+                    <m:r>
+                      <a:rPr kumimoji="1" lang="en-US" altLang="ja-JP" b="0" i="1" smtClean="0">
+                        <a:latin typeface="Cambria Math" panose="02040503050406030204" pitchFamily="18" charset="0"/>
+                      </a:rPr>
+                      <m:t>𝑏</m:t>
+                    </m:r>
+                  </m:oMath>
+                </a14:m>
+                <a:endParaRPr kumimoji="1" lang="en-US" altLang="ja-JP" b="0" i="1" dirty="0">
+                  <a:latin typeface="Cambria Math" panose="02040503050406030204" pitchFamily="18" charset="0"/>
+                </a:endParaRPr>
+              </a:p>
+              <a:p>
+                <a14:m>
+                  <m:oMath xmlns:m="http://schemas.openxmlformats.org/officeDocument/2006/math">
+                    <m:r>
+                      <a:rPr kumimoji="1" lang="en-US" altLang="ja-JP" i="1">
+                        <a:latin typeface="Cambria Math" panose="02040503050406030204" pitchFamily="18" charset="0"/>
+                        <a:ea typeface="Cambria Math" panose="02040503050406030204" pitchFamily="18" charset="0"/>
+                      </a:rPr>
+                      <m:t>𝑖𝑓</m:t>
+                    </m:r>
+                    <m:r>
+                      <a:rPr kumimoji="1" lang="en-US" altLang="ja-JP" b="0" i="0" smtClean="0">
+                        <a:latin typeface="Cambria Math" panose="02040503050406030204" pitchFamily="18" charset="0"/>
+                        <a:ea typeface="Cambria Math" panose="02040503050406030204" pitchFamily="18" charset="0"/>
+                      </a:rPr>
+                      <m:t> </m:t>
+                    </m:r>
+                    <m:r>
+                      <m:rPr>
+                        <m:sty m:val="p"/>
+                      </m:rPr>
+                      <a:rPr kumimoji="1" lang="en-US" altLang="ja-JP" b="0" i="0" smtClean="0">
+                        <a:latin typeface="Cambria Math" panose="02040503050406030204" pitchFamily="18" charset="0"/>
+                        <a:ea typeface="Cambria Math" panose="02040503050406030204" pitchFamily="18" charset="0"/>
+                      </a:rPr>
+                      <m:t>y</m:t>
+                    </m:r>
+                    <m:r>
+                      <a:rPr kumimoji="1" lang="en-US" altLang="ja-JP" b="0" i="0" smtClean="0">
+                        <a:latin typeface="Cambria Math" panose="02040503050406030204" pitchFamily="18" charset="0"/>
+                      </a:rPr>
+                      <m:t>&gt;</m:t>
+                    </m:r>
+                    <m:r>
+                      <m:rPr>
+                        <m:sty m:val="p"/>
+                      </m:rPr>
+                      <a:rPr kumimoji="1" lang="el-GR" altLang="ja-JP" b="0" i="1" smtClean="0">
+                        <a:latin typeface="Cambria Math" panose="02040503050406030204" pitchFamily="18" charset="0"/>
+                        <a:ea typeface="Cambria Math" panose="02040503050406030204" pitchFamily="18" charset="0"/>
+                      </a:rPr>
+                      <m:t>θ</m:t>
+                    </m:r>
+                    <m:r>
+                      <a:rPr kumimoji="1" lang="en-US" altLang="ja-JP" b="0" i="1" smtClean="0">
+                        <a:latin typeface="Cambria Math" panose="02040503050406030204" pitchFamily="18" charset="0"/>
+                        <a:ea typeface="Cambria Math" panose="02040503050406030204" pitchFamily="18" charset="0"/>
+                      </a:rPr>
+                      <m:t> →1,   </m:t>
+                    </m:r>
+                    <m:r>
+                      <a:rPr kumimoji="1" lang="en-US" altLang="ja-JP" b="0" i="1" smtClean="0">
+                        <a:latin typeface="Cambria Math" panose="02040503050406030204" pitchFamily="18" charset="0"/>
+                        <a:ea typeface="Cambria Math" panose="02040503050406030204" pitchFamily="18" charset="0"/>
+                      </a:rPr>
+                      <m:t>𝑖𝑓</m:t>
+                    </m:r>
+                    <m:r>
+                      <a:rPr kumimoji="1" lang="en-US" altLang="ja-JP" b="0" i="1" smtClean="0">
+                        <a:latin typeface="Cambria Math" panose="02040503050406030204" pitchFamily="18" charset="0"/>
+                        <a:ea typeface="Cambria Math" panose="02040503050406030204" pitchFamily="18" charset="0"/>
+                      </a:rPr>
+                      <m:t> </m:t>
+                    </m:r>
+                    <m:r>
+                      <a:rPr kumimoji="1" lang="en-US" altLang="ja-JP" b="0" i="1" smtClean="0">
+                        <a:latin typeface="Cambria Math" panose="02040503050406030204" pitchFamily="18" charset="0"/>
+                        <a:ea typeface="Cambria Math" panose="02040503050406030204" pitchFamily="18" charset="0"/>
+                      </a:rPr>
+                      <m:t>𝑦</m:t>
+                    </m:r>
+                    <m:r>
+                      <a:rPr kumimoji="1" lang="en-US" altLang="ja-JP" b="0" i="1" smtClean="0">
+                        <a:latin typeface="Cambria Math" panose="02040503050406030204" pitchFamily="18" charset="0"/>
+                        <a:ea typeface="Cambria Math" panose="02040503050406030204" pitchFamily="18" charset="0"/>
+                      </a:rPr>
+                      <m:t>≤</m:t>
+                    </m:r>
+                    <m:r>
+                      <a:rPr kumimoji="1" lang="ja-JP" altLang="en-US" b="0" i="1" smtClean="0">
+                        <a:latin typeface="Cambria Math" panose="02040503050406030204" pitchFamily="18" charset="0"/>
+                        <a:ea typeface="Cambria Math" panose="02040503050406030204" pitchFamily="18" charset="0"/>
+                      </a:rPr>
+                      <m:t>𝜃</m:t>
+                    </m:r>
+                    <m:r>
+                      <a:rPr kumimoji="1" lang="ja-JP" altLang="en-US" b="0" i="1" smtClean="0">
+                        <a:latin typeface="Cambria Math" panose="02040503050406030204" pitchFamily="18" charset="0"/>
+                        <a:ea typeface="Cambria Math" panose="02040503050406030204" pitchFamily="18" charset="0"/>
+                      </a:rPr>
+                      <m:t>→0</m:t>
+                    </m:r>
+                  </m:oMath>
+                </a14:m>
+                <a:endParaRPr kumimoji="1" lang="en-US" altLang="ja-JP" dirty="0"/>
+              </a:p>
+              <a:p>
+                <a14:m>
+                  <m:oMath xmlns:m="http://schemas.openxmlformats.org/officeDocument/2006/math">
+                    <m:sSub>
+                      <m:sSubPr>
+                        <m:ctrlPr>
+                          <a:rPr kumimoji="1" lang="en-US" altLang="ja-JP" i="1" smtClean="0">
+                            <a:latin typeface="Cambria Math" panose="02040503050406030204" pitchFamily="18" charset="0"/>
+                          </a:rPr>
+                        </m:ctrlPr>
+                      </m:sSubPr>
+                      <m:e>
+                        <m:r>
+                          <a:rPr kumimoji="1" lang="en-US" altLang="ja-JP" b="0" i="1" smtClean="0">
+                            <a:latin typeface="Cambria Math" panose="02040503050406030204" pitchFamily="18" charset="0"/>
+                          </a:rPr>
+                          <m:t>𝑤</m:t>
+                        </m:r>
+                      </m:e>
+                      <m:sub>
+                        <m:r>
+                          <a:rPr kumimoji="1" lang="en-US" altLang="ja-JP" b="0" i="1" smtClean="0">
+                            <a:latin typeface="Cambria Math" panose="02040503050406030204" pitchFamily="18" charset="0"/>
+                          </a:rPr>
+                          <m:t>1</m:t>
+                        </m:r>
+                      </m:sub>
+                    </m:sSub>
+                    <m:r>
+                      <a:rPr kumimoji="1" lang="en-US" altLang="ja-JP" b="0" i="1" smtClean="0">
+                        <a:latin typeface="Cambria Math" panose="02040503050406030204" pitchFamily="18" charset="0"/>
+                      </a:rPr>
+                      <m:t>, </m:t>
+                    </m:r>
+                    <m:sSub>
+                      <m:sSubPr>
+                        <m:ctrlPr>
+                          <a:rPr kumimoji="1" lang="en-US" altLang="ja-JP" b="0" i="1" smtClean="0">
+                            <a:latin typeface="Cambria Math" panose="02040503050406030204" pitchFamily="18" charset="0"/>
+                          </a:rPr>
+                        </m:ctrlPr>
+                      </m:sSubPr>
+                      <m:e>
+                        <m:r>
+                          <a:rPr kumimoji="1" lang="en-US" altLang="ja-JP" b="0" i="1" smtClean="0">
+                            <a:latin typeface="Cambria Math" panose="02040503050406030204" pitchFamily="18" charset="0"/>
+                          </a:rPr>
+                          <m:t>𝑤</m:t>
+                        </m:r>
+                      </m:e>
+                      <m:sub>
+                        <m:r>
+                          <a:rPr kumimoji="1" lang="en-US" altLang="ja-JP" b="0" i="1" smtClean="0">
+                            <a:latin typeface="Cambria Math" panose="02040503050406030204" pitchFamily="18" charset="0"/>
+                          </a:rPr>
+                          <m:t>2</m:t>
+                        </m:r>
+                      </m:sub>
+                    </m:sSub>
+                    <m:r>
+                      <a:rPr kumimoji="1" lang="en-US" altLang="ja-JP" b="0" i="1" smtClean="0">
+                        <a:latin typeface="Cambria Math" panose="02040503050406030204" pitchFamily="18" charset="0"/>
+                      </a:rPr>
+                      <m:t>, </m:t>
+                    </m:r>
+                    <m:r>
+                      <a:rPr kumimoji="1" lang="en-US" altLang="ja-JP" b="0" i="1" smtClean="0">
+                        <a:latin typeface="Cambria Math" panose="02040503050406030204" pitchFamily="18" charset="0"/>
+                      </a:rPr>
+                      <m:t>𝑏</m:t>
+                    </m:r>
+                  </m:oMath>
+                </a14:m>
+                <a:r>
+                  <a:rPr kumimoji="1" lang="en-US" altLang="ja-JP" dirty="0"/>
+                  <a:t> </a:t>
+                </a:r>
+                <a:r>
+                  <a:rPr kumimoji="1" lang="ja-JP" altLang="en-US" dirty="0"/>
+                  <a:t>の値を調整して、具現できるか。</a:t>
+                </a:r>
+                <a:endParaRPr kumimoji="1" lang="en-US" altLang="ja-JP" dirty="0"/>
+              </a:p>
+              <a:p>
+                <a:r>
+                  <a:rPr kumimoji="1" lang="ja-JP" altLang="en-US" dirty="0"/>
+                  <a:t>一つの直線で区別することができる問題しか解けないので</a:t>
+                </a:r>
+                <a:r>
+                  <a:rPr kumimoji="1" lang="en-US" altLang="ja-JP" dirty="0"/>
+                  <a:t>XOR gate</a:t>
+                </a:r>
+                <a:r>
+                  <a:rPr kumimoji="1" lang="ja-JP" altLang="en-US" dirty="0"/>
+                  <a:t>の具現は不可能。</a:t>
+                </a:r>
+                <a:endParaRPr kumimoji="1" lang="en-US" altLang="ja-JP" dirty="0"/>
+              </a:p>
+            </p:txBody>
+          </p:sp>
+        </mc:Choice>
+        <mc:Fallback>
+          <p:sp>
+            <p:nvSpPr>
+              <p:cNvPr id="3" name="コンテンツ プレースホルダー 2">
+                <a:extLst>
+                  <a:ext uri="{FF2B5EF4-FFF2-40B4-BE49-F238E27FC236}">
+                    <a16:creationId xmlns:a16="http://schemas.microsoft.com/office/drawing/2014/main" id="{3E2BDA9A-CC39-3A21-009D-F0E3074BCE2D}"/>
+                  </a:ext>
+                </a:extLst>
+              </p:cNvPr>
+              <p:cNvSpPr>
+                <a:spLocks noGrp="1" noRot="1" noChangeAspect="1" noMove="1" noResize="1" noEditPoints="1" noAdjustHandles="1" noChangeArrowheads="1" noChangeShapeType="1" noTextEdit="1"/>
+              </p:cNvSpPr>
+              <p:nvPr>
+                <p:ph idx="1"/>
+              </p:nvPr>
+            </p:nvSpPr>
+            <p:spPr>
+              <a:blipFill>
+                <a:blip r:embed="rId2"/>
+                <a:stretch>
+                  <a:fillRect l="-1254" t="-1818"/>
+                </a:stretch>
+              </a:blipFill>
+            </p:spPr>
+            <p:txBody>
+              <a:bodyPr/>
+              <a:lstStyle/>
+              <a:p>
+                <a:r>
+                  <a:rPr lang="ja-JP" altLang="en-US">
+                    <a:noFill/>
+                  </a:rPr>
+                  <a:t> </a:t>
+                </a:r>
+              </a:p>
+            </p:txBody>
+          </p:sp>
+        </mc:Fallback>
+      </mc:AlternateContent>
+      <p:graphicFrame>
+        <p:nvGraphicFramePr>
+          <p:cNvPr id="9" name="グラフ 8">
+            <a:extLst>
+              <a:ext uri="{FF2B5EF4-FFF2-40B4-BE49-F238E27FC236}">
+                <a16:creationId xmlns:a16="http://schemas.microsoft.com/office/drawing/2014/main" id="{5AA13E5B-5746-DEE6-C764-2788319C5939}"/>
+              </a:ext>
+            </a:extLst>
+          </p:cNvPr>
+          <p:cNvGraphicFramePr/>
+          <p:nvPr>
+            <p:extLst>
+              <p:ext uri="{D42A27DB-BD31-4B8C-83A1-F6EECF244321}">
+                <p14:modId xmlns:p14="http://schemas.microsoft.com/office/powerpoint/2010/main" val="3976312301"/>
+              </p:ext>
+            </p:extLst>
+          </p:nvPr>
+        </p:nvGraphicFramePr>
+        <p:xfrm>
+          <a:off x="9681029" y="2978332"/>
+          <a:ext cx="2126341" cy="2090055"/>
+        </p:xfrm>
+        <a:graphic>
+          <a:graphicData uri="http://schemas.openxmlformats.org/drawingml/2006/chart">
+            <c:chart xmlns:c="http://schemas.openxmlformats.org/drawingml/2006/chart" xmlns:r="http://schemas.openxmlformats.org/officeDocument/2006/relationships" r:id="rId3"/>
+          </a:graphicData>
+        </a:graphic>
+      </p:graphicFrame>
+    </p:spTree>
+    <p:extLst>
+      <p:ext uri="{BB962C8B-B14F-4D97-AF65-F5344CB8AC3E}">
+        <p14:creationId xmlns:p14="http://schemas.microsoft.com/office/powerpoint/2010/main" val="2089821669"/>
+      </p:ext>
+    </p:extLst>
+  </p:cSld>
+  <p:clrMapOvr>
+    <a:masterClrMapping/>
+  </p:clrMapOvr>
+</p:sld>
+</file>
+
+<file path=ppt/slides/slide6.xml><?xml version="1.0" encoding="utf-8"?>
+<p:sld xmlns:a="http://schemas.openxmlformats.org/drawingml/2006/main" xmlns:r="http://schemas.openxmlformats.org/officeDocument/2006/relationships" xmlns:p="http://schemas.openxmlformats.org/presentationml/2006/main">
+  <p:cSld>
+    <p:spTree>
+      <p:nvGrpSpPr>
+        <p:cNvPr id="1" name=""/>
+        <p:cNvGrpSpPr/>
+        <p:nvPr/>
+      </p:nvGrpSpPr>
+      <p:grpSpPr>
+        <a:xfrm>
+          <a:off x="0" y="0"/>
+          <a:ext cx="0" cy="0"/>
+          <a:chOff x="0" y="0"/>
+          <a:chExt cx="0" cy="0"/>
+        </a:xfrm>
+      </p:grpSpPr>
+      <p:sp>
+        <p:nvSpPr>
+          <p:cNvPr id="2" name="タイトル 1">
+            <a:extLst>
+              <a:ext uri="{FF2B5EF4-FFF2-40B4-BE49-F238E27FC236}">
+                <a16:creationId xmlns:a16="http://schemas.microsoft.com/office/drawing/2014/main" id="{F7D2B176-D498-1A7E-2227-B44E0760E471}"/>
+              </a:ext>
+            </a:extLst>
+          </p:cNvPr>
+          <p:cNvSpPr>
+            <a:spLocks noGrp="1"/>
+          </p:cNvSpPr>
+          <p:nvPr>
+            <p:ph type="title"/>
+          </p:nvPr>
+        </p:nvSpPr>
+        <p:spPr/>
+        <p:txBody>
+          <a:bodyPr>
+            <a:normAutofit/>
+          </a:bodyPr>
+          <a:lstStyle/>
+          <a:p>
+            <a:r>
+              <a:rPr kumimoji="1" lang="en-US" altLang="ja-JP" sz="4800" dirty="0"/>
+              <a:t>Multilayer perceptron (MLP)</a:t>
+            </a:r>
+            <a:endParaRPr kumimoji="1" lang="ja-JP" altLang="en-US" sz="4800" dirty="0"/>
+          </a:p>
+        </p:txBody>
+      </p:sp>
+      <p:sp>
+        <p:nvSpPr>
+          <p:cNvPr id="3" name="コンテンツ プレースホルダー 2">
+            <a:extLst>
+              <a:ext uri="{FF2B5EF4-FFF2-40B4-BE49-F238E27FC236}">
+                <a16:creationId xmlns:a16="http://schemas.microsoft.com/office/drawing/2014/main" id="{529907B2-4B07-42DF-4D5A-07BB73361E7E}"/>
+              </a:ext>
+            </a:extLst>
+          </p:cNvPr>
+          <p:cNvSpPr>
+            <a:spLocks noGrp="1"/>
+          </p:cNvSpPr>
+          <p:nvPr>
+            <p:ph idx="1"/>
+          </p:nvPr>
+        </p:nvSpPr>
+        <p:spPr/>
+        <p:txBody>
+          <a:bodyPr/>
+          <a:lstStyle/>
+          <a:p>
+            <a:r>
+              <a:rPr kumimoji="1" lang="en-US" altLang="ja-JP" dirty="0"/>
+              <a:t>XOR gate</a:t>
+            </a:r>
+            <a:r>
+              <a:rPr kumimoji="1" lang="ja-JP" altLang="en-US" dirty="0"/>
+              <a:t>が一つの線で不可能だったら、他の線も引けばいい。</a:t>
+            </a:r>
+            <a:endParaRPr kumimoji="1" lang="en-US" altLang="ja-JP" dirty="0"/>
+          </a:p>
+          <a:p>
+            <a:r>
+              <a:rPr kumimoji="1" lang="ja-JP" altLang="en-US" dirty="0"/>
+              <a:t>→</a:t>
+            </a:r>
+            <a:r>
+              <a:rPr kumimoji="1" lang="en-US" altLang="ja-JP" dirty="0"/>
+              <a:t>AND, NAND, OR gate</a:t>
+            </a:r>
+            <a:r>
+              <a:rPr kumimoji="1" lang="ja-JP" altLang="en-US" dirty="0"/>
+              <a:t>の組み合わせで具現できる。</a:t>
+            </a:r>
+            <a:r>
+              <a:rPr kumimoji="1" lang="en-US" altLang="ja-JP" dirty="0"/>
+              <a:t>(NAND,OR</a:t>
+            </a:r>
+            <a:r>
+              <a:rPr kumimoji="1" lang="ko-KR" altLang="en-US" dirty="0"/>
+              <a:t>→</a:t>
+            </a:r>
+            <a:r>
+              <a:rPr kumimoji="1" lang="en-US" altLang="ko-KR" dirty="0"/>
+              <a:t>AND)</a:t>
+            </a:r>
+            <a:endParaRPr kumimoji="1" lang="en-US" altLang="ja-JP" dirty="0"/>
+          </a:p>
+          <a:p>
+            <a:r>
+              <a:rPr kumimoji="1" lang="ja-JP" altLang="en-US" dirty="0"/>
+              <a:t>→層を増やせばいい。</a:t>
+            </a:r>
+            <a:endParaRPr kumimoji="1" lang="en-US" altLang="ja-JP" dirty="0"/>
+          </a:p>
+          <a:p>
+            <a:endParaRPr kumimoji="1" lang="en-US" altLang="ja-JP" dirty="0"/>
+          </a:p>
+          <a:p>
+            <a:r>
+              <a:rPr kumimoji="1" lang="ja-JP" altLang="en-US" dirty="0"/>
+              <a:t>入力層と出力層の間の層を隠れ層</a:t>
+            </a:r>
+            <a:r>
+              <a:rPr kumimoji="1" lang="en-US" altLang="ja-JP" dirty="0"/>
+              <a:t>(Hidden layer)</a:t>
+            </a:r>
+            <a:r>
+              <a:rPr kumimoji="1" lang="ja-JP" altLang="en-US" dirty="0"/>
+              <a:t>という。</a:t>
+            </a:r>
+            <a:endParaRPr kumimoji="1" lang="en-US" altLang="ja-JP" dirty="0"/>
+          </a:p>
+          <a:p>
+            <a:r>
+              <a:rPr kumimoji="1" lang="en-US" altLang="ja-JP" dirty="0"/>
+              <a:t>Hidden layer</a:t>
+            </a:r>
+            <a:r>
+              <a:rPr kumimoji="1" lang="ja-JP" altLang="en-US" dirty="0"/>
+              <a:t>が二つ以上である神経網を深層神経網</a:t>
+            </a:r>
+            <a:r>
+              <a:rPr kumimoji="1" lang="en-US" altLang="ja-JP" dirty="0"/>
+              <a:t>(Deep Neural Network, DNN)</a:t>
+            </a:r>
+            <a:r>
+              <a:rPr kumimoji="1" lang="ja-JP" altLang="en-US" dirty="0"/>
+              <a:t>という。</a:t>
+            </a:r>
+          </a:p>
+        </p:txBody>
+      </p:sp>
+    </p:spTree>
+    <p:extLst>
+      <p:ext uri="{BB962C8B-B14F-4D97-AF65-F5344CB8AC3E}">
+        <p14:creationId xmlns:p14="http://schemas.microsoft.com/office/powerpoint/2010/main" val="1274042066"/>
+      </p:ext>
+    </p:extLst>
+  </p:cSld>
+  <p:clrMapOvr>
+    <a:masterClrMapping/>
+  </p:clrMapOvr>
+</p:sld>
+</file>
+
+<file path=ppt/slides/slide7.xml><?xml version="1.0" encoding="utf-8"?>
+<p:sld xmlns:a="http://schemas.openxmlformats.org/drawingml/2006/main" xmlns:r="http://schemas.openxmlformats.org/officeDocument/2006/relationships" xmlns:p="http://schemas.openxmlformats.org/presentationml/2006/main">
+  <p:cSld>
+    <p:spTree>
+      <p:nvGrpSpPr>
+        <p:cNvPr id="1" name=""/>
+        <p:cNvGrpSpPr/>
+        <p:nvPr/>
+      </p:nvGrpSpPr>
+      <p:grpSpPr>
+        <a:xfrm>
+          <a:off x="0" y="0"/>
+          <a:ext cx="0" cy="0"/>
+          <a:chOff x="0" y="0"/>
+          <a:chExt cx="0" cy="0"/>
+        </a:xfrm>
+      </p:grpSpPr>
+      <p:sp>
+        <p:nvSpPr>
+          <p:cNvPr id="2" name="タイトル 1">
+            <a:extLst>
+              <a:ext uri="{FF2B5EF4-FFF2-40B4-BE49-F238E27FC236}">
+                <a16:creationId xmlns:a16="http://schemas.microsoft.com/office/drawing/2014/main" id="{88B675FF-B657-0DBB-260F-0D707460012B}"/>
+              </a:ext>
+            </a:extLst>
+          </p:cNvPr>
+          <p:cNvSpPr>
+            <a:spLocks noGrp="1"/>
+          </p:cNvSpPr>
+          <p:nvPr>
+            <p:ph type="title"/>
+          </p:nvPr>
+        </p:nvSpPr>
+        <p:spPr/>
+        <p:txBody>
+          <a:bodyPr/>
+          <a:lstStyle/>
+          <a:p>
+            <a:r>
+              <a:rPr kumimoji="1" lang="en-US" altLang="ja-JP" dirty="0"/>
+              <a:t>Activation Function</a:t>
+            </a:r>
+            <a:endParaRPr kumimoji="1" lang="ja-JP" altLang="en-US" dirty="0"/>
+          </a:p>
+        </p:txBody>
+      </p:sp>
+      <mc:AlternateContent xmlns:mc="http://schemas.openxmlformats.org/markup-compatibility/2006">
+        <mc:Choice xmlns:a14="http://schemas.microsoft.com/office/drawing/2010/main" Requires="a14">
+          <p:sp>
+            <p:nvSpPr>
+              <p:cNvPr id="3" name="コンテンツ プレースホルダー 2">
+                <a:extLst>
+                  <a:ext uri="{FF2B5EF4-FFF2-40B4-BE49-F238E27FC236}">
+                    <a16:creationId xmlns:a16="http://schemas.microsoft.com/office/drawing/2014/main" id="{F65BBFEA-5A1A-1432-A0F3-69C8C6A9E55C}"/>
+                  </a:ext>
+                </a:extLst>
+              </p:cNvPr>
+              <p:cNvSpPr>
+                <a:spLocks noGrp="1"/>
+              </p:cNvSpPr>
+              <p:nvPr>
+                <p:ph idx="1"/>
+              </p:nvPr>
+            </p:nvSpPr>
+            <p:spPr>
+              <a:xfrm>
+                <a:off x="1024128" y="1878227"/>
+                <a:ext cx="9720073" cy="4893275"/>
+              </a:xfrm>
+            </p:spPr>
+            <p:txBody>
+              <a:bodyPr>
+                <a:normAutofit fontScale="92500" lnSpcReduction="10000"/>
+              </a:bodyPr>
+              <a:lstStyle/>
+              <a:p>
+                <a:r>
+                  <a:rPr kumimoji="1" lang="en-US" altLang="ja-JP" dirty="0"/>
+                  <a:t>Nonlinear function. </a:t>
+                </a:r>
+                <a:r>
+                  <a:rPr kumimoji="1" lang="ja-JP" altLang="en-US" dirty="0"/>
+                  <a:t>→ 線形関数である場合、数値の範囲が変わるだけ。</a:t>
+                </a:r>
+                <a:endParaRPr kumimoji="1" lang="en-US" altLang="ja-JP" dirty="0"/>
+              </a:p>
+              <a:p>
+                <a:r>
+                  <a:rPr kumimoji="1" lang="en-US" altLang="ja-JP" dirty="0"/>
+                  <a:t>(</a:t>
+                </a:r>
+                <a:r>
+                  <a:rPr kumimoji="1" lang="ja-JP" altLang="en-US" dirty="0"/>
+                  <a:t>例外として、学習可能である新しい重み値ができるという点があるので使われる場合もある。</a:t>
+                </a:r>
+                <a:r>
+                  <a:rPr kumimoji="1" lang="en-US" altLang="ja-JP" dirty="0"/>
+                  <a:t>)</a:t>
+                </a:r>
+              </a:p>
+              <a:p>
+                <a:endParaRPr kumimoji="1" lang="en-US" altLang="ja-JP" dirty="0"/>
+              </a:p>
+              <a:p>
+                <a:r>
+                  <a:rPr kumimoji="1" lang="en-US" altLang="ja-JP" b="1" dirty="0"/>
+                  <a:t>Step function</a:t>
+                </a:r>
+              </a:p>
+              <a:p>
+                <a:r>
+                  <a:rPr kumimoji="1" lang="en-US" altLang="ja-JP" b="1" dirty="0"/>
+                  <a:t>Sigmoid function </a:t>
+                </a:r>
+                <a:r>
+                  <a:rPr kumimoji="1" lang="en-US" altLang="ja-JP" dirty="0"/>
+                  <a:t>: </a:t>
+                </a:r>
+                <a:r>
+                  <a:rPr kumimoji="1" lang="ja-JP" altLang="en-US" dirty="0"/>
+                  <a:t>出力値が</a:t>
+                </a:r>
+                <a:r>
+                  <a:rPr kumimoji="1" lang="en-US" altLang="ja-JP" dirty="0"/>
+                  <a:t>0</a:t>
+                </a:r>
+                <a:r>
+                  <a:rPr kumimoji="1" lang="ja-JP" altLang="en-US" dirty="0"/>
+                  <a:t>や</a:t>
+                </a:r>
+                <a:r>
+                  <a:rPr kumimoji="1" lang="en-US" altLang="ja-JP" dirty="0"/>
+                  <a:t>1</a:t>
+                </a:r>
+                <a:r>
+                  <a:rPr kumimoji="1" lang="ja-JP" altLang="en-US" dirty="0"/>
+                  <a:t>に近づくほど傾きが</a:t>
+                </a:r>
+                <a:r>
+                  <a:rPr kumimoji="1" lang="en-US" altLang="ja-JP" dirty="0"/>
+                  <a:t>0</a:t>
+                </a:r>
+                <a:r>
+                  <a:rPr kumimoji="1" lang="ja-JP" altLang="en-US" dirty="0"/>
+                  <a:t>に近い値がなってしまう </a:t>
+                </a:r>
+                <a:r>
+                  <a:rPr kumimoji="1" lang="en-US" altLang="ja-JP" dirty="0"/>
+                  <a:t>&amp; </a:t>
+                </a:r>
+                <a:r>
+                  <a:rPr kumimoji="1" lang="ja-JP" altLang="en-US" dirty="0"/>
+                  <a:t>傾きの最大値が</a:t>
+                </a:r>
+                <a:r>
+                  <a:rPr kumimoji="1" lang="en-US" altLang="ja-JP" dirty="0"/>
+                  <a:t>0.25</a:t>
+                </a:r>
+                <a:r>
+                  <a:rPr kumimoji="1" lang="ja-JP" altLang="en-US" dirty="0"/>
+                  <a:t>→</a:t>
+                </a:r>
+                <a:r>
+                  <a:rPr kumimoji="1" lang="ko-KR" altLang="en-US" dirty="0"/>
+                  <a:t> </a:t>
+                </a:r>
+                <a:r>
+                  <a:rPr kumimoji="1" lang="en-US" altLang="ko-KR" dirty="0"/>
+                  <a:t>Vanishing Gradient (w</a:t>
+                </a:r>
+                <a:r>
+                  <a:rPr kumimoji="1" lang="ja-JP" altLang="en-US" dirty="0"/>
+                  <a:t>がアップデートされない。</a:t>
+                </a:r>
+                <a:r>
+                  <a:rPr kumimoji="1" lang="en-US" altLang="ja-JP" dirty="0"/>
+                  <a:t>)</a:t>
+                </a:r>
+              </a:p>
+              <a:p>
+                <a:r>
+                  <a:rPr kumimoji="1" lang="en-US" altLang="ja-JP" b="1" dirty="0"/>
+                  <a:t>Hyperbolic tangent function </a:t>
+                </a:r>
+                <a:r>
+                  <a:rPr kumimoji="1" lang="en-US" altLang="ja-JP" dirty="0"/>
+                  <a:t>: </a:t>
+                </a:r>
+                <a:r>
+                  <a:rPr kumimoji="1" lang="ja-JP" altLang="en-US" dirty="0"/>
+                  <a:t>傾きの最大値が</a:t>
+                </a:r>
+                <a:r>
+                  <a:rPr kumimoji="1" lang="en-US" altLang="ja-JP" dirty="0"/>
+                  <a:t>1</a:t>
+                </a:r>
+                <a:r>
+                  <a:rPr kumimoji="1" lang="ja-JP" altLang="en-US" dirty="0"/>
+                  <a:t>→</a:t>
+                </a:r>
+                <a:r>
+                  <a:rPr kumimoji="1" lang="en-US" altLang="ja-JP" dirty="0"/>
+                  <a:t>Sigmoid</a:t>
+                </a:r>
+                <a:r>
+                  <a:rPr kumimoji="1" lang="ja-JP" altLang="en-US" dirty="0"/>
+                  <a:t>関数よりは</a:t>
+                </a:r>
+                <a:r>
+                  <a:rPr kumimoji="1" lang="en-US" altLang="ja-JP" dirty="0"/>
+                  <a:t>Vanishing Gradient </a:t>
+                </a:r>
+                <a:r>
+                  <a:rPr kumimoji="1" lang="ja-JP" altLang="en-US" dirty="0"/>
+                  <a:t>問題から自由。</a:t>
+                </a:r>
+                <a:endParaRPr kumimoji="1" lang="en-US" altLang="ja-JP" dirty="0"/>
+              </a:p>
+              <a:p>
+                <a:r>
+                  <a:rPr kumimoji="1" lang="en-US" altLang="ja-JP" b="1" dirty="0" err="1"/>
+                  <a:t>ReLU</a:t>
+                </a:r>
+                <a:r>
+                  <a:rPr kumimoji="1" lang="en-US" altLang="ja-JP" b="1" dirty="0"/>
+                  <a:t> </a:t>
+                </a:r>
+                <a:r>
+                  <a:rPr kumimoji="1" lang="en-US" altLang="ja-JP" dirty="0"/>
+                  <a:t>: </a:t>
+                </a:r>
+                <a:r>
+                  <a:rPr kumimoji="1" lang="ja-JP" altLang="en-US" dirty="0"/>
+                  <a:t>早くて、出力値がある値に収斂しない。</a:t>
+                </a:r>
+                <a:endParaRPr kumimoji="1" lang="en-US" altLang="ja-JP" dirty="0"/>
+              </a:p>
+              <a:p>
+                <a:r>
+                  <a:rPr kumimoji="1" lang="ja-JP" altLang="en-US" dirty="0"/>
+                  <a:t>入力値が負数の場合、傾きが</a:t>
+                </a:r>
+                <a:r>
+                  <a:rPr kumimoji="1" lang="en-US" altLang="ja-JP" dirty="0"/>
+                  <a:t>0</a:t>
+                </a:r>
+                <a:r>
+                  <a:rPr kumimoji="1" lang="ja-JP" altLang="en-US" dirty="0"/>
+                  <a:t>になり、ニューロンが死んでしまう</a:t>
+                </a:r>
+                <a:r>
+                  <a:rPr kumimoji="1" lang="en-US" altLang="ja-JP" dirty="0"/>
+                  <a:t>(dying </a:t>
+                </a:r>
+                <a:r>
+                  <a:rPr kumimoji="1" lang="en-US" altLang="ja-JP" dirty="0" err="1"/>
+                  <a:t>ReLU</a:t>
+                </a:r>
+                <a:r>
+                  <a:rPr kumimoji="1" lang="en-US" altLang="ja-JP" dirty="0"/>
+                  <a:t>)</a:t>
+                </a:r>
+                <a:r>
+                  <a:rPr kumimoji="1" lang="ja-JP" altLang="en-US" dirty="0"/>
+                  <a:t>。</a:t>
+                </a:r>
+                <a:endParaRPr kumimoji="1" lang="en-US" altLang="ja-JP" dirty="0"/>
+              </a:p>
+              <a:p>
+                <a:r>
+                  <a:rPr kumimoji="1" lang="en-US" altLang="ja-JP" b="1" dirty="0"/>
+                  <a:t>Leaky </a:t>
+                </a:r>
+                <a:r>
+                  <a:rPr kumimoji="1" lang="en-US" altLang="ja-JP" b="1" dirty="0" err="1"/>
+                  <a:t>ReLU</a:t>
+                </a:r>
+                <a:r>
+                  <a:rPr kumimoji="1" lang="en-US" altLang="ja-JP" b="1" dirty="0"/>
+                  <a:t> </a:t>
+                </a:r>
+                <a:r>
+                  <a:rPr kumimoji="1" lang="en-US" altLang="ja-JP" dirty="0"/>
+                  <a:t>: </a:t>
+                </a:r>
+                <a14:m>
+                  <m:oMath xmlns:m="http://schemas.openxmlformats.org/officeDocument/2006/math">
+                    <m:r>
+                      <a:rPr kumimoji="1" lang="en-US" altLang="ja-JP" b="0" i="1" smtClean="0">
+                        <a:latin typeface="Cambria Math" panose="02040503050406030204" pitchFamily="18" charset="0"/>
+                      </a:rPr>
+                      <m:t>𝑓</m:t>
+                    </m:r>
+                    <m:d>
+                      <m:dPr>
+                        <m:ctrlPr>
+                          <a:rPr kumimoji="1" lang="en-US" altLang="ja-JP" b="0" i="1" smtClean="0">
+                            <a:latin typeface="Cambria Math" panose="02040503050406030204" pitchFamily="18" charset="0"/>
+                          </a:rPr>
+                        </m:ctrlPr>
+                      </m:dPr>
+                      <m:e>
+                        <m:r>
+                          <a:rPr kumimoji="1" lang="en-US" altLang="ja-JP" b="0" i="1" smtClean="0">
+                            <a:latin typeface="Cambria Math" panose="02040503050406030204" pitchFamily="18" charset="0"/>
+                          </a:rPr>
+                          <m:t>𝑥</m:t>
+                        </m:r>
+                      </m:e>
+                    </m:d>
+                    <m:r>
+                      <a:rPr kumimoji="1" lang="en-US" altLang="ja-JP" b="0" i="1" smtClean="0">
+                        <a:latin typeface="Cambria Math" panose="02040503050406030204" pitchFamily="18" charset="0"/>
+                      </a:rPr>
+                      <m:t>=</m:t>
+                    </m:r>
+                    <m:r>
+                      <m:rPr>
+                        <m:sty m:val="p"/>
+                      </m:rPr>
+                      <a:rPr kumimoji="1" lang="en-US" altLang="ja-JP" b="0" i="0" smtClean="0">
+                        <a:latin typeface="Cambria Math" panose="02040503050406030204" pitchFamily="18" charset="0"/>
+                      </a:rPr>
+                      <m:t>max</m:t>
+                    </m:r>
+                    <m:r>
+                      <a:rPr kumimoji="1" lang="en-US" altLang="ja-JP" b="0" i="1" smtClean="0">
+                        <a:latin typeface="Cambria Math" panose="02040503050406030204" pitchFamily="18" charset="0"/>
+                      </a:rPr>
+                      <m:t>⁡(</m:t>
+                    </m:r>
+                    <m:r>
+                      <a:rPr kumimoji="1" lang="en-US" altLang="ja-JP" b="0" i="1" smtClean="0">
+                        <a:latin typeface="Cambria Math" panose="02040503050406030204" pitchFamily="18" charset="0"/>
+                      </a:rPr>
+                      <m:t>𝑎𝑥</m:t>
+                    </m:r>
+                    <m:r>
+                      <a:rPr kumimoji="1" lang="en-US" altLang="ja-JP" b="0" i="1" smtClean="0">
+                        <a:latin typeface="Cambria Math" panose="02040503050406030204" pitchFamily="18" charset="0"/>
+                      </a:rPr>
+                      <m:t>,</m:t>
+                    </m:r>
+                    <m:r>
+                      <a:rPr kumimoji="1" lang="en-US" altLang="ja-JP" b="0" i="1" smtClean="0">
+                        <a:latin typeface="Cambria Math" panose="02040503050406030204" pitchFamily="18" charset="0"/>
+                      </a:rPr>
+                      <m:t>𝑥</m:t>
+                    </m:r>
+                    <m:r>
+                      <a:rPr kumimoji="1" lang="en-US" altLang="ja-JP" b="0" i="1" smtClean="0">
+                        <a:latin typeface="Cambria Math" panose="02040503050406030204" pitchFamily="18" charset="0"/>
+                      </a:rPr>
+                      <m:t>)</m:t>
+                    </m:r>
+                  </m:oMath>
+                </a14:m>
+                <a:r>
+                  <a:rPr kumimoji="1" lang="ja-JP" altLang="en-US" dirty="0"/>
+                  <a:t> </a:t>
+                </a:r>
+                <a:r>
+                  <a:rPr kumimoji="1" lang="en-US" altLang="ja-JP" dirty="0"/>
+                  <a:t>dying </a:t>
+                </a:r>
+                <a:r>
+                  <a:rPr kumimoji="1" lang="en-US" altLang="ja-JP" dirty="0" err="1"/>
+                  <a:t>ReLU</a:t>
+                </a:r>
+                <a:r>
+                  <a:rPr kumimoji="1" lang="ja-JP" altLang="en-US" dirty="0"/>
+                  <a:t>を解決した関数。</a:t>
+                </a:r>
+                <a:endParaRPr kumimoji="1" lang="en-US" altLang="ja-JP" dirty="0"/>
+              </a:p>
+              <a:p>
+                <a:r>
+                  <a:rPr kumimoji="1" lang="en-US" altLang="ja-JP" b="1" dirty="0" err="1"/>
+                  <a:t>Softmax</a:t>
+                </a:r>
+                <a:r>
+                  <a:rPr kumimoji="1" lang="en-US" altLang="ja-JP" b="1" dirty="0"/>
+                  <a:t> function</a:t>
+                </a:r>
+                <a:endParaRPr kumimoji="1" lang="ja-JP" altLang="en-US" b="1" dirty="0"/>
+              </a:p>
+            </p:txBody>
+          </p:sp>
+        </mc:Choice>
+        <mc:Fallback>
+          <p:sp>
+            <p:nvSpPr>
+              <p:cNvPr id="3" name="コンテンツ プレースホルダー 2">
+                <a:extLst>
+                  <a:ext uri="{FF2B5EF4-FFF2-40B4-BE49-F238E27FC236}">
+                    <a16:creationId xmlns:a16="http://schemas.microsoft.com/office/drawing/2014/main" id="{F65BBFEA-5A1A-1432-A0F3-69C8C6A9E55C}"/>
+                  </a:ext>
+                </a:extLst>
+              </p:cNvPr>
+              <p:cNvSpPr>
+                <a:spLocks noGrp="1" noRot="1" noChangeAspect="1" noMove="1" noResize="1" noEditPoints="1" noAdjustHandles="1" noChangeArrowheads="1" noChangeShapeType="1" noTextEdit="1"/>
+              </p:cNvSpPr>
+              <p:nvPr>
+                <p:ph idx="1"/>
+              </p:nvPr>
+            </p:nvSpPr>
+            <p:spPr>
+              <a:xfrm>
+                <a:off x="1024128" y="1878227"/>
+                <a:ext cx="9720073" cy="4893275"/>
+              </a:xfrm>
+              <a:blipFill>
+                <a:blip r:embed="rId2"/>
+                <a:stretch>
+                  <a:fillRect l="-188" t="-2117" r="-627" b="-1494"/>
+                </a:stretch>
+              </a:blipFill>
+            </p:spPr>
+            <p:txBody>
+              <a:bodyPr/>
+              <a:lstStyle/>
+              <a:p>
+                <a:r>
+                  <a:rPr lang="ja-JP" altLang="en-US">
+                    <a:noFill/>
+                  </a:rPr>
+                  <a:t> </a:t>
+                </a:r>
+              </a:p>
+            </p:txBody>
+          </p:sp>
+        </mc:Fallback>
+      </mc:AlternateContent>
+    </p:spTree>
+    <p:extLst>
+      <p:ext uri="{BB962C8B-B14F-4D97-AF65-F5344CB8AC3E}">
+        <p14:creationId xmlns:p14="http://schemas.microsoft.com/office/powerpoint/2010/main" val="1605846019"/>
       </p:ext>
     </p:extLst>
   </p:cSld>
@@ -27259,15 +29307,6 @@
 </file>
 
 <file path=customXml/item2.xml><?xml version="1.0" encoding="utf-8"?>
-<?mso-contentType ?>
-<FormTemplates xmlns="http://schemas.microsoft.com/sharepoint/v3/contenttype/forms">
-  <Display>DocumentLibraryForm</Display>
-  <Edit>DocumentLibraryForm</Edit>
-  <New>DocumentLibraryForm</New>
-</FormTemplates>
-</file>
-
-<file path=customXml/item3.xml><?xml version="1.0" encoding="utf-8"?>
 <ct:contentTypeSchema xmlns:ct="http://schemas.microsoft.com/office/2006/metadata/contentType" xmlns:ma="http://schemas.microsoft.com/office/2006/metadata/properties/metaAttributes" ct:_="" ma:_="" ma:contentTypeName="Document" ma:contentTypeID="0x01010079F111ED35F8CC479449609E8A0923A6" ma:contentTypeVersion="11" ma:contentTypeDescription="Create a new document." ma:contentTypeScope="" ma:versionID="9677210f24a1be23c92c90fd886aa0aa">
   <xsd:schema xmlns:xsd="http://www.w3.org/2001/XMLSchema" xmlns:xs="http://www.w3.org/2001/XMLSchema" xmlns:p="http://schemas.microsoft.com/office/2006/metadata/properties" xmlns:ns2="71af3243-3dd4-4a8d-8c0d-dd76da1f02a5" xmlns:ns3="16c05727-aa75-4e4a-9b5f-8a80a1165891" targetNamespace="http://schemas.microsoft.com/office/2006/metadata/properties" ma:root="true" ma:fieldsID="60e05723c5c1908df1a1a4ebf11d344e" ns2:_="" ns3:_="">
     <xsd:import namespace="71af3243-3dd4-4a8d-8c0d-dd76da1f02a5"/>
@@ -27478,6 +29517,15 @@
 </ct:contentTypeSchema>
 </file>
 
+<file path=customXml/item3.xml><?xml version="1.0" encoding="utf-8"?>
+<?mso-contentType ?>
+<FormTemplates xmlns="http://schemas.microsoft.com/sharepoint/v3/contenttype/forms">
+  <Display>DocumentLibraryForm</Display>
+  <Edit>DocumentLibraryForm</Edit>
+  <New>DocumentLibraryForm</New>
+</FormTemplates>
+</file>
+
 <file path=customXml/itemProps1.xml><?xml version="1.0" encoding="utf-8"?>
 <ds:datastoreItem xmlns:ds="http://schemas.openxmlformats.org/officeDocument/2006/customXml" ds:itemID="{788A2F88-55C5-4ED1-9541-807C65424763}">
   <ds:schemaRefs>
@@ -27489,14 +29537,6 @@
 </file>
 
 <file path=customXml/itemProps2.xml><?xml version="1.0" encoding="utf-8"?>
-<ds:datastoreItem xmlns:ds="http://schemas.openxmlformats.org/officeDocument/2006/customXml" ds:itemID="{4F44C90D-2A62-4985-9618-3460247437B1}">
-  <ds:schemaRefs>
-    <ds:schemaRef ds:uri="http://schemas.microsoft.com/sharepoint/v3/contenttype/forms"/>
-  </ds:schemaRefs>
-</ds:datastoreItem>
-</file>
-
-<file path=customXml/itemProps3.xml><?xml version="1.0" encoding="utf-8"?>
 <ds:datastoreItem xmlns:ds="http://schemas.openxmlformats.org/officeDocument/2006/customXml" ds:itemID="{B61EAB5F-88FC-4FAE-AE3C-037A3C365EB8}">
   <ds:schemaRefs>
     <ds:schemaRef ds:uri="http://schemas.microsoft.com/office/2006/metadata/contentType"/>
@@ -27513,4 +29553,12 @@
     <ds:schemaRef ds:uri="http://schemas.microsoft.com/internal/obd"/>
   </ds:schemaRefs>
 </ds:datastoreItem>
+</file>
+
+<file path=customXml/itemProps3.xml><?xml version="1.0" encoding="utf-8"?>
+<ds:datastoreItem xmlns:ds="http://schemas.openxmlformats.org/officeDocument/2006/customXml" ds:itemID="{4F44C90D-2A62-4985-9618-3460247437B1}">
+  <ds:schemaRefs>
+    <ds:schemaRef ds:uri="http://schemas.microsoft.com/sharepoint/v3/contenttype/forms"/>
+  </ds:schemaRefs>
+</ds:datastoreItem>
 </file>
--- a/Presentation/ppt 7.pptx
+++ b/Presentation/ppt 7.pptx
@@ -5,10 +5,10 @@
     <p:sldMasterId id="2147483648" r:id="rId4"/>
   </p:sldMasterIdLst>
   <p:notesMasterIdLst>
-    <p:notesMasterId r:id="rId12"/>
+    <p:notesMasterId r:id="rId15"/>
   </p:notesMasterIdLst>
   <p:handoutMasterIdLst>
-    <p:handoutMasterId r:id="rId13"/>
+    <p:handoutMasterId r:id="rId16"/>
   </p:handoutMasterIdLst>
   <p:sldIdLst>
     <p:sldId id="256" r:id="rId5"/>
@@ -18,6 +18,9 @@
     <p:sldId id="280" r:id="rId9"/>
     <p:sldId id="281" r:id="rId10"/>
     <p:sldId id="282" r:id="rId11"/>
+    <p:sldId id="283" r:id="rId12"/>
+    <p:sldId id="284" r:id="rId13"/>
+    <p:sldId id="285" r:id="rId14"/>
   </p:sldIdLst>
   <p:sldSz cx="12192000" cy="6858000"/>
   <p:notesSz cx="6858000" cy="9144000"/>
@@ -130,7 +133,7 @@
 <file path=ppt/charts/chart1.xml><?xml version="1.0" encoding="utf-8"?>
 <c:chartSpace xmlns:c="http://schemas.openxmlformats.org/drawingml/2006/chart" xmlns:a="http://schemas.openxmlformats.org/drawingml/2006/main" xmlns:r="http://schemas.openxmlformats.org/officeDocument/2006/relationships" xmlns:c16r2="http://schemas.microsoft.com/office/drawing/2015/06/chart">
   <c:date1904 val="0"/>
-  <c:lang val="ja-JP"/>
+  <c:lang val="ko-KR"/>
   <c:roundedCorners val="0"/>
   <mc:AlternateContent xmlns:mc="http://schemas.openxmlformats.org/markup-compatibility/2006">
     <mc:Choice xmlns:c14="http://schemas.microsoft.com/office/drawing/2007/8/2/chart" Requires="c14">
@@ -148,7 +151,7 @@
           <a:lstStyle/>
           <a:p>
             <a:pPr>
-              <a:defRPr sz="1862" b="0" i="0" u="none" strike="noStrike" kern="1200" spc="0" baseline="0">
+              <a:defRPr lang="ja-JP" sz="1862" b="0" i="0" u="none" strike="noStrike" kern="1200" spc="0" baseline="0">
                 <a:solidFill>
                   <a:schemeClr val="tx1">
                     <a:lumMod val="65000"/>
@@ -181,7 +184,7 @@
         <a:lstStyle/>
         <a:p>
           <a:pPr>
-            <a:defRPr sz="1862" b="0" i="0" u="none" strike="noStrike" kern="1200" spc="0" baseline="0">
+            <a:defRPr lang="ja-JP" sz="1862" b="0" i="0" u="none" strike="noStrike" kern="1200" spc="0" baseline="0">
               <a:solidFill>
                 <a:schemeClr val="tx1">
                   <a:lumMod val="65000"/>
@@ -193,7 +196,7 @@
               <a:cs typeface="+mn-cs"/>
             </a:defRPr>
           </a:pPr>
-          <a:endParaRPr lang="ja-JP"/>
+          <a:endParaRPr lang="ko-KR"/>
         </a:p>
       </c:txPr>
     </c:title>
@@ -351,7 +354,7 @@
           <a:lstStyle/>
           <a:p>
             <a:pPr>
-              <a:defRPr sz="1197" b="0" i="0" u="none" strike="noStrike" kern="1200" baseline="0">
+              <a:defRPr lang="ja-JP" sz="1197" b="0" i="0" u="none" strike="noStrike" kern="1200" baseline="0">
                 <a:solidFill>
                   <a:schemeClr val="tx1">
                     <a:lumMod val="65000"/>
@@ -363,7 +366,7 @@
                 <a:cs typeface="+mn-cs"/>
               </a:defRPr>
             </a:pPr>
-            <a:endParaRPr lang="ja-JP"/>
+            <a:endParaRPr lang="ko-KR"/>
           </a:p>
         </c:txPr>
         <c:crossAx val="1142436192"/>
@@ -415,7 +418,7 @@
           <a:lstStyle/>
           <a:p>
             <a:pPr>
-              <a:defRPr sz="1197" b="0" i="0" u="none" strike="noStrike" kern="1200" baseline="0">
+              <a:defRPr lang="ja-JP" sz="1197" b="0" i="0" u="none" strike="noStrike" kern="1200" baseline="0">
                 <a:solidFill>
                   <a:schemeClr val="tx1">
                     <a:lumMod val="65000"/>
@@ -427,7 +430,7 @@
                 <a:cs typeface="+mn-cs"/>
               </a:defRPr>
             </a:pPr>
-            <a:endParaRPr lang="ja-JP"/>
+            <a:endParaRPr lang="ko-KR"/>
           </a:p>
         </c:txPr>
         <c:crossAx val="1142436608"/>
@@ -468,7 +471,7 @@
       <a:pPr>
         <a:defRPr/>
       </a:pPr>
-      <a:endParaRPr lang="ja-JP"/>
+      <a:endParaRPr lang="ko-KR"/>
     </a:p>
   </c:txPr>
   <c:externalData r:id="rId3">
@@ -4373,7 +4376,7 @@
                 <a:latin typeface="맑은 고딕" panose="020B0503020000020004" pitchFamily="50" charset="-127"/>
                 <a:ea typeface="맑은 고딕" panose="020B0503020000020004" pitchFamily="50" charset="-127"/>
               </a:rPr>
-              <a:t>2022-12-15</a:t>
+              <a:t>2022-12-18</a:t>
             </a:fld>
             <a:endParaRPr lang="ko-KR" altLang="en-US" dirty="0">
               <a:latin typeface="맑은 고딕" panose="020B0503020000020004" pitchFamily="50" charset="-127"/>
@@ -4560,7 +4563,7 @@
             <a:fld id="{C6D4BD08-001C-4DA3-A8F2-B1A0C43B0DFD}" type="datetime1">
               <a:rPr lang="ko-KR" altLang="en-US" smtClean="0"/>
               <a:pPr/>
-              <a:t>2022-12-15</a:t>
+              <a:t>2022-12-18</a:t>
             </a:fld>
             <a:endParaRPr lang="ko-KR" altLang="en-US" dirty="0"/>
           </a:p>
@@ -13817,7 +13820,7 @@
             <a:fld id="{20DA4868-5905-4D40-A3C7-A08A77FB381F}" type="datetime1">
               <a:rPr lang="ko-KR" altLang="en-US" smtClean="0"/>
               <a:pPr/>
-              <a:t>2022-12-15</a:t>
+              <a:t>2022-12-18</a:t>
             </a:fld>
             <a:endParaRPr lang="ko-KR" altLang="en-US" dirty="0"/>
           </a:p>
@@ -14027,7 +14030,7 @@
             <a:fld id="{A7059D92-5434-44F0-8311-BFCB0FE3ABFC}" type="datetime1">
               <a:rPr lang="ko-KR" altLang="en-US" smtClean="0"/>
               <a:pPr/>
-              <a:t>2022-12-15</a:t>
+              <a:t>2022-12-18</a:t>
             </a:fld>
             <a:endParaRPr lang="ko-KR" altLang="en-US" dirty="0"/>
           </a:p>
@@ -14251,7 +14254,7 @@
             <a:fld id="{2FB232E3-E22B-46B2-B042-7B0B4F3513F2}" type="datetime1">
               <a:rPr lang="ko-KR" altLang="en-US" smtClean="0"/>
               <a:pPr/>
-              <a:t>2022-12-15</a:t>
+              <a:t>2022-12-18</a:t>
             </a:fld>
             <a:endParaRPr lang="ko-KR" altLang="en-US" dirty="0"/>
           </a:p>
@@ -14472,7 +14475,7 @@
             <a:fld id="{9EFA091B-FB79-4832-BBA6-485BF4956E11}" type="datetime1">
               <a:rPr lang="ko-KR" altLang="en-US" smtClean="0"/>
               <a:pPr/>
-              <a:t>2022-12-15</a:t>
+              <a:t>2022-12-18</a:t>
             </a:fld>
             <a:endParaRPr lang="ko-KR" altLang="en-US" dirty="0"/>
           </a:p>
@@ -23373,7 +23376,7 @@
             <a:fld id="{5F31BFAB-5A50-4862-991D-7095D6C5D4BE}" type="datetime1">
               <a:rPr lang="ko-KR" altLang="en-US" smtClean="0"/>
               <a:pPr/>
-              <a:t>2022-12-15</a:t>
+              <a:t>2022-12-18</a:t>
             </a:fld>
             <a:endParaRPr lang="ko-KR" altLang="en-US" dirty="0"/>
           </a:p>
@@ -23650,7 +23653,7 @@
             <a:fld id="{A3BD5271-FEFE-4914-869C-5327720A295E}" type="datetime1">
               <a:rPr lang="ko-KR" altLang="en-US" smtClean="0"/>
               <a:pPr/>
-              <a:t>2022-12-15</a:t>
+              <a:t>2022-12-18</a:t>
             </a:fld>
             <a:endParaRPr lang="ko-KR" altLang="en-US" dirty="0"/>
           </a:p>
@@ -24051,7 +24054,7 @@
             <a:fld id="{6961C815-1148-4AA6-9F9C-F8BBBFBB10CA}" type="datetime1">
               <a:rPr lang="ko-KR" altLang="en-US" smtClean="0"/>
               <a:pPr/>
-              <a:t>2022-12-15</a:t>
+              <a:t>2022-12-18</a:t>
             </a:fld>
             <a:endParaRPr lang="ko-KR" altLang="en-US" dirty="0"/>
           </a:p>
@@ -24172,7 +24175,7 @@
             <a:fld id="{A47AA9F1-F81C-4105-8A81-06D610EC4B63}" type="datetime1">
               <a:rPr lang="ko-KR" altLang="en-US" smtClean="0"/>
               <a:pPr/>
-              <a:t>2022-12-15</a:t>
+              <a:t>2022-12-18</a:t>
             </a:fld>
             <a:endParaRPr lang="ko-KR" altLang="en-US" dirty="0"/>
           </a:p>
@@ -24269,7 +24272,7 @@
             <a:fld id="{1F487A97-1A80-4798-B672-85D6AB250DCF}" type="datetime1">
               <a:rPr lang="ko-KR" altLang="en-US" smtClean="0"/>
               <a:pPr/>
-              <a:t>2022-12-15</a:t>
+              <a:t>2022-12-18</a:t>
             </a:fld>
             <a:endParaRPr lang="ko-KR" altLang="en-US" dirty="0"/>
           </a:p>
@@ -24562,7 +24565,7 @@
             <a:fld id="{EE653310-AD94-41CD-AC0F-1501C4EA6D6F}" type="datetime1">
               <a:rPr lang="ko-KR" altLang="en-US" smtClean="0"/>
               <a:pPr/>
-              <a:t>2022-12-15</a:t>
+              <a:t>2022-12-18</a:t>
             </a:fld>
             <a:endParaRPr lang="en-US" dirty="0"/>
           </a:p>
@@ -24846,7 +24849,7 @@
             <a:fld id="{A9C485AE-A5AE-4102-AAA7-CE7177004C64}" type="datetime1">
               <a:rPr lang="ko-KR" altLang="en-US" smtClean="0"/>
               <a:pPr/>
-              <a:t>2022-12-15</a:t>
+              <a:t>2022-12-18</a:t>
             </a:fld>
             <a:endParaRPr lang="ko-KR" altLang="en-US" dirty="0"/>
           </a:p>
@@ -25098,7 +25101,7 @@
             <a:fld id="{55E25835-15BF-46FE-B0BD-ED10F3056879}" type="datetime1">
               <a:rPr lang="ko-KR" altLang="en-US" smtClean="0"/>
               <a:pPr/>
-              <a:t>2022-12-15</a:t>
+              <a:t>2022-12-18</a:t>
             </a:fld>
             <a:endParaRPr lang="ko-KR" altLang="en-US" dirty="0"/>
           </a:p>
@@ -25967,6 +25970,179 @@
     <p:extLst>
       <p:ext uri="{BB962C8B-B14F-4D97-AF65-F5344CB8AC3E}">
         <p14:creationId xmlns:p14="http://schemas.microsoft.com/office/powerpoint/2010/main" val="2806257027"/>
+      </p:ext>
+    </p:extLst>
+  </p:cSld>
+  <p:clrMapOvr>
+    <a:masterClrMapping/>
+  </p:clrMapOvr>
+</p:sld>
+</file>
+
+<file path=ppt/slides/slide10.xml><?xml version="1.0" encoding="utf-8"?>
+<p:sld xmlns:a="http://schemas.openxmlformats.org/drawingml/2006/main" xmlns:r="http://schemas.openxmlformats.org/officeDocument/2006/relationships" xmlns:p="http://schemas.openxmlformats.org/presentationml/2006/main">
+  <p:cSld>
+    <p:spTree>
+      <p:nvGrpSpPr>
+        <p:cNvPr id="1" name=""/>
+        <p:cNvGrpSpPr/>
+        <p:nvPr/>
+      </p:nvGrpSpPr>
+      <p:grpSpPr>
+        <a:xfrm>
+          <a:off x="0" y="0"/>
+          <a:ext cx="0" cy="0"/>
+          <a:chOff x="0" y="0"/>
+          <a:chExt cx="0" cy="0"/>
+        </a:xfrm>
+      </p:grpSpPr>
+      <p:sp>
+        <p:nvSpPr>
+          <p:cNvPr id="2" name="제목 1">
+            <a:extLst>
+              <a:ext uri="{FF2B5EF4-FFF2-40B4-BE49-F238E27FC236}">
+                <a16:creationId xmlns:a16="http://schemas.microsoft.com/office/drawing/2014/main" id="{F97210A1-79E7-2291-8365-DDEAEE54B77F}"/>
+              </a:ext>
+            </a:extLst>
+          </p:cNvPr>
+          <p:cNvSpPr>
+            <a:spLocks noGrp="1"/>
+          </p:cNvSpPr>
+          <p:nvPr>
+            <p:ph type="title"/>
+          </p:nvPr>
+        </p:nvSpPr>
+        <p:spPr/>
+        <p:txBody>
+          <a:bodyPr/>
+          <a:lstStyle/>
+          <a:p>
+            <a:r>
+              <a:rPr lang="en-US" altLang="ko-KR" dirty="0"/>
+              <a:t>Optimizer</a:t>
+            </a:r>
+            <a:endParaRPr lang="ko-KR" altLang="en-US" dirty="0"/>
+          </a:p>
+        </p:txBody>
+      </p:sp>
+      <p:sp>
+        <p:nvSpPr>
+          <p:cNvPr id="3" name="내용 개체 틀 2">
+            <a:extLst>
+              <a:ext uri="{FF2B5EF4-FFF2-40B4-BE49-F238E27FC236}">
+                <a16:creationId xmlns:a16="http://schemas.microsoft.com/office/drawing/2014/main" id="{B079A239-B15B-B5AF-2512-323F09633B37}"/>
+              </a:ext>
+            </a:extLst>
+          </p:cNvPr>
+          <p:cNvSpPr>
+            <a:spLocks noGrp="1"/>
+          </p:cNvSpPr>
+          <p:nvPr>
+            <p:ph idx="1"/>
+          </p:nvPr>
+        </p:nvSpPr>
+        <p:spPr>
+          <a:xfrm>
+            <a:off x="1024128" y="2286000"/>
+            <a:ext cx="9969220" cy="4023360"/>
+          </a:xfrm>
+        </p:spPr>
+        <p:txBody>
+          <a:bodyPr/>
+          <a:lstStyle/>
+          <a:p>
+            <a:r>
+              <a:rPr lang="en-US" altLang="ko-KR" dirty="0"/>
+              <a:t>1. Momentum : </a:t>
+            </a:r>
+            <a:r>
+              <a:rPr lang="ja-JP" altLang="en-US" dirty="0"/>
+              <a:t>傾斜下降法から計算された傾きに、一時点前の接点の傾きも反映する。慣性と加速度を具現→</a:t>
+            </a:r>
+            <a:r>
+              <a:rPr lang="en-US" altLang="ja-JP" dirty="0"/>
+              <a:t>Local Minimum</a:t>
+            </a:r>
+            <a:r>
+              <a:rPr lang="ja-JP" altLang="en-US" dirty="0"/>
+              <a:t>に嵌められても脱出できる。</a:t>
+            </a:r>
+            <a:endParaRPr lang="en-US" altLang="ja-JP" dirty="0"/>
+          </a:p>
+          <a:p>
+            <a:r>
+              <a:rPr lang="en-US" altLang="ko-KR" dirty="0"/>
+              <a:t>2. </a:t>
+            </a:r>
+            <a:r>
+              <a:rPr lang="en-US" altLang="ko-KR" dirty="0" err="1"/>
+              <a:t>Adagrad</a:t>
+            </a:r>
+            <a:r>
+              <a:rPr lang="en-US" altLang="ko-KR" dirty="0"/>
+              <a:t> : </a:t>
+            </a:r>
+            <a:r>
+              <a:rPr lang="ja-JP" altLang="en-US" dirty="0"/>
+              <a:t>パラメータの変化率によって学習率を変化させる。</a:t>
+            </a:r>
+            <a:r>
+              <a:rPr lang="en-US" altLang="ja-JP" dirty="0"/>
+              <a:t>(</a:t>
+            </a:r>
+            <a:r>
+              <a:rPr lang="ja-JP" altLang="en-US" dirty="0"/>
+              <a:t>変化多→学習率小</a:t>
+            </a:r>
+            <a:r>
+              <a:rPr lang="en-US" altLang="ja-JP" dirty="0"/>
+              <a:t>)</a:t>
+            </a:r>
+          </a:p>
+          <a:p>
+            <a:r>
+              <a:rPr lang="en-US" altLang="ko-KR" dirty="0"/>
+              <a:t>3. RMSprop : </a:t>
+            </a:r>
+            <a:r>
+              <a:rPr lang="en-US" altLang="ko-KR" dirty="0" err="1"/>
+              <a:t>Adagrad</a:t>
+            </a:r>
+            <a:r>
+              <a:rPr lang="ja-JP" altLang="en-US" dirty="0"/>
+              <a:t>の学習を繰り返すほど、学習率が下がるっていう短所を改善した方式。</a:t>
+            </a:r>
+            <a:endParaRPr lang="en-US" altLang="ja-JP" dirty="0"/>
+          </a:p>
+          <a:p>
+            <a:r>
+              <a:rPr lang="en-US" altLang="ko-KR" dirty="0"/>
+              <a:t>4. Adam : </a:t>
+            </a:r>
+            <a:r>
+              <a:rPr lang="en-GB" altLang="ko-KR" dirty="0"/>
+              <a:t>Momentum</a:t>
+            </a:r>
+            <a:r>
+              <a:rPr lang="ja-JP" altLang="en-US" dirty="0"/>
+              <a:t>と</a:t>
+            </a:r>
+            <a:r>
+              <a:rPr lang="en-US" altLang="ja-JP" dirty="0"/>
+              <a:t>RMSprop</a:t>
+            </a:r>
+            <a:r>
+              <a:rPr lang="ja-JP" altLang="en-US" dirty="0"/>
+              <a:t>を合わせた方式。</a:t>
+            </a:r>
+            <a:endParaRPr lang="ko-KR" altLang="en-US" dirty="0"/>
+          </a:p>
+        </p:txBody>
+      </p:sp>
+    </p:spTree>
+    <p:extLst>
+      <p:ext uri="{BB962C8B-B14F-4D97-AF65-F5344CB8AC3E}">
+        <p14:creationId xmlns:p14="http://schemas.microsoft.com/office/powerpoint/2010/main" val="724831208"/>
       </p:ext>
     </p:extLst>
   </p:cSld>
@@ -27365,8 +27541,8 @@
           </a:p>
         </p:txBody>
       </p:sp>
-      <mc:AlternateContent xmlns:mc="http://schemas.openxmlformats.org/markup-compatibility/2006">
-        <mc:Choice xmlns:a14="http://schemas.microsoft.com/office/drawing/2010/main" Requires="a14">
+      <mc:AlternateContent xmlns:mc="http://schemas.openxmlformats.org/markup-compatibility/2006" xmlns:a14="http://schemas.microsoft.com/office/drawing/2010/main">
+        <mc:Choice Requires="a14">
           <p:sp>
             <p:nvSpPr>
               <p:cNvPr id="3" name="コンテンツ プレースホルダー 2">
@@ -27783,7 +27959,7 @@
             </p:txBody>
           </p:sp>
         </mc:Choice>
-        <mc:Fallback>
+        <mc:Fallback xmlns="">
           <p:sp>
             <p:nvSpPr>
               <p:cNvPr id="3" name="コンテンツ プレースホルダー 2">
@@ -28074,8 +28250,8 @@
           </a:p>
         </p:txBody>
       </p:sp>
-      <mc:AlternateContent xmlns:mc="http://schemas.openxmlformats.org/markup-compatibility/2006">
-        <mc:Choice xmlns:a14="http://schemas.microsoft.com/office/drawing/2010/main" Requires="a14">
+      <mc:AlternateContent xmlns:mc="http://schemas.openxmlformats.org/markup-compatibility/2006" xmlns:a14="http://schemas.microsoft.com/office/drawing/2010/main">
+        <mc:Choice Requires="a14">
           <p:sp>
             <p:nvSpPr>
               <p:cNvPr id="3" name="コンテンツ プレースホルダー 2">
@@ -28417,7 +28593,7 @@
             </p:txBody>
           </p:sp>
         </mc:Choice>
-        <mc:Fallback>
+        <mc:Fallback xmlns="">
           <p:sp>
             <p:nvSpPr>
               <p:cNvPr id="3" name="コンテンツ プレースホルダー 2">
@@ -28465,6 +28641,469 @@
     <p:extLst>
       <p:ext uri="{BB962C8B-B14F-4D97-AF65-F5344CB8AC3E}">
         <p14:creationId xmlns:p14="http://schemas.microsoft.com/office/powerpoint/2010/main" val="1605846019"/>
+      </p:ext>
+    </p:extLst>
+  </p:cSld>
+  <p:clrMapOvr>
+    <a:masterClrMapping/>
+  </p:clrMapOvr>
+</p:sld>
+</file>
+
+<file path=ppt/slides/slide8.xml><?xml version="1.0" encoding="utf-8"?>
+<p:sld xmlns:a="http://schemas.openxmlformats.org/drawingml/2006/main" xmlns:r="http://schemas.openxmlformats.org/officeDocument/2006/relationships" xmlns:p="http://schemas.openxmlformats.org/presentationml/2006/main">
+  <p:cSld>
+    <p:spTree>
+      <p:nvGrpSpPr>
+        <p:cNvPr id="1" name=""/>
+        <p:cNvGrpSpPr/>
+        <p:nvPr/>
+      </p:nvGrpSpPr>
+      <p:grpSpPr>
+        <a:xfrm>
+          <a:off x="0" y="0"/>
+          <a:ext cx="0" cy="0"/>
+          <a:chOff x="0" y="0"/>
+          <a:chExt cx="0" cy="0"/>
+        </a:xfrm>
+      </p:grpSpPr>
+      <p:sp>
+        <p:nvSpPr>
+          <p:cNvPr id="2" name="제목 1">
+            <a:extLst>
+              <a:ext uri="{FF2B5EF4-FFF2-40B4-BE49-F238E27FC236}">
+                <a16:creationId xmlns:a16="http://schemas.microsoft.com/office/drawing/2014/main" id="{49AC1ED7-D2C6-EA28-9E7E-0A0D8EA63839}"/>
+              </a:ext>
+            </a:extLst>
+          </p:cNvPr>
+          <p:cNvSpPr>
+            <a:spLocks noGrp="1"/>
+          </p:cNvSpPr>
+          <p:nvPr>
+            <p:ph type="title"/>
+          </p:nvPr>
+        </p:nvSpPr>
+        <p:spPr/>
+        <p:txBody>
+          <a:bodyPr/>
+          <a:lstStyle/>
+          <a:p>
+            <a:r>
+              <a:rPr lang="en-US" altLang="ko-KR" dirty="0"/>
+              <a:t>Loss function(</a:t>
+            </a:r>
+            <a:r>
+              <a:rPr lang="ja-JP" altLang="en-US" dirty="0"/>
+              <a:t>損失関数</a:t>
+            </a:r>
+            <a:r>
+              <a:rPr lang="es-419" altLang="ja-JP" dirty="0"/>
+              <a:t>)</a:t>
+            </a:r>
+            <a:endParaRPr lang="ko-KR" altLang="en-US" dirty="0"/>
+          </a:p>
+        </p:txBody>
+      </p:sp>
+      <p:sp>
+        <p:nvSpPr>
+          <p:cNvPr id="3" name="내용 개체 틀 2">
+            <a:extLst>
+              <a:ext uri="{FF2B5EF4-FFF2-40B4-BE49-F238E27FC236}">
+                <a16:creationId xmlns:a16="http://schemas.microsoft.com/office/drawing/2014/main" id="{DC2376D8-FE09-6A7B-3C9A-CA9524D80377}"/>
+              </a:ext>
+            </a:extLst>
+          </p:cNvPr>
+          <p:cNvSpPr>
+            <a:spLocks noGrp="1"/>
+          </p:cNvSpPr>
+          <p:nvPr>
+            <p:ph idx="1"/>
+          </p:nvPr>
+        </p:nvSpPr>
+        <p:spPr/>
+        <p:txBody>
+          <a:bodyPr/>
+          <a:lstStyle/>
+          <a:p>
+            <a:r>
+              <a:rPr lang="ja-JP" altLang="en-US" dirty="0"/>
+              <a:t>実際値と予測値の差を数値化する関数。</a:t>
+            </a:r>
+            <a:endParaRPr lang="en-US" altLang="ja-JP" dirty="0"/>
+          </a:p>
+          <a:p>
+            <a:r>
+              <a:rPr lang="en-US" altLang="ja-JP" dirty="0"/>
+              <a:t>Loss</a:t>
+            </a:r>
+            <a:r>
+              <a:rPr lang="ja-JP" altLang="en-US" dirty="0"/>
+              <a:t>を最小限にする</a:t>
+            </a:r>
+            <a:r>
+              <a:rPr lang="en-US" altLang="ja-JP" dirty="0"/>
+              <a:t>w</a:t>
+            </a:r>
+            <a:r>
+              <a:rPr lang="ja-JP" altLang="en-US" dirty="0"/>
+              <a:t>と</a:t>
+            </a:r>
+            <a:r>
+              <a:rPr lang="en-US" altLang="ja-JP" dirty="0"/>
+              <a:t>b</a:t>
+            </a:r>
+            <a:r>
+              <a:rPr lang="ja-JP" altLang="en-US" dirty="0"/>
+              <a:t>の値を探していくのがディープラーニングの学習。</a:t>
+            </a:r>
+            <a:endParaRPr lang="en-US" altLang="ja-JP" dirty="0"/>
+          </a:p>
+          <a:p>
+            <a:endParaRPr lang="en-US" altLang="ko-KR" dirty="0"/>
+          </a:p>
+          <a:p>
+            <a:r>
+              <a:rPr lang="en-US" altLang="ko-KR" dirty="0"/>
+              <a:t>1. MSE(Mean Squared Error) : </a:t>
+            </a:r>
+            <a:r>
+              <a:rPr lang="ja-JP" altLang="en-US" dirty="0"/>
+              <a:t>線形回帰</a:t>
+            </a:r>
+            <a:r>
+              <a:rPr lang="en-US" altLang="ja-JP" dirty="0"/>
+              <a:t>(Linear Regression)</a:t>
+            </a:r>
+            <a:r>
+              <a:rPr lang="ja-JP" altLang="en-US" dirty="0"/>
+              <a:t>によく使われる。（連続形変数の予測に使われる。）</a:t>
+            </a:r>
+            <a:endParaRPr lang="en-US" altLang="ja-JP" dirty="0"/>
+          </a:p>
+          <a:p>
+            <a:r>
+              <a:rPr lang="en-US" altLang="ko-KR" dirty="0"/>
+              <a:t>2. Binary Cross-Entropy : </a:t>
+            </a:r>
+            <a:r>
+              <a:rPr lang="ja-JP" altLang="en-US" dirty="0"/>
+              <a:t>出力層で </a:t>
+            </a:r>
+            <a:r>
+              <a:rPr lang="es-419" altLang="ja-JP" dirty="0" err="1"/>
+              <a:t>Sigmoid</a:t>
+            </a:r>
+            <a:r>
+              <a:rPr lang="ja-JP" altLang="en-US" dirty="0"/>
+              <a:t>関数を使う</a:t>
+            </a:r>
+            <a:r>
+              <a:rPr lang="en-US" altLang="ja-JP" dirty="0"/>
+              <a:t>Binary Classification</a:t>
+            </a:r>
+            <a:r>
+              <a:rPr lang="ja-JP" altLang="en-US" dirty="0"/>
+              <a:t>問題で使われる。（</a:t>
+            </a:r>
+            <a:r>
+              <a:rPr lang="en-US" altLang="ja-JP" dirty="0"/>
+              <a:t>Logistic Regression)</a:t>
+            </a:r>
+          </a:p>
+          <a:p>
+            <a:r>
+              <a:rPr lang="en-US" altLang="ko-KR" dirty="0"/>
+              <a:t>3. Categorical Cross-Entropy :</a:t>
+            </a:r>
+            <a:r>
+              <a:rPr lang="ja-JP" altLang="en-US" dirty="0"/>
+              <a:t>出力層で </a:t>
+            </a:r>
+            <a:r>
+              <a:rPr lang="es-419" altLang="ja-JP" dirty="0" err="1"/>
+              <a:t>Sigmoid</a:t>
+            </a:r>
+            <a:r>
+              <a:rPr lang="ja-JP" altLang="en-US" dirty="0"/>
+              <a:t>関数を使う</a:t>
+            </a:r>
+            <a:r>
+              <a:rPr lang="en-US" altLang="ja-JP" dirty="0"/>
+              <a:t>Multi-Class Classification</a:t>
+            </a:r>
+            <a:r>
+              <a:rPr lang="ja-JP" altLang="en-US" dirty="0"/>
+              <a:t>問題で使われる。</a:t>
+            </a:r>
+            <a:r>
+              <a:rPr lang="en-US" altLang="ja-JP" dirty="0"/>
+              <a:t>(</a:t>
+            </a:r>
+            <a:r>
+              <a:rPr lang="en-US" altLang="ja-JP" dirty="0" err="1"/>
+              <a:t>Softmax</a:t>
+            </a:r>
+            <a:r>
+              <a:rPr lang="en-US" altLang="ja-JP" dirty="0"/>
+              <a:t> Regression)</a:t>
+            </a:r>
+          </a:p>
+          <a:p>
+            <a:endParaRPr lang="ko-KR" altLang="en-US" dirty="0"/>
+          </a:p>
+        </p:txBody>
+      </p:sp>
+    </p:spTree>
+    <p:extLst>
+      <p:ext uri="{BB962C8B-B14F-4D97-AF65-F5344CB8AC3E}">
+        <p14:creationId xmlns:p14="http://schemas.microsoft.com/office/powerpoint/2010/main" val="397112671"/>
+      </p:ext>
+    </p:extLst>
+  </p:cSld>
+  <p:clrMapOvr>
+    <a:masterClrMapping/>
+  </p:clrMapOvr>
+</p:sld>
+</file>
+
+<file path=ppt/slides/slide9.xml><?xml version="1.0" encoding="utf-8"?>
+<p:sld xmlns:a="http://schemas.openxmlformats.org/drawingml/2006/main" xmlns:r="http://schemas.openxmlformats.org/officeDocument/2006/relationships" xmlns:p="http://schemas.openxmlformats.org/presentationml/2006/main">
+  <p:cSld>
+    <p:spTree>
+      <p:nvGrpSpPr>
+        <p:cNvPr id="1" name=""/>
+        <p:cNvGrpSpPr/>
+        <p:nvPr/>
+      </p:nvGrpSpPr>
+      <p:grpSpPr>
+        <a:xfrm>
+          <a:off x="0" y="0"/>
+          <a:ext cx="0" cy="0"/>
+          <a:chOff x="0" y="0"/>
+          <a:chExt cx="0" cy="0"/>
+        </a:xfrm>
+      </p:grpSpPr>
+      <p:sp>
+        <p:nvSpPr>
+          <p:cNvPr id="2" name="제목 1">
+            <a:extLst>
+              <a:ext uri="{FF2B5EF4-FFF2-40B4-BE49-F238E27FC236}">
+                <a16:creationId xmlns:a16="http://schemas.microsoft.com/office/drawing/2014/main" id="{AC1FB64F-0ACA-CC19-D99A-49BC6E2EF17B}"/>
+              </a:ext>
+            </a:extLst>
+          </p:cNvPr>
+          <p:cNvSpPr>
+            <a:spLocks noGrp="1"/>
+          </p:cNvSpPr>
+          <p:nvPr>
+            <p:ph type="title"/>
+          </p:nvPr>
+        </p:nvSpPr>
+        <p:spPr/>
+        <p:txBody>
+          <a:bodyPr>
+            <a:normAutofit fontScale="90000"/>
+          </a:bodyPr>
+          <a:lstStyle/>
+          <a:p>
+            <a:r>
+              <a:rPr lang="ja-JP" altLang="en-US" dirty="0"/>
+              <a:t>傾斜下降法</a:t>
+            </a:r>
+            <a:r>
+              <a:rPr lang="en-US" altLang="ja-JP" dirty="0"/>
+              <a:t>(</a:t>
+            </a:r>
+            <a:r>
+              <a:rPr lang="en-US" altLang="ko-KR" dirty="0"/>
+              <a:t>Gradient Descent)</a:t>
+            </a:r>
+            <a:br>
+              <a:rPr lang="en-US" altLang="ko-KR" dirty="0"/>
+            </a:br>
+            <a:r>
+              <a:rPr lang="ja-JP" altLang="en-US" dirty="0"/>
+              <a:t>の </a:t>
+            </a:r>
+            <a:r>
+              <a:rPr lang="en-US" altLang="ko-KR" dirty="0"/>
+              <a:t>Batch size</a:t>
+            </a:r>
+            <a:endParaRPr lang="ko-KR" altLang="en-US" dirty="0"/>
+          </a:p>
+        </p:txBody>
+      </p:sp>
+      <p:sp>
+        <p:nvSpPr>
+          <p:cNvPr id="3" name="내용 개체 틀 2">
+            <a:extLst>
+              <a:ext uri="{FF2B5EF4-FFF2-40B4-BE49-F238E27FC236}">
+                <a16:creationId xmlns:a16="http://schemas.microsoft.com/office/drawing/2014/main" id="{23711052-3541-EBBB-4981-93A1247A2863}"/>
+              </a:ext>
+            </a:extLst>
+          </p:cNvPr>
+          <p:cNvSpPr>
+            <a:spLocks noGrp="1"/>
+          </p:cNvSpPr>
+          <p:nvPr>
+            <p:ph idx="1"/>
+          </p:nvPr>
+        </p:nvSpPr>
+        <p:spPr>
+          <a:xfrm>
+            <a:off x="1024128" y="2286000"/>
+            <a:ext cx="9720073" cy="4572000"/>
+          </a:xfrm>
+        </p:spPr>
+        <p:txBody>
+          <a:bodyPr>
+            <a:normAutofit lnSpcReduction="10000"/>
+          </a:bodyPr>
+          <a:lstStyle/>
+          <a:p>
+            <a:r>
+              <a:rPr lang="en-US" altLang="ko-KR" dirty="0"/>
+              <a:t>Batch=</a:t>
+            </a:r>
+            <a:r>
+              <a:rPr lang="ja-JP" altLang="en-US" dirty="0"/>
+              <a:t>重み</a:t>
+            </a:r>
+            <a:r>
+              <a:rPr lang="en-US" altLang="ja-JP" dirty="0"/>
+              <a:t>(w)</a:t>
+            </a:r>
+            <a:r>
+              <a:rPr lang="ja-JP" altLang="en-US" dirty="0"/>
+              <a:t>、偏向</a:t>
+            </a:r>
+            <a:r>
+              <a:rPr lang="en-US" altLang="ja-JP" dirty="0"/>
+              <a:t>(b)</a:t>
+            </a:r>
+            <a:r>
+              <a:rPr lang="ja-JP" altLang="en-US" dirty="0"/>
+              <a:t>等のパラメータの調整のために参考するデータの量。</a:t>
+            </a:r>
+            <a:endParaRPr lang="en-US" altLang="ja-JP" dirty="0"/>
+          </a:p>
+          <a:p>
+            <a:endParaRPr lang="en-US" altLang="ko-KR" dirty="0"/>
+          </a:p>
+          <a:p>
+            <a:r>
+              <a:rPr lang="en-US" altLang="ko-KR" dirty="0"/>
+              <a:t>1. Batch</a:t>
+            </a:r>
+            <a:r>
+              <a:rPr lang="ko-KR" altLang="en-US" dirty="0"/>
+              <a:t> </a:t>
+            </a:r>
+            <a:r>
+              <a:rPr lang="en-US" altLang="ko-KR" dirty="0"/>
+              <a:t>Gradient</a:t>
+            </a:r>
+            <a:r>
+              <a:rPr lang="ko-KR" altLang="en-US" dirty="0"/>
+              <a:t> </a:t>
+            </a:r>
+            <a:r>
+              <a:rPr lang="en-US" altLang="ko-KR" dirty="0"/>
+              <a:t>Descent</a:t>
+            </a:r>
+            <a:r>
+              <a:rPr lang="ko-KR" altLang="en-US" dirty="0"/>
+              <a:t> </a:t>
+            </a:r>
+            <a:r>
+              <a:rPr lang="en-US" altLang="ko-KR" dirty="0"/>
+              <a:t>:</a:t>
+            </a:r>
+            <a:r>
+              <a:rPr lang="ko-KR" altLang="en-US" dirty="0"/>
+              <a:t> </a:t>
+            </a:r>
+            <a:r>
+              <a:rPr lang="ja-JP" altLang="en-US" dirty="0"/>
+              <a:t>基本的な傾斜下降法。</a:t>
+            </a:r>
+            <a:r>
+              <a:rPr lang="en-US" altLang="ja-JP" dirty="0"/>
+              <a:t>Loss</a:t>
+            </a:r>
+            <a:r>
+              <a:rPr lang="ja-JP" altLang="en-US" dirty="0"/>
+              <a:t>を求めるときに、データ全体を考慮する。</a:t>
+            </a:r>
+            <a:r>
+              <a:rPr lang="en-US" altLang="ja-JP" dirty="0"/>
+              <a:t>1</a:t>
+            </a:r>
+            <a:r>
+              <a:rPr lang="ja-JP" altLang="en-US" dirty="0"/>
+              <a:t>回の</a:t>
+            </a:r>
+            <a:r>
+              <a:rPr lang="en-US" altLang="ja-JP" dirty="0"/>
+              <a:t>epoch</a:t>
+            </a:r>
+            <a:r>
+              <a:rPr lang="ja-JP" altLang="en-US" dirty="0"/>
+              <a:t>に全てのパラメータのアップデートを一回行う。（正確だけど、遅くて求めるメモリ量が大きい）</a:t>
+            </a:r>
+            <a:endParaRPr lang="en-US" altLang="ja-JP" dirty="0"/>
+          </a:p>
+          <a:p>
+            <a:r>
+              <a:rPr lang="en-US" altLang="ko-KR" dirty="0"/>
+              <a:t>2. SGD(Stochastic Gradient Descent) : Batch size=1</a:t>
+            </a:r>
+            <a:r>
+              <a:rPr lang="ja-JP" altLang="en-US" dirty="0"/>
+              <a:t>、パラメータ調整の時、ランダムで一つのデータだけを選択し、演算する方法。普通の傾斜下降法よりパラメータの変更の幅が不安定で、正確度が低いけど、一つのデータしか考慮しないので、メモリをあんまり使わないという長所がある。</a:t>
+            </a:r>
+            <a:endParaRPr lang="en-US" altLang="ja-JP" dirty="0"/>
+          </a:p>
+          <a:p>
+            <a:r>
+              <a:rPr lang="en-US" altLang="ko-KR" dirty="0"/>
+              <a:t>3. Mini-Batch Gradient Descent : </a:t>
+            </a:r>
+            <a:r>
+              <a:rPr lang="ja-JP" altLang="en-US" dirty="0"/>
+              <a:t>一定の量を決めて、その量のデータだけについて演算し、パラメータの値を調整する傾斜下降法。</a:t>
+            </a:r>
+            <a:endParaRPr lang="en-US" altLang="ja-JP" dirty="0"/>
+          </a:p>
+          <a:p>
+            <a:r>
+              <a:rPr lang="en-US" altLang="ko-KR" dirty="0"/>
+              <a:t>Batch Gradient Descent </a:t>
+            </a:r>
+            <a:r>
+              <a:rPr lang="ja-JP" altLang="en-US" dirty="0"/>
+              <a:t>と</a:t>
+            </a:r>
+            <a:r>
+              <a:rPr lang="es-419" altLang="ja-JP" dirty="0"/>
+              <a:t> </a:t>
+            </a:r>
+            <a:r>
+              <a:rPr lang="en-US" altLang="ja-JP" dirty="0"/>
+              <a:t>SGD</a:t>
+            </a:r>
+            <a:r>
+              <a:rPr lang="ja-JP" altLang="en-US" dirty="0"/>
+              <a:t>の妥協点</a:t>
+            </a:r>
+            <a:endParaRPr lang="ko-KR" altLang="en-US" dirty="0"/>
+          </a:p>
+        </p:txBody>
+      </p:sp>
+    </p:spTree>
+    <p:extLst>
+      <p:ext uri="{BB962C8B-B14F-4D97-AF65-F5344CB8AC3E}">
+        <p14:creationId xmlns:p14="http://schemas.microsoft.com/office/powerpoint/2010/main" val="806523277"/>
       </p:ext>
     </p:extLst>
   </p:cSld>
@@ -29299,11 +29938,12 @@
 </file>
 
 <file path=customXml/item1.xml><?xml version="1.0" encoding="utf-8"?>
-<p:properties xmlns:p="http://schemas.microsoft.com/office/2006/metadata/properties" xmlns:xsi="http://www.w3.org/2001/XMLSchema-instance" xmlns:pc="http://schemas.microsoft.com/office/infopath/2007/PartnerControls">
-  <documentManagement>
-    <MediaServiceKeyPoints xmlns="71af3243-3dd4-4a8d-8c0d-dd76da1f02a5" xsi:nil="true"/>
-  </documentManagement>
-</p:properties>
+<?mso-contentType ?>
+<FormTemplates xmlns="http://schemas.microsoft.com/sharepoint/v3/contenttype/forms">
+  <Display>DocumentLibraryForm</Display>
+  <Edit>DocumentLibraryForm</Edit>
+  <New>DocumentLibraryForm</New>
+</FormTemplates>
 </file>
 
 <file path=customXml/item2.xml><?xml version="1.0" encoding="utf-8"?>
@@ -29518,20 +30158,17 @@
 </file>
 
 <file path=customXml/item3.xml><?xml version="1.0" encoding="utf-8"?>
-<?mso-contentType ?>
-<FormTemplates xmlns="http://schemas.microsoft.com/sharepoint/v3/contenttype/forms">
-  <Display>DocumentLibraryForm</Display>
-  <Edit>DocumentLibraryForm</Edit>
-  <New>DocumentLibraryForm</New>
-</FormTemplates>
+<p:properties xmlns:p="http://schemas.microsoft.com/office/2006/metadata/properties" xmlns:xsi="http://www.w3.org/2001/XMLSchema-instance" xmlns:pc="http://schemas.microsoft.com/office/infopath/2007/PartnerControls">
+  <documentManagement>
+    <MediaServiceKeyPoints xmlns="71af3243-3dd4-4a8d-8c0d-dd76da1f02a5" xsi:nil="true"/>
+  </documentManagement>
+</p:properties>
 </file>
 
 <file path=customXml/itemProps1.xml><?xml version="1.0" encoding="utf-8"?>
-<ds:datastoreItem xmlns:ds="http://schemas.openxmlformats.org/officeDocument/2006/customXml" ds:itemID="{788A2F88-55C5-4ED1-9541-807C65424763}">
+<ds:datastoreItem xmlns:ds="http://schemas.openxmlformats.org/officeDocument/2006/customXml" ds:itemID="{4F44C90D-2A62-4985-9618-3460247437B1}">
   <ds:schemaRefs>
-    <ds:schemaRef ds:uri="http://schemas.microsoft.com/office/2006/metadata/properties"/>
-    <ds:schemaRef ds:uri="http://schemas.microsoft.com/office/infopath/2007/PartnerControls"/>
-    <ds:schemaRef ds:uri="71af3243-3dd4-4a8d-8c0d-dd76da1f02a5"/>
+    <ds:schemaRef ds:uri="http://schemas.microsoft.com/sharepoint/v3/contenttype/forms"/>
   </ds:schemaRefs>
 </ds:datastoreItem>
 </file>
@@ -29556,9 +30193,11 @@
 </file>
 
 <file path=customXml/itemProps3.xml><?xml version="1.0" encoding="utf-8"?>
-<ds:datastoreItem xmlns:ds="http://schemas.openxmlformats.org/officeDocument/2006/customXml" ds:itemID="{4F44C90D-2A62-4985-9618-3460247437B1}">
+<ds:datastoreItem xmlns:ds="http://schemas.openxmlformats.org/officeDocument/2006/customXml" ds:itemID="{788A2F88-55C5-4ED1-9541-807C65424763}">
   <ds:schemaRefs>
-    <ds:schemaRef ds:uri="http://schemas.microsoft.com/sharepoint/v3/contenttype/forms"/>
+    <ds:schemaRef ds:uri="http://schemas.microsoft.com/office/2006/metadata/properties"/>
+    <ds:schemaRef ds:uri="http://schemas.microsoft.com/office/infopath/2007/PartnerControls"/>
+    <ds:schemaRef ds:uri="71af3243-3dd4-4a8d-8c0d-dd76da1f02a5"/>
   </ds:schemaRefs>
 </ds:datastoreItem>
 </file>
--- a/Presentation/ppt 7.pptx
+++ b/Presentation/ppt 7.pptx
@@ -5,10 +5,10 @@
     <p:sldMasterId id="2147483648" r:id="rId4"/>
   </p:sldMasterIdLst>
   <p:notesMasterIdLst>
-    <p:notesMasterId r:id="rId15"/>
+    <p:notesMasterId r:id="rId16"/>
   </p:notesMasterIdLst>
   <p:handoutMasterIdLst>
-    <p:handoutMasterId r:id="rId16"/>
+    <p:handoutMasterId r:id="rId17"/>
   </p:handoutMasterIdLst>
   <p:sldIdLst>
     <p:sldId id="256" r:id="rId5"/>
@@ -21,6 +21,7 @@
     <p:sldId id="283" r:id="rId12"/>
     <p:sldId id="284" r:id="rId13"/>
     <p:sldId id="285" r:id="rId14"/>
+    <p:sldId id="286" r:id="rId15"/>
   </p:sldIdLst>
   <p:sldSz cx="12192000" cy="6858000"/>
   <p:notesSz cx="6858000" cy="9144000"/>
@@ -26152,6 +26153,162 @@
 </p:sld>
 </file>
 
+<file path=ppt/slides/slide11.xml><?xml version="1.0" encoding="utf-8"?>
+<p:sld xmlns:a="http://schemas.openxmlformats.org/drawingml/2006/main" xmlns:r="http://schemas.openxmlformats.org/officeDocument/2006/relationships" xmlns:p="http://schemas.openxmlformats.org/presentationml/2006/main">
+  <p:cSld>
+    <p:spTree>
+      <p:nvGrpSpPr>
+        <p:cNvPr id="1" name=""/>
+        <p:cNvGrpSpPr/>
+        <p:nvPr/>
+      </p:nvGrpSpPr>
+      <p:grpSpPr>
+        <a:xfrm>
+          <a:off x="0" y="0"/>
+          <a:ext cx="0" cy="0"/>
+          <a:chOff x="0" y="0"/>
+          <a:chExt cx="0" cy="0"/>
+        </a:xfrm>
+      </p:grpSpPr>
+      <p:sp>
+        <p:nvSpPr>
+          <p:cNvPr id="2" name="제목 1">
+            <a:extLst>
+              <a:ext uri="{FF2B5EF4-FFF2-40B4-BE49-F238E27FC236}">
+                <a16:creationId xmlns:a16="http://schemas.microsoft.com/office/drawing/2014/main" id="{BABEA755-E0B3-FEF8-A563-26535401984F}"/>
+              </a:ext>
+            </a:extLst>
+          </p:cNvPr>
+          <p:cNvSpPr>
+            <a:spLocks noGrp="1"/>
+          </p:cNvSpPr>
+          <p:nvPr>
+            <p:ph type="title"/>
+          </p:nvPr>
+        </p:nvSpPr>
+        <p:spPr/>
+        <p:txBody>
+          <a:bodyPr/>
+          <a:lstStyle/>
+          <a:p>
+            <a:r>
+              <a:rPr lang="en-US" altLang="ko-KR" dirty="0"/>
+              <a:t>Epochs, Batch Size, Iteration</a:t>
+            </a:r>
+            <a:endParaRPr lang="ko-KR" altLang="en-US" dirty="0"/>
+          </a:p>
+        </p:txBody>
+      </p:sp>
+      <p:sp>
+        <p:nvSpPr>
+          <p:cNvPr id="3" name="내용 개체 틀 2">
+            <a:extLst>
+              <a:ext uri="{FF2B5EF4-FFF2-40B4-BE49-F238E27FC236}">
+                <a16:creationId xmlns:a16="http://schemas.microsoft.com/office/drawing/2014/main" id="{CCE94436-84A3-A599-6974-D9CE875700F1}"/>
+              </a:ext>
+            </a:extLst>
+          </p:cNvPr>
+          <p:cNvSpPr>
+            <a:spLocks noGrp="1"/>
+          </p:cNvSpPr>
+          <p:nvPr>
+            <p:ph idx="1"/>
+          </p:nvPr>
+        </p:nvSpPr>
+        <p:spPr/>
+        <p:txBody>
+          <a:bodyPr/>
+          <a:lstStyle/>
+          <a:p>
+            <a:r>
+              <a:rPr lang="en-US" altLang="ko-KR" dirty="0"/>
+              <a:t>Iteration* Batch size = Epoch</a:t>
+            </a:r>
+          </a:p>
+          <a:p>
+            <a:r>
+              <a:rPr lang="en-US" altLang="ko-KR" dirty="0"/>
+              <a:t>Epoch : </a:t>
+            </a:r>
+            <a:r>
+              <a:rPr lang="ja-JP" altLang="en-US" dirty="0"/>
+              <a:t>全体データについて順伝播と逆伝播が終わった状態。</a:t>
+            </a:r>
+            <a:endParaRPr lang="en-US" altLang="ja-JP" dirty="0"/>
+          </a:p>
+          <a:p>
+            <a:r>
+              <a:rPr lang="en-US" altLang="ko-KR" dirty="0"/>
+              <a:t>Batch</a:t>
+            </a:r>
+            <a:r>
+              <a:rPr lang="ko-KR" altLang="en-US" dirty="0"/>
+              <a:t> </a:t>
+            </a:r>
+            <a:r>
+              <a:rPr lang="en-US" altLang="ko-KR" dirty="0"/>
+              <a:t>size</a:t>
+            </a:r>
+            <a:r>
+              <a:rPr lang="ko-KR" altLang="en-US" dirty="0"/>
+              <a:t> </a:t>
+            </a:r>
+            <a:r>
+              <a:rPr lang="en-US" altLang="ko-KR" dirty="0"/>
+              <a:t>:</a:t>
+            </a:r>
+            <a:r>
+              <a:rPr lang="ko-KR" altLang="en-US" dirty="0"/>
+              <a:t> </a:t>
+            </a:r>
+            <a:r>
+              <a:rPr lang="ja-JP" altLang="en-US" dirty="0"/>
+              <a:t>いくつのデータごとにパラメータをアップデートするのか。</a:t>
+            </a:r>
+            <a:endParaRPr lang="en-US" altLang="ja-JP" dirty="0"/>
+          </a:p>
+          <a:p>
+            <a:r>
+              <a:rPr lang="en-US" altLang="ko-KR" dirty="0"/>
+              <a:t>Iteration &amp; Step : </a:t>
+            </a:r>
+            <a:r>
+              <a:rPr lang="ja-JP" altLang="en-US" dirty="0"/>
+              <a:t>一回の</a:t>
+            </a:r>
+            <a:r>
+              <a:rPr lang="en-US" altLang="ja-JP" dirty="0"/>
+              <a:t>Epoch</a:t>
+            </a:r>
+            <a:r>
+              <a:rPr lang="ja-JP" altLang="en-US" dirty="0"/>
+              <a:t>を修行するために必要な</a:t>
+            </a:r>
+            <a:r>
+              <a:rPr lang="en-US" altLang="ja-JP" dirty="0"/>
+              <a:t>Batch</a:t>
+            </a:r>
+            <a:r>
+              <a:rPr lang="ja-JP" altLang="en-US" dirty="0"/>
+              <a:t>の数。</a:t>
+            </a:r>
+            <a:endParaRPr lang="ko-KR" altLang="en-US" dirty="0"/>
+          </a:p>
+        </p:txBody>
+      </p:sp>
+    </p:spTree>
+    <p:extLst>
+      <p:ext uri="{BB962C8B-B14F-4D97-AF65-F5344CB8AC3E}">
+        <p14:creationId xmlns:p14="http://schemas.microsoft.com/office/powerpoint/2010/main" val="1549639424"/>
+      </p:ext>
+    </p:extLst>
+  </p:cSld>
+  <p:clrMapOvr>
+    <a:masterClrMapping/>
+  </p:clrMapOvr>
+</p:sld>
+</file>
+
 <file path=ppt/slides/slide2.xml><?xml version="1.0" encoding="utf-8"?>
 <p:sld xmlns:a="http://schemas.openxmlformats.org/drawingml/2006/main" xmlns:r="http://schemas.openxmlformats.org/officeDocument/2006/relationships" xmlns:p="http://schemas.openxmlformats.org/presentationml/2006/main">
   <p:cSld>
@@ -29938,12 +30095,11 @@
 </file>
 
 <file path=customXml/item1.xml><?xml version="1.0" encoding="utf-8"?>
-<?mso-contentType ?>
-<FormTemplates xmlns="http://schemas.microsoft.com/sharepoint/v3/contenttype/forms">
-  <Display>DocumentLibraryForm</Display>
-  <Edit>DocumentLibraryForm</Edit>
-  <New>DocumentLibraryForm</New>
-</FormTemplates>
+<p:properties xmlns:p="http://schemas.microsoft.com/office/2006/metadata/properties" xmlns:xsi="http://www.w3.org/2001/XMLSchema-instance" xmlns:pc="http://schemas.microsoft.com/office/infopath/2007/PartnerControls">
+  <documentManagement>
+    <MediaServiceKeyPoints xmlns="71af3243-3dd4-4a8d-8c0d-dd76da1f02a5" xsi:nil="true"/>
+  </documentManagement>
+</p:properties>
 </file>
 
 <file path=customXml/item2.xml><?xml version="1.0" encoding="utf-8"?>
@@ -30158,17 +30314,20 @@
 </file>
 
 <file path=customXml/item3.xml><?xml version="1.0" encoding="utf-8"?>
-<p:properties xmlns:p="http://schemas.microsoft.com/office/2006/metadata/properties" xmlns:xsi="http://www.w3.org/2001/XMLSchema-instance" xmlns:pc="http://schemas.microsoft.com/office/infopath/2007/PartnerControls">
-  <documentManagement>
-    <MediaServiceKeyPoints xmlns="71af3243-3dd4-4a8d-8c0d-dd76da1f02a5" xsi:nil="true"/>
-  </documentManagement>
-</p:properties>
+<?mso-contentType ?>
+<FormTemplates xmlns="http://schemas.microsoft.com/sharepoint/v3/contenttype/forms">
+  <Display>DocumentLibraryForm</Display>
+  <Edit>DocumentLibraryForm</Edit>
+  <New>DocumentLibraryForm</New>
+</FormTemplates>
 </file>
 
 <file path=customXml/itemProps1.xml><?xml version="1.0" encoding="utf-8"?>
-<ds:datastoreItem xmlns:ds="http://schemas.openxmlformats.org/officeDocument/2006/customXml" ds:itemID="{4F44C90D-2A62-4985-9618-3460247437B1}">
+<ds:datastoreItem xmlns:ds="http://schemas.openxmlformats.org/officeDocument/2006/customXml" ds:itemID="{788A2F88-55C5-4ED1-9541-807C65424763}">
   <ds:schemaRefs>
-    <ds:schemaRef ds:uri="http://schemas.microsoft.com/sharepoint/v3/contenttype/forms"/>
+    <ds:schemaRef ds:uri="http://schemas.microsoft.com/office/2006/metadata/properties"/>
+    <ds:schemaRef ds:uri="http://schemas.microsoft.com/office/infopath/2007/PartnerControls"/>
+    <ds:schemaRef ds:uri="71af3243-3dd4-4a8d-8c0d-dd76da1f02a5"/>
   </ds:schemaRefs>
 </ds:datastoreItem>
 </file>
@@ -30193,11 +30352,9 @@
 </file>
 
 <file path=customXml/itemProps3.xml><?xml version="1.0" encoding="utf-8"?>
-<ds:datastoreItem xmlns:ds="http://schemas.openxmlformats.org/officeDocument/2006/customXml" ds:itemID="{788A2F88-55C5-4ED1-9541-807C65424763}">
+<ds:datastoreItem xmlns:ds="http://schemas.openxmlformats.org/officeDocument/2006/customXml" ds:itemID="{4F44C90D-2A62-4985-9618-3460247437B1}">
   <ds:schemaRefs>
-    <ds:schemaRef ds:uri="http://schemas.microsoft.com/office/2006/metadata/properties"/>
-    <ds:schemaRef ds:uri="http://schemas.microsoft.com/office/infopath/2007/PartnerControls"/>
-    <ds:schemaRef ds:uri="71af3243-3dd4-4a8d-8c0d-dd76da1f02a5"/>
+    <ds:schemaRef ds:uri="http://schemas.microsoft.com/sharepoint/v3/contenttype/forms"/>
   </ds:schemaRefs>
 </ds:datastoreItem>
 </file>
--- a/Presentation/ppt 7.pptx
+++ b/Presentation/ppt 7.pptx
@@ -5,10 +5,10 @@
     <p:sldMasterId id="2147483648" r:id="rId4"/>
   </p:sldMasterIdLst>
   <p:notesMasterIdLst>
-    <p:notesMasterId r:id="rId16"/>
+    <p:notesMasterId r:id="rId17"/>
   </p:notesMasterIdLst>
   <p:handoutMasterIdLst>
-    <p:handoutMasterId r:id="rId17"/>
+    <p:handoutMasterId r:id="rId18"/>
   </p:handoutMasterIdLst>
   <p:sldIdLst>
     <p:sldId id="256" r:id="rId5"/>
@@ -22,6 +22,7 @@
     <p:sldId id="284" r:id="rId13"/>
     <p:sldId id="285" r:id="rId14"/>
     <p:sldId id="286" r:id="rId15"/>
+    <p:sldId id="287" r:id="rId16"/>
   </p:sldIdLst>
   <p:sldSz cx="12192000" cy="6858000"/>
   <p:notesSz cx="6858000" cy="9144000"/>
@@ -4377,7 +4378,7 @@
                 <a:latin typeface="맑은 고딕" panose="020B0503020000020004" pitchFamily="50" charset="-127"/>
                 <a:ea typeface="맑은 고딕" panose="020B0503020000020004" pitchFamily="50" charset="-127"/>
               </a:rPr>
-              <a:t>2022-12-18</a:t>
+              <a:t>2022-12-19</a:t>
             </a:fld>
             <a:endParaRPr lang="ko-KR" altLang="en-US" dirty="0">
               <a:latin typeface="맑은 고딕" panose="020B0503020000020004" pitchFamily="50" charset="-127"/>
@@ -4564,7 +4565,7 @@
             <a:fld id="{C6D4BD08-001C-4DA3-A8F2-B1A0C43B0DFD}" type="datetime1">
               <a:rPr lang="ko-KR" altLang="en-US" smtClean="0"/>
               <a:pPr/>
-              <a:t>2022-12-18</a:t>
+              <a:t>2022-12-19</a:t>
             </a:fld>
             <a:endParaRPr lang="ko-KR" altLang="en-US" dirty="0"/>
           </a:p>
@@ -13821,7 +13822,7 @@
             <a:fld id="{20DA4868-5905-4D40-A3C7-A08A77FB381F}" type="datetime1">
               <a:rPr lang="ko-KR" altLang="en-US" smtClean="0"/>
               <a:pPr/>
-              <a:t>2022-12-18</a:t>
+              <a:t>2022-12-19</a:t>
             </a:fld>
             <a:endParaRPr lang="ko-KR" altLang="en-US" dirty="0"/>
           </a:p>
@@ -14031,7 +14032,7 @@
             <a:fld id="{A7059D92-5434-44F0-8311-BFCB0FE3ABFC}" type="datetime1">
               <a:rPr lang="ko-KR" altLang="en-US" smtClean="0"/>
               <a:pPr/>
-              <a:t>2022-12-18</a:t>
+              <a:t>2022-12-19</a:t>
             </a:fld>
             <a:endParaRPr lang="ko-KR" altLang="en-US" dirty="0"/>
           </a:p>
@@ -14255,7 +14256,7 @@
             <a:fld id="{2FB232E3-E22B-46B2-B042-7B0B4F3513F2}" type="datetime1">
               <a:rPr lang="ko-KR" altLang="en-US" smtClean="0"/>
               <a:pPr/>
-              <a:t>2022-12-18</a:t>
+              <a:t>2022-12-19</a:t>
             </a:fld>
             <a:endParaRPr lang="ko-KR" altLang="en-US" dirty="0"/>
           </a:p>
@@ -14476,7 +14477,7 @@
             <a:fld id="{9EFA091B-FB79-4832-BBA6-485BF4956E11}" type="datetime1">
               <a:rPr lang="ko-KR" altLang="en-US" smtClean="0"/>
               <a:pPr/>
-              <a:t>2022-12-18</a:t>
+              <a:t>2022-12-19</a:t>
             </a:fld>
             <a:endParaRPr lang="ko-KR" altLang="en-US" dirty="0"/>
           </a:p>
@@ -23377,7 +23378,7 @@
             <a:fld id="{5F31BFAB-5A50-4862-991D-7095D6C5D4BE}" type="datetime1">
               <a:rPr lang="ko-KR" altLang="en-US" smtClean="0"/>
               <a:pPr/>
-              <a:t>2022-12-18</a:t>
+              <a:t>2022-12-19</a:t>
             </a:fld>
             <a:endParaRPr lang="ko-KR" altLang="en-US" dirty="0"/>
           </a:p>
@@ -23654,7 +23655,7 @@
             <a:fld id="{A3BD5271-FEFE-4914-869C-5327720A295E}" type="datetime1">
               <a:rPr lang="ko-KR" altLang="en-US" smtClean="0"/>
               <a:pPr/>
-              <a:t>2022-12-18</a:t>
+              <a:t>2022-12-19</a:t>
             </a:fld>
             <a:endParaRPr lang="ko-KR" altLang="en-US" dirty="0"/>
           </a:p>
@@ -24055,7 +24056,7 @@
             <a:fld id="{6961C815-1148-4AA6-9F9C-F8BBBFBB10CA}" type="datetime1">
               <a:rPr lang="ko-KR" altLang="en-US" smtClean="0"/>
               <a:pPr/>
-              <a:t>2022-12-18</a:t>
+              <a:t>2022-12-19</a:t>
             </a:fld>
             <a:endParaRPr lang="ko-KR" altLang="en-US" dirty="0"/>
           </a:p>
@@ -24176,7 +24177,7 @@
             <a:fld id="{A47AA9F1-F81C-4105-8A81-06D610EC4B63}" type="datetime1">
               <a:rPr lang="ko-KR" altLang="en-US" smtClean="0"/>
               <a:pPr/>
-              <a:t>2022-12-18</a:t>
+              <a:t>2022-12-19</a:t>
             </a:fld>
             <a:endParaRPr lang="ko-KR" altLang="en-US" dirty="0"/>
           </a:p>
@@ -24273,7 +24274,7 @@
             <a:fld id="{1F487A97-1A80-4798-B672-85D6AB250DCF}" type="datetime1">
               <a:rPr lang="ko-KR" altLang="en-US" smtClean="0"/>
               <a:pPr/>
-              <a:t>2022-12-18</a:t>
+              <a:t>2022-12-19</a:t>
             </a:fld>
             <a:endParaRPr lang="ko-KR" altLang="en-US" dirty="0"/>
           </a:p>
@@ -24566,7 +24567,7 @@
             <a:fld id="{EE653310-AD94-41CD-AC0F-1501C4EA6D6F}" type="datetime1">
               <a:rPr lang="ko-KR" altLang="en-US" smtClean="0"/>
               <a:pPr/>
-              <a:t>2022-12-18</a:t>
+              <a:t>2022-12-19</a:t>
             </a:fld>
             <a:endParaRPr lang="en-US" dirty="0"/>
           </a:p>
@@ -24850,7 +24851,7 @@
             <a:fld id="{A9C485AE-A5AE-4102-AAA7-CE7177004C64}" type="datetime1">
               <a:rPr lang="ko-KR" altLang="en-US" smtClean="0"/>
               <a:pPr/>
-              <a:t>2022-12-18</a:t>
+              <a:t>2022-12-19</a:t>
             </a:fld>
             <a:endParaRPr lang="ko-KR" altLang="en-US" dirty="0"/>
           </a:p>
@@ -25102,7 +25103,7 @@
             <a:fld id="{55E25835-15BF-46FE-B0BD-ED10F3056879}" type="datetime1">
               <a:rPr lang="ko-KR" altLang="en-US" smtClean="0"/>
               <a:pPr/>
-              <a:t>2022-12-18</a:t>
+              <a:t>2022-12-19</a:t>
             </a:fld>
             <a:endParaRPr lang="ko-KR" altLang="en-US" dirty="0"/>
           </a:p>
@@ -26300,6 +26301,86 @@
     <p:extLst>
       <p:ext uri="{BB962C8B-B14F-4D97-AF65-F5344CB8AC3E}">
         <p14:creationId xmlns:p14="http://schemas.microsoft.com/office/powerpoint/2010/main" val="1549639424"/>
+      </p:ext>
+    </p:extLst>
+  </p:cSld>
+  <p:clrMapOvr>
+    <a:masterClrMapping/>
+  </p:clrMapOvr>
+</p:sld>
+</file>
+
+<file path=ppt/slides/slide12.xml><?xml version="1.0" encoding="utf-8"?>
+<p:sld xmlns:a="http://schemas.openxmlformats.org/drawingml/2006/main" xmlns:r="http://schemas.openxmlformats.org/officeDocument/2006/relationships" xmlns:p="http://schemas.openxmlformats.org/presentationml/2006/main">
+  <p:cSld>
+    <p:spTree>
+      <p:nvGrpSpPr>
+        <p:cNvPr id="1" name=""/>
+        <p:cNvGrpSpPr/>
+        <p:nvPr/>
+      </p:nvGrpSpPr>
+      <p:grpSpPr>
+        <a:xfrm>
+          <a:off x="0" y="0"/>
+          <a:ext cx="0" cy="0"/>
+          <a:chOff x="0" y="0"/>
+          <a:chExt cx="0" cy="0"/>
+        </a:xfrm>
+      </p:grpSpPr>
+      <p:sp>
+        <p:nvSpPr>
+          <p:cNvPr id="2" name="제목 1">
+            <a:extLst>
+              <a:ext uri="{FF2B5EF4-FFF2-40B4-BE49-F238E27FC236}">
+                <a16:creationId xmlns:a16="http://schemas.microsoft.com/office/drawing/2014/main" id="{8A47F1BE-31A3-F54B-ABF4-9D9E5EA581D3}"/>
+              </a:ext>
+            </a:extLst>
+          </p:cNvPr>
+          <p:cNvSpPr>
+            <a:spLocks noGrp="1"/>
+          </p:cNvSpPr>
+          <p:nvPr>
+            <p:ph type="title"/>
+          </p:nvPr>
+        </p:nvSpPr>
+        <p:spPr/>
+        <p:txBody>
+          <a:bodyPr/>
+          <a:lstStyle/>
+          <a:p>
+            <a:endParaRPr lang="ko-KR" altLang="en-US"/>
+          </a:p>
+        </p:txBody>
+      </p:sp>
+      <p:sp>
+        <p:nvSpPr>
+          <p:cNvPr id="3" name="내용 개체 틀 2">
+            <a:extLst>
+              <a:ext uri="{FF2B5EF4-FFF2-40B4-BE49-F238E27FC236}">
+                <a16:creationId xmlns:a16="http://schemas.microsoft.com/office/drawing/2014/main" id="{B27FC438-2823-571C-DDE7-6FC424FDF002}"/>
+              </a:ext>
+            </a:extLst>
+          </p:cNvPr>
+          <p:cNvSpPr>
+            <a:spLocks noGrp="1"/>
+          </p:cNvSpPr>
+          <p:nvPr>
+            <p:ph idx="1"/>
+          </p:nvPr>
+        </p:nvSpPr>
+        <p:spPr/>
+        <p:txBody>
+          <a:bodyPr/>
+          <a:lstStyle/>
+          <a:p>
+            <a:endParaRPr lang="ko-KR" altLang="en-US"/>
+          </a:p>
+        </p:txBody>
+      </p:sp>
+    </p:spTree>
+    <p:extLst>
+      <p:ext uri="{BB962C8B-B14F-4D97-AF65-F5344CB8AC3E}">
+        <p14:creationId xmlns:p14="http://schemas.microsoft.com/office/powerpoint/2010/main" val="3101450296"/>
       </p:ext>
     </p:extLst>
   </p:cSld>
@@ -30095,11 +30176,12 @@
 </file>
 
 <file path=customXml/item1.xml><?xml version="1.0" encoding="utf-8"?>
-<p:properties xmlns:p="http://schemas.microsoft.com/office/2006/metadata/properties" xmlns:xsi="http://www.w3.org/2001/XMLSchema-instance" xmlns:pc="http://schemas.microsoft.com/office/infopath/2007/PartnerControls">
-  <documentManagement>
-    <MediaServiceKeyPoints xmlns="71af3243-3dd4-4a8d-8c0d-dd76da1f02a5" xsi:nil="true"/>
-  </documentManagement>
-</p:properties>
+<?mso-contentType ?>
+<FormTemplates xmlns="http://schemas.microsoft.com/sharepoint/v3/contenttype/forms">
+  <Display>DocumentLibraryForm</Display>
+  <Edit>DocumentLibraryForm</Edit>
+  <New>DocumentLibraryForm</New>
+</FormTemplates>
 </file>
 
 <file path=customXml/item2.xml><?xml version="1.0" encoding="utf-8"?>
@@ -30314,20 +30396,17 @@
 </file>
 
 <file path=customXml/item3.xml><?xml version="1.0" encoding="utf-8"?>
-<?mso-contentType ?>
-<FormTemplates xmlns="http://schemas.microsoft.com/sharepoint/v3/contenttype/forms">
-  <Display>DocumentLibraryForm</Display>
-  <Edit>DocumentLibraryForm</Edit>
-  <New>DocumentLibraryForm</New>
-</FormTemplates>
+<p:properties xmlns:p="http://schemas.microsoft.com/office/2006/metadata/properties" xmlns:xsi="http://www.w3.org/2001/XMLSchema-instance" xmlns:pc="http://schemas.microsoft.com/office/infopath/2007/PartnerControls">
+  <documentManagement>
+    <MediaServiceKeyPoints xmlns="71af3243-3dd4-4a8d-8c0d-dd76da1f02a5" xsi:nil="true"/>
+  </documentManagement>
+</p:properties>
 </file>
 
 <file path=customXml/itemProps1.xml><?xml version="1.0" encoding="utf-8"?>
-<ds:datastoreItem xmlns:ds="http://schemas.openxmlformats.org/officeDocument/2006/customXml" ds:itemID="{788A2F88-55C5-4ED1-9541-807C65424763}">
+<ds:datastoreItem xmlns:ds="http://schemas.openxmlformats.org/officeDocument/2006/customXml" ds:itemID="{4F44C90D-2A62-4985-9618-3460247437B1}">
   <ds:schemaRefs>
-    <ds:schemaRef ds:uri="http://schemas.microsoft.com/office/2006/metadata/properties"/>
-    <ds:schemaRef ds:uri="http://schemas.microsoft.com/office/infopath/2007/PartnerControls"/>
-    <ds:schemaRef ds:uri="71af3243-3dd4-4a8d-8c0d-dd76da1f02a5"/>
+    <ds:schemaRef ds:uri="http://schemas.microsoft.com/sharepoint/v3/contenttype/forms"/>
   </ds:schemaRefs>
 </ds:datastoreItem>
 </file>
@@ -30352,9 +30431,11 @@
 </file>
 
 <file path=customXml/itemProps3.xml><?xml version="1.0" encoding="utf-8"?>
-<ds:datastoreItem xmlns:ds="http://schemas.openxmlformats.org/officeDocument/2006/customXml" ds:itemID="{4F44C90D-2A62-4985-9618-3460247437B1}">
+<ds:datastoreItem xmlns:ds="http://schemas.openxmlformats.org/officeDocument/2006/customXml" ds:itemID="{788A2F88-55C5-4ED1-9541-807C65424763}">
   <ds:schemaRefs>
-    <ds:schemaRef ds:uri="http://schemas.microsoft.com/sharepoint/v3/contenttype/forms"/>
+    <ds:schemaRef ds:uri="http://schemas.microsoft.com/office/2006/metadata/properties"/>
+    <ds:schemaRef ds:uri="http://schemas.microsoft.com/office/infopath/2007/PartnerControls"/>
+    <ds:schemaRef ds:uri="71af3243-3dd4-4a8d-8c0d-dd76da1f02a5"/>
   </ds:schemaRefs>
 </ds:datastoreItem>
 </file>
--- a/Presentation/ppt 7.pptx
+++ b/Presentation/ppt 7.pptx
@@ -5,10 +5,10 @@
     <p:sldMasterId id="2147483648" r:id="rId4"/>
   </p:sldMasterIdLst>
   <p:notesMasterIdLst>
-    <p:notesMasterId r:id="rId17"/>
+    <p:notesMasterId r:id="rId19"/>
   </p:notesMasterIdLst>
   <p:handoutMasterIdLst>
-    <p:handoutMasterId r:id="rId18"/>
+    <p:handoutMasterId r:id="rId20"/>
   </p:handoutMasterIdLst>
   <p:sldIdLst>
     <p:sldId id="256" r:id="rId5"/>
@@ -23,6 +23,8 @@
     <p:sldId id="285" r:id="rId14"/>
     <p:sldId id="286" r:id="rId15"/>
     <p:sldId id="287" r:id="rId16"/>
+    <p:sldId id="288" r:id="rId17"/>
+    <p:sldId id="289" r:id="rId18"/>
   </p:sldIdLst>
   <p:sldSz cx="12192000" cy="6858000"/>
   <p:notesSz cx="6858000" cy="9144000"/>
@@ -4378,7 +4380,7 @@
                 <a:latin typeface="맑은 고딕" panose="020B0503020000020004" pitchFamily="50" charset="-127"/>
                 <a:ea typeface="맑은 고딕" panose="020B0503020000020004" pitchFamily="50" charset="-127"/>
               </a:rPr>
-              <a:t>2022-12-19</a:t>
+              <a:t>2022-12-21</a:t>
             </a:fld>
             <a:endParaRPr lang="ko-KR" altLang="en-US" dirty="0">
               <a:latin typeface="맑은 고딕" panose="020B0503020000020004" pitchFamily="50" charset="-127"/>
@@ -4565,7 +4567,7 @@
             <a:fld id="{C6D4BD08-001C-4DA3-A8F2-B1A0C43B0DFD}" type="datetime1">
               <a:rPr lang="ko-KR" altLang="en-US" smtClean="0"/>
               <a:pPr/>
-              <a:t>2022-12-19</a:t>
+              <a:t>2022-12-21</a:t>
             </a:fld>
             <a:endParaRPr lang="ko-KR" altLang="en-US" dirty="0"/>
           </a:p>
@@ -13822,7 +13824,7 @@
             <a:fld id="{20DA4868-5905-4D40-A3C7-A08A77FB381F}" type="datetime1">
               <a:rPr lang="ko-KR" altLang="en-US" smtClean="0"/>
               <a:pPr/>
-              <a:t>2022-12-19</a:t>
+              <a:t>2022-12-21</a:t>
             </a:fld>
             <a:endParaRPr lang="ko-KR" altLang="en-US" dirty="0"/>
           </a:p>
@@ -14032,7 +14034,7 @@
             <a:fld id="{A7059D92-5434-44F0-8311-BFCB0FE3ABFC}" type="datetime1">
               <a:rPr lang="ko-KR" altLang="en-US" smtClean="0"/>
               <a:pPr/>
-              <a:t>2022-12-19</a:t>
+              <a:t>2022-12-21</a:t>
             </a:fld>
             <a:endParaRPr lang="ko-KR" altLang="en-US" dirty="0"/>
           </a:p>
@@ -14256,7 +14258,7 @@
             <a:fld id="{2FB232E3-E22B-46B2-B042-7B0B4F3513F2}" type="datetime1">
               <a:rPr lang="ko-KR" altLang="en-US" smtClean="0"/>
               <a:pPr/>
-              <a:t>2022-12-19</a:t>
+              <a:t>2022-12-21</a:t>
             </a:fld>
             <a:endParaRPr lang="ko-KR" altLang="en-US" dirty="0"/>
           </a:p>
@@ -14477,7 +14479,7 @@
             <a:fld id="{9EFA091B-FB79-4832-BBA6-485BF4956E11}" type="datetime1">
               <a:rPr lang="ko-KR" altLang="en-US" smtClean="0"/>
               <a:pPr/>
-              <a:t>2022-12-19</a:t>
+              <a:t>2022-12-21</a:t>
             </a:fld>
             <a:endParaRPr lang="ko-KR" altLang="en-US" dirty="0"/>
           </a:p>
@@ -23378,7 +23380,7 @@
             <a:fld id="{5F31BFAB-5A50-4862-991D-7095D6C5D4BE}" type="datetime1">
               <a:rPr lang="ko-KR" altLang="en-US" smtClean="0"/>
               <a:pPr/>
-              <a:t>2022-12-19</a:t>
+              <a:t>2022-12-21</a:t>
             </a:fld>
             <a:endParaRPr lang="ko-KR" altLang="en-US" dirty="0"/>
           </a:p>
@@ -23655,7 +23657,7 @@
             <a:fld id="{A3BD5271-FEFE-4914-869C-5327720A295E}" type="datetime1">
               <a:rPr lang="ko-KR" altLang="en-US" smtClean="0"/>
               <a:pPr/>
-              <a:t>2022-12-19</a:t>
+              <a:t>2022-12-21</a:t>
             </a:fld>
             <a:endParaRPr lang="ko-KR" altLang="en-US" dirty="0"/>
           </a:p>
@@ -24056,7 +24058,7 @@
             <a:fld id="{6961C815-1148-4AA6-9F9C-F8BBBFBB10CA}" type="datetime1">
               <a:rPr lang="ko-KR" altLang="en-US" smtClean="0"/>
               <a:pPr/>
-              <a:t>2022-12-19</a:t>
+              <a:t>2022-12-21</a:t>
             </a:fld>
             <a:endParaRPr lang="ko-KR" altLang="en-US" dirty="0"/>
           </a:p>
@@ -24177,7 +24179,7 @@
             <a:fld id="{A47AA9F1-F81C-4105-8A81-06D610EC4B63}" type="datetime1">
               <a:rPr lang="ko-KR" altLang="en-US" smtClean="0"/>
               <a:pPr/>
-              <a:t>2022-12-19</a:t>
+              <a:t>2022-12-21</a:t>
             </a:fld>
             <a:endParaRPr lang="ko-KR" altLang="en-US" dirty="0"/>
           </a:p>
@@ -24274,7 +24276,7 @@
             <a:fld id="{1F487A97-1A80-4798-B672-85D6AB250DCF}" type="datetime1">
               <a:rPr lang="ko-KR" altLang="en-US" smtClean="0"/>
               <a:pPr/>
-              <a:t>2022-12-19</a:t>
+              <a:t>2022-12-21</a:t>
             </a:fld>
             <a:endParaRPr lang="ko-KR" altLang="en-US" dirty="0"/>
           </a:p>
@@ -24567,7 +24569,7 @@
             <a:fld id="{EE653310-AD94-41CD-AC0F-1501C4EA6D6F}" type="datetime1">
               <a:rPr lang="ko-KR" altLang="en-US" smtClean="0"/>
               <a:pPr/>
-              <a:t>2022-12-19</a:t>
+              <a:t>2022-12-21</a:t>
             </a:fld>
             <a:endParaRPr lang="en-US" dirty="0"/>
           </a:p>
@@ -24851,7 +24853,7 @@
             <a:fld id="{A9C485AE-A5AE-4102-AAA7-CE7177004C64}" type="datetime1">
               <a:rPr lang="ko-KR" altLang="en-US" smtClean="0"/>
               <a:pPr/>
-              <a:t>2022-12-19</a:t>
+              <a:t>2022-12-21</a:t>
             </a:fld>
             <a:endParaRPr lang="ko-KR" altLang="en-US" dirty="0"/>
           </a:p>
@@ -25103,7 +25105,7 @@
             <a:fld id="{55E25835-15BF-46FE-B0BD-ED10F3056879}" type="datetime1">
               <a:rPr lang="ko-KR" altLang="en-US" smtClean="0"/>
               <a:pPr/>
-              <a:t>2022-12-19</a:t>
+              <a:t>2022-12-21</a:t>
             </a:fld>
             <a:endParaRPr lang="ko-KR" altLang="en-US" dirty="0"/>
           </a:p>
@@ -26348,7 +26350,418 @@
           <a:bodyPr/>
           <a:lstStyle/>
           <a:p>
-            <a:endParaRPr lang="ko-KR" altLang="en-US"/>
+            <a:r>
+              <a:rPr lang="en-US" altLang="ko-KR" dirty="0"/>
+              <a:t>Overfitting</a:t>
+            </a:r>
+            <a:endParaRPr lang="ko-KR" altLang="en-US" dirty="0"/>
+          </a:p>
+        </p:txBody>
+      </p:sp>
+      <mc:AlternateContent xmlns:mc="http://schemas.openxmlformats.org/markup-compatibility/2006">
+        <mc:Choice xmlns:a14="http://schemas.microsoft.com/office/drawing/2010/main" Requires="a14">
+          <p:sp>
+            <p:nvSpPr>
+              <p:cNvPr id="3" name="내용 개체 틀 2">
+                <a:extLst>
+                  <a:ext uri="{FF2B5EF4-FFF2-40B4-BE49-F238E27FC236}">
+                    <a16:creationId xmlns:a16="http://schemas.microsoft.com/office/drawing/2014/main" id="{B27FC438-2823-571C-DDE7-6FC424FDF002}"/>
+                  </a:ext>
+                </a:extLst>
+              </p:cNvPr>
+              <p:cNvSpPr>
+                <a:spLocks noGrp="1"/>
+              </p:cNvSpPr>
+              <p:nvPr>
+                <p:ph idx="1"/>
+              </p:nvPr>
+            </p:nvSpPr>
+            <p:spPr/>
+            <p:txBody>
+              <a:bodyPr/>
+              <a:lstStyle/>
+              <a:p>
+                <a:r>
+                  <a:rPr lang="ja-JP" altLang="en-US" dirty="0"/>
+                  <a:t>モデルがデータの中のノイズまで学習してる状態。</a:t>
+                </a:r>
+                <a:endParaRPr lang="en-US" altLang="ja-JP" dirty="0"/>
+              </a:p>
+              <a:p>
+                <a:r>
+                  <a:rPr lang="en-US" altLang="ja-JP" dirty="0"/>
+                  <a:t>1</a:t>
+                </a:r>
+                <a:r>
+                  <a:rPr lang="ja-JP" altLang="en-US" dirty="0"/>
+                  <a:t>．データの量を増やす。</a:t>
+                </a:r>
+                <a:endParaRPr lang="en-US" altLang="ja-JP" dirty="0"/>
+              </a:p>
+              <a:p>
+                <a:r>
+                  <a:rPr lang="en-US" altLang="ja-JP" dirty="0"/>
+                  <a:t>2</a:t>
+                </a:r>
+                <a:r>
+                  <a:rPr lang="ja-JP" altLang="en-US" dirty="0"/>
+                  <a:t>．モデルを単純化する。</a:t>
+                </a:r>
+                <a:r>
+                  <a:rPr lang="en-US" altLang="ja-JP" dirty="0"/>
+                  <a:t>(Capacity</a:t>
+                </a:r>
+                <a:r>
+                  <a:rPr lang="ja-JP" altLang="en-US" dirty="0"/>
+                  <a:t>を減らす</a:t>
+                </a:r>
+                <a:r>
+                  <a:rPr lang="en-US" altLang="ja-JP" dirty="0"/>
+                  <a:t>)</a:t>
+                </a:r>
+              </a:p>
+              <a:p>
+                <a:r>
+                  <a:rPr lang="en-US" altLang="ja-JP" dirty="0"/>
+                  <a:t>3</a:t>
+                </a:r>
+                <a:r>
+                  <a:rPr lang="ja-JP" altLang="en-US" dirty="0"/>
+                  <a:t>．重みに制限を置く</a:t>
+                </a:r>
+                <a:r>
+                  <a:rPr lang="en-US" altLang="ja-JP" dirty="0"/>
+                  <a:t>(</a:t>
+                </a:r>
+                <a:r>
+                  <a:rPr lang="en-US" altLang="ja-JP" dirty="0" err="1"/>
+                  <a:t>Regulariztion</a:t>
+                </a:r>
+                <a:r>
+                  <a:rPr lang="en-US" altLang="ja-JP" dirty="0"/>
+                  <a:t>)</a:t>
+                </a:r>
+                <a:r>
+                  <a:rPr lang="ko-KR" altLang="en-US" dirty="0"/>
+                  <a:t> </a:t>
+                </a:r>
+                <a:r>
+                  <a:rPr lang="en-US" altLang="ko-KR" dirty="0"/>
+                  <a:t>: L1</a:t>
+                </a:r>
+                <a:r>
+                  <a:rPr lang="ko-KR" altLang="en-US" dirty="0"/>
+                  <a:t> </a:t>
+                </a:r>
+                <a:r>
+                  <a:rPr lang="en-US" altLang="ko-KR" dirty="0"/>
+                  <a:t>Norm,</a:t>
+                </a:r>
+                <a:r>
+                  <a:rPr lang="ko-KR" altLang="en-US" dirty="0"/>
+                  <a:t> </a:t>
+                </a:r>
+                <a:r>
+                  <a:rPr lang="en-US" altLang="ko-KR" dirty="0"/>
+                  <a:t>L2</a:t>
+                </a:r>
+                <a:r>
+                  <a:rPr lang="ko-KR" altLang="en-US" dirty="0"/>
+                  <a:t> </a:t>
+                </a:r>
+                <a:r>
+                  <a:rPr lang="en-US" altLang="ko-KR" dirty="0"/>
+                  <a:t>Norm(weight decay)</a:t>
+                </a:r>
+              </a:p>
+              <a:p>
+                <a:r>
+                  <a:rPr lang="en-US" altLang="ja-JP" dirty="0"/>
+                  <a:t>   L1 Norm: </a:t>
+                </a:r>
+                <a14:m>
+                  <m:oMath xmlns:m="http://schemas.openxmlformats.org/officeDocument/2006/math">
+                    <m:r>
+                      <a:rPr lang="en-US" altLang="ja-JP" b="0" i="1" smtClean="0">
+                        <a:latin typeface="Cambria Math" panose="02040503050406030204" pitchFamily="18" charset="0"/>
+                      </a:rPr>
+                      <m:t>𝑐𝑜𝑠𝑡</m:t>
+                    </m:r>
+                    <m:r>
+                      <a:rPr lang="en-US" altLang="ja-JP" b="0" i="1" smtClean="0">
+                        <a:latin typeface="Cambria Math" panose="02040503050406030204" pitchFamily="18" charset="0"/>
+                      </a:rPr>
+                      <m:t> </m:t>
+                    </m:r>
+                    <m:r>
+                      <a:rPr lang="en-US" altLang="ja-JP" b="0" i="1" smtClean="0">
+                        <a:latin typeface="Cambria Math" panose="02040503050406030204" pitchFamily="18" charset="0"/>
+                      </a:rPr>
+                      <m:t>𝑓𝑢𝑛𝑐𝑡𝑖𝑜𝑛</m:t>
+                    </m:r>
+                    <m:r>
+                      <a:rPr lang="en-US" altLang="ja-JP" b="0" i="1" smtClean="0">
+                        <a:latin typeface="Cambria Math" panose="02040503050406030204" pitchFamily="18" charset="0"/>
+                      </a:rPr>
+                      <m:t>+=</m:t>
+                    </m:r>
+                    <m:r>
+                      <a:rPr lang="ja-JP" altLang="en-US" b="0" i="1" smtClean="0">
+                        <a:latin typeface="Cambria Math" panose="02040503050406030204" pitchFamily="18" charset="0"/>
+                      </a:rPr>
+                      <m:t>𝜆</m:t>
+                    </m:r>
+                    <m:d>
+                      <m:dPr>
+                        <m:begChr m:val="|"/>
+                        <m:endChr m:val="|"/>
+                        <m:ctrlPr>
+                          <a:rPr lang="en-US" altLang="ja-JP" b="0" i="1" smtClean="0">
+                            <a:latin typeface="Cambria Math" panose="02040503050406030204" pitchFamily="18" charset="0"/>
+                          </a:rPr>
+                        </m:ctrlPr>
+                      </m:dPr>
+                      <m:e>
+                        <m:r>
+                          <a:rPr lang="en-US" altLang="ja-JP" b="0" i="1" smtClean="0">
+                            <a:latin typeface="Cambria Math" panose="02040503050406030204" pitchFamily="18" charset="0"/>
+                          </a:rPr>
+                          <m:t>𝑤</m:t>
+                        </m:r>
+                      </m:e>
+                    </m:d>
+                  </m:oMath>
+                </a14:m>
+                <a:r>
+                  <a:rPr lang="en-US" altLang="ja-JP" dirty="0"/>
+                  <a:t>   L2 Norm: </a:t>
+                </a:r>
+                <a14:m>
+                  <m:oMath xmlns:m="http://schemas.openxmlformats.org/officeDocument/2006/math">
+                    <m:r>
+                      <a:rPr lang="en-US" altLang="ja-JP" i="1">
+                        <a:latin typeface="Cambria Math" panose="02040503050406030204" pitchFamily="18" charset="0"/>
+                      </a:rPr>
+                      <m:t>𝑐𝑜𝑠𝑡</m:t>
+                    </m:r>
+                    <m:r>
+                      <a:rPr lang="en-US" altLang="ja-JP" i="1">
+                        <a:latin typeface="Cambria Math" panose="02040503050406030204" pitchFamily="18" charset="0"/>
+                      </a:rPr>
+                      <m:t> </m:t>
+                    </m:r>
+                    <m:r>
+                      <a:rPr lang="en-US" altLang="ja-JP" i="1">
+                        <a:latin typeface="Cambria Math" panose="02040503050406030204" pitchFamily="18" charset="0"/>
+                      </a:rPr>
+                      <m:t>𝑓𝑢𝑛𝑐𝑡𝑖𝑜𝑛</m:t>
+                    </m:r>
+                    <m:r>
+                      <a:rPr lang="en-US" altLang="ja-JP" i="1">
+                        <a:latin typeface="Cambria Math" panose="02040503050406030204" pitchFamily="18" charset="0"/>
+                      </a:rPr>
+                      <m:t>+=</m:t>
+                    </m:r>
+                    <m:f>
+                      <m:fPr>
+                        <m:ctrlPr>
+                          <a:rPr lang="en-US" altLang="ja-JP" i="1" smtClean="0">
+                            <a:latin typeface="Cambria Math" panose="02040503050406030204" pitchFamily="18" charset="0"/>
+                          </a:rPr>
+                        </m:ctrlPr>
+                      </m:fPr>
+                      <m:num>
+                        <m:r>
+                          <a:rPr lang="en-US" altLang="ja-JP" b="0" i="1" smtClean="0">
+                            <a:latin typeface="Cambria Math" panose="02040503050406030204" pitchFamily="18" charset="0"/>
+                          </a:rPr>
+                          <m:t>1</m:t>
+                        </m:r>
+                      </m:num>
+                      <m:den>
+                        <m:r>
+                          <a:rPr lang="en-US" altLang="ja-JP" b="0" i="1" smtClean="0">
+                            <a:latin typeface="Cambria Math" panose="02040503050406030204" pitchFamily="18" charset="0"/>
+                          </a:rPr>
+                          <m:t>2</m:t>
+                        </m:r>
+                      </m:den>
+                    </m:f>
+                    <m:r>
+                      <a:rPr lang="ja-JP" altLang="en-US" i="1">
+                        <a:latin typeface="Cambria Math" panose="02040503050406030204" pitchFamily="18" charset="0"/>
+                      </a:rPr>
+                      <m:t>𝜆</m:t>
+                    </m:r>
+                    <m:sSup>
+                      <m:sSupPr>
+                        <m:ctrlPr>
+                          <a:rPr lang="en-US" altLang="ja-JP" i="1" smtClean="0">
+                            <a:latin typeface="Cambria Math" panose="02040503050406030204" pitchFamily="18" charset="0"/>
+                          </a:rPr>
+                        </m:ctrlPr>
+                      </m:sSupPr>
+                      <m:e>
+                        <m:r>
+                          <a:rPr lang="en-US" altLang="ja-JP" b="0" i="1" smtClean="0">
+                            <a:latin typeface="Cambria Math" panose="02040503050406030204" pitchFamily="18" charset="0"/>
+                          </a:rPr>
+                          <m:t>𝑤</m:t>
+                        </m:r>
+                      </m:e>
+                      <m:sup>
+                        <m:r>
+                          <a:rPr lang="en-US" altLang="ja-JP" b="0" i="1" smtClean="0">
+                            <a:latin typeface="Cambria Math" panose="02040503050406030204" pitchFamily="18" charset="0"/>
+                          </a:rPr>
+                          <m:t>2</m:t>
+                        </m:r>
+                      </m:sup>
+                    </m:sSup>
+                  </m:oMath>
+                </a14:m>
+                <a:endParaRPr lang="en-US" altLang="ja-JP" dirty="0"/>
+              </a:p>
+              <a:p>
+                <a:r>
+                  <a:rPr lang="en-US" altLang="ja-JP" dirty="0"/>
+                  <a:t>4</a:t>
+                </a:r>
+                <a:r>
+                  <a:rPr lang="ja-JP" altLang="en-US" dirty="0"/>
+                  <a:t> ．</a:t>
+                </a:r>
+                <a:r>
+                  <a:rPr lang="en-US" altLang="ja-JP" dirty="0"/>
+                  <a:t>Dropout :</a:t>
+                </a:r>
+                <a:r>
+                  <a:rPr lang="ko-KR" altLang="en-US" dirty="0"/>
+                  <a:t> </a:t>
+                </a:r>
+                <a:r>
+                  <a:rPr lang="ja-JP" altLang="en-US" dirty="0"/>
+                  <a:t>神経網の一部を使わない方法。</a:t>
+                </a:r>
+                <a:r>
+                  <a:rPr lang="en-US" altLang="ja-JP" dirty="0"/>
+                  <a:t>(</a:t>
+                </a:r>
+                <a:r>
+                  <a:rPr lang="ja-JP" altLang="en-US" dirty="0"/>
+                  <a:t>学習の時だけ</a:t>
+                </a:r>
+                <a:r>
+                  <a:rPr lang="en-US" altLang="ja-JP" dirty="0"/>
+                  <a:t>)</a:t>
+                </a:r>
+              </a:p>
+            </p:txBody>
+          </p:sp>
+        </mc:Choice>
+        <mc:Fallback>
+          <p:sp>
+            <p:nvSpPr>
+              <p:cNvPr id="3" name="내용 개체 틀 2">
+                <a:extLst>
+                  <a:ext uri="{FF2B5EF4-FFF2-40B4-BE49-F238E27FC236}">
+                    <a16:creationId xmlns:a16="http://schemas.microsoft.com/office/drawing/2014/main" id="{B27FC438-2823-571C-DDE7-6FC424FDF002}"/>
+                  </a:ext>
+                </a:extLst>
+              </p:cNvPr>
+              <p:cNvSpPr>
+                <a:spLocks noGrp="1" noRot="1" noChangeAspect="1" noMove="1" noResize="1" noEditPoints="1" noAdjustHandles="1" noChangeArrowheads="1" noChangeShapeType="1" noTextEdit="1"/>
+              </p:cNvSpPr>
+              <p:nvPr>
+                <p:ph idx="1"/>
+              </p:nvPr>
+            </p:nvSpPr>
+            <p:spPr>
+              <a:blipFill>
+                <a:blip r:embed="rId2"/>
+                <a:stretch>
+                  <a:fillRect l="-251" t="-2273"/>
+                </a:stretch>
+              </a:blipFill>
+            </p:spPr>
+            <p:txBody>
+              <a:bodyPr/>
+              <a:lstStyle/>
+              <a:p>
+                <a:r>
+                  <a:rPr lang="ko-KR" altLang="en-US">
+                    <a:noFill/>
+                  </a:rPr>
+                  <a:t> </a:t>
+                </a:r>
+              </a:p>
+            </p:txBody>
+          </p:sp>
+        </mc:Fallback>
+      </mc:AlternateContent>
+    </p:spTree>
+    <p:extLst>
+      <p:ext uri="{BB962C8B-B14F-4D97-AF65-F5344CB8AC3E}">
+        <p14:creationId xmlns:p14="http://schemas.microsoft.com/office/powerpoint/2010/main" val="3101450296"/>
+      </p:ext>
+    </p:extLst>
+  </p:cSld>
+  <p:clrMapOvr>
+    <a:masterClrMapping/>
+  </p:clrMapOvr>
+</p:sld>
+</file>
+
+<file path=ppt/slides/slide13.xml><?xml version="1.0" encoding="utf-8"?>
+<p:sld xmlns:a="http://schemas.openxmlformats.org/drawingml/2006/main" xmlns:r="http://schemas.openxmlformats.org/officeDocument/2006/relationships" xmlns:p="http://schemas.openxmlformats.org/presentationml/2006/main">
+  <p:cSld>
+    <p:spTree>
+      <p:nvGrpSpPr>
+        <p:cNvPr id="1" name=""/>
+        <p:cNvGrpSpPr/>
+        <p:nvPr/>
+      </p:nvGrpSpPr>
+      <p:grpSpPr>
+        <a:xfrm>
+          <a:off x="0" y="0"/>
+          <a:ext cx="0" cy="0"/>
+          <a:chOff x="0" y="0"/>
+          <a:chExt cx="0" cy="0"/>
+        </a:xfrm>
+      </p:grpSpPr>
+      <p:sp>
+        <p:nvSpPr>
+          <p:cNvPr id="2" name="제목 1">
+            <a:extLst>
+              <a:ext uri="{FF2B5EF4-FFF2-40B4-BE49-F238E27FC236}">
+                <a16:creationId xmlns:a16="http://schemas.microsoft.com/office/drawing/2014/main" id="{0B90F77D-0472-74CE-97D7-5962256EC719}"/>
+              </a:ext>
+            </a:extLst>
+          </p:cNvPr>
+          <p:cNvSpPr>
+            <a:spLocks noGrp="1"/>
+          </p:cNvSpPr>
+          <p:nvPr>
+            <p:ph type="title"/>
+          </p:nvPr>
+        </p:nvSpPr>
+        <p:spPr/>
+        <p:txBody>
+          <a:bodyPr/>
+          <a:lstStyle/>
+          <a:p>
+            <a:r>
+              <a:rPr lang="en-US" altLang="ko-KR" dirty="0"/>
+              <a:t>Gradient </a:t>
+            </a:r>
+            <a:br>
+              <a:rPr lang="en-US" altLang="ko-KR" dirty="0"/>
+            </a:br>
+            <a:r>
+              <a:rPr lang="en-US" altLang="ko-KR" dirty="0"/>
+              <a:t>vanishing &amp; Exploding</a:t>
+            </a:r>
+            <a:endParaRPr lang="ko-KR" altLang="en-US" dirty="0"/>
           </a:p>
         </p:txBody>
       </p:sp>
@@ -26357,7 +26770,261 @@
           <p:cNvPr id="3" name="내용 개체 틀 2">
             <a:extLst>
               <a:ext uri="{FF2B5EF4-FFF2-40B4-BE49-F238E27FC236}">
-                <a16:creationId xmlns:a16="http://schemas.microsoft.com/office/drawing/2014/main" id="{B27FC438-2823-571C-DDE7-6FC424FDF002}"/>
+                <a16:creationId xmlns:a16="http://schemas.microsoft.com/office/drawing/2014/main" id="{E038543A-D40C-903E-0C0F-9D4F7796B122}"/>
+              </a:ext>
+            </a:extLst>
+          </p:cNvPr>
+          <p:cNvSpPr>
+            <a:spLocks noGrp="1"/>
+          </p:cNvSpPr>
+          <p:nvPr>
+            <p:ph idx="1"/>
+          </p:nvPr>
+        </p:nvSpPr>
+        <p:spPr/>
+        <p:txBody>
+          <a:bodyPr/>
+          <a:lstStyle/>
+          <a:p>
+            <a:r>
+              <a:rPr lang="en-US" altLang="ko-KR" dirty="0"/>
+              <a:t>1. Gradient Clipping : </a:t>
+            </a:r>
+            <a:r>
+              <a:rPr lang="ja-JP" altLang="en-US" dirty="0"/>
+              <a:t>傾きがある値を超えれないように切ること。</a:t>
+            </a:r>
+            <a:endParaRPr lang="en-US" altLang="ja-JP" dirty="0"/>
+          </a:p>
+          <a:p>
+            <a:r>
+              <a:rPr lang="en-US" altLang="ko-KR" dirty="0"/>
+              <a:t>   XXX = </a:t>
+            </a:r>
+            <a:r>
+              <a:rPr lang="en-US" altLang="ko-KR" dirty="0" err="1"/>
+              <a:t>optimizer.XXX</a:t>
+            </a:r>
+            <a:r>
+              <a:rPr lang="en-US" altLang="ko-KR" dirty="0"/>
+              <a:t>(</a:t>
+            </a:r>
+            <a:r>
+              <a:rPr lang="en-US" altLang="ko-KR" dirty="0" err="1"/>
+              <a:t>clipnorm</a:t>
+            </a:r>
+            <a:r>
+              <a:rPr lang="en-US" altLang="ko-KR" dirty="0"/>
+              <a:t>=x)</a:t>
+            </a:r>
+          </a:p>
+          <a:p>
+            <a:r>
+              <a:rPr lang="en-US" altLang="ko-KR" dirty="0"/>
+              <a:t>2. Weight initialization(</a:t>
+            </a:r>
+            <a:r>
+              <a:rPr lang="ja-JP" altLang="en-US" dirty="0"/>
+              <a:t>重み値初期化</a:t>
+            </a:r>
+            <a:r>
+              <a:rPr lang="en-US" altLang="ko-KR" dirty="0"/>
+              <a:t>)</a:t>
+            </a:r>
+          </a:p>
+          <a:p>
+            <a:r>
+              <a:rPr lang="ja-JP" altLang="en-US" dirty="0"/>
+              <a:t>　</a:t>
+            </a:r>
+            <a:r>
+              <a:rPr lang="en-US" altLang="ja-JP" sz="2000" dirty="0"/>
+              <a:t>1.</a:t>
+            </a:r>
+            <a:r>
+              <a:rPr lang="en-US" altLang="ja-JP" dirty="0"/>
+              <a:t> </a:t>
+            </a:r>
+            <a:r>
+              <a:rPr lang="en-US" altLang="ja-JP" sz="2000" dirty="0"/>
+              <a:t>Xavier Initialization : </a:t>
+            </a:r>
+            <a:r>
+              <a:rPr lang="en-US" altLang="ko-KR" sz="1100" dirty="0"/>
+              <a:t>Understanding the difficulty of training deep feedforward neural networks (Xavier </a:t>
+            </a:r>
+            <a:r>
+              <a:rPr lang="en-US" altLang="ko-KR" sz="1100" dirty="0" err="1"/>
+              <a:t>Glorot</a:t>
+            </a:r>
+            <a:r>
+              <a:rPr lang="en-US" altLang="ko-KR" sz="1100" dirty="0"/>
+              <a:t>, </a:t>
+            </a:r>
+            <a:r>
+              <a:rPr lang="en-US" altLang="ko-KR" sz="1100" dirty="0" err="1"/>
+              <a:t>Yoshua</a:t>
+            </a:r>
+            <a:r>
+              <a:rPr lang="en-US" altLang="ko-KR" sz="1100" dirty="0"/>
+              <a:t> </a:t>
+            </a:r>
+            <a:r>
+              <a:rPr lang="en-US" altLang="ko-KR" sz="1100" dirty="0" err="1"/>
+              <a:t>Bengio</a:t>
+            </a:r>
+            <a:r>
+              <a:rPr lang="en-US" altLang="ko-KR" sz="1100" dirty="0"/>
+              <a:t>, 2010)</a:t>
+            </a:r>
+          </a:p>
+          <a:p>
+            <a:r>
+              <a:rPr lang="ja-JP" altLang="en-US" sz="1100" dirty="0"/>
+              <a:t>　　　　</a:t>
+            </a:r>
+            <a:r>
+              <a:rPr lang="en-US" altLang="ko-KR" sz="2000" dirty="0"/>
+              <a:t>Sigmoid</a:t>
+            </a:r>
+            <a:r>
+              <a:rPr lang="ja-JP" altLang="en-US" sz="2000" dirty="0"/>
+              <a:t>や、</a:t>
+            </a:r>
+            <a:r>
+              <a:rPr lang="en-US" altLang="ja-JP" sz="2000" dirty="0"/>
+              <a:t> Hyperbolic tangent</a:t>
+            </a:r>
+            <a:r>
+              <a:rPr lang="ja-JP" altLang="en-US" sz="2000" dirty="0"/>
+              <a:t>等の</a:t>
+            </a:r>
+            <a:r>
+              <a:rPr lang="en-US" altLang="ja-JP" sz="2000" dirty="0"/>
+              <a:t>S</a:t>
+            </a:r>
+            <a:r>
+              <a:rPr lang="ja-JP" altLang="en-US" sz="2000" dirty="0"/>
+              <a:t>字形の活性化関数に適合。</a:t>
+            </a:r>
+            <a:endParaRPr lang="en-US" altLang="ja-JP" sz="2000" dirty="0"/>
+          </a:p>
+          <a:p>
+            <a:r>
+              <a:rPr lang="en-US" altLang="ja-JP" sz="2000" dirty="0"/>
+              <a:t>   2. He initialization : </a:t>
+            </a:r>
+            <a:r>
+              <a:rPr lang="en-US" altLang="ja-JP" sz="1100" dirty="0"/>
+              <a:t>Delving Deep into Rectifiers: Surpassing Human-Level Performance on ImageNet Classification (</a:t>
+            </a:r>
+            <a:r>
+              <a:rPr lang="en-US" altLang="ko-KR" sz="1100" dirty="0" err="1"/>
+              <a:t>Kaiming</a:t>
+            </a:r>
+            <a:r>
+              <a:rPr lang="en-US" altLang="ko-KR" sz="1100" dirty="0"/>
+              <a:t> He </a:t>
+            </a:r>
+            <a:r>
+              <a:rPr lang="en-US" altLang="ko-KR" sz="1100" dirty="0" err="1"/>
+              <a:t>Xiangyu</a:t>
+            </a:r>
+            <a:r>
+              <a:rPr lang="en-US" altLang="ko-KR" sz="1100" dirty="0"/>
+              <a:t> Zhang </a:t>
+            </a:r>
+            <a:r>
+              <a:rPr lang="en-US" altLang="ko-KR" sz="1100" dirty="0" err="1"/>
+              <a:t>Shaoqing</a:t>
+            </a:r>
+            <a:r>
+              <a:rPr lang="en-US" altLang="ko-KR" sz="1100" dirty="0"/>
+              <a:t> Ren Jian Sun )</a:t>
+            </a:r>
+          </a:p>
+          <a:p>
+            <a:r>
+              <a:rPr lang="en-US" altLang="ja-JP" sz="1100" dirty="0"/>
+              <a:t>            </a:t>
+            </a:r>
+            <a:r>
+              <a:rPr lang="en-US" altLang="ja-JP" sz="2000" dirty="0" err="1"/>
+              <a:t>ReLU</a:t>
+            </a:r>
+            <a:r>
+              <a:rPr lang="ja-JP" altLang="en-US" sz="2000" dirty="0"/>
+              <a:t>関数に適している。</a:t>
+            </a:r>
+            <a:endParaRPr lang="en-US" altLang="ja-JP" sz="1100" dirty="0"/>
+          </a:p>
+        </p:txBody>
+      </p:sp>
+    </p:spTree>
+    <p:extLst>
+      <p:ext uri="{BB962C8B-B14F-4D97-AF65-F5344CB8AC3E}">
+        <p14:creationId xmlns:p14="http://schemas.microsoft.com/office/powerpoint/2010/main" val="263877799"/>
+      </p:ext>
+    </p:extLst>
+  </p:cSld>
+  <p:clrMapOvr>
+    <a:masterClrMapping/>
+  </p:clrMapOvr>
+</p:sld>
+</file>
+
+<file path=ppt/slides/slide14.xml><?xml version="1.0" encoding="utf-8"?>
+<p:sld xmlns:a="http://schemas.openxmlformats.org/drawingml/2006/main" xmlns:r="http://schemas.openxmlformats.org/officeDocument/2006/relationships" xmlns:p="http://schemas.openxmlformats.org/presentationml/2006/main">
+  <p:cSld>
+    <p:spTree>
+      <p:nvGrpSpPr>
+        <p:cNvPr id="1" name=""/>
+        <p:cNvGrpSpPr/>
+        <p:nvPr/>
+      </p:nvGrpSpPr>
+      <p:grpSpPr>
+        <a:xfrm>
+          <a:off x="0" y="0"/>
+          <a:ext cx="0" cy="0"/>
+          <a:chOff x="0" y="0"/>
+          <a:chExt cx="0" cy="0"/>
+        </a:xfrm>
+      </p:grpSpPr>
+      <p:sp>
+        <p:nvSpPr>
+          <p:cNvPr id="2" name="제목 1">
+            <a:extLst>
+              <a:ext uri="{FF2B5EF4-FFF2-40B4-BE49-F238E27FC236}">
+                <a16:creationId xmlns:a16="http://schemas.microsoft.com/office/drawing/2014/main" id="{931E7AC5-E35B-68C1-1CFB-253D89B9D71C}"/>
+              </a:ext>
+            </a:extLst>
+          </p:cNvPr>
+          <p:cNvSpPr>
+            <a:spLocks noGrp="1"/>
+          </p:cNvSpPr>
+          <p:nvPr>
+            <p:ph type="title"/>
+          </p:nvPr>
+        </p:nvSpPr>
+        <p:spPr/>
+        <p:txBody>
+          <a:bodyPr/>
+          <a:lstStyle/>
+          <a:p>
+            <a:r>
+              <a:rPr lang="en-US" altLang="ko-KR" dirty="0"/>
+              <a:t>Batch Normalization</a:t>
+            </a:r>
+            <a:endParaRPr lang="ko-KR" altLang="en-US" dirty="0"/>
+          </a:p>
+        </p:txBody>
+      </p:sp>
+      <p:sp>
+        <p:nvSpPr>
+          <p:cNvPr id="3" name="내용 개체 틀 2">
+            <a:extLst>
+              <a:ext uri="{FF2B5EF4-FFF2-40B4-BE49-F238E27FC236}">
+                <a16:creationId xmlns:a16="http://schemas.microsoft.com/office/drawing/2014/main" id="{316FFCF7-14CA-72E8-506A-E5859D264201}"/>
               </a:ext>
             </a:extLst>
           </p:cNvPr>
@@ -26380,7 +27047,7 @@
     </p:spTree>
     <p:extLst>
       <p:ext uri="{BB962C8B-B14F-4D97-AF65-F5344CB8AC3E}">
-        <p14:creationId xmlns:p14="http://schemas.microsoft.com/office/powerpoint/2010/main" val="3101450296"/>
+        <p14:creationId xmlns:p14="http://schemas.microsoft.com/office/powerpoint/2010/main" val="3933042108"/>
       </p:ext>
     </p:extLst>
   </p:cSld>
@@ -30176,12 +30843,11 @@
 </file>
 
 <file path=customXml/item1.xml><?xml version="1.0" encoding="utf-8"?>
-<?mso-contentType ?>
-<FormTemplates xmlns="http://schemas.microsoft.com/sharepoint/v3/contenttype/forms">
-  <Display>DocumentLibraryForm</Display>
-  <Edit>DocumentLibraryForm</Edit>
-  <New>DocumentLibraryForm</New>
-</FormTemplates>
+<p:properties xmlns:p="http://schemas.microsoft.com/office/2006/metadata/properties" xmlns:xsi="http://www.w3.org/2001/XMLSchema-instance" xmlns:pc="http://schemas.microsoft.com/office/infopath/2007/PartnerControls">
+  <documentManagement>
+    <MediaServiceKeyPoints xmlns="71af3243-3dd4-4a8d-8c0d-dd76da1f02a5" xsi:nil="true"/>
+  </documentManagement>
+</p:properties>
 </file>
 
 <file path=customXml/item2.xml><?xml version="1.0" encoding="utf-8"?>
@@ -30396,17 +31062,20 @@
 </file>
 
 <file path=customXml/item3.xml><?xml version="1.0" encoding="utf-8"?>
-<p:properties xmlns:p="http://schemas.microsoft.com/office/2006/metadata/properties" xmlns:xsi="http://www.w3.org/2001/XMLSchema-instance" xmlns:pc="http://schemas.microsoft.com/office/infopath/2007/PartnerControls">
-  <documentManagement>
-    <MediaServiceKeyPoints xmlns="71af3243-3dd4-4a8d-8c0d-dd76da1f02a5" xsi:nil="true"/>
-  </documentManagement>
-</p:properties>
+<?mso-contentType ?>
+<FormTemplates xmlns="http://schemas.microsoft.com/sharepoint/v3/contenttype/forms">
+  <Display>DocumentLibraryForm</Display>
+  <Edit>DocumentLibraryForm</Edit>
+  <New>DocumentLibraryForm</New>
+</FormTemplates>
 </file>
 
 <file path=customXml/itemProps1.xml><?xml version="1.0" encoding="utf-8"?>
-<ds:datastoreItem xmlns:ds="http://schemas.openxmlformats.org/officeDocument/2006/customXml" ds:itemID="{4F44C90D-2A62-4985-9618-3460247437B1}">
+<ds:datastoreItem xmlns:ds="http://schemas.openxmlformats.org/officeDocument/2006/customXml" ds:itemID="{788A2F88-55C5-4ED1-9541-807C65424763}">
   <ds:schemaRefs>
-    <ds:schemaRef ds:uri="http://schemas.microsoft.com/sharepoint/v3/contenttype/forms"/>
+    <ds:schemaRef ds:uri="http://schemas.microsoft.com/office/2006/metadata/properties"/>
+    <ds:schemaRef ds:uri="http://schemas.microsoft.com/office/infopath/2007/PartnerControls"/>
+    <ds:schemaRef ds:uri="71af3243-3dd4-4a8d-8c0d-dd76da1f02a5"/>
   </ds:schemaRefs>
 </ds:datastoreItem>
 </file>
@@ -30431,11 +31100,9 @@
 </file>
 
 <file path=customXml/itemProps3.xml><?xml version="1.0" encoding="utf-8"?>
-<ds:datastoreItem xmlns:ds="http://schemas.openxmlformats.org/officeDocument/2006/customXml" ds:itemID="{788A2F88-55C5-4ED1-9541-807C65424763}">
+<ds:datastoreItem xmlns:ds="http://schemas.openxmlformats.org/officeDocument/2006/customXml" ds:itemID="{4F44C90D-2A62-4985-9618-3460247437B1}">
   <ds:schemaRefs>
-    <ds:schemaRef ds:uri="http://schemas.microsoft.com/office/2006/metadata/properties"/>
-    <ds:schemaRef ds:uri="http://schemas.microsoft.com/office/infopath/2007/PartnerControls"/>
-    <ds:schemaRef ds:uri="71af3243-3dd4-4a8d-8c0d-dd76da1f02a5"/>
+    <ds:schemaRef ds:uri="http://schemas.microsoft.com/sharepoint/v3/contenttype/forms"/>
   </ds:schemaRefs>
 </ds:datastoreItem>
 </file>
--- a/Presentation/ppt 7.pptx
+++ b/Presentation/ppt 7.pptx
@@ -5,10 +5,10 @@
     <p:sldMasterId id="2147483648" r:id="rId4"/>
   </p:sldMasterIdLst>
   <p:notesMasterIdLst>
-    <p:notesMasterId r:id="rId19"/>
+    <p:notesMasterId r:id="rId21"/>
   </p:notesMasterIdLst>
   <p:handoutMasterIdLst>
-    <p:handoutMasterId r:id="rId20"/>
+    <p:handoutMasterId r:id="rId22"/>
   </p:handoutMasterIdLst>
   <p:sldIdLst>
     <p:sldId id="256" r:id="rId5"/>
@@ -25,6 +25,8 @@
     <p:sldId id="287" r:id="rId16"/>
     <p:sldId id="288" r:id="rId17"/>
     <p:sldId id="289" r:id="rId18"/>
+    <p:sldId id="290" r:id="rId19"/>
+    <p:sldId id="291" r:id="rId20"/>
   </p:sldIdLst>
   <p:sldSz cx="12192000" cy="6858000"/>
   <p:notesSz cx="6858000" cy="9144000"/>
@@ -137,7 +139,7 @@
 <file path=ppt/charts/chart1.xml><?xml version="1.0" encoding="utf-8"?>
 <c:chartSpace xmlns:c="http://schemas.openxmlformats.org/drawingml/2006/chart" xmlns:a="http://schemas.openxmlformats.org/drawingml/2006/main" xmlns:r="http://schemas.openxmlformats.org/officeDocument/2006/relationships" xmlns:c16r2="http://schemas.microsoft.com/office/drawing/2015/06/chart">
   <c:date1904 val="0"/>
-  <c:lang val="ko-KR"/>
+  <c:lang val="ja-JP"/>
   <c:roundedCorners val="0"/>
   <mc:AlternateContent xmlns:mc="http://schemas.openxmlformats.org/markup-compatibility/2006">
     <mc:Choice xmlns:c14="http://schemas.microsoft.com/office/drawing/2007/8/2/chart" Requires="c14">
@@ -200,7 +202,7 @@
               <a:cs typeface="+mn-cs"/>
             </a:defRPr>
           </a:pPr>
-          <a:endParaRPr lang="ko-KR"/>
+          <a:endParaRPr lang="ja-JP"/>
         </a:p>
       </c:txPr>
     </c:title>
@@ -370,7 +372,7 @@
                 <a:cs typeface="+mn-cs"/>
               </a:defRPr>
             </a:pPr>
-            <a:endParaRPr lang="ko-KR"/>
+            <a:endParaRPr lang="ja-JP"/>
           </a:p>
         </c:txPr>
         <c:crossAx val="1142436192"/>
@@ -434,7 +436,7 @@
                 <a:cs typeface="+mn-cs"/>
               </a:defRPr>
             </a:pPr>
-            <a:endParaRPr lang="ko-KR"/>
+            <a:endParaRPr lang="ja-JP"/>
           </a:p>
         </c:txPr>
         <c:crossAx val="1142436608"/>
@@ -475,7 +477,7 @@
       <a:pPr>
         <a:defRPr/>
       </a:pPr>
-      <a:endParaRPr lang="ko-KR"/>
+      <a:endParaRPr lang="ja-JP"/>
     </a:p>
   </c:txPr>
   <c:externalData r:id="rId3">
@@ -4380,7 +4382,7 @@
                 <a:latin typeface="맑은 고딕" panose="020B0503020000020004" pitchFamily="50" charset="-127"/>
                 <a:ea typeface="맑은 고딕" panose="020B0503020000020004" pitchFamily="50" charset="-127"/>
               </a:rPr>
-              <a:t>2022-12-21</a:t>
+              <a:t>2022-12-22</a:t>
             </a:fld>
             <a:endParaRPr lang="ko-KR" altLang="en-US" dirty="0">
               <a:latin typeface="맑은 고딕" panose="020B0503020000020004" pitchFamily="50" charset="-127"/>
@@ -4567,7 +4569,7 @@
             <a:fld id="{C6D4BD08-001C-4DA3-A8F2-B1A0C43B0DFD}" type="datetime1">
               <a:rPr lang="ko-KR" altLang="en-US" smtClean="0"/>
               <a:pPr/>
-              <a:t>2022-12-21</a:t>
+              <a:t>2022-12-22</a:t>
             </a:fld>
             <a:endParaRPr lang="ko-KR" altLang="en-US" dirty="0"/>
           </a:p>
@@ -13824,7 +13826,7 @@
             <a:fld id="{20DA4868-5905-4D40-A3C7-A08A77FB381F}" type="datetime1">
               <a:rPr lang="ko-KR" altLang="en-US" smtClean="0"/>
               <a:pPr/>
-              <a:t>2022-12-21</a:t>
+              <a:t>2022-12-22</a:t>
             </a:fld>
             <a:endParaRPr lang="ko-KR" altLang="en-US" dirty="0"/>
           </a:p>
@@ -14034,7 +14036,7 @@
             <a:fld id="{A7059D92-5434-44F0-8311-BFCB0FE3ABFC}" type="datetime1">
               <a:rPr lang="ko-KR" altLang="en-US" smtClean="0"/>
               <a:pPr/>
-              <a:t>2022-12-21</a:t>
+              <a:t>2022-12-22</a:t>
             </a:fld>
             <a:endParaRPr lang="ko-KR" altLang="en-US" dirty="0"/>
           </a:p>
@@ -14258,7 +14260,7 @@
             <a:fld id="{2FB232E3-E22B-46B2-B042-7B0B4F3513F2}" type="datetime1">
               <a:rPr lang="ko-KR" altLang="en-US" smtClean="0"/>
               <a:pPr/>
-              <a:t>2022-12-21</a:t>
+              <a:t>2022-12-22</a:t>
             </a:fld>
             <a:endParaRPr lang="ko-KR" altLang="en-US" dirty="0"/>
           </a:p>
@@ -14479,7 +14481,7 @@
             <a:fld id="{9EFA091B-FB79-4832-BBA6-485BF4956E11}" type="datetime1">
               <a:rPr lang="ko-KR" altLang="en-US" smtClean="0"/>
               <a:pPr/>
-              <a:t>2022-12-21</a:t>
+              <a:t>2022-12-22</a:t>
             </a:fld>
             <a:endParaRPr lang="ko-KR" altLang="en-US" dirty="0"/>
           </a:p>
@@ -23380,7 +23382,7 @@
             <a:fld id="{5F31BFAB-5A50-4862-991D-7095D6C5D4BE}" type="datetime1">
               <a:rPr lang="ko-KR" altLang="en-US" smtClean="0"/>
               <a:pPr/>
-              <a:t>2022-12-21</a:t>
+              <a:t>2022-12-22</a:t>
             </a:fld>
             <a:endParaRPr lang="ko-KR" altLang="en-US" dirty="0"/>
           </a:p>
@@ -23657,7 +23659,7 @@
             <a:fld id="{A3BD5271-FEFE-4914-869C-5327720A295E}" type="datetime1">
               <a:rPr lang="ko-KR" altLang="en-US" smtClean="0"/>
               <a:pPr/>
-              <a:t>2022-12-21</a:t>
+              <a:t>2022-12-22</a:t>
             </a:fld>
             <a:endParaRPr lang="ko-KR" altLang="en-US" dirty="0"/>
           </a:p>
@@ -24058,7 +24060,7 @@
             <a:fld id="{6961C815-1148-4AA6-9F9C-F8BBBFBB10CA}" type="datetime1">
               <a:rPr lang="ko-KR" altLang="en-US" smtClean="0"/>
               <a:pPr/>
-              <a:t>2022-12-21</a:t>
+              <a:t>2022-12-22</a:t>
             </a:fld>
             <a:endParaRPr lang="ko-KR" altLang="en-US" dirty="0"/>
           </a:p>
@@ -24179,7 +24181,7 @@
             <a:fld id="{A47AA9F1-F81C-4105-8A81-06D610EC4B63}" type="datetime1">
               <a:rPr lang="ko-KR" altLang="en-US" smtClean="0"/>
               <a:pPr/>
-              <a:t>2022-12-21</a:t>
+              <a:t>2022-12-22</a:t>
             </a:fld>
             <a:endParaRPr lang="ko-KR" altLang="en-US" dirty="0"/>
           </a:p>
@@ -24276,7 +24278,7 @@
             <a:fld id="{1F487A97-1A80-4798-B672-85D6AB250DCF}" type="datetime1">
               <a:rPr lang="ko-KR" altLang="en-US" smtClean="0"/>
               <a:pPr/>
-              <a:t>2022-12-21</a:t>
+              <a:t>2022-12-22</a:t>
             </a:fld>
             <a:endParaRPr lang="ko-KR" altLang="en-US" dirty="0"/>
           </a:p>
@@ -24569,7 +24571,7 @@
             <a:fld id="{EE653310-AD94-41CD-AC0F-1501C4EA6D6F}" type="datetime1">
               <a:rPr lang="ko-KR" altLang="en-US" smtClean="0"/>
               <a:pPr/>
-              <a:t>2022-12-21</a:t>
+              <a:t>2022-12-22</a:t>
             </a:fld>
             <a:endParaRPr lang="en-US" dirty="0"/>
           </a:p>
@@ -24853,7 +24855,7 @@
             <a:fld id="{A9C485AE-A5AE-4102-AAA7-CE7177004C64}" type="datetime1">
               <a:rPr lang="ko-KR" altLang="en-US" smtClean="0"/>
               <a:pPr/>
-              <a:t>2022-12-21</a:t>
+              <a:t>2022-12-22</a:t>
             </a:fld>
             <a:endParaRPr lang="ko-KR" altLang="en-US" dirty="0"/>
           </a:p>
@@ -25105,7 +25107,7 @@
             <a:fld id="{55E25835-15BF-46FE-B0BD-ED10F3056879}" type="datetime1">
               <a:rPr lang="ko-KR" altLang="en-US" smtClean="0"/>
               <a:pPr/>
-              <a:t>2022-12-21</a:t>
+              <a:t>2022-12-22</a:t>
             </a:fld>
             <a:endParaRPr lang="ko-KR" altLang="en-US" dirty="0"/>
           </a:p>
@@ -26358,8 +26360,8 @@
           </a:p>
         </p:txBody>
       </p:sp>
-      <mc:AlternateContent xmlns:mc="http://schemas.openxmlformats.org/markup-compatibility/2006">
-        <mc:Choice xmlns:a14="http://schemas.microsoft.com/office/drawing/2010/main" Requires="a14">
+      <mc:AlternateContent xmlns:mc="http://schemas.openxmlformats.org/markup-compatibility/2006" xmlns:a14="http://schemas.microsoft.com/office/drawing/2010/main">
+        <mc:Choice Requires="a14">
           <p:sp>
             <p:nvSpPr>
               <p:cNvPr id="3" name="내용 개체 틀 2">
@@ -26659,7 +26661,7 @@
             </p:txBody>
           </p:sp>
         </mc:Choice>
-        <mc:Fallback>
+        <mc:Fallback xmlns="">
           <p:sp>
             <p:nvSpPr>
               <p:cNvPr id="3" name="내용 개체 틀 2">
@@ -27048,6 +27050,388 @@
     <p:extLst>
       <p:ext uri="{BB962C8B-B14F-4D97-AF65-F5344CB8AC3E}">
         <p14:creationId xmlns:p14="http://schemas.microsoft.com/office/powerpoint/2010/main" val="3933042108"/>
+      </p:ext>
+    </p:extLst>
+  </p:cSld>
+  <p:clrMapOvr>
+    <a:masterClrMapping/>
+  </p:clrMapOvr>
+</p:sld>
+</file>
+
+<file path=ppt/slides/slide15.xml><?xml version="1.0" encoding="utf-8"?>
+<p:sld xmlns:a="http://schemas.openxmlformats.org/drawingml/2006/main" xmlns:r="http://schemas.openxmlformats.org/officeDocument/2006/relationships" xmlns:p="http://schemas.openxmlformats.org/presentationml/2006/main">
+  <p:cSld>
+    <p:spTree>
+      <p:nvGrpSpPr>
+        <p:cNvPr id="1" name=""/>
+        <p:cNvGrpSpPr/>
+        <p:nvPr/>
+      </p:nvGrpSpPr>
+      <p:grpSpPr>
+        <a:xfrm>
+          <a:off x="0" y="0"/>
+          <a:ext cx="0" cy="0"/>
+          <a:chOff x="0" y="0"/>
+          <a:chExt cx="0" cy="0"/>
+        </a:xfrm>
+      </p:grpSpPr>
+      <p:sp>
+        <p:nvSpPr>
+          <p:cNvPr id="2" name="タイトル 1">
+            <a:extLst>
+              <a:ext uri="{FF2B5EF4-FFF2-40B4-BE49-F238E27FC236}">
+                <a16:creationId xmlns:a16="http://schemas.microsoft.com/office/drawing/2014/main" id="{7EEDF5E6-0109-F2EF-4DD2-AD0429A7625A}"/>
+              </a:ext>
+            </a:extLst>
+          </p:cNvPr>
+          <p:cNvSpPr>
+            <a:spLocks noGrp="1"/>
+          </p:cNvSpPr>
+          <p:nvPr>
+            <p:ph type="title"/>
+          </p:nvPr>
+        </p:nvSpPr>
+        <p:spPr/>
+        <p:txBody>
+          <a:bodyPr/>
+          <a:lstStyle/>
+          <a:p>
+            <a:r>
+              <a:rPr kumimoji="1" lang="en-US" altLang="ja-JP" dirty="0" err="1"/>
+              <a:t>Keras</a:t>
+            </a:r>
+            <a:r>
+              <a:rPr kumimoji="1" lang="en-US" altLang="ja-JP" dirty="0"/>
+              <a:t> : Functional API</a:t>
+            </a:r>
+            <a:endParaRPr kumimoji="1" lang="ja-JP" altLang="en-US" dirty="0"/>
+          </a:p>
+        </p:txBody>
+      </p:sp>
+      <p:sp>
+        <p:nvSpPr>
+          <p:cNvPr id="3" name="コンテンツ プレースホルダー 2">
+            <a:extLst>
+              <a:ext uri="{FF2B5EF4-FFF2-40B4-BE49-F238E27FC236}">
+                <a16:creationId xmlns:a16="http://schemas.microsoft.com/office/drawing/2014/main" id="{BE1CA210-17EF-8ED9-FF33-D8AC1A300051}"/>
+              </a:ext>
+            </a:extLst>
+          </p:cNvPr>
+          <p:cNvSpPr>
+            <a:spLocks noGrp="1"/>
+          </p:cNvSpPr>
+          <p:nvPr>
+            <p:ph idx="1"/>
+          </p:nvPr>
+        </p:nvSpPr>
+        <p:spPr/>
+        <p:txBody>
+          <a:bodyPr/>
+          <a:lstStyle/>
+          <a:p>
+            <a:r>
+              <a:rPr kumimoji="1" lang="en-US" altLang="ja-JP" dirty="0" err="1"/>
+              <a:t>Keras</a:t>
+            </a:r>
+            <a:r>
+              <a:rPr kumimoji="1" lang="ja-JP" altLang="en-US" dirty="0"/>
+              <a:t>では、</a:t>
+            </a:r>
+            <a:r>
+              <a:rPr kumimoji="1" lang="en-US" altLang="ja-JP" dirty="0"/>
+              <a:t>Sequential</a:t>
+            </a:r>
+            <a:r>
+              <a:rPr kumimoji="1" lang="ja-JP" altLang="en-US" dirty="0"/>
+              <a:t>を使うことで、簡単で分かりやすく神経網を作れるが、単にレイヤーを重ねるだけではない複雑な神経網の具現はできない。</a:t>
+            </a:r>
+            <a:endParaRPr kumimoji="1" lang="en-US" altLang="ja-JP" dirty="0"/>
+          </a:p>
+          <a:p>
+            <a:r>
+              <a:rPr kumimoji="1" lang="en-US" altLang="ja-JP" dirty="0"/>
+              <a:t>Functional API</a:t>
+            </a:r>
+            <a:r>
+              <a:rPr kumimoji="1" lang="ja-JP" altLang="en-US" dirty="0"/>
+              <a:t>は各レイヤーをそれぞれの関数として定義し、各関数を組み焦れるための演算子を提供する。</a:t>
+            </a:r>
+            <a:endParaRPr kumimoji="1" lang="en-US" altLang="ja-JP" dirty="0"/>
+          </a:p>
+          <a:p>
+            <a:r>
+              <a:rPr kumimoji="1" lang="en-US" altLang="ja-JP" dirty="0"/>
+              <a:t>Ex)</a:t>
+            </a:r>
+          </a:p>
+          <a:p>
+            <a:r>
+              <a:rPr kumimoji="1" lang="en-US" altLang="ja-JP" dirty="0"/>
+              <a:t>inputs = Input(shape=(n,))</a:t>
+            </a:r>
+          </a:p>
+          <a:p>
+            <a:r>
+              <a:rPr kumimoji="1" lang="en-US" altLang="ja-JP" dirty="0"/>
+              <a:t>hidden = Dense(32, activation=‘leaky </a:t>
+            </a:r>
+            <a:r>
+              <a:rPr kumimoji="1" lang="en-US" altLang="ja-JP" dirty="0" err="1"/>
+              <a:t>relu</a:t>
+            </a:r>
+            <a:r>
+              <a:rPr kumimoji="1" lang="en-US" altLang="ja-JP" dirty="0"/>
+              <a:t>’)(inputs)</a:t>
+            </a:r>
+          </a:p>
+          <a:p>
+            <a:r>
+              <a:rPr kumimoji="1" lang="en-US" altLang="ja-JP" dirty="0"/>
+              <a:t>output = Dense(1, activation=‘sigmoid’)(hidden)</a:t>
+            </a:r>
+          </a:p>
+          <a:p>
+            <a:r>
+              <a:rPr kumimoji="1" lang="en-US" altLang="ja-JP" dirty="0"/>
+              <a:t>model = Model(inputs=inputs, outputs=output)</a:t>
+            </a:r>
+          </a:p>
+        </p:txBody>
+      </p:sp>
+    </p:spTree>
+    <p:extLst>
+      <p:ext uri="{BB962C8B-B14F-4D97-AF65-F5344CB8AC3E}">
+        <p14:creationId xmlns:p14="http://schemas.microsoft.com/office/powerpoint/2010/main" val="2395218146"/>
+      </p:ext>
+    </p:extLst>
+  </p:cSld>
+  <p:clrMapOvr>
+    <a:masterClrMapping/>
+  </p:clrMapOvr>
+</p:sld>
+</file>
+
+<file path=ppt/slides/slide16.xml><?xml version="1.0" encoding="utf-8"?>
+<p:sld xmlns:a="http://schemas.openxmlformats.org/drawingml/2006/main" xmlns:r="http://schemas.openxmlformats.org/officeDocument/2006/relationships" xmlns:p="http://schemas.openxmlformats.org/presentationml/2006/main">
+  <p:cSld>
+    <p:spTree>
+      <p:nvGrpSpPr>
+        <p:cNvPr id="1" name=""/>
+        <p:cNvGrpSpPr/>
+        <p:nvPr/>
+      </p:nvGrpSpPr>
+      <p:grpSpPr>
+        <a:xfrm>
+          <a:off x="0" y="0"/>
+          <a:ext cx="0" cy="0"/>
+          <a:chOff x="0" y="0"/>
+          <a:chExt cx="0" cy="0"/>
+        </a:xfrm>
+      </p:grpSpPr>
+      <p:sp>
+        <p:nvSpPr>
+          <p:cNvPr id="2" name="タイトル 1">
+            <a:extLst>
+              <a:ext uri="{FF2B5EF4-FFF2-40B4-BE49-F238E27FC236}">
+                <a16:creationId xmlns:a16="http://schemas.microsoft.com/office/drawing/2014/main" id="{1CF5ADE1-F46B-71D5-DEA7-36924F55FCBA}"/>
+              </a:ext>
+            </a:extLst>
+          </p:cNvPr>
+          <p:cNvSpPr>
+            <a:spLocks noGrp="1"/>
+          </p:cNvSpPr>
+          <p:nvPr>
+            <p:ph type="title"/>
+          </p:nvPr>
+        </p:nvSpPr>
+        <p:spPr/>
+        <p:txBody>
+          <a:bodyPr/>
+          <a:lstStyle/>
+          <a:p>
+            <a:r>
+              <a:rPr kumimoji="1" lang="en-US" altLang="ja-JP" dirty="0" err="1"/>
+              <a:t>Keras</a:t>
+            </a:r>
+            <a:r>
+              <a:rPr kumimoji="1" lang="en-US" altLang="ja-JP" dirty="0"/>
+              <a:t> : Functional API</a:t>
+            </a:r>
+            <a:endParaRPr kumimoji="1" lang="ja-JP" altLang="en-US" dirty="0"/>
+          </a:p>
+        </p:txBody>
+      </p:sp>
+      <p:sp>
+        <p:nvSpPr>
+          <p:cNvPr id="3" name="コンテンツ プレースホルダー 2">
+            <a:extLst>
+              <a:ext uri="{FF2B5EF4-FFF2-40B4-BE49-F238E27FC236}">
+                <a16:creationId xmlns:a16="http://schemas.microsoft.com/office/drawing/2014/main" id="{63341EE9-B11C-2E52-C36F-CC8BAA58BD1E}"/>
+              </a:ext>
+            </a:extLst>
+          </p:cNvPr>
+          <p:cNvSpPr>
+            <a:spLocks noGrp="1"/>
+          </p:cNvSpPr>
+          <p:nvPr>
+            <p:ph idx="1"/>
+          </p:nvPr>
+        </p:nvSpPr>
+        <p:spPr/>
+        <p:txBody>
+          <a:bodyPr>
+            <a:normAutofit fontScale="92500" lnSpcReduction="10000"/>
+          </a:bodyPr>
+          <a:lstStyle/>
+          <a:p>
+            <a:r>
+              <a:rPr kumimoji="1" lang="ja-JP" altLang="en-US" dirty="0"/>
+              <a:t>複数の入力を受けて、それぞれ異なる神経網に分かれて進行し、最後に合わせて一つの値を予測するモデルとかも作ることができる。</a:t>
+            </a:r>
+            <a:endParaRPr kumimoji="1" lang="en-US" altLang="ja-JP" dirty="0"/>
+          </a:p>
+          <a:p>
+            <a:r>
+              <a:rPr kumimoji="1" lang="en-US" altLang="ja-JP" dirty="0" err="1"/>
+              <a:t>inputA</a:t>
+            </a:r>
+            <a:r>
+              <a:rPr kumimoji="1" lang="en-US" altLang="ja-JP" dirty="0"/>
+              <a:t> = Input(shape=(64,))</a:t>
+            </a:r>
+          </a:p>
+          <a:p>
+            <a:r>
+              <a:rPr kumimoji="1" lang="en-US" altLang="ja-JP" dirty="0" err="1"/>
+              <a:t>inputB</a:t>
+            </a:r>
+            <a:r>
+              <a:rPr kumimoji="1" lang="en-US" altLang="ja-JP" dirty="0"/>
+              <a:t> = Input(shape=(128,))</a:t>
+            </a:r>
+          </a:p>
+          <a:p>
+            <a:r>
+              <a:rPr kumimoji="1" lang="en-US" altLang="ja-JP" dirty="0"/>
+              <a:t>A Model ~~</a:t>
+            </a:r>
+          </a:p>
+          <a:p>
+            <a:r>
+              <a:rPr kumimoji="1" lang="en-US" altLang="ja-JP" dirty="0"/>
+              <a:t>B Model ~~</a:t>
+            </a:r>
+          </a:p>
+          <a:p>
+            <a:r>
+              <a:rPr kumimoji="1" lang="en-US" altLang="ja-JP" dirty="0"/>
+              <a:t>result = concatenate([</a:t>
+            </a:r>
+            <a:r>
+              <a:rPr kumimoji="1" lang="en-US" altLang="ja-JP" dirty="0" err="1"/>
+              <a:t>A.output</a:t>
+            </a:r>
+            <a:r>
+              <a:rPr kumimoji="1" lang="en-US" altLang="ja-JP" dirty="0"/>
+              <a:t>, </a:t>
+            </a:r>
+            <a:r>
+              <a:rPr kumimoji="1" lang="en-US" altLang="ja-JP" dirty="0" err="1"/>
+              <a:t>B.output</a:t>
+            </a:r>
+            <a:r>
+              <a:rPr kumimoji="1" lang="en-US" altLang="ja-JP" dirty="0"/>
+              <a:t>)</a:t>
+            </a:r>
+          </a:p>
+          <a:p>
+            <a:r>
+              <a:rPr kumimoji="1" lang="en-US" altLang="ja-JP" dirty="0"/>
+              <a:t>z = Dense(2, activation="</a:t>
+            </a:r>
+            <a:r>
+              <a:rPr kumimoji="1" lang="en-US" altLang="ja-JP" dirty="0" err="1"/>
+              <a:t>relu</a:t>
+            </a:r>
+            <a:r>
+              <a:rPr kumimoji="1" lang="en-US" altLang="ja-JP" dirty="0"/>
+              <a:t>")(result)</a:t>
+            </a:r>
+          </a:p>
+          <a:p>
+            <a:r>
+              <a:rPr kumimoji="1" lang="en-US" altLang="ja-JP" dirty="0"/>
+              <a:t>z = Dense(1, activation="linear")(z)</a:t>
+            </a:r>
+          </a:p>
+          <a:p>
+            <a:pPr marL="0" indent="0">
+              <a:buNone/>
+            </a:pPr>
+            <a:r>
+              <a:rPr kumimoji="1" lang="en-US" altLang="ja-JP" dirty="0"/>
+              <a:t>model = Model(inputs=[</a:t>
+            </a:r>
+            <a:r>
+              <a:rPr kumimoji="1" lang="en-US" altLang="ja-JP" dirty="0" err="1"/>
+              <a:t>A.input</a:t>
+            </a:r>
+            <a:r>
+              <a:rPr kumimoji="1" lang="en-US" altLang="ja-JP" dirty="0"/>
+              <a:t>, </a:t>
+            </a:r>
+            <a:r>
+              <a:rPr kumimoji="1" lang="en-US" altLang="ja-JP" dirty="0" err="1"/>
+              <a:t>B.input</a:t>
+            </a:r>
+            <a:r>
+              <a:rPr kumimoji="1" lang="en-US" altLang="ja-JP" dirty="0"/>
+              <a:t>], outputs=z)</a:t>
+            </a:r>
+          </a:p>
+        </p:txBody>
+      </p:sp>
+      <p:sp>
+        <p:nvSpPr>
+          <p:cNvPr id="4" name="テキスト ボックス 3">
+            <a:extLst>
+              <a:ext uri="{FF2B5EF4-FFF2-40B4-BE49-F238E27FC236}">
+                <a16:creationId xmlns:a16="http://schemas.microsoft.com/office/drawing/2014/main" id="{99931E85-FF42-E649-6A8D-FF227515AFD2}"/>
+              </a:ext>
+            </a:extLst>
+          </p:cNvPr>
+          <p:cNvSpPr txBox="1"/>
+          <p:nvPr/>
+        </p:nvSpPr>
+        <p:spPr>
+          <a:xfrm>
+            <a:off x="9242855" y="5940028"/>
+            <a:ext cx="2570206" cy="369332"/>
+          </a:xfrm>
+          <a:prstGeom prst="rect">
+            <a:avLst/>
+          </a:prstGeom>
+          <a:noFill/>
+        </p:spPr>
+        <p:txBody>
+          <a:bodyPr wrap="square" rtlCol="0">
+            <a:spAutoFit/>
+          </a:bodyPr>
+          <a:lstStyle/>
+          <a:p>
+            <a:r>
+              <a:rPr kumimoji="1" lang="en-US" altLang="ja-JP" dirty="0"/>
+              <a:t>Subclassing API</a:t>
+            </a:r>
+            <a:endParaRPr kumimoji="1" lang="ja-JP" altLang="en-US" dirty="0"/>
+          </a:p>
+        </p:txBody>
+      </p:sp>
+    </p:spTree>
+    <p:extLst>
+      <p:ext uri="{BB962C8B-B14F-4D97-AF65-F5344CB8AC3E}">
+        <p14:creationId xmlns:p14="http://schemas.microsoft.com/office/powerpoint/2010/main" val="3102671236"/>
       </p:ext>
     </p:extLst>
   </p:cSld>
@@ -30843,14 +31227,6 @@
 </file>
 
 <file path=customXml/item1.xml><?xml version="1.0" encoding="utf-8"?>
-<p:properties xmlns:p="http://schemas.microsoft.com/office/2006/metadata/properties" xmlns:xsi="http://www.w3.org/2001/XMLSchema-instance" xmlns:pc="http://schemas.microsoft.com/office/infopath/2007/PartnerControls">
-  <documentManagement>
-    <MediaServiceKeyPoints xmlns="71af3243-3dd4-4a8d-8c0d-dd76da1f02a5" xsi:nil="true"/>
-  </documentManagement>
-</p:properties>
-</file>
-
-<file path=customXml/item2.xml><?xml version="1.0" encoding="utf-8"?>
 <ct:contentTypeSchema xmlns:ct="http://schemas.microsoft.com/office/2006/metadata/contentType" xmlns:ma="http://schemas.microsoft.com/office/2006/metadata/properties/metaAttributes" ct:_="" ma:_="" ma:contentTypeName="Document" ma:contentTypeID="0x01010079F111ED35F8CC479449609E8A0923A6" ma:contentTypeVersion="11" ma:contentTypeDescription="Create a new document." ma:contentTypeScope="" ma:versionID="9677210f24a1be23c92c90fd886aa0aa">
   <xsd:schema xmlns:xsd="http://www.w3.org/2001/XMLSchema" xmlns:xs="http://www.w3.org/2001/XMLSchema" xmlns:p="http://schemas.microsoft.com/office/2006/metadata/properties" xmlns:ns2="71af3243-3dd4-4a8d-8c0d-dd76da1f02a5" xmlns:ns3="16c05727-aa75-4e4a-9b5f-8a80a1165891" targetNamespace="http://schemas.microsoft.com/office/2006/metadata/properties" ma:root="true" ma:fieldsID="60e05723c5c1908df1a1a4ebf11d344e" ns2:_="" ns3:_="">
     <xsd:import namespace="71af3243-3dd4-4a8d-8c0d-dd76da1f02a5"/>
@@ -31061,6 +31437,14 @@
 </ct:contentTypeSchema>
 </file>
 
+<file path=customXml/item2.xml><?xml version="1.0" encoding="utf-8"?>
+<p:properties xmlns:p="http://schemas.microsoft.com/office/2006/metadata/properties" xmlns:xsi="http://www.w3.org/2001/XMLSchema-instance" xmlns:pc="http://schemas.microsoft.com/office/infopath/2007/PartnerControls">
+  <documentManagement>
+    <MediaServiceKeyPoints xmlns="71af3243-3dd4-4a8d-8c0d-dd76da1f02a5" xsi:nil="true"/>
+  </documentManagement>
+</p:properties>
+</file>
+
 <file path=customXml/item3.xml><?xml version="1.0" encoding="utf-8"?>
 <?mso-contentType ?>
 <FormTemplates xmlns="http://schemas.microsoft.com/sharepoint/v3/contenttype/forms">
@@ -31071,16 +31455,6 @@
 </file>
 
 <file path=customXml/itemProps1.xml><?xml version="1.0" encoding="utf-8"?>
-<ds:datastoreItem xmlns:ds="http://schemas.openxmlformats.org/officeDocument/2006/customXml" ds:itemID="{788A2F88-55C5-4ED1-9541-807C65424763}">
-  <ds:schemaRefs>
-    <ds:schemaRef ds:uri="http://schemas.microsoft.com/office/2006/metadata/properties"/>
-    <ds:schemaRef ds:uri="http://schemas.microsoft.com/office/infopath/2007/PartnerControls"/>
-    <ds:schemaRef ds:uri="71af3243-3dd4-4a8d-8c0d-dd76da1f02a5"/>
-  </ds:schemaRefs>
-</ds:datastoreItem>
-</file>
-
-<file path=customXml/itemProps2.xml><?xml version="1.0" encoding="utf-8"?>
 <ds:datastoreItem xmlns:ds="http://schemas.openxmlformats.org/officeDocument/2006/customXml" ds:itemID="{B61EAB5F-88FC-4FAE-AE3C-037A3C365EB8}">
   <ds:schemaRefs>
     <ds:schemaRef ds:uri="http://schemas.microsoft.com/office/2006/metadata/contentType"/>
@@ -31099,6 +31473,16 @@
 </ds:datastoreItem>
 </file>
 
+<file path=customXml/itemProps2.xml><?xml version="1.0" encoding="utf-8"?>
+<ds:datastoreItem xmlns:ds="http://schemas.openxmlformats.org/officeDocument/2006/customXml" ds:itemID="{788A2F88-55C5-4ED1-9541-807C65424763}">
+  <ds:schemaRefs>
+    <ds:schemaRef ds:uri="http://schemas.microsoft.com/office/2006/metadata/properties"/>
+    <ds:schemaRef ds:uri="http://schemas.microsoft.com/office/infopath/2007/PartnerControls"/>
+    <ds:schemaRef ds:uri="71af3243-3dd4-4a8d-8c0d-dd76da1f02a5"/>
+  </ds:schemaRefs>
+</ds:datastoreItem>
+</file>
+
 <file path=customXml/itemProps3.xml><?xml version="1.0" encoding="utf-8"?>
 <ds:datastoreItem xmlns:ds="http://schemas.openxmlformats.org/officeDocument/2006/customXml" ds:itemID="{4F44C90D-2A62-4985-9618-3460247437B1}">
   <ds:schemaRefs>

--- a/Presentation/ppt 7.pptx
+++ b/Presentation/ppt 7.pptx
@@ -139,7 +139,7 @@
 <file path=ppt/charts/chart1.xml><?xml version="1.0" encoding="utf-8"?>
 <c:chartSpace xmlns:c="http://schemas.openxmlformats.org/drawingml/2006/chart" xmlns:a="http://schemas.openxmlformats.org/drawingml/2006/main" xmlns:r="http://schemas.openxmlformats.org/officeDocument/2006/relationships" xmlns:c16r2="http://schemas.microsoft.com/office/drawing/2015/06/chart">
   <c:date1904 val="0"/>
-  <c:lang val="ja-JP"/>
+  <c:lang val="ko-KR"/>
   <c:roundedCorners val="0"/>
   <mc:AlternateContent xmlns:mc="http://schemas.openxmlformats.org/markup-compatibility/2006">
     <mc:Choice xmlns:c14="http://schemas.microsoft.com/office/drawing/2007/8/2/chart" Requires="c14">
@@ -202,7 +202,7 @@
               <a:cs typeface="+mn-cs"/>
             </a:defRPr>
           </a:pPr>
-          <a:endParaRPr lang="ja-JP"/>
+          <a:endParaRPr lang="ko-KR"/>
         </a:p>
       </c:txPr>
     </c:title>
@@ -372,7 +372,7 @@
                 <a:cs typeface="+mn-cs"/>
               </a:defRPr>
             </a:pPr>
-            <a:endParaRPr lang="ja-JP"/>
+            <a:endParaRPr lang="ko-KR"/>
           </a:p>
         </c:txPr>
         <c:crossAx val="1142436192"/>
@@ -436,7 +436,7 @@
                 <a:cs typeface="+mn-cs"/>
               </a:defRPr>
             </a:pPr>
-            <a:endParaRPr lang="ja-JP"/>
+            <a:endParaRPr lang="ko-KR"/>
           </a:p>
         </c:txPr>
         <c:crossAx val="1142436608"/>
@@ -477,7 +477,7 @@
       <a:pPr>
         <a:defRPr/>
       </a:pPr>
-      <a:endParaRPr lang="ja-JP"/>
+      <a:endParaRPr lang="ko-KR"/>
     </a:p>
   </c:txPr>
   <c:externalData r:id="rId3">
@@ -4382,7 +4382,7 @@
                 <a:latin typeface="맑은 고딕" panose="020B0503020000020004" pitchFamily="50" charset="-127"/>
                 <a:ea typeface="맑은 고딕" panose="020B0503020000020004" pitchFamily="50" charset="-127"/>
               </a:rPr>
-              <a:t>2022-12-22</a:t>
+              <a:t>2022-12-26</a:t>
             </a:fld>
             <a:endParaRPr lang="ko-KR" altLang="en-US" dirty="0">
               <a:latin typeface="맑은 고딕" panose="020B0503020000020004" pitchFamily="50" charset="-127"/>
@@ -4569,7 +4569,7 @@
             <a:fld id="{C6D4BD08-001C-4DA3-A8F2-B1A0C43B0DFD}" type="datetime1">
               <a:rPr lang="ko-KR" altLang="en-US" smtClean="0"/>
               <a:pPr/>
-              <a:t>2022-12-22</a:t>
+              <a:t>2022-12-26</a:t>
             </a:fld>
             <a:endParaRPr lang="ko-KR" altLang="en-US" dirty="0"/>
           </a:p>
@@ -13826,7 +13826,7 @@
             <a:fld id="{20DA4868-5905-4D40-A3C7-A08A77FB381F}" type="datetime1">
               <a:rPr lang="ko-KR" altLang="en-US" smtClean="0"/>
               <a:pPr/>
-              <a:t>2022-12-22</a:t>
+              <a:t>2022-12-26</a:t>
             </a:fld>
             <a:endParaRPr lang="ko-KR" altLang="en-US" dirty="0"/>
           </a:p>
@@ -14036,7 +14036,7 @@
             <a:fld id="{A7059D92-5434-44F0-8311-BFCB0FE3ABFC}" type="datetime1">
               <a:rPr lang="ko-KR" altLang="en-US" smtClean="0"/>
               <a:pPr/>
-              <a:t>2022-12-22</a:t>
+              <a:t>2022-12-26</a:t>
             </a:fld>
             <a:endParaRPr lang="ko-KR" altLang="en-US" dirty="0"/>
           </a:p>
@@ -14260,7 +14260,7 @@
             <a:fld id="{2FB232E3-E22B-46B2-B042-7B0B4F3513F2}" type="datetime1">
               <a:rPr lang="ko-KR" altLang="en-US" smtClean="0"/>
               <a:pPr/>
-              <a:t>2022-12-22</a:t>
+              <a:t>2022-12-26</a:t>
             </a:fld>
             <a:endParaRPr lang="ko-KR" altLang="en-US" dirty="0"/>
           </a:p>
@@ -14481,7 +14481,7 @@
             <a:fld id="{9EFA091B-FB79-4832-BBA6-485BF4956E11}" type="datetime1">
               <a:rPr lang="ko-KR" altLang="en-US" smtClean="0"/>
               <a:pPr/>
-              <a:t>2022-12-22</a:t>
+              <a:t>2022-12-26</a:t>
             </a:fld>
             <a:endParaRPr lang="ko-KR" altLang="en-US" dirty="0"/>
           </a:p>
@@ -23382,7 +23382,7 @@
             <a:fld id="{5F31BFAB-5A50-4862-991D-7095D6C5D4BE}" type="datetime1">
               <a:rPr lang="ko-KR" altLang="en-US" smtClean="0"/>
               <a:pPr/>
-              <a:t>2022-12-22</a:t>
+              <a:t>2022-12-26</a:t>
             </a:fld>
             <a:endParaRPr lang="ko-KR" altLang="en-US" dirty="0"/>
           </a:p>
@@ -23659,7 +23659,7 @@
             <a:fld id="{A3BD5271-FEFE-4914-869C-5327720A295E}" type="datetime1">
               <a:rPr lang="ko-KR" altLang="en-US" smtClean="0"/>
               <a:pPr/>
-              <a:t>2022-12-22</a:t>
+              <a:t>2022-12-26</a:t>
             </a:fld>
             <a:endParaRPr lang="ko-KR" altLang="en-US" dirty="0"/>
           </a:p>
@@ -24060,7 +24060,7 @@
             <a:fld id="{6961C815-1148-4AA6-9F9C-F8BBBFBB10CA}" type="datetime1">
               <a:rPr lang="ko-KR" altLang="en-US" smtClean="0"/>
               <a:pPr/>
-              <a:t>2022-12-22</a:t>
+              <a:t>2022-12-26</a:t>
             </a:fld>
             <a:endParaRPr lang="ko-KR" altLang="en-US" dirty="0"/>
           </a:p>
@@ -24181,7 +24181,7 @@
             <a:fld id="{A47AA9F1-F81C-4105-8A81-06D610EC4B63}" type="datetime1">
               <a:rPr lang="ko-KR" altLang="en-US" smtClean="0"/>
               <a:pPr/>
-              <a:t>2022-12-22</a:t>
+              <a:t>2022-12-26</a:t>
             </a:fld>
             <a:endParaRPr lang="ko-KR" altLang="en-US" dirty="0"/>
           </a:p>
@@ -24278,7 +24278,7 @@
             <a:fld id="{1F487A97-1A80-4798-B672-85D6AB250DCF}" type="datetime1">
               <a:rPr lang="ko-KR" altLang="en-US" smtClean="0"/>
               <a:pPr/>
-              <a:t>2022-12-22</a:t>
+              <a:t>2022-12-26</a:t>
             </a:fld>
             <a:endParaRPr lang="ko-KR" altLang="en-US" dirty="0"/>
           </a:p>
@@ -24571,7 +24571,7 @@
             <a:fld id="{EE653310-AD94-41CD-AC0F-1501C4EA6D6F}" type="datetime1">
               <a:rPr lang="ko-KR" altLang="en-US" smtClean="0"/>
               <a:pPr/>
-              <a:t>2022-12-22</a:t>
+              <a:t>2022-12-26</a:t>
             </a:fld>
             <a:endParaRPr lang="en-US" dirty="0"/>
           </a:p>
@@ -24855,7 +24855,7 @@
             <a:fld id="{A9C485AE-A5AE-4102-AAA7-CE7177004C64}" type="datetime1">
               <a:rPr lang="ko-KR" altLang="en-US" smtClean="0"/>
               <a:pPr/>
-              <a:t>2022-12-22</a:t>
+              <a:t>2022-12-26</a:t>
             </a:fld>
             <a:endParaRPr lang="ko-KR" altLang="en-US" dirty="0"/>
           </a:p>
@@ -25107,7 +25107,7 @@
             <a:fld id="{55E25835-15BF-46FE-B0BD-ED10F3056879}" type="datetime1">
               <a:rPr lang="ko-KR" altLang="en-US" smtClean="0"/>
               <a:pPr/>
-              <a:t>2022-12-22</a:t>
+              <a:t>2022-12-26</a:t>
             </a:fld>
             <a:endParaRPr lang="ko-KR" altLang="en-US" dirty="0"/>
           </a:p>
@@ -27042,7 +27042,14 @@
           <a:bodyPr/>
           <a:lstStyle/>
           <a:p>
-            <a:endParaRPr lang="ko-KR" altLang="en-US"/>
+            <a:r>
+              <a:rPr lang="ja-JP" altLang="en-US" dirty="0"/>
+              <a:t>ニューラルネットワークの各層に入る入力値を平均と分散で正規化し、学習を効率的にさせる。</a:t>
+            </a:r>
+            <a:endParaRPr lang="en-US" altLang="ja-JP" dirty="0"/>
+          </a:p>
+          <a:p>
+            <a:endParaRPr lang="ko-KR" altLang="en-US" dirty="0"/>
           </a:p>
         </p:txBody>
       </p:sp>
@@ -31227,6 +31234,23 @@
 </file>
 
 <file path=customXml/item1.xml><?xml version="1.0" encoding="utf-8"?>
+<?mso-contentType ?>
+<FormTemplates xmlns="http://schemas.microsoft.com/sharepoint/v3/contenttype/forms">
+  <Display>DocumentLibraryForm</Display>
+  <Edit>DocumentLibraryForm</Edit>
+  <New>DocumentLibraryForm</New>
+</FormTemplates>
+</file>
+
+<file path=customXml/item2.xml><?xml version="1.0" encoding="utf-8"?>
+<p:properties xmlns:p="http://schemas.microsoft.com/office/2006/metadata/properties" xmlns:xsi="http://www.w3.org/2001/XMLSchema-instance" xmlns:pc="http://schemas.microsoft.com/office/infopath/2007/PartnerControls">
+  <documentManagement>
+    <MediaServiceKeyPoints xmlns="71af3243-3dd4-4a8d-8c0d-dd76da1f02a5" xsi:nil="true"/>
+  </documentManagement>
+</p:properties>
+</file>
+
+<file path=customXml/item3.xml><?xml version="1.0" encoding="utf-8"?>
 <ct:contentTypeSchema xmlns:ct="http://schemas.microsoft.com/office/2006/metadata/contentType" xmlns:ma="http://schemas.microsoft.com/office/2006/metadata/properties/metaAttributes" ct:_="" ma:_="" ma:contentTypeName="Document" ma:contentTypeID="0x01010079F111ED35F8CC479449609E8A0923A6" ma:contentTypeVersion="11" ma:contentTypeDescription="Create a new document." ma:contentTypeScope="" ma:versionID="9677210f24a1be23c92c90fd886aa0aa">
   <xsd:schema xmlns:xsd="http://www.w3.org/2001/XMLSchema" xmlns:xs="http://www.w3.org/2001/XMLSchema" xmlns:p="http://schemas.microsoft.com/office/2006/metadata/properties" xmlns:ns2="71af3243-3dd4-4a8d-8c0d-dd76da1f02a5" xmlns:ns3="16c05727-aa75-4e4a-9b5f-8a80a1165891" targetNamespace="http://schemas.microsoft.com/office/2006/metadata/properties" ma:root="true" ma:fieldsID="60e05723c5c1908df1a1a4ebf11d344e" ns2:_="" ns3:_="">
     <xsd:import namespace="71af3243-3dd4-4a8d-8c0d-dd76da1f02a5"/>
@@ -31437,24 +31461,25 @@
 </ct:contentTypeSchema>
 </file>
 
-<file path=customXml/item2.xml><?xml version="1.0" encoding="utf-8"?>
-<p:properties xmlns:p="http://schemas.microsoft.com/office/2006/metadata/properties" xmlns:xsi="http://www.w3.org/2001/XMLSchema-instance" xmlns:pc="http://schemas.microsoft.com/office/infopath/2007/PartnerControls">
-  <documentManagement>
-    <MediaServiceKeyPoints xmlns="71af3243-3dd4-4a8d-8c0d-dd76da1f02a5" xsi:nil="true"/>
-  </documentManagement>
-</p:properties>
+<file path=customXml/itemProps1.xml><?xml version="1.0" encoding="utf-8"?>
+<ds:datastoreItem xmlns:ds="http://schemas.openxmlformats.org/officeDocument/2006/customXml" ds:itemID="{4F44C90D-2A62-4985-9618-3460247437B1}">
+  <ds:schemaRefs>
+    <ds:schemaRef ds:uri="http://schemas.microsoft.com/sharepoint/v3/contenttype/forms"/>
+  </ds:schemaRefs>
+</ds:datastoreItem>
 </file>
 
-<file path=customXml/item3.xml><?xml version="1.0" encoding="utf-8"?>
-<?mso-contentType ?>
-<FormTemplates xmlns="http://schemas.microsoft.com/sharepoint/v3/contenttype/forms">
-  <Display>DocumentLibraryForm</Display>
-  <Edit>DocumentLibraryForm</Edit>
-  <New>DocumentLibraryForm</New>
-</FormTemplates>
+<file path=customXml/itemProps2.xml><?xml version="1.0" encoding="utf-8"?>
+<ds:datastoreItem xmlns:ds="http://schemas.openxmlformats.org/officeDocument/2006/customXml" ds:itemID="{788A2F88-55C5-4ED1-9541-807C65424763}">
+  <ds:schemaRefs>
+    <ds:schemaRef ds:uri="http://schemas.microsoft.com/office/2006/metadata/properties"/>
+    <ds:schemaRef ds:uri="http://schemas.microsoft.com/office/infopath/2007/PartnerControls"/>
+    <ds:schemaRef ds:uri="71af3243-3dd4-4a8d-8c0d-dd76da1f02a5"/>
+  </ds:schemaRefs>
+</ds:datastoreItem>
 </file>
 
-<file path=customXml/itemProps1.xml><?xml version="1.0" encoding="utf-8"?>
+<file path=customXml/itemProps3.xml><?xml version="1.0" encoding="utf-8"?>
 <ds:datastoreItem xmlns:ds="http://schemas.openxmlformats.org/officeDocument/2006/customXml" ds:itemID="{B61EAB5F-88FC-4FAE-AE3C-037A3C365EB8}">
   <ds:schemaRefs>
     <ds:schemaRef ds:uri="http://schemas.microsoft.com/office/2006/metadata/contentType"/>
@@ -31471,22 +31496,4 @@
     <ds:schemaRef ds:uri="http://schemas.microsoft.com/internal/obd"/>
   </ds:schemaRefs>
 </ds:datastoreItem>
-</file>
-
-<file path=customXml/itemProps2.xml><?xml version="1.0" encoding="utf-8"?>
-<ds:datastoreItem xmlns:ds="http://schemas.openxmlformats.org/officeDocument/2006/customXml" ds:itemID="{788A2F88-55C5-4ED1-9541-807C65424763}">
-  <ds:schemaRefs>
-    <ds:schemaRef ds:uri="http://schemas.microsoft.com/office/2006/metadata/properties"/>
-    <ds:schemaRef ds:uri="http://schemas.microsoft.com/office/infopath/2007/PartnerControls"/>
-    <ds:schemaRef ds:uri="71af3243-3dd4-4a8d-8c0d-dd76da1f02a5"/>
-  </ds:schemaRefs>
-</ds:datastoreItem>
-</file>
-
-<file path=customXml/itemProps3.xml><?xml version="1.0" encoding="utf-8"?>
-<ds:datastoreItem xmlns:ds="http://schemas.openxmlformats.org/officeDocument/2006/customXml" ds:itemID="{4F44C90D-2A62-4985-9618-3460247437B1}">
-  <ds:schemaRefs>
-    <ds:schemaRef ds:uri="http://schemas.microsoft.com/sharepoint/v3/contenttype/forms"/>
-  </ds:schemaRefs>
-</ds:datastoreItem>
 </file>
--- a/Presentation/ppt 7.pptx
+++ b/Presentation/ppt 7.pptx
@@ -5,28 +5,27 @@
     <p:sldMasterId id="2147483648" r:id="rId4"/>
   </p:sldMasterIdLst>
   <p:notesMasterIdLst>
-    <p:notesMasterId r:id="rId21"/>
+    <p:notesMasterId r:id="rId20"/>
   </p:notesMasterIdLst>
   <p:handoutMasterIdLst>
-    <p:handoutMasterId r:id="rId22"/>
+    <p:handoutMasterId r:id="rId21"/>
   </p:handoutMasterIdLst>
   <p:sldIdLst>
     <p:sldId id="256" r:id="rId5"/>
-    <p:sldId id="277" r:id="rId6"/>
-    <p:sldId id="278" r:id="rId7"/>
-    <p:sldId id="279" r:id="rId8"/>
-    <p:sldId id="280" r:id="rId9"/>
-    <p:sldId id="281" r:id="rId10"/>
-    <p:sldId id="282" r:id="rId11"/>
-    <p:sldId id="283" r:id="rId12"/>
-    <p:sldId id="284" r:id="rId13"/>
-    <p:sldId id="285" r:id="rId14"/>
-    <p:sldId id="286" r:id="rId15"/>
-    <p:sldId id="287" r:id="rId16"/>
-    <p:sldId id="288" r:id="rId17"/>
-    <p:sldId id="289" r:id="rId18"/>
-    <p:sldId id="290" r:id="rId19"/>
-    <p:sldId id="291" r:id="rId20"/>
+    <p:sldId id="278" r:id="rId6"/>
+    <p:sldId id="279" r:id="rId7"/>
+    <p:sldId id="280" r:id="rId8"/>
+    <p:sldId id="281" r:id="rId9"/>
+    <p:sldId id="282" r:id="rId10"/>
+    <p:sldId id="283" r:id="rId11"/>
+    <p:sldId id="284" r:id="rId12"/>
+    <p:sldId id="285" r:id="rId13"/>
+    <p:sldId id="286" r:id="rId14"/>
+    <p:sldId id="287" r:id="rId15"/>
+    <p:sldId id="288" r:id="rId16"/>
+    <p:sldId id="289" r:id="rId17"/>
+    <p:sldId id="290" r:id="rId18"/>
+    <p:sldId id="291" r:id="rId19"/>
   </p:sldIdLst>
   <p:sldSz cx="12192000" cy="6858000"/>
   <p:notesSz cx="6858000" cy="9144000"/>
@@ -139,7 +138,7 @@
 <file path=ppt/charts/chart1.xml><?xml version="1.0" encoding="utf-8"?>
 <c:chartSpace xmlns:c="http://schemas.openxmlformats.org/drawingml/2006/chart" xmlns:a="http://schemas.openxmlformats.org/drawingml/2006/main" xmlns:r="http://schemas.openxmlformats.org/officeDocument/2006/relationships" xmlns:c16r2="http://schemas.microsoft.com/office/drawing/2015/06/chart">
   <c:date1904 val="0"/>
-  <c:lang val="ko-KR"/>
+  <c:lang val="ja-JP"/>
   <c:roundedCorners val="0"/>
   <mc:AlternateContent xmlns:mc="http://schemas.openxmlformats.org/markup-compatibility/2006">
     <mc:Choice xmlns:c14="http://schemas.microsoft.com/office/drawing/2007/8/2/chart" Requires="c14">
@@ -202,7 +201,7 @@
               <a:cs typeface="+mn-cs"/>
             </a:defRPr>
           </a:pPr>
-          <a:endParaRPr lang="ko-KR"/>
+          <a:endParaRPr lang="ja-JP"/>
         </a:p>
       </c:txPr>
     </c:title>
@@ -372,7 +371,7 @@
                 <a:cs typeface="+mn-cs"/>
               </a:defRPr>
             </a:pPr>
-            <a:endParaRPr lang="ko-KR"/>
+            <a:endParaRPr lang="ja-JP"/>
           </a:p>
         </c:txPr>
         <c:crossAx val="1142436192"/>
@@ -436,7 +435,7 @@
                 <a:cs typeface="+mn-cs"/>
               </a:defRPr>
             </a:pPr>
-            <a:endParaRPr lang="ko-KR"/>
+            <a:endParaRPr lang="ja-JP"/>
           </a:p>
         </c:txPr>
         <c:crossAx val="1142436608"/>
@@ -477,7 +476,7 @@
       <a:pPr>
         <a:defRPr/>
       </a:pPr>
-      <a:endParaRPr lang="ko-KR"/>
+      <a:endParaRPr lang="ja-JP"/>
     </a:p>
   </c:txPr>
   <c:externalData r:id="rId3">
@@ -1042,3256 +1041,6 @@
 </cs:chartStyle>
 </file>
 
-<file path=ppt/diagrams/colors1.xml><?xml version="1.0" encoding="utf-8"?>
-<dgm:colorsDef xmlns:dgm="http://schemas.openxmlformats.org/drawingml/2006/diagram" xmlns:a="http://schemas.openxmlformats.org/drawingml/2006/main" uniqueId="urn:microsoft.com/office/officeart/2018/5/colors/Iconchunking_neutralicon_accent2_2">
-  <dgm:title val=""/>
-  <dgm:desc val=""/>
-  <dgm:catLst>
-    <dgm:cat type="accent2" pri="11200"/>
-  </dgm:catLst>
-  <dgm:styleLbl name="node0">
-    <dgm:fillClrLst meth="repeat">
-      <a:schemeClr val="accent2"/>
-    </dgm:fillClrLst>
-    <dgm:linClrLst meth="repeat">
-      <a:schemeClr val="lt1"/>
-    </dgm:linClrLst>
-    <dgm:effectClrLst/>
-    <dgm:txLinClrLst/>
-    <dgm:txFillClrLst/>
-    <dgm:txEffectClrLst/>
-  </dgm:styleLbl>
-  <dgm:styleLbl name="node1">
-    <dgm:fillClrLst meth="repeat">
-      <a:schemeClr val="bg1"/>
-    </dgm:fillClrLst>
-    <dgm:linClrLst meth="repeat">
-      <a:schemeClr val="lt1">
-        <a:alpha val="0"/>
-      </a:schemeClr>
-    </dgm:linClrLst>
-    <dgm:effectClrLst/>
-    <dgm:txLinClrLst/>
-    <dgm:txFillClrLst meth="repeat">
-      <a:schemeClr val="dk1"/>
-    </dgm:txFillClrLst>
-    <dgm:txEffectClrLst/>
-  </dgm:styleLbl>
-  <dgm:styleLbl name="alignNode1">
-    <dgm:fillClrLst meth="repeat">
-      <a:schemeClr val="accent2"/>
-    </dgm:fillClrLst>
-    <dgm:linClrLst meth="repeat">
-      <a:schemeClr val="accent2"/>
-    </dgm:linClrLst>
-    <dgm:effectClrLst/>
-    <dgm:txLinClrLst/>
-    <dgm:txFillClrLst/>
-    <dgm:txEffectClrLst/>
-  </dgm:styleLbl>
-  <dgm:styleLbl name="lnNode1">
-    <dgm:fillClrLst meth="repeat">
-      <a:schemeClr val="accent2"/>
-    </dgm:fillClrLst>
-    <dgm:linClrLst meth="repeat">
-      <a:schemeClr val="lt1"/>
-    </dgm:linClrLst>
-    <dgm:effectClrLst/>
-    <dgm:txLinClrLst/>
-    <dgm:txFillClrLst/>
-    <dgm:txEffectClrLst/>
-  </dgm:styleLbl>
-  <dgm:styleLbl name="vennNode1">
-    <dgm:fillClrLst meth="repeat">
-      <a:schemeClr val="accent2">
-        <a:alpha val="50000"/>
-      </a:schemeClr>
-    </dgm:fillClrLst>
-    <dgm:linClrLst meth="repeat">
-      <a:schemeClr val="lt1"/>
-    </dgm:linClrLst>
-    <dgm:effectClrLst/>
-    <dgm:txLinClrLst/>
-    <dgm:txFillClrLst/>
-    <dgm:txEffectClrLst/>
-  </dgm:styleLbl>
-  <dgm:styleLbl name="node2">
-    <dgm:fillClrLst meth="repeat">
-      <a:schemeClr val="accent2"/>
-    </dgm:fillClrLst>
-    <dgm:linClrLst meth="repeat">
-      <a:schemeClr val="lt1"/>
-    </dgm:linClrLst>
-    <dgm:effectClrLst/>
-    <dgm:txLinClrLst/>
-    <dgm:txFillClrLst/>
-    <dgm:txEffectClrLst/>
-  </dgm:styleLbl>
-  <dgm:styleLbl name="node3">
-    <dgm:fillClrLst meth="repeat">
-      <a:schemeClr val="accent2"/>
-    </dgm:fillClrLst>
-    <dgm:linClrLst meth="repeat">
-      <a:schemeClr val="lt1"/>
-    </dgm:linClrLst>
-    <dgm:effectClrLst/>
-    <dgm:txLinClrLst/>
-    <dgm:txFillClrLst/>
-    <dgm:txEffectClrLst/>
-  </dgm:styleLbl>
-  <dgm:styleLbl name="node4">
-    <dgm:fillClrLst meth="repeat">
-      <a:schemeClr val="accent2"/>
-    </dgm:fillClrLst>
-    <dgm:linClrLst meth="repeat">
-      <a:schemeClr val="lt1"/>
-    </dgm:linClrLst>
-    <dgm:effectClrLst/>
-    <dgm:txLinClrLst/>
-    <dgm:txFillClrLst/>
-    <dgm:txEffectClrLst/>
-  </dgm:styleLbl>
-  <dgm:styleLbl name="fgImgPlace1">
-    <dgm:fillClrLst meth="repeat">
-      <a:schemeClr val="accent2">
-        <a:tint val="50000"/>
-      </a:schemeClr>
-    </dgm:fillClrLst>
-    <dgm:linClrLst meth="repeat">
-      <a:schemeClr val="lt1"/>
-    </dgm:linClrLst>
-    <dgm:effectClrLst/>
-    <dgm:txLinClrLst/>
-    <dgm:txFillClrLst meth="repeat">
-      <a:schemeClr val="lt1"/>
-    </dgm:txFillClrLst>
-    <dgm:txEffectClrLst/>
-  </dgm:styleLbl>
-  <dgm:styleLbl name="alignImgPlace1">
-    <dgm:fillClrLst meth="repeat">
-      <a:schemeClr val="accent2">
-        <a:tint val="50000"/>
-      </a:schemeClr>
-    </dgm:fillClrLst>
-    <dgm:linClrLst meth="repeat">
-      <a:schemeClr val="lt1"/>
-    </dgm:linClrLst>
-    <dgm:effectClrLst/>
-    <dgm:txLinClrLst/>
-    <dgm:txFillClrLst meth="repeat">
-      <a:schemeClr val="lt1"/>
-    </dgm:txFillClrLst>
-    <dgm:txEffectClrLst/>
-  </dgm:styleLbl>
-  <dgm:styleLbl name="bgImgPlace1">
-    <dgm:fillClrLst meth="repeat">
-      <a:schemeClr val="accent2">
-        <a:tint val="50000"/>
-      </a:schemeClr>
-    </dgm:fillClrLst>
-    <dgm:linClrLst meth="repeat">
-      <a:schemeClr val="lt1"/>
-    </dgm:linClrLst>
-    <dgm:effectClrLst/>
-    <dgm:txLinClrLst/>
-    <dgm:txFillClrLst meth="repeat">
-      <a:schemeClr val="lt1"/>
-    </dgm:txFillClrLst>
-    <dgm:txEffectClrLst/>
-  </dgm:styleLbl>
-  <dgm:styleLbl name="sibTrans2D1">
-    <dgm:fillClrLst meth="repeat">
-      <a:schemeClr val="accent2">
-        <a:tint val="60000"/>
-      </a:schemeClr>
-    </dgm:fillClrLst>
-    <dgm:linClrLst meth="repeat">
-      <a:schemeClr val="accent2">
-        <a:tint val="60000"/>
-      </a:schemeClr>
-    </dgm:linClrLst>
-    <dgm:effectClrLst/>
-    <dgm:txLinClrLst/>
-    <dgm:txFillClrLst/>
-    <dgm:txEffectClrLst/>
-  </dgm:styleLbl>
-  <dgm:styleLbl name="fgSibTrans2D1">
-    <dgm:fillClrLst meth="repeat">
-      <a:schemeClr val="accent2">
-        <a:tint val="60000"/>
-      </a:schemeClr>
-    </dgm:fillClrLst>
-    <dgm:linClrLst meth="repeat">
-      <a:schemeClr val="accent2">
-        <a:tint val="60000"/>
-      </a:schemeClr>
-    </dgm:linClrLst>
-    <dgm:effectClrLst/>
-    <dgm:txLinClrLst/>
-    <dgm:txFillClrLst/>
-    <dgm:txEffectClrLst/>
-  </dgm:styleLbl>
-  <dgm:styleLbl name="bgSibTrans2D1">
-    <dgm:fillClrLst meth="repeat">
-      <a:schemeClr val="accent2">
-        <a:tint val="60000"/>
-      </a:schemeClr>
-    </dgm:fillClrLst>
-    <dgm:linClrLst meth="repeat">
-      <a:schemeClr val="accent2">
-        <a:tint val="60000"/>
-      </a:schemeClr>
-    </dgm:linClrLst>
-    <dgm:effectClrLst/>
-    <dgm:txLinClrLst/>
-    <dgm:txFillClrLst/>
-    <dgm:txEffectClrLst/>
-  </dgm:styleLbl>
-  <dgm:styleLbl name="sibTrans1D1">
-    <dgm:fillClrLst meth="repeat">
-      <a:schemeClr val="accent2"/>
-    </dgm:fillClrLst>
-    <dgm:linClrLst meth="repeat">
-      <a:schemeClr val="accent2"/>
-    </dgm:linClrLst>
-    <dgm:effectClrLst/>
-    <dgm:txLinClrLst/>
-    <dgm:txFillClrLst meth="repeat">
-      <a:schemeClr val="tx1"/>
-    </dgm:txFillClrLst>
-    <dgm:txEffectClrLst/>
-  </dgm:styleLbl>
-  <dgm:styleLbl name="callout">
-    <dgm:fillClrLst meth="repeat">
-      <a:schemeClr val="accent2"/>
-    </dgm:fillClrLst>
-    <dgm:linClrLst meth="repeat">
-      <a:schemeClr val="accent2">
-        <a:tint val="50000"/>
-      </a:schemeClr>
-    </dgm:linClrLst>
-    <dgm:effectClrLst/>
-    <dgm:txLinClrLst/>
-    <dgm:txFillClrLst meth="repeat">
-      <a:schemeClr val="tx1"/>
-    </dgm:txFillClrLst>
-    <dgm:txEffectClrLst/>
-  </dgm:styleLbl>
-  <dgm:styleLbl name="asst0">
-    <dgm:fillClrLst meth="repeat">
-      <a:schemeClr val="accent2"/>
-    </dgm:fillClrLst>
-    <dgm:linClrLst meth="repeat">
-      <a:schemeClr val="lt1"/>
-    </dgm:linClrLst>
-    <dgm:effectClrLst/>
-    <dgm:txLinClrLst/>
-    <dgm:txFillClrLst/>
-    <dgm:txEffectClrLst/>
-  </dgm:styleLbl>
-  <dgm:styleLbl name="asst1">
-    <dgm:fillClrLst meth="repeat">
-      <a:schemeClr val="accent2"/>
-    </dgm:fillClrLst>
-    <dgm:linClrLst meth="repeat">
-      <a:schemeClr val="lt1"/>
-    </dgm:linClrLst>
-    <dgm:effectClrLst/>
-    <dgm:txLinClrLst/>
-    <dgm:txFillClrLst/>
-    <dgm:txEffectClrLst/>
-  </dgm:styleLbl>
-  <dgm:styleLbl name="asst2">
-    <dgm:fillClrLst meth="repeat">
-      <a:schemeClr val="accent2"/>
-    </dgm:fillClrLst>
-    <dgm:linClrLst meth="repeat">
-      <a:schemeClr val="lt1"/>
-    </dgm:linClrLst>
-    <dgm:effectClrLst/>
-    <dgm:txLinClrLst/>
-    <dgm:txFillClrLst/>
-    <dgm:txEffectClrLst/>
-  </dgm:styleLbl>
-  <dgm:styleLbl name="asst3">
-    <dgm:fillClrLst meth="repeat">
-      <a:schemeClr val="accent2"/>
-    </dgm:fillClrLst>
-    <dgm:linClrLst meth="repeat">
-      <a:schemeClr val="lt1"/>
-    </dgm:linClrLst>
-    <dgm:effectClrLst/>
-    <dgm:txLinClrLst/>
-    <dgm:txFillClrLst/>
-    <dgm:txEffectClrLst/>
-  </dgm:styleLbl>
-  <dgm:styleLbl name="asst4">
-    <dgm:fillClrLst meth="repeat">
-      <a:schemeClr val="accent2"/>
-    </dgm:fillClrLst>
-    <dgm:linClrLst meth="repeat">
-      <a:schemeClr val="lt1"/>
-    </dgm:linClrLst>
-    <dgm:effectClrLst/>
-    <dgm:txLinClrLst/>
-    <dgm:txFillClrLst/>
-    <dgm:txEffectClrLst/>
-  </dgm:styleLbl>
-  <dgm:styleLbl name="parChTrans2D1">
-    <dgm:fillClrLst meth="repeat">
-      <a:schemeClr val="accent2">
-        <a:tint val="60000"/>
-      </a:schemeClr>
-    </dgm:fillClrLst>
-    <dgm:linClrLst meth="repeat">
-      <a:schemeClr val="accent2">
-        <a:tint val="60000"/>
-      </a:schemeClr>
-    </dgm:linClrLst>
-    <dgm:effectClrLst/>
-    <dgm:txLinClrLst/>
-    <dgm:txFillClrLst meth="repeat">
-      <a:schemeClr val="lt1"/>
-    </dgm:txFillClrLst>
-    <dgm:txEffectClrLst/>
-  </dgm:styleLbl>
-  <dgm:styleLbl name="parChTrans2D2">
-    <dgm:fillClrLst meth="repeat">
-      <a:schemeClr val="accent2"/>
-    </dgm:fillClrLst>
-    <dgm:linClrLst meth="repeat">
-      <a:schemeClr val="accent2"/>
-    </dgm:linClrLst>
-    <dgm:effectClrLst/>
-    <dgm:txLinClrLst/>
-    <dgm:txFillClrLst meth="repeat">
-      <a:schemeClr val="lt1"/>
-    </dgm:txFillClrLst>
-    <dgm:txEffectClrLst/>
-  </dgm:styleLbl>
-  <dgm:styleLbl name="parChTrans2D3">
-    <dgm:fillClrLst meth="repeat">
-      <a:schemeClr val="accent2"/>
-    </dgm:fillClrLst>
-    <dgm:linClrLst meth="repeat">
-      <a:schemeClr val="accent2"/>
-    </dgm:linClrLst>
-    <dgm:effectClrLst/>
-    <dgm:txLinClrLst/>
-    <dgm:txFillClrLst meth="repeat">
-      <a:schemeClr val="lt1"/>
-    </dgm:txFillClrLst>
-    <dgm:txEffectClrLst/>
-  </dgm:styleLbl>
-  <dgm:styleLbl name="parChTrans2D4">
-    <dgm:fillClrLst meth="repeat">
-      <a:schemeClr val="accent2"/>
-    </dgm:fillClrLst>
-    <dgm:linClrLst meth="repeat">
-      <a:schemeClr val="accent2"/>
-    </dgm:linClrLst>
-    <dgm:effectClrLst/>
-    <dgm:txLinClrLst/>
-    <dgm:txFillClrLst meth="repeat">
-      <a:schemeClr val="lt1"/>
-    </dgm:txFillClrLst>
-    <dgm:txEffectClrLst/>
-  </dgm:styleLbl>
-  <dgm:styleLbl name="parChTrans1D1">
-    <dgm:fillClrLst meth="repeat">
-      <a:schemeClr val="accent2"/>
-    </dgm:fillClrLst>
-    <dgm:linClrLst meth="repeat">
-      <a:schemeClr val="accent2">
-        <a:shade val="60000"/>
-      </a:schemeClr>
-    </dgm:linClrLst>
-    <dgm:effectClrLst/>
-    <dgm:txLinClrLst/>
-    <dgm:txFillClrLst meth="repeat">
-      <a:schemeClr val="tx1"/>
-    </dgm:txFillClrLst>
-    <dgm:txEffectClrLst/>
-  </dgm:styleLbl>
-  <dgm:styleLbl name="parChTrans1D2">
-    <dgm:fillClrLst meth="repeat">
-      <a:schemeClr val="accent2"/>
-    </dgm:fillClrLst>
-    <dgm:linClrLst meth="repeat">
-      <a:schemeClr val="accent2">
-        <a:shade val="60000"/>
-      </a:schemeClr>
-    </dgm:linClrLst>
-    <dgm:effectClrLst/>
-    <dgm:txLinClrLst/>
-    <dgm:txFillClrLst meth="repeat">
-      <a:schemeClr val="tx1"/>
-    </dgm:txFillClrLst>
-    <dgm:txEffectClrLst/>
-  </dgm:styleLbl>
-  <dgm:styleLbl name="parChTrans1D3">
-    <dgm:fillClrLst meth="repeat">
-      <a:schemeClr val="accent2"/>
-    </dgm:fillClrLst>
-    <dgm:linClrLst meth="repeat">
-      <a:schemeClr val="accent2">
-        <a:shade val="80000"/>
-      </a:schemeClr>
-    </dgm:linClrLst>
-    <dgm:effectClrLst/>
-    <dgm:txLinClrLst/>
-    <dgm:txFillClrLst meth="repeat">
-      <a:schemeClr val="tx1"/>
-    </dgm:txFillClrLst>
-    <dgm:txEffectClrLst/>
-  </dgm:styleLbl>
-  <dgm:styleLbl name="parChTrans1D4">
-    <dgm:fillClrLst meth="repeat">
-      <a:schemeClr val="accent2"/>
-    </dgm:fillClrLst>
-    <dgm:linClrLst meth="repeat">
-      <a:schemeClr val="accent2">
-        <a:shade val="80000"/>
-      </a:schemeClr>
-    </dgm:linClrLst>
-    <dgm:effectClrLst/>
-    <dgm:txLinClrLst/>
-    <dgm:txFillClrLst meth="repeat">
-      <a:schemeClr val="tx1"/>
-    </dgm:txFillClrLst>
-    <dgm:txEffectClrLst/>
-  </dgm:styleLbl>
-  <dgm:styleLbl name="fgAcc1">
-    <dgm:fillClrLst meth="repeat">
-      <a:schemeClr val="lt1">
-        <a:alpha val="90000"/>
-      </a:schemeClr>
-    </dgm:fillClrLst>
-    <dgm:linClrLst meth="repeat">
-      <a:schemeClr val="accent2"/>
-    </dgm:linClrLst>
-    <dgm:effectClrLst/>
-    <dgm:txLinClrLst/>
-    <dgm:txFillClrLst meth="repeat">
-      <a:schemeClr val="dk1"/>
-    </dgm:txFillClrLst>
-    <dgm:txEffectClrLst/>
-  </dgm:styleLbl>
-  <dgm:styleLbl name="conFgAcc1">
-    <dgm:fillClrLst meth="repeat">
-      <a:schemeClr val="lt1">
-        <a:alpha val="90000"/>
-      </a:schemeClr>
-    </dgm:fillClrLst>
-    <dgm:linClrLst meth="repeat">
-      <a:schemeClr val="accent2"/>
-    </dgm:linClrLst>
-    <dgm:effectClrLst/>
-    <dgm:txLinClrLst/>
-    <dgm:txFillClrLst meth="repeat">
-      <a:schemeClr val="dk1"/>
-    </dgm:txFillClrLst>
-    <dgm:txEffectClrLst/>
-  </dgm:styleLbl>
-  <dgm:styleLbl name="alignAcc1">
-    <dgm:fillClrLst meth="repeat">
-      <a:schemeClr val="lt1">
-        <a:alpha val="90000"/>
-      </a:schemeClr>
-    </dgm:fillClrLst>
-    <dgm:linClrLst meth="repeat">
-      <a:schemeClr val="accent2"/>
-    </dgm:linClrLst>
-    <dgm:effectClrLst/>
-    <dgm:txLinClrLst/>
-    <dgm:txFillClrLst meth="repeat">
-      <a:schemeClr val="dk1"/>
-    </dgm:txFillClrLst>
-    <dgm:txEffectClrLst/>
-  </dgm:styleLbl>
-  <dgm:styleLbl name="trAlignAcc1">
-    <dgm:fillClrLst meth="repeat">
-      <a:schemeClr val="lt1">
-        <a:alpha val="40000"/>
-      </a:schemeClr>
-    </dgm:fillClrLst>
-    <dgm:linClrLst meth="repeat">
-      <a:schemeClr val="accent2"/>
-    </dgm:linClrLst>
-    <dgm:effectClrLst/>
-    <dgm:txLinClrLst/>
-    <dgm:txFillClrLst meth="repeat">
-      <a:schemeClr val="dk1"/>
-    </dgm:txFillClrLst>
-    <dgm:txEffectClrLst/>
-  </dgm:styleLbl>
-  <dgm:styleLbl name="bgAcc1">
-    <dgm:fillClrLst meth="repeat">
-      <a:schemeClr val="lt1">
-        <a:alpha val="90000"/>
-      </a:schemeClr>
-    </dgm:fillClrLst>
-    <dgm:linClrLst meth="repeat">
-      <a:schemeClr val="accent2"/>
-    </dgm:linClrLst>
-    <dgm:effectClrLst/>
-    <dgm:txLinClrLst/>
-    <dgm:txFillClrLst meth="repeat">
-      <a:schemeClr val="dk1"/>
-    </dgm:txFillClrLst>
-    <dgm:txEffectClrLst/>
-  </dgm:styleLbl>
-  <dgm:styleLbl name="solidFgAcc1">
-    <dgm:fillClrLst meth="repeat">
-      <a:schemeClr val="lt1"/>
-    </dgm:fillClrLst>
-    <dgm:linClrLst meth="repeat">
-      <a:schemeClr val="accent2"/>
-    </dgm:linClrLst>
-    <dgm:effectClrLst/>
-    <dgm:txLinClrLst/>
-    <dgm:txFillClrLst meth="repeat">
-      <a:schemeClr val="dk1"/>
-    </dgm:txFillClrLst>
-    <dgm:txEffectClrLst/>
-  </dgm:styleLbl>
-  <dgm:styleLbl name="solidAlignAcc1">
-    <dgm:fillClrLst meth="repeat">
-      <a:schemeClr val="lt1"/>
-    </dgm:fillClrLst>
-    <dgm:linClrLst meth="repeat">
-      <a:schemeClr val="accent2"/>
-    </dgm:linClrLst>
-    <dgm:effectClrLst/>
-    <dgm:txLinClrLst/>
-    <dgm:txFillClrLst meth="repeat">
-      <a:schemeClr val="dk1"/>
-    </dgm:txFillClrLst>
-    <dgm:txEffectClrLst/>
-  </dgm:styleLbl>
-  <dgm:styleLbl name="solidBgAcc1">
-    <dgm:fillClrLst meth="repeat">
-      <a:schemeClr val="lt1"/>
-    </dgm:fillClrLst>
-    <dgm:linClrLst meth="repeat">
-      <a:schemeClr val="accent2"/>
-    </dgm:linClrLst>
-    <dgm:effectClrLst/>
-    <dgm:txLinClrLst/>
-    <dgm:txFillClrLst meth="repeat">
-      <a:schemeClr val="dk1"/>
-    </dgm:txFillClrLst>
-    <dgm:txEffectClrLst/>
-  </dgm:styleLbl>
-  <dgm:styleLbl name="fgAccFollowNode1">
-    <dgm:fillClrLst meth="repeat">
-      <a:schemeClr val="accent2">
-        <a:alpha val="90000"/>
-        <a:tint val="40000"/>
-      </a:schemeClr>
-    </dgm:fillClrLst>
-    <dgm:linClrLst meth="repeat">
-      <a:schemeClr val="accent2">
-        <a:alpha val="90000"/>
-        <a:tint val="40000"/>
-      </a:schemeClr>
-    </dgm:linClrLst>
-    <dgm:effectClrLst/>
-    <dgm:txLinClrLst/>
-    <dgm:txFillClrLst meth="repeat">
-      <a:schemeClr val="dk1"/>
-    </dgm:txFillClrLst>
-    <dgm:txEffectClrLst/>
-  </dgm:styleLbl>
-  <dgm:styleLbl name="alignAccFollowNode1">
-    <dgm:fillClrLst meth="repeat">
-      <a:schemeClr val="accent2">
-        <a:alpha val="90000"/>
-        <a:tint val="40000"/>
-      </a:schemeClr>
-    </dgm:fillClrLst>
-    <dgm:linClrLst meth="repeat">
-      <a:schemeClr val="accent2">
-        <a:alpha val="90000"/>
-        <a:tint val="40000"/>
-      </a:schemeClr>
-    </dgm:linClrLst>
-    <dgm:effectClrLst/>
-    <dgm:txLinClrLst/>
-    <dgm:txFillClrLst meth="repeat">
-      <a:schemeClr val="dk1"/>
-    </dgm:txFillClrLst>
-    <dgm:txEffectClrLst/>
-  </dgm:styleLbl>
-  <dgm:styleLbl name="bgAccFollowNode1">
-    <dgm:fillClrLst meth="repeat">
-      <a:schemeClr val="accent2">
-        <a:alpha val="90000"/>
-        <a:tint val="40000"/>
-      </a:schemeClr>
-    </dgm:fillClrLst>
-    <dgm:linClrLst meth="repeat">
-      <a:schemeClr val="accent2">
-        <a:alpha val="90000"/>
-        <a:tint val="40000"/>
-      </a:schemeClr>
-    </dgm:linClrLst>
-    <dgm:effectClrLst/>
-    <dgm:txLinClrLst/>
-    <dgm:txFillClrLst meth="repeat">
-      <a:schemeClr val="dk1"/>
-    </dgm:txFillClrLst>
-    <dgm:txEffectClrLst/>
-  </dgm:styleLbl>
-  <dgm:styleLbl name="fgAcc0">
-    <dgm:fillClrLst meth="repeat">
-      <a:schemeClr val="lt1">
-        <a:alpha val="90000"/>
-      </a:schemeClr>
-    </dgm:fillClrLst>
-    <dgm:linClrLst meth="repeat">
-      <a:schemeClr val="accent2"/>
-    </dgm:linClrLst>
-    <dgm:effectClrLst/>
-    <dgm:txLinClrLst/>
-    <dgm:txFillClrLst meth="repeat">
-      <a:schemeClr val="dk1"/>
-    </dgm:txFillClrLst>
-    <dgm:txEffectClrLst/>
-  </dgm:styleLbl>
-  <dgm:styleLbl name="fgAcc2">
-    <dgm:fillClrLst meth="repeat">
-      <a:schemeClr val="lt1">
-        <a:alpha val="90000"/>
-      </a:schemeClr>
-    </dgm:fillClrLst>
-    <dgm:linClrLst meth="repeat">
-      <a:schemeClr val="accent2"/>
-    </dgm:linClrLst>
-    <dgm:effectClrLst/>
-    <dgm:txLinClrLst/>
-    <dgm:txFillClrLst meth="repeat">
-      <a:schemeClr val="dk1"/>
-    </dgm:txFillClrLst>
-    <dgm:txEffectClrLst/>
-  </dgm:styleLbl>
-  <dgm:styleLbl name="fgAcc3">
-    <dgm:fillClrLst meth="repeat">
-      <a:schemeClr val="lt1">
-        <a:alpha val="90000"/>
-      </a:schemeClr>
-    </dgm:fillClrLst>
-    <dgm:linClrLst meth="repeat">
-      <a:schemeClr val="accent2"/>
-    </dgm:linClrLst>
-    <dgm:effectClrLst/>
-    <dgm:txLinClrLst/>
-    <dgm:txFillClrLst meth="repeat">
-      <a:schemeClr val="dk1"/>
-    </dgm:txFillClrLst>
-    <dgm:txEffectClrLst/>
-  </dgm:styleLbl>
-  <dgm:styleLbl name="fgAcc4">
-    <dgm:fillClrLst meth="repeat">
-      <a:schemeClr val="lt1">
-        <a:alpha val="90000"/>
-      </a:schemeClr>
-    </dgm:fillClrLst>
-    <dgm:linClrLst meth="repeat">
-      <a:schemeClr val="accent2"/>
-    </dgm:linClrLst>
-    <dgm:effectClrLst/>
-    <dgm:txLinClrLst/>
-    <dgm:txFillClrLst meth="repeat">
-      <a:schemeClr val="dk1"/>
-    </dgm:txFillClrLst>
-    <dgm:txEffectClrLst/>
-  </dgm:styleLbl>
-  <dgm:styleLbl name="bgShp">
-    <dgm:fillClrLst meth="repeat">
-      <a:schemeClr val="accent2"/>
-    </dgm:fillClrLst>
-    <dgm:linClrLst meth="repeat">
-      <a:schemeClr val="lt1">
-        <a:alpha val="0"/>
-      </a:schemeClr>
-    </dgm:linClrLst>
-    <dgm:effectClrLst/>
-    <dgm:txLinClrLst/>
-    <dgm:txFillClrLst/>
-    <dgm:txEffectClrLst/>
-  </dgm:styleLbl>
-  <dgm:styleLbl name="dkBgShp">
-    <dgm:fillClrLst meth="repeat">
-      <a:schemeClr val="accent2">
-        <a:shade val="80000"/>
-      </a:schemeClr>
-    </dgm:fillClrLst>
-    <dgm:linClrLst meth="repeat">
-      <a:schemeClr val="accent2"/>
-    </dgm:linClrLst>
-    <dgm:effectClrLst/>
-    <dgm:txLinClrLst/>
-    <dgm:txFillClrLst meth="repeat">
-      <a:schemeClr val="lt1"/>
-    </dgm:txFillClrLst>
-    <dgm:txEffectClrLst/>
-  </dgm:styleLbl>
-  <dgm:styleLbl name="trBgShp">
-    <dgm:fillClrLst meth="repeat">
-      <a:schemeClr val="accent2">
-        <a:tint val="50000"/>
-        <a:alpha val="40000"/>
-      </a:schemeClr>
-    </dgm:fillClrLst>
-    <dgm:linClrLst meth="repeat">
-      <a:schemeClr val="accent2"/>
-    </dgm:linClrLst>
-    <dgm:effectClrLst/>
-    <dgm:txLinClrLst/>
-    <dgm:txFillClrLst meth="repeat">
-      <a:schemeClr val="lt1"/>
-    </dgm:txFillClrLst>
-    <dgm:txEffectClrLst/>
-  </dgm:styleLbl>
-  <dgm:styleLbl name="fgShp">
-    <dgm:fillClrLst meth="repeat">
-      <a:schemeClr val="accent2">
-        <a:tint val="60000"/>
-      </a:schemeClr>
-    </dgm:fillClrLst>
-    <dgm:linClrLst meth="repeat">
-      <a:schemeClr val="lt1"/>
-    </dgm:linClrLst>
-    <dgm:effectClrLst/>
-    <dgm:txLinClrLst/>
-    <dgm:txFillClrLst meth="repeat">
-      <a:schemeClr val="dk1"/>
-    </dgm:txFillClrLst>
-    <dgm:txEffectClrLst/>
-  </dgm:styleLbl>
-  <dgm:styleLbl name="revTx">
-    <dgm:fillClrLst meth="repeat">
-      <a:schemeClr val="lt1">
-        <a:alpha val="0"/>
-      </a:schemeClr>
-    </dgm:fillClrLst>
-    <dgm:linClrLst meth="repeat">
-      <a:schemeClr val="dk1">
-        <a:alpha val="0"/>
-      </a:schemeClr>
-    </dgm:linClrLst>
-    <dgm:effectClrLst/>
-    <dgm:txLinClrLst/>
-    <dgm:txFillClrLst meth="repeat">
-      <a:schemeClr val="tx1"/>
-    </dgm:txFillClrLst>
-    <dgm:txEffectClrLst/>
-  </dgm:styleLbl>
-</dgm:colorsDef>
-</file>
-
-<file path=ppt/diagrams/data1.xml><?xml version="1.0" encoding="utf-8"?>
-<dgm:dataModel xmlns:dgm="http://schemas.openxmlformats.org/drawingml/2006/diagram" xmlns:a="http://schemas.openxmlformats.org/drawingml/2006/main">
-  <dgm:ptLst>
-    <dgm:pt modelId="{01A66772-F185-4D58-B8BB-E9370D7A7A2B}" type="doc">
-      <dgm:prSet loTypeId="urn:microsoft.com/office/officeart/2018/5/layout/IconCircleLabelList" loCatId="icon" qsTypeId="urn:microsoft.com/office/officeart/2005/8/quickstyle/simple1" qsCatId="simple" csTypeId="urn:microsoft.com/office/officeart/2018/5/colors/Iconchunking_neutralicon_accent2_2" csCatId="accent2" phldr="1"/>
-      <dgm:spPr/>
-      <dgm:t>
-        <a:bodyPr rtlCol="0"/>
-        <a:lstStyle/>
-        <a:p>
-          <a:pPr rtl="0"/>
-          <a:endParaRPr lang="en-US"/>
-        </a:p>
-      </dgm:t>
-    </dgm:pt>
-    <dgm:pt modelId="{40FC4FFE-8987-4A26-B7F4-8A516F18ADAE}">
-      <dgm:prSet/>
-      <dgm:spPr/>
-      <dgm:t>
-        <a:bodyPr rtlCol="0"/>
-        <a:lstStyle/>
-        <a:p>
-          <a:pPr rtl="0">
-            <a:lnSpc>
-              <a:spcPct val="100000"/>
-            </a:lnSpc>
-            <a:defRPr cap="all"/>
-          </a:pPr>
-          <a:r>
-            <a:rPr lang="en-US" altLang="ko-KR" noProof="0" dirty="0">
-              <a:latin typeface="맑은 고딕" panose="020B0503020000020004" pitchFamily="50" charset="-127"/>
-              <a:ea typeface="맑은 고딕" panose="020B0503020000020004" pitchFamily="50" charset="-127"/>
-            </a:rPr>
-            <a:t>Lorem ipsum dolor sit </a:t>
-          </a:r>
-          <a:r>
-            <a:rPr lang="en-US" altLang="ko-KR" noProof="0" dirty="0" err="1">
-              <a:latin typeface="맑은 고딕" panose="020B0503020000020004" pitchFamily="50" charset="-127"/>
-              <a:ea typeface="맑은 고딕" panose="020B0503020000020004" pitchFamily="50" charset="-127"/>
-            </a:rPr>
-            <a:t>amet</a:t>
-          </a:r>
-          <a:r>
-            <a:rPr lang="en-US" altLang="ko-KR" noProof="0" dirty="0">
-              <a:latin typeface="맑은 고딕" panose="020B0503020000020004" pitchFamily="50" charset="-127"/>
-              <a:ea typeface="맑은 고딕" panose="020B0503020000020004" pitchFamily="50" charset="-127"/>
-            </a:rPr>
-            <a:t>, </a:t>
-          </a:r>
-          <a:r>
-            <a:rPr lang="en-US" altLang="ko-KR" noProof="0" dirty="0" err="1">
-              <a:latin typeface="맑은 고딕" panose="020B0503020000020004" pitchFamily="50" charset="-127"/>
-              <a:ea typeface="맑은 고딕" panose="020B0503020000020004" pitchFamily="50" charset="-127"/>
-            </a:rPr>
-            <a:t>consectetuer</a:t>
-          </a:r>
-          <a:r>
-            <a:rPr lang="en-US" altLang="ko-KR" noProof="0" dirty="0">
-              <a:latin typeface="맑은 고딕" panose="020B0503020000020004" pitchFamily="50" charset="-127"/>
-              <a:ea typeface="맑은 고딕" panose="020B0503020000020004" pitchFamily="50" charset="-127"/>
-            </a:rPr>
-            <a:t> </a:t>
-          </a:r>
-          <a:r>
-            <a:rPr lang="en-US" altLang="ko-KR" noProof="0" dirty="0" err="1">
-              <a:latin typeface="맑은 고딕" panose="020B0503020000020004" pitchFamily="50" charset="-127"/>
-              <a:ea typeface="맑은 고딕" panose="020B0503020000020004" pitchFamily="50" charset="-127"/>
-            </a:rPr>
-            <a:t>adipiscing</a:t>
-          </a:r>
-          <a:r>
-            <a:rPr lang="en-US" altLang="ko-KR" noProof="0" dirty="0">
-              <a:latin typeface="맑은 고딕" panose="020B0503020000020004" pitchFamily="50" charset="-127"/>
-              <a:ea typeface="맑은 고딕" panose="020B0503020000020004" pitchFamily="50" charset="-127"/>
-            </a:rPr>
-            <a:t> </a:t>
-          </a:r>
-          <a:r>
-            <a:rPr lang="en-US" altLang="ko-KR" noProof="0" dirty="0" err="1">
-              <a:latin typeface="맑은 고딕" panose="020B0503020000020004" pitchFamily="50" charset="-127"/>
-              <a:ea typeface="맑은 고딕" panose="020B0503020000020004" pitchFamily="50" charset="-127"/>
-            </a:rPr>
-            <a:t>elit</a:t>
-          </a:r>
-          <a:r>
-            <a:rPr lang="en-US" altLang="ko-KR" noProof="0" dirty="0">
-              <a:latin typeface="맑은 고딕" panose="020B0503020000020004" pitchFamily="50" charset="-127"/>
-              <a:ea typeface="맑은 고딕" panose="020B0503020000020004" pitchFamily="50" charset="-127"/>
-            </a:rPr>
-            <a:t>. </a:t>
-          </a:r>
-        </a:p>
-      </dgm:t>
-    </dgm:pt>
-    <dgm:pt modelId="{CAD7EF86-FB23-41F6-BF42-040B36DEFDB1}" type="parTrans" cxnId="{C7AD8469-3C68-4AF9-AB82-79B0043AA120}">
-      <dgm:prSet/>
-      <dgm:spPr/>
-      <dgm:t>
-        <a:bodyPr rtlCol="0"/>
-        <a:lstStyle/>
-        <a:p>
-          <a:pPr rtl="0"/>
-          <a:endParaRPr lang="ko-KR" altLang="en-US" noProof="0" dirty="0">
-            <a:latin typeface="맑은 고딕" panose="020B0503020000020004" pitchFamily="50" charset="-127"/>
-            <a:ea typeface="맑은 고딕" panose="020B0503020000020004" pitchFamily="50" charset="-127"/>
-          </a:endParaRPr>
-        </a:p>
-      </dgm:t>
-    </dgm:pt>
-    <dgm:pt modelId="{5B62599A-5C9B-48E7-896E-EA782AC60C8B}" type="sibTrans" cxnId="{C7AD8469-3C68-4AF9-AB82-79B0043AA120}">
-      <dgm:prSet/>
-      <dgm:spPr/>
-      <dgm:t>
-        <a:bodyPr rtlCol="0"/>
-        <a:lstStyle/>
-        <a:p>
-          <a:pPr rtl="0"/>
-          <a:endParaRPr lang="ko-KR" altLang="en-US" noProof="0" dirty="0">
-            <a:latin typeface="맑은 고딕" panose="020B0503020000020004" pitchFamily="50" charset="-127"/>
-            <a:ea typeface="맑은 고딕" panose="020B0503020000020004" pitchFamily="50" charset="-127"/>
-          </a:endParaRPr>
-        </a:p>
-      </dgm:t>
-    </dgm:pt>
-    <dgm:pt modelId="{49225C73-1633-42F1-AB3B-7CB183E5F8B8}">
-      <dgm:prSet/>
-      <dgm:spPr/>
-      <dgm:t>
-        <a:bodyPr rtlCol="0"/>
-        <a:lstStyle/>
-        <a:p>
-          <a:pPr rtl="0">
-            <a:lnSpc>
-              <a:spcPct val="100000"/>
-            </a:lnSpc>
-            <a:defRPr cap="all"/>
-          </a:pPr>
-          <a:r>
-            <a:rPr lang="en-US" altLang="ko-KR" noProof="0" dirty="0">
-              <a:latin typeface="맑은 고딕" panose="020B0503020000020004" pitchFamily="50" charset="-127"/>
-              <a:ea typeface="맑은 고딕" panose="020B0503020000020004" pitchFamily="50" charset="-127"/>
-            </a:rPr>
-            <a:t>Nunc </a:t>
-          </a:r>
-          <a:r>
-            <a:rPr lang="en-US" altLang="ko-KR" noProof="0" dirty="0" err="1">
-              <a:latin typeface="맑은 고딕" panose="020B0503020000020004" pitchFamily="50" charset="-127"/>
-              <a:ea typeface="맑은 고딕" panose="020B0503020000020004" pitchFamily="50" charset="-127"/>
-            </a:rPr>
-            <a:t>viverra</a:t>
-          </a:r>
-          <a:r>
-            <a:rPr lang="en-US" altLang="ko-KR" noProof="0" dirty="0">
-              <a:latin typeface="맑은 고딕" panose="020B0503020000020004" pitchFamily="50" charset="-127"/>
-              <a:ea typeface="맑은 고딕" panose="020B0503020000020004" pitchFamily="50" charset="-127"/>
-            </a:rPr>
-            <a:t> </a:t>
-          </a:r>
-          <a:r>
-            <a:rPr lang="en-US" altLang="ko-KR" noProof="0" dirty="0" err="1">
-              <a:latin typeface="맑은 고딕" panose="020B0503020000020004" pitchFamily="50" charset="-127"/>
-              <a:ea typeface="맑은 고딕" panose="020B0503020000020004" pitchFamily="50" charset="-127"/>
-            </a:rPr>
-            <a:t>imperdiet</a:t>
-          </a:r>
-          <a:r>
-            <a:rPr lang="en-US" altLang="ko-KR" noProof="0" dirty="0">
-              <a:latin typeface="맑은 고딕" panose="020B0503020000020004" pitchFamily="50" charset="-127"/>
-              <a:ea typeface="맑은 고딕" panose="020B0503020000020004" pitchFamily="50" charset="-127"/>
-            </a:rPr>
-            <a:t> </a:t>
-          </a:r>
-          <a:r>
-            <a:rPr lang="en-US" altLang="ko-KR" noProof="0" dirty="0" err="1">
-              <a:latin typeface="맑은 고딕" panose="020B0503020000020004" pitchFamily="50" charset="-127"/>
-              <a:ea typeface="맑은 고딕" panose="020B0503020000020004" pitchFamily="50" charset="-127"/>
-            </a:rPr>
-            <a:t>enim</a:t>
-          </a:r>
-          <a:r>
-            <a:rPr lang="en-US" altLang="ko-KR" noProof="0" dirty="0">
-              <a:latin typeface="맑은 고딕" panose="020B0503020000020004" pitchFamily="50" charset="-127"/>
-              <a:ea typeface="맑은 고딕" panose="020B0503020000020004" pitchFamily="50" charset="-127"/>
-            </a:rPr>
-            <a:t>. </a:t>
-          </a:r>
-          <a:r>
-            <a:rPr lang="en-US" altLang="ko-KR" noProof="0" dirty="0" err="1">
-              <a:latin typeface="맑은 고딕" panose="020B0503020000020004" pitchFamily="50" charset="-127"/>
-              <a:ea typeface="맑은 고딕" panose="020B0503020000020004" pitchFamily="50" charset="-127"/>
-            </a:rPr>
-            <a:t>Fusce</a:t>
-          </a:r>
-          <a:r>
-            <a:rPr lang="en-US" altLang="ko-KR" noProof="0" dirty="0">
-              <a:latin typeface="맑은 고딕" panose="020B0503020000020004" pitchFamily="50" charset="-127"/>
-              <a:ea typeface="맑은 고딕" panose="020B0503020000020004" pitchFamily="50" charset="-127"/>
-            </a:rPr>
-            <a:t> est. </a:t>
-          </a:r>
-          <a:r>
-            <a:rPr lang="en-US" altLang="ko-KR" noProof="0" dirty="0" err="1">
-              <a:latin typeface="맑은 고딕" panose="020B0503020000020004" pitchFamily="50" charset="-127"/>
-              <a:ea typeface="맑은 고딕" panose="020B0503020000020004" pitchFamily="50" charset="-127"/>
-            </a:rPr>
-            <a:t>Vivamus</a:t>
-          </a:r>
-          <a:r>
-            <a:rPr lang="en-US" altLang="ko-KR" noProof="0" dirty="0">
-              <a:latin typeface="맑은 고딕" panose="020B0503020000020004" pitchFamily="50" charset="-127"/>
-              <a:ea typeface="맑은 고딕" panose="020B0503020000020004" pitchFamily="50" charset="-127"/>
-            </a:rPr>
-            <a:t> a </a:t>
-          </a:r>
-          <a:r>
-            <a:rPr lang="en-US" altLang="ko-KR" noProof="0" dirty="0" err="1">
-              <a:latin typeface="맑은 고딕" panose="020B0503020000020004" pitchFamily="50" charset="-127"/>
-              <a:ea typeface="맑은 고딕" panose="020B0503020000020004" pitchFamily="50" charset="-127"/>
-            </a:rPr>
-            <a:t>tellus</a:t>
-          </a:r>
-          <a:r>
-            <a:rPr lang="en-US" altLang="ko-KR" noProof="0" dirty="0">
-              <a:latin typeface="맑은 고딕" panose="020B0503020000020004" pitchFamily="50" charset="-127"/>
-              <a:ea typeface="맑은 고딕" panose="020B0503020000020004" pitchFamily="50" charset="-127"/>
-            </a:rPr>
-            <a:t>.</a:t>
-          </a:r>
-        </a:p>
-      </dgm:t>
-    </dgm:pt>
-    <dgm:pt modelId="{1A0E2090-1D4F-438A-8766-B6030CE01ADD}" type="parTrans" cxnId="{A9154303-8225-4248-91DC-1B0156A35F07}">
-      <dgm:prSet/>
-      <dgm:spPr/>
-      <dgm:t>
-        <a:bodyPr rtlCol="0"/>
-        <a:lstStyle/>
-        <a:p>
-          <a:pPr rtl="0"/>
-          <a:endParaRPr lang="ko-KR" altLang="en-US" noProof="0" dirty="0">
-            <a:latin typeface="맑은 고딕" panose="020B0503020000020004" pitchFamily="50" charset="-127"/>
-            <a:ea typeface="맑은 고딕" panose="020B0503020000020004" pitchFamily="50" charset="-127"/>
-          </a:endParaRPr>
-        </a:p>
-      </dgm:t>
-    </dgm:pt>
-    <dgm:pt modelId="{9646853A-8964-4519-A5B1-0B7D18B2983D}" type="sibTrans" cxnId="{A9154303-8225-4248-91DC-1B0156A35F07}">
-      <dgm:prSet/>
-      <dgm:spPr/>
-      <dgm:t>
-        <a:bodyPr rtlCol="0"/>
-        <a:lstStyle/>
-        <a:p>
-          <a:pPr rtl="0"/>
-          <a:endParaRPr lang="ko-KR" altLang="en-US" noProof="0" dirty="0">
-            <a:latin typeface="맑은 고딕" panose="020B0503020000020004" pitchFamily="50" charset="-127"/>
-            <a:ea typeface="맑은 고딕" panose="020B0503020000020004" pitchFamily="50" charset="-127"/>
-          </a:endParaRPr>
-        </a:p>
-      </dgm:t>
-    </dgm:pt>
-    <dgm:pt modelId="{1C383F32-22E8-4F62-A3E0-BDC3D5F48992}">
-      <dgm:prSet/>
-      <dgm:spPr/>
-      <dgm:t>
-        <a:bodyPr rtlCol="0"/>
-        <a:lstStyle/>
-        <a:p>
-          <a:pPr rtl="0">
-            <a:lnSpc>
-              <a:spcPct val="100000"/>
-            </a:lnSpc>
-            <a:defRPr cap="all"/>
-          </a:pPr>
-          <a:r>
-            <a:rPr lang="en-US" altLang="ko-KR" noProof="0" dirty="0" err="1">
-              <a:latin typeface="맑은 고딕" panose="020B0503020000020004" pitchFamily="50" charset="-127"/>
-              <a:ea typeface="맑은 고딕" panose="020B0503020000020004" pitchFamily="50" charset="-127"/>
-            </a:rPr>
-            <a:t>Pellentesque</a:t>
-          </a:r>
-          <a:r>
-            <a:rPr lang="en-US" altLang="ko-KR" noProof="0" dirty="0">
-              <a:latin typeface="맑은 고딕" panose="020B0503020000020004" pitchFamily="50" charset="-127"/>
-              <a:ea typeface="맑은 고딕" panose="020B0503020000020004" pitchFamily="50" charset="-127"/>
-            </a:rPr>
-            <a:t> habitant </a:t>
-          </a:r>
-          <a:r>
-            <a:rPr lang="en-US" altLang="ko-KR" noProof="0" dirty="0" err="1">
-              <a:latin typeface="맑은 고딕" panose="020B0503020000020004" pitchFamily="50" charset="-127"/>
-              <a:ea typeface="맑은 고딕" panose="020B0503020000020004" pitchFamily="50" charset="-127"/>
-            </a:rPr>
-            <a:t>morbi</a:t>
-          </a:r>
-          <a:r>
-            <a:rPr lang="en-US" altLang="ko-KR" noProof="0" dirty="0">
-              <a:latin typeface="맑은 고딕" panose="020B0503020000020004" pitchFamily="50" charset="-127"/>
-              <a:ea typeface="맑은 고딕" panose="020B0503020000020004" pitchFamily="50" charset="-127"/>
-            </a:rPr>
-            <a:t> </a:t>
-          </a:r>
-          <a:r>
-            <a:rPr lang="en-US" altLang="ko-KR" noProof="0" dirty="0" err="1">
-              <a:latin typeface="맑은 고딕" panose="020B0503020000020004" pitchFamily="50" charset="-127"/>
-              <a:ea typeface="맑은 고딕" panose="020B0503020000020004" pitchFamily="50" charset="-127"/>
-            </a:rPr>
-            <a:t>tristique</a:t>
-          </a:r>
-          <a:r>
-            <a:rPr lang="en-US" altLang="ko-KR" noProof="0" dirty="0">
-              <a:latin typeface="맑은 고딕" panose="020B0503020000020004" pitchFamily="50" charset="-127"/>
-              <a:ea typeface="맑은 고딕" panose="020B0503020000020004" pitchFamily="50" charset="-127"/>
-            </a:rPr>
-            <a:t> </a:t>
-          </a:r>
-          <a:r>
-            <a:rPr lang="en-US" altLang="ko-KR" noProof="0" dirty="0" err="1">
-              <a:latin typeface="맑은 고딕" panose="020B0503020000020004" pitchFamily="50" charset="-127"/>
-              <a:ea typeface="맑은 고딕" panose="020B0503020000020004" pitchFamily="50" charset="-127"/>
-            </a:rPr>
-            <a:t>senectus</a:t>
-          </a:r>
-          <a:r>
-            <a:rPr lang="en-US" altLang="ko-KR" noProof="0" dirty="0">
-              <a:latin typeface="맑은 고딕" panose="020B0503020000020004" pitchFamily="50" charset="-127"/>
-              <a:ea typeface="맑은 고딕" panose="020B0503020000020004" pitchFamily="50" charset="-127"/>
-            </a:rPr>
-            <a:t> et </a:t>
-          </a:r>
-          <a:r>
-            <a:rPr lang="en-US" altLang="ko-KR" noProof="0" dirty="0" err="1">
-              <a:latin typeface="맑은 고딕" panose="020B0503020000020004" pitchFamily="50" charset="-127"/>
-              <a:ea typeface="맑은 고딕" panose="020B0503020000020004" pitchFamily="50" charset="-127"/>
-            </a:rPr>
-            <a:t>netus</a:t>
-          </a:r>
-          <a:r>
-            <a:rPr lang="en-US" altLang="ko-KR" noProof="0" dirty="0">
-              <a:latin typeface="맑은 고딕" panose="020B0503020000020004" pitchFamily="50" charset="-127"/>
-              <a:ea typeface="맑은 고딕" panose="020B0503020000020004" pitchFamily="50" charset="-127"/>
-            </a:rPr>
-            <a:t>.</a:t>
-          </a:r>
-        </a:p>
-      </dgm:t>
-    </dgm:pt>
-    <dgm:pt modelId="{A7920A2F-3244-4159-AF04-6A1D38B7B317}" type="parTrans" cxnId="{C4CCE57E-E871-46D6-BAD5-880252C95D22}">
-      <dgm:prSet/>
-      <dgm:spPr/>
-      <dgm:t>
-        <a:bodyPr rtlCol="0"/>
-        <a:lstStyle/>
-        <a:p>
-          <a:pPr rtl="0"/>
-          <a:endParaRPr lang="ko-KR" altLang="en-US" noProof="0" dirty="0">
-            <a:latin typeface="맑은 고딕" panose="020B0503020000020004" pitchFamily="50" charset="-127"/>
-            <a:ea typeface="맑은 고딕" panose="020B0503020000020004" pitchFamily="50" charset="-127"/>
-          </a:endParaRPr>
-        </a:p>
-      </dgm:t>
-    </dgm:pt>
-    <dgm:pt modelId="{8500F72A-2C6D-4FDF-9C1D-CA691380EB0B}" type="sibTrans" cxnId="{C4CCE57E-E871-46D6-BAD5-880252C95D22}">
-      <dgm:prSet/>
-      <dgm:spPr/>
-      <dgm:t>
-        <a:bodyPr rtlCol="0"/>
-        <a:lstStyle/>
-        <a:p>
-          <a:pPr rtl="0"/>
-          <a:endParaRPr lang="ko-KR" altLang="en-US" noProof="0" dirty="0">
-            <a:latin typeface="맑은 고딕" panose="020B0503020000020004" pitchFamily="50" charset="-127"/>
-            <a:ea typeface="맑은 고딕" panose="020B0503020000020004" pitchFamily="50" charset="-127"/>
-          </a:endParaRPr>
-        </a:p>
-      </dgm:t>
-    </dgm:pt>
-    <dgm:pt modelId="{50B3CE7C-E10B-4E23-BD93-03664997C932}" type="pres">
-      <dgm:prSet presAssocID="{01A66772-F185-4D58-B8BB-E9370D7A7A2B}" presName="root" presStyleCnt="0">
-        <dgm:presLayoutVars>
-          <dgm:dir/>
-          <dgm:resizeHandles val="exact"/>
-        </dgm:presLayoutVars>
-      </dgm:prSet>
-      <dgm:spPr/>
-    </dgm:pt>
-    <dgm:pt modelId="{DE9CE479-E4AE-4283-AEF1-10C1535B4324}" type="pres">
-      <dgm:prSet presAssocID="{40FC4FFE-8987-4A26-B7F4-8A516F18ADAE}" presName="compNode" presStyleCnt="0"/>
-      <dgm:spPr/>
-    </dgm:pt>
-    <dgm:pt modelId="{B59FCF02-CAD2-4D6F-9542-AD86711168CA}" type="pres">
-      <dgm:prSet presAssocID="{40FC4FFE-8987-4A26-B7F4-8A516F18ADAE}" presName="iconBgRect" presStyleLbl="bgShp" presStyleIdx="0" presStyleCnt="3"/>
-      <dgm:spPr>
-        <a:solidFill>
-          <a:schemeClr val="accent1"/>
-        </a:solidFill>
-      </dgm:spPr>
-    </dgm:pt>
-    <dgm:pt modelId="{7C175B98-93F4-4D7C-BB95-1514AB879CD5}" type="pres">
-      <dgm:prSet presAssocID="{40FC4FFE-8987-4A26-B7F4-8A516F18ADAE}" presName="iconRect" presStyleLbl="node1" presStyleIdx="0" presStyleCnt="3"/>
-      <dgm:spPr>
-        <a:blipFill>
-          <a:blip xmlns:r="http://schemas.openxmlformats.org/officeDocument/2006/relationships" r:embed="rId1">
-            <a:extLst>
-              <a:ext uri="{28A0092B-C50C-407E-A947-70E740481C1C}">
-                <a14:useLocalDpi xmlns:a14="http://schemas.microsoft.com/office/drawing/2010/main" val="0"/>
-              </a:ext>
-              <a:ext uri="{96DAC541-7B7A-43D3-8B79-37D633B846F1}">
-                <asvg:svgBlip xmlns:asvg="http://schemas.microsoft.com/office/drawing/2016/SVG/main" r:embed="rId2"/>
-              </a:ext>
-            </a:extLst>
-          </a:blip>
-          <a:srcRect/>
-          <a:stretch>
-            <a:fillRect/>
-          </a:stretch>
-        </a:blipFill>
-        <a:ln>
-          <a:noFill/>
-        </a:ln>
-      </dgm:spPr>
-      <dgm:extLst>
-        <a:ext uri="{E40237B7-FDA0-4F09-8148-C483321AD2D9}">
-          <dgm14:cNvPr xmlns:dgm14="http://schemas.microsoft.com/office/drawing/2010/diagram" id="0" name="" descr="Bar graph with downward trend"/>
-        </a:ext>
-      </dgm:extLst>
-    </dgm:pt>
-    <dgm:pt modelId="{677A3090-5F01-43FD-9FA6-C0420AD80FD6}" type="pres">
-      <dgm:prSet presAssocID="{40FC4FFE-8987-4A26-B7F4-8A516F18ADAE}" presName="spaceRect" presStyleCnt="0"/>
-      <dgm:spPr/>
-    </dgm:pt>
-    <dgm:pt modelId="{127117FB-F8A7-4A20-A8A7-EC686DDC76D0}" type="pres">
-      <dgm:prSet presAssocID="{40FC4FFE-8987-4A26-B7F4-8A516F18ADAE}" presName="textRect" presStyleLbl="revTx" presStyleIdx="0" presStyleCnt="3">
-        <dgm:presLayoutVars>
-          <dgm:chMax val="1"/>
-          <dgm:chPref val="1"/>
-        </dgm:presLayoutVars>
-      </dgm:prSet>
-      <dgm:spPr/>
-    </dgm:pt>
-    <dgm:pt modelId="{FD1EED9C-83D3-41AD-A09B-D3B36354168F}" type="pres">
-      <dgm:prSet presAssocID="{5B62599A-5C9B-48E7-896E-EA782AC60C8B}" presName="sibTrans" presStyleCnt="0"/>
-      <dgm:spPr/>
-    </dgm:pt>
-    <dgm:pt modelId="{C998AB0A-577D-44AA-A068-F634DDE7BD47}" type="pres">
-      <dgm:prSet presAssocID="{49225C73-1633-42F1-AB3B-7CB183E5F8B8}" presName="compNode" presStyleCnt="0"/>
-      <dgm:spPr/>
-    </dgm:pt>
-    <dgm:pt modelId="{BCD8CDD9-0C56-4401-ADB1-8B48DAB2C96F}" type="pres">
-      <dgm:prSet presAssocID="{49225C73-1633-42F1-AB3B-7CB183E5F8B8}" presName="iconBgRect" presStyleLbl="bgShp" presStyleIdx="1" presStyleCnt="3"/>
-      <dgm:spPr>
-        <a:solidFill>
-          <a:schemeClr val="accent1"/>
-        </a:solidFill>
-      </dgm:spPr>
-    </dgm:pt>
-    <dgm:pt modelId="{DB4CA7C4-FCA1-4127-B20A-2A5C031A3CF4}" type="pres">
-      <dgm:prSet presAssocID="{49225C73-1633-42F1-AB3B-7CB183E5F8B8}" presName="iconRect" presStyleLbl="node1" presStyleIdx="1" presStyleCnt="3"/>
-      <dgm:spPr>
-        <a:blipFill>
-          <a:blip xmlns:r="http://schemas.openxmlformats.org/officeDocument/2006/relationships" r:embed="rId3">
-            <a:extLst>
-              <a:ext uri="{28A0092B-C50C-407E-A947-70E740481C1C}">
-                <a14:useLocalDpi xmlns:a14="http://schemas.microsoft.com/office/drawing/2010/main" val="0"/>
-              </a:ext>
-              <a:ext uri="{96DAC541-7B7A-43D3-8B79-37D633B846F1}">
-                <asvg:svgBlip xmlns:asvg="http://schemas.microsoft.com/office/drawing/2016/SVG/main" r:embed="rId4"/>
-              </a:ext>
-            </a:extLst>
-          </a:blip>
-          <a:srcRect/>
-          <a:stretch>
-            <a:fillRect/>
-          </a:stretch>
-        </a:blipFill>
-        <a:ln>
-          <a:noFill/>
-        </a:ln>
-      </dgm:spPr>
-      <dgm:extLst>
-        <a:ext uri="{E40237B7-FDA0-4F09-8148-C483321AD2D9}">
-          <dgm14:cNvPr xmlns:dgm14="http://schemas.microsoft.com/office/drawing/2010/diagram" id="0" name="" descr="Presentation with bar chart"/>
-        </a:ext>
-      </dgm:extLst>
-    </dgm:pt>
-    <dgm:pt modelId="{9B0C8FBF-0BDD-48A5-967E-F3FE71659F6A}" type="pres">
-      <dgm:prSet presAssocID="{49225C73-1633-42F1-AB3B-7CB183E5F8B8}" presName="spaceRect" presStyleCnt="0"/>
-      <dgm:spPr/>
-    </dgm:pt>
-    <dgm:pt modelId="{7E6FE37A-5DB0-4899-9FCB-0CE39BC185F8}" type="pres">
-      <dgm:prSet presAssocID="{49225C73-1633-42F1-AB3B-7CB183E5F8B8}" presName="textRect" presStyleLbl="revTx" presStyleIdx="1" presStyleCnt="3">
-        <dgm:presLayoutVars>
-          <dgm:chMax val="1"/>
-          <dgm:chPref val="1"/>
-        </dgm:presLayoutVars>
-      </dgm:prSet>
-      <dgm:spPr/>
-    </dgm:pt>
-    <dgm:pt modelId="{5A266296-0042-402F-92EF-D59AB148E92E}" type="pres">
-      <dgm:prSet presAssocID="{9646853A-8964-4519-A5B1-0B7D18B2983D}" presName="sibTrans" presStyleCnt="0"/>
-      <dgm:spPr/>
-    </dgm:pt>
-    <dgm:pt modelId="{ECFA770B-DE2C-4683-A038-58D0FE44BC27}" type="pres">
-      <dgm:prSet presAssocID="{1C383F32-22E8-4F62-A3E0-BDC3D5F48992}" presName="compNode" presStyleCnt="0"/>
-      <dgm:spPr/>
-    </dgm:pt>
-    <dgm:pt modelId="{FF93E135-77D6-48A0-8871-9BC93D705D06}" type="pres">
-      <dgm:prSet presAssocID="{1C383F32-22E8-4F62-A3E0-BDC3D5F48992}" presName="iconBgRect" presStyleLbl="bgShp" presStyleIdx="2" presStyleCnt="3"/>
-      <dgm:spPr>
-        <a:solidFill>
-          <a:schemeClr val="accent1"/>
-        </a:solidFill>
-      </dgm:spPr>
-    </dgm:pt>
-    <dgm:pt modelId="{39509775-983E-4110-B989-EE2CD6514BE0}" type="pres">
-      <dgm:prSet presAssocID="{1C383F32-22E8-4F62-A3E0-BDC3D5F48992}" presName="iconRect" presStyleLbl="node1" presStyleIdx="2" presStyleCnt="3"/>
-      <dgm:spPr>
-        <a:blipFill>
-          <a:blip xmlns:r="http://schemas.openxmlformats.org/officeDocument/2006/relationships" r:embed="rId5">
-            <a:extLst>
-              <a:ext uri="{28A0092B-C50C-407E-A947-70E740481C1C}">
-                <a14:useLocalDpi xmlns:a14="http://schemas.microsoft.com/office/drawing/2010/main" val="0"/>
-              </a:ext>
-              <a:ext uri="{96DAC541-7B7A-43D3-8B79-37D633B846F1}">
-                <asvg:svgBlip xmlns:asvg="http://schemas.microsoft.com/office/drawing/2016/SVG/main" r:embed="rId6"/>
-              </a:ext>
-            </a:extLst>
-          </a:blip>
-          <a:srcRect/>
-          <a:stretch>
-            <a:fillRect/>
-          </a:stretch>
-        </a:blipFill>
-        <a:ln>
-          <a:noFill/>
-        </a:ln>
-      </dgm:spPr>
-      <dgm:extLst>
-        <a:ext uri="{E40237B7-FDA0-4F09-8148-C483321AD2D9}">
-          <dgm14:cNvPr xmlns:dgm14="http://schemas.microsoft.com/office/drawing/2010/diagram" id="0" name="" descr="Stopwatch"/>
-        </a:ext>
-      </dgm:extLst>
-    </dgm:pt>
-    <dgm:pt modelId="{493B43B2-705C-4AE5-8A77-D8DEEDA1B5CF}" type="pres">
-      <dgm:prSet presAssocID="{1C383F32-22E8-4F62-A3E0-BDC3D5F48992}" presName="spaceRect" presStyleCnt="0"/>
-      <dgm:spPr/>
-    </dgm:pt>
-    <dgm:pt modelId="{1AEDC777-00B3-41D7-9AE1-23D741E941C3}" type="pres">
-      <dgm:prSet presAssocID="{1C383F32-22E8-4F62-A3E0-BDC3D5F48992}" presName="textRect" presStyleLbl="revTx" presStyleIdx="2" presStyleCnt="3">
-        <dgm:presLayoutVars>
-          <dgm:chMax val="1"/>
-          <dgm:chPref val="1"/>
-        </dgm:presLayoutVars>
-      </dgm:prSet>
-      <dgm:spPr/>
-    </dgm:pt>
-  </dgm:ptLst>
-  <dgm:cxnLst>
-    <dgm:cxn modelId="{A9154303-8225-4248-91DC-1B0156A35F07}" srcId="{01A66772-F185-4D58-B8BB-E9370D7A7A2B}" destId="{49225C73-1633-42F1-AB3B-7CB183E5F8B8}" srcOrd="1" destOrd="0" parTransId="{1A0E2090-1D4F-438A-8766-B6030CE01ADD}" sibTransId="{9646853A-8964-4519-A5B1-0B7D18B2983D}"/>
-    <dgm:cxn modelId="{7A710F69-5154-4855-ACF5-BC7C1BF85A80}" type="presOf" srcId="{49225C73-1633-42F1-AB3B-7CB183E5F8B8}" destId="{7E6FE37A-5DB0-4899-9FCB-0CE39BC185F8}" srcOrd="0" destOrd="0" presId="urn:microsoft.com/office/officeart/2018/5/layout/IconCircleLabelList"/>
-    <dgm:cxn modelId="{C7AD8469-3C68-4AF9-AB82-79B0043AA120}" srcId="{01A66772-F185-4D58-B8BB-E9370D7A7A2B}" destId="{40FC4FFE-8987-4A26-B7F4-8A516F18ADAE}" srcOrd="0" destOrd="0" parTransId="{CAD7EF86-FB23-41F6-BF42-040B36DEFDB1}" sibTransId="{5B62599A-5C9B-48E7-896E-EA782AC60C8B}"/>
-    <dgm:cxn modelId="{676D3A6A-6EA7-4483-BB12-0BD4A7D7AF9D}" type="presOf" srcId="{01A66772-F185-4D58-B8BB-E9370D7A7A2B}" destId="{50B3CE7C-E10B-4E23-BD93-03664997C932}" srcOrd="0" destOrd="0" presId="urn:microsoft.com/office/officeart/2018/5/layout/IconCircleLabelList"/>
-    <dgm:cxn modelId="{1496FC70-DB8B-48D4-98DE-DD2856E389EE}" type="presOf" srcId="{1C383F32-22E8-4F62-A3E0-BDC3D5F48992}" destId="{1AEDC777-00B3-41D7-9AE1-23D741E941C3}" srcOrd="0" destOrd="0" presId="urn:microsoft.com/office/officeart/2018/5/layout/IconCircleLabelList"/>
-    <dgm:cxn modelId="{C4CCE57E-E871-46D6-BAD5-880252C95D22}" srcId="{01A66772-F185-4D58-B8BB-E9370D7A7A2B}" destId="{1C383F32-22E8-4F62-A3E0-BDC3D5F48992}" srcOrd="2" destOrd="0" parTransId="{A7920A2F-3244-4159-AF04-6A1D38B7B317}" sibTransId="{8500F72A-2C6D-4FDF-9C1D-CA691380EB0B}"/>
-    <dgm:cxn modelId="{355227E3-55E0-4343-BC8D-FC0EB1694F48}" type="presOf" srcId="{40FC4FFE-8987-4A26-B7F4-8A516F18ADAE}" destId="{127117FB-F8A7-4A20-A8A7-EC686DDC76D0}" srcOrd="0" destOrd="0" presId="urn:microsoft.com/office/officeart/2018/5/layout/IconCircleLabelList"/>
-    <dgm:cxn modelId="{555498CB-3ED1-404E-A25F-EB243EFC5FB1}" type="presParOf" srcId="{50B3CE7C-E10B-4E23-BD93-03664997C932}" destId="{DE9CE479-E4AE-4283-AEF1-10C1535B4324}" srcOrd="0" destOrd="0" presId="urn:microsoft.com/office/officeart/2018/5/layout/IconCircleLabelList"/>
-    <dgm:cxn modelId="{11F12D49-CD08-4D50-BD13-3ECBC3A476A4}" type="presParOf" srcId="{DE9CE479-E4AE-4283-AEF1-10C1535B4324}" destId="{B59FCF02-CAD2-4D6F-9542-AD86711168CA}" srcOrd="0" destOrd="0" presId="urn:microsoft.com/office/officeart/2018/5/layout/IconCircleLabelList"/>
-    <dgm:cxn modelId="{F443A659-540B-487B-97F9-49219CF60D6B}" type="presParOf" srcId="{DE9CE479-E4AE-4283-AEF1-10C1535B4324}" destId="{7C175B98-93F4-4D7C-BB95-1514AB879CD5}" srcOrd="1" destOrd="0" presId="urn:microsoft.com/office/officeart/2018/5/layout/IconCircleLabelList"/>
-    <dgm:cxn modelId="{A503D7AB-7D64-4163-93B5-1CEEDAE81823}" type="presParOf" srcId="{DE9CE479-E4AE-4283-AEF1-10C1535B4324}" destId="{677A3090-5F01-43FD-9FA6-C0420AD80FD6}" srcOrd="2" destOrd="0" presId="urn:microsoft.com/office/officeart/2018/5/layout/IconCircleLabelList"/>
-    <dgm:cxn modelId="{780188ED-7DCE-45BB-B6AF-91BE48969612}" type="presParOf" srcId="{DE9CE479-E4AE-4283-AEF1-10C1535B4324}" destId="{127117FB-F8A7-4A20-A8A7-EC686DDC76D0}" srcOrd="3" destOrd="0" presId="urn:microsoft.com/office/officeart/2018/5/layout/IconCircleLabelList"/>
-    <dgm:cxn modelId="{155719F8-A89B-4E96-BC49-C48BC717F480}" type="presParOf" srcId="{50B3CE7C-E10B-4E23-BD93-03664997C932}" destId="{FD1EED9C-83D3-41AD-A09B-D3B36354168F}" srcOrd="1" destOrd="0" presId="urn:microsoft.com/office/officeart/2018/5/layout/IconCircleLabelList"/>
-    <dgm:cxn modelId="{2772E199-56B0-4310-A55E-67D00CA3E59E}" type="presParOf" srcId="{50B3CE7C-E10B-4E23-BD93-03664997C932}" destId="{C998AB0A-577D-44AA-A068-F634DDE7BD47}" srcOrd="2" destOrd="0" presId="urn:microsoft.com/office/officeart/2018/5/layout/IconCircleLabelList"/>
-    <dgm:cxn modelId="{4E351D18-D97F-4B92-A608-2E9600B91C28}" type="presParOf" srcId="{C998AB0A-577D-44AA-A068-F634DDE7BD47}" destId="{BCD8CDD9-0C56-4401-ADB1-8B48DAB2C96F}" srcOrd="0" destOrd="0" presId="urn:microsoft.com/office/officeart/2018/5/layout/IconCircleLabelList"/>
-    <dgm:cxn modelId="{B3DC724C-4569-4E9D-BD5A-49E4CD991FD0}" type="presParOf" srcId="{C998AB0A-577D-44AA-A068-F634DDE7BD47}" destId="{DB4CA7C4-FCA1-4127-B20A-2A5C031A3CF4}" srcOrd="1" destOrd="0" presId="urn:microsoft.com/office/officeart/2018/5/layout/IconCircleLabelList"/>
-    <dgm:cxn modelId="{AD1AB552-CCE0-4911-BB9E-5D4A60B21F4F}" type="presParOf" srcId="{C998AB0A-577D-44AA-A068-F634DDE7BD47}" destId="{9B0C8FBF-0BDD-48A5-967E-F3FE71659F6A}" srcOrd="2" destOrd="0" presId="urn:microsoft.com/office/officeart/2018/5/layout/IconCircleLabelList"/>
-    <dgm:cxn modelId="{8558F796-2D01-40FE-A21A-7530EEBC3BC3}" type="presParOf" srcId="{C998AB0A-577D-44AA-A068-F634DDE7BD47}" destId="{7E6FE37A-5DB0-4899-9FCB-0CE39BC185F8}" srcOrd="3" destOrd="0" presId="urn:microsoft.com/office/officeart/2018/5/layout/IconCircleLabelList"/>
-    <dgm:cxn modelId="{1532E2BE-82E9-40A4-A6F7-40B60FC879AE}" type="presParOf" srcId="{50B3CE7C-E10B-4E23-BD93-03664997C932}" destId="{5A266296-0042-402F-92EF-D59AB148E92E}" srcOrd="3" destOrd="0" presId="urn:microsoft.com/office/officeart/2018/5/layout/IconCircleLabelList"/>
-    <dgm:cxn modelId="{3A7F4DB9-1469-4F58-B633-24B7EEE084D1}" type="presParOf" srcId="{50B3CE7C-E10B-4E23-BD93-03664997C932}" destId="{ECFA770B-DE2C-4683-A038-58D0FE44BC27}" srcOrd="4" destOrd="0" presId="urn:microsoft.com/office/officeart/2018/5/layout/IconCircleLabelList"/>
-    <dgm:cxn modelId="{91311827-CDAC-4BA8-B4A3-117AFD1CEE2D}" type="presParOf" srcId="{ECFA770B-DE2C-4683-A038-58D0FE44BC27}" destId="{FF93E135-77D6-48A0-8871-9BC93D705D06}" srcOrd="0" destOrd="0" presId="urn:microsoft.com/office/officeart/2018/5/layout/IconCircleLabelList"/>
-    <dgm:cxn modelId="{83B7CA40-11B7-4507-8422-A40F02D469B2}" type="presParOf" srcId="{ECFA770B-DE2C-4683-A038-58D0FE44BC27}" destId="{39509775-983E-4110-B989-EE2CD6514BE0}" srcOrd="1" destOrd="0" presId="urn:microsoft.com/office/officeart/2018/5/layout/IconCircleLabelList"/>
-    <dgm:cxn modelId="{A44BB251-01EB-4DEF-A28C-6D495183E4DC}" type="presParOf" srcId="{ECFA770B-DE2C-4683-A038-58D0FE44BC27}" destId="{493B43B2-705C-4AE5-8A77-D8DEEDA1B5CF}" srcOrd="2" destOrd="0" presId="urn:microsoft.com/office/officeart/2018/5/layout/IconCircleLabelList"/>
-    <dgm:cxn modelId="{1EFA52DF-3C80-4DAA-BED6-AFE2F81796B2}" type="presParOf" srcId="{ECFA770B-DE2C-4683-A038-58D0FE44BC27}" destId="{1AEDC777-00B3-41D7-9AE1-23D741E941C3}" srcOrd="3" destOrd="0" presId="urn:microsoft.com/office/officeart/2018/5/layout/IconCircleLabelList"/>
-  </dgm:cxnLst>
-  <dgm:bg/>
-  <dgm:whole/>
-  <dgm:extLst>
-    <a:ext uri="http://schemas.microsoft.com/office/drawing/2008/diagram">
-      <dsp:dataModelExt xmlns:dsp="http://schemas.microsoft.com/office/drawing/2008/diagram" relId="rId7" minVer="http://schemas.openxmlformats.org/drawingml/2006/diagram"/>
-    </a:ext>
-  </dgm:extLst>
-</dgm:dataModel>
-</file>
-
-<file path=ppt/diagrams/drawing1.xml><?xml version="1.0" encoding="utf-8"?>
-<dsp:drawing xmlns:dgm="http://schemas.openxmlformats.org/drawingml/2006/diagram" xmlns:dsp="http://schemas.microsoft.com/office/drawing/2008/diagram" xmlns:a="http://schemas.openxmlformats.org/drawingml/2006/main">
-  <dsp:spTree>
-    <dsp:nvGrpSpPr>
-      <dsp:cNvPr id="0" name=""/>
-      <dsp:cNvGrpSpPr/>
-    </dsp:nvGrpSpPr>
-    <dsp:grpSpPr/>
-    <dsp:sp modelId="{B59FCF02-CAD2-4D6F-9542-AD86711168CA}">
-      <dsp:nvSpPr>
-        <dsp:cNvPr id="0" name=""/>
-        <dsp:cNvSpPr/>
-      </dsp:nvSpPr>
-      <dsp:spPr>
-        <a:xfrm>
-          <a:off x="614381" y="503862"/>
-          <a:ext cx="1749937" cy="1749937"/>
-        </a:xfrm>
-        <a:prstGeom prst="ellipse">
-          <a:avLst/>
-        </a:prstGeom>
-        <a:solidFill>
-          <a:schemeClr val="accent1"/>
-        </a:solidFill>
-        <a:ln>
-          <a:noFill/>
-        </a:ln>
-        <a:effectLst/>
-      </dsp:spPr>
-      <dsp:style>
-        <a:lnRef idx="0">
-          <a:scrgbClr r="0" g="0" b="0"/>
-        </a:lnRef>
-        <a:fillRef idx="1">
-          <a:scrgbClr r="0" g="0" b="0"/>
-        </a:fillRef>
-        <a:effectRef idx="0">
-          <a:scrgbClr r="0" g="0" b="0"/>
-        </a:effectRef>
-        <a:fontRef idx="minor"/>
-      </dsp:style>
-    </dsp:sp>
-    <dsp:sp modelId="{7C175B98-93F4-4D7C-BB95-1514AB879CD5}">
-      <dsp:nvSpPr>
-        <dsp:cNvPr id="0" name=""/>
-        <dsp:cNvSpPr/>
-      </dsp:nvSpPr>
-      <dsp:spPr>
-        <a:xfrm>
-          <a:off x="987318" y="876800"/>
-          <a:ext cx="1004062" cy="1004062"/>
-        </a:xfrm>
-        <a:prstGeom prst="rect">
-          <a:avLst/>
-        </a:prstGeom>
-        <a:blipFill>
-          <a:blip xmlns:r="http://schemas.openxmlformats.org/officeDocument/2006/relationships" r:embed="rId1">
-            <a:extLst>
-              <a:ext uri="{28A0092B-C50C-407E-A947-70E740481C1C}">
-                <a14:useLocalDpi xmlns:a14="http://schemas.microsoft.com/office/drawing/2010/main" val="0"/>
-              </a:ext>
-              <a:ext uri="{96DAC541-7B7A-43D3-8B79-37D633B846F1}">
-                <asvg:svgBlip xmlns:asvg="http://schemas.microsoft.com/office/drawing/2016/SVG/main" r:embed="rId2"/>
-              </a:ext>
-            </a:extLst>
-          </a:blip>
-          <a:srcRect/>
-          <a:stretch>
-            <a:fillRect/>
-          </a:stretch>
-        </a:blipFill>
-        <a:ln w="15875" cap="flat" cmpd="sng" algn="ctr">
-          <a:noFill/>
-          <a:prstDash val="solid"/>
-        </a:ln>
-        <a:effectLst/>
-      </dsp:spPr>
-      <dsp:style>
-        <a:lnRef idx="2">
-          <a:scrgbClr r="0" g="0" b="0"/>
-        </a:lnRef>
-        <a:fillRef idx="1">
-          <a:scrgbClr r="0" g="0" b="0"/>
-        </a:fillRef>
-        <a:effectRef idx="0">
-          <a:scrgbClr r="0" g="0" b="0"/>
-        </a:effectRef>
-        <a:fontRef idx="minor">
-          <a:schemeClr val="lt1"/>
-        </a:fontRef>
-      </dsp:style>
-    </dsp:sp>
-    <dsp:sp modelId="{127117FB-F8A7-4A20-A8A7-EC686DDC76D0}">
-      <dsp:nvSpPr>
-        <dsp:cNvPr id="0" name=""/>
-        <dsp:cNvSpPr/>
-      </dsp:nvSpPr>
-      <dsp:spPr>
-        <a:xfrm>
-          <a:off x="54974" y="2798862"/>
-          <a:ext cx="2868750" cy="720000"/>
-        </a:xfrm>
-        <a:prstGeom prst="rect">
-          <a:avLst/>
-        </a:prstGeom>
-        <a:noFill/>
-        <a:ln>
-          <a:noFill/>
-        </a:ln>
-        <a:effectLst/>
-      </dsp:spPr>
-      <dsp:style>
-        <a:lnRef idx="0">
-          <a:scrgbClr r="0" g="0" b="0"/>
-        </a:lnRef>
-        <a:fillRef idx="0">
-          <a:scrgbClr r="0" g="0" b="0"/>
-        </a:fillRef>
-        <a:effectRef idx="0">
-          <a:scrgbClr r="0" g="0" b="0"/>
-        </a:effectRef>
-        <a:fontRef idx="minor"/>
-      </dsp:style>
-      <dsp:txBody>
-        <a:bodyPr spcFirstLastPara="0" vert="horz" wrap="square" lIns="0" tIns="0" rIns="0" bIns="0" numCol="1" spcCol="1270" rtlCol="0" anchor="t" anchorCtr="0">
-          <a:noAutofit/>
-        </a:bodyPr>
-        <a:lstStyle/>
-        <a:p>
-          <a:pPr marL="0" lvl="0" indent="0" algn="ctr" defTabSz="622300" rtl="0">
-            <a:lnSpc>
-              <a:spcPct val="100000"/>
-            </a:lnSpc>
-            <a:spcBef>
-              <a:spcPct val="0"/>
-            </a:spcBef>
-            <a:spcAft>
-              <a:spcPct val="35000"/>
-            </a:spcAft>
-            <a:buNone/>
-            <a:defRPr cap="all"/>
-          </a:pPr>
-          <a:r>
-            <a:rPr lang="en-US" altLang="ko-KR" sz="1400" kern="1200" noProof="0" dirty="0">
-              <a:latin typeface="맑은 고딕" panose="020B0503020000020004" pitchFamily="50" charset="-127"/>
-              <a:ea typeface="맑은 고딕" panose="020B0503020000020004" pitchFamily="50" charset="-127"/>
-            </a:rPr>
-            <a:t>Lorem ipsum dolor sit </a:t>
-          </a:r>
-          <a:r>
-            <a:rPr lang="en-US" altLang="ko-KR" sz="1400" kern="1200" noProof="0" dirty="0" err="1">
-              <a:latin typeface="맑은 고딕" panose="020B0503020000020004" pitchFamily="50" charset="-127"/>
-              <a:ea typeface="맑은 고딕" panose="020B0503020000020004" pitchFamily="50" charset="-127"/>
-            </a:rPr>
-            <a:t>amet</a:t>
-          </a:r>
-          <a:r>
-            <a:rPr lang="en-US" altLang="ko-KR" sz="1400" kern="1200" noProof="0" dirty="0">
-              <a:latin typeface="맑은 고딕" panose="020B0503020000020004" pitchFamily="50" charset="-127"/>
-              <a:ea typeface="맑은 고딕" panose="020B0503020000020004" pitchFamily="50" charset="-127"/>
-            </a:rPr>
-            <a:t>, </a:t>
-          </a:r>
-          <a:r>
-            <a:rPr lang="en-US" altLang="ko-KR" sz="1400" kern="1200" noProof="0" dirty="0" err="1">
-              <a:latin typeface="맑은 고딕" panose="020B0503020000020004" pitchFamily="50" charset="-127"/>
-              <a:ea typeface="맑은 고딕" panose="020B0503020000020004" pitchFamily="50" charset="-127"/>
-            </a:rPr>
-            <a:t>consectetuer</a:t>
-          </a:r>
-          <a:r>
-            <a:rPr lang="en-US" altLang="ko-KR" sz="1400" kern="1200" noProof="0" dirty="0">
-              <a:latin typeface="맑은 고딕" panose="020B0503020000020004" pitchFamily="50" charset="-127"/>
-              <a:ea typeface="맑은 고딕" panose="020B0503020000020004" pitchFamily="50" charset="-127"/>
-            </a:rPr>
-            <a:t> </a:t>
-          </a:r>
-          <a:r>
-            <a:rPr lang="en-US" altLang="ko-KR" sz="1400" kern="1200" noProof="0" dirty="0" err="1">
-              <a:latin typeface="맑은 고딕" panose="020B0503020000020004" pitchFamily="50" charset="-127"/>
-              <a:ea typeface="맑은 고딕" panose="020B0503020000020004" pitchFamily="50" charset="-127"/>
-            </a:rPr>
-            <a:t>adipiscing</a:t>
-          </a:r>
-          <a:r>
-            <a:rPr lang="en-US" altLang="ko-KR" sz="1400" kern="1200" noProof="0" dirty="0">
-              <a:latin typeface="맑은 고딕" panose="020B0503020000020004" pitchFamily="50" charset="-127"/>
-              <a:ea typeface="맑은 고딕" panose="020B0503020000020004" pitchFamily="50" charset="-127"/>
-            </a:rPr>
-            <a:t> </a:t>
-          </a:r>
-          <a:r>
-            <a:rPr lang="en-US" altLang="ko-KR" sz="1400" kern="1200" noProof="0" dirty="0" err="1">
-              <a:latin typeface="맑은 고딕" panose="020B0503020000020004" pitchFamily="50" charset="-127"/>
-              <a:ea typeface="맑은 고딕" panose="020B0503020000020004" pitchFamily="50" charset="-127"/>
-            </a:rPr>
-            <a:t>elit</a:t>
-          </a:r>
-          <a:r>
-            <a:rPr lang="en-US" altLang="ko-KR" sz="1400" kern="1200" noProof="0" dirty="0">
-              <a:latin typeface="맑은 고딕" panose="020B0503020000020004" pitchFamily="50" charset="-127"/>
-              <a:ea typeface="맑은 고딕" panose="020B0503020000020004" pitchFamily="50" charset="-127"/>
-            </a:rPr>
-            <a:t>. </a:t>
-          </a:r>
-        </a:p>
-      </dsp:txBody>
-      <dsp:txXfrm>
-        <a:off x="54974" y="2798862"/>
-        <a:ext cx="2868750" cy="720000"/>
-      </dsp:txXfrm>
-    </dsp:sp>
-    <dsp:sp modelId="{BCD8CDD9-0C56-4401-ADB1-8B48DAB2C96F}">
-      <dsp:nvSpPr>
-        <dsp:cNvPr id="0" name=""/>
-        <dsp:cNvSpPr/>
-      </dsp:nvSpPr>
-      <dsp:spPr>
-        <a:xfrm>
-          <a:off x="3985162" y="503862"/>
-          <a:ext cx="1749937" cy="1749937"/>
-        </a:xfrm>
-        <a:prstGeom prst="ellipse">
-          <a:avLst/>
-        </a:prstGeom>
-        <a:solidFill>
-          <a:schemeClr val="accent1"/>
-        </a:solidFill>
-        <a:ln>
-          <a:noFill/>
-        </a:ln>
-        <a:effectLst/>
-      </dsp:spPr>
-      <dsp:style>
-        <a:lnRef idx="0">
-          <a:scrgbClr r="0" g="0" b="0"/>
-        </a:lnRef>
-        <a:fillRef idx="1">
-          <a:scrgbClr r="0" g="0" b="0"/>
-        </a:fillRef>
-        <a:effectRef idx="0">
-          <a:scrgbClr r="0" g="0" b="0"/>
-        </a:effectRef>
-        <a:fontRef idx="minor"/>
-      </dsp:style>
-    </dsp:sp>
-    <dsp:sp modelId="{DB4CA7C4-FCA1-4127-B20A-2A5C031A3CF4}">
-      <dsp:nvSpPr>
-        <dsp:cNvPr id="0" name=""/>
-        <dsp:cNvSpPr/>
-      </dsp:nvSpPr>
-      <dsp:spPr>
-        <a:xfrm>
-          <a:off x="4358099" y="876800"/>
-          <a:ext cx="1004062" cy="1004062"/>
-        </a:xfrm>
-        <a:prstGeom prst="rect">
-          <a:avLst/>
-        </a:prstGeom>
-        <a:blipFill>
-          <a:blip xmlns:r="http://schemas.openxmlformats.org/officeDocument/2006/relationships" r:embed="rId3">
-            <a:extLst>
-              <a:ext uri="{28A0092B-C50C-407E-A947-70E740481C1C}">
-                <a14:useLocalDpi xmlns:a14="http://schemas.microsoft.com/office/drawing/2010/main" val="0"/>
-              </a:ext>
-              <a:ext uri="{96DAC541-7B7A-43D3-8B79-37D633B846F1}">
-                <asvg:svgBlip xmlns:asvg="http://schemas.microsoft.com/office/drawing/2016/SVG/main" r:embed="rId4"/>
-              </a:ext>
-            </a:extLst>
-          </a:blip>
-          <a:srcRect/>
-          <a:stretch>
-            <a:fillRect/>
-          </a:stretch>
-        </a:blipFill>
-        <a:ln w="15875" cap="flat" cmpd="sng" algn="ctr">
-          <a:noFill/>
-          <a:prstDash val="solid"/>
-        </a:ln>
-        <a:effectLst/>
-      </dsp:spPr>
-      <dsp:style>
-        <a:lnRef idx="2">
-          <a:scrgbClr r="0" g="0" b="0"/>
-        </a:lnRef>
-        <a:fillRef idx="1">
-          <a:scrgbClr r="0" g="0" b="0"/>
-        </a:fillRef>
-        <a:effectRef idx="0">
-          <a:scrgbClr r="0" g="0" b="0"/>
-        </a:effectRef>
-        <a:fontRef idx="minor">
-          <a:schemeClr val="lt1"/>
-        </a:fontRef>
-      </dsp:style>
-    </dsp:sp>
-    <dsp:sp modelId="{7E6FE37A-5DB0-4899-9FCB-0CE39BC185F8}">
-      <dsp:nvSpPr>
-        <dsp:cNvPr id="0" name=""/>
-        <dsp:cNvSpPr/>
-      </dsp:nvSpPr>
-      <dsp:spPr>
-        <a:xfrm>
-          <a:off x="3425756" y="2798862"/>
-          <a:ext cx="2868750" cy="720000"/>
-        </a:xfrm>
-        <a:prstGeom prst="rect">
-          <a:avLst/>
-        </a:prstGeom>
-        <a:noFill/>
-        <a:ln>
-          <a:noFill/>
-        </a:ln>
-        <a:effectLst/>
-      </dsp:spPr>
-      <dsp:style>
-        <a:lnRef idx="0">
-          <a:scrgbClr r="0" g="0" b="0"/>
-        </a:lnRef>
-        <a:fillRef idx="0">
-          <a:scrgbClr r="0" g="0" b="0"/>
-        </a:fillRef>
-        <a:effectRef idx="0">
-          <a:scrgbClr r="0" g="0" b="0"/>
-        </a:effectRef>
-        <a:fontRef idx="minor"/>
-      </dsp:style>
-      <dsp:txBody>
-        <a:bodyPr spcFirstLastPara="0" vert="horz" wrap="square" lIns="0" tIns="0" rIns="0" bIns="0" numCol="1" spcCol="1270" rtlCol="0" anchor="t" anchorCtr="0">
-          <a:noAutofit/>
-        </a:bodyPr>
-        <a:lstStyle/>
-        <a:p>
-          <a:pPr marL="0" lvl="0" indent="0" algn="ctr" defTabSz="622300" rtl="0">
-            <a:lnSpc>
-              <a:spcPct val="100000"/>
-            </a:lnSpc>
-            <a:spcBef>
-              <a:spcPct val="0"/>
-            </a:spcBef>
-            <a:spcAft>
-              <a:spcPct val="35000"/>
-            </a:spcAft>
-            <a:buNone/>
-            <a:defRPr cap="all"/>
-          </a:pPr>
-          <a:r>
-            <a:rPr lang="en-US" altLang="ko-KR" sz="1400" kern="1200" noProof="0" dirty="0">
-              <a:latin typeface="맑은 고딕" panose="020B0503020000020004" pitchFamily="50" charset="-127"/>
-              <a:ea typeface="맑은 고딕" panose="020B0503020000020004" pitchFamily="50" charset="-127"/>
-            </a:rPr>
-            <a:t>Nunc </a:t>
-          </a:r>
-          <a:r>
-            <a:rPr lang="en-US" altLang="ko-KR" sz="1400" kern="1200" noProof="0" dirty="0" err="1">
-              <a:latin typeface="맑은 고딕" panose="020B0503020000020004" pitchFamily="50" charset="-127"/>
-              <a:ea typeface="맑은 고딕" panose="020B0503020000020004" pitchFamily="50" charset="-127"/>
-            </a:rPr>
-            <a:t>viverra</a:t>
-          </a:r>
-          <a:r>
-            <a:rPr lang="en-US" altLang="ko-KR" sz="1400" kern="1200" noProof="0" dirty="0">
-              <a:latin typeface="맑은 고딕" panose="020B0503020000020004" pitchFamily="50" charset="-127"/>
-              <a:ea typeface="맑은 고딕" panose="020B0503020000020004" pitchFamily="50" charset="-127"/>
-            </a:rPr>
-            <a:t> </a:t>
-          </a:r>
-          <a:r>
-            <a:rPr lang="en-US" altLang="ko-KR" sz="1400" kern="1200" noProof="0" dirty="0" err="1">
-              <a:latin typeface="맑은 고딕" panose="020B0503020000020004" pitchFamily="50" charset="-127"/>
-              <a:ea typeface="맑은 고딕" panose="020B0503020000020004" pitchFamily="50" charset="-127"/>
-            </a:rPr>
-            <a:t>imperdiet</a:t>
-          </a:r>
-          <a:r>
-            <a:rPr lang="en-US" altLang="ko-KR" sz="1400" kern="1200" noProof="0" dirty="0">
-              <a:latin typeface="맑은 고딕" panose="020B0503020000020004" pitchFamily="50" charset="-127"/>
-              <a:ea typeface="맑은 고딕" panose="020B0503020000020004" pitchFamily="50" charset="-127"/>
-            </a:rPr>
-            <a:t> </a:t>
-          </a:r>
-          <a:r>
-            <a:rPr lang="en-US" altLang="ko-KR" sz="1400" kern="1200" noProof="0" dirty="0" err="1">
-              <a:latin typeface="맑은 고딕" panose="020B0503020000020004" pitchFamily="50" charset="-127"/>
-              <a:ea typeface="맑은 고딕" panose="020B0503020000020004" pitchFamily="50" charset="-127"/>
-            </a:rPr>
-            <a:t>enim</a:t>
-          </a:r>
-          <a:r>
-            <a:rPr lang="en-US" altLang="ko-KR" sz="1400" kern="1200" noProof="0" dirty="0">
-              <a:latin typeface="맑은 고딕" panose="020B0503020000020004" pitchFamily="50" charset="-127"/>
-              <a:ea typeface="맑은 고딕" panose="020B0503020000020004" pitchFamily="50" charset="-127"/>
-            </a:rPr>
-            <a:t>. </a:t>
-          </a:r>
-          <a:r>
-            <a:rPr lang="en-US" altLang="ko-KR" sz="1400" kern="1200" noProof="0" dirty="0" err="1">
-              <a:latin typeface="맑은 고딕" panose="020B0503020000020004" pitchFamily="50" charset="-127"/>
-              <a:ea typeface="맑은 고딕" panose="020B0503020000020004" pitchFamily="50" charset="-127"/>
-            </a:rPr>
-            <a:t>Fusce</a:t>
-          </a:r>
-          <a:r>
-            <a:rPr lang="en-US" altLang="ko-KR" sz="1400" kern="1200" noProof="0" dirty="0">
-              <a:latin typeface="맑은 고딕" panose="020B0503020000020004" pitchFamily="50" charset="-127"/>
-              <a:ea typeface="맑은 고딕" panose="020B0503020000020004" pitchFamily="50" charset="-127"/>
-            </a:rPr>
-            <a:t> est. </a:t>
-          </a:r>
-          <a:r>
-            <a:rPr lang="en-US" altLang="ko-KR" sz="1400" kern="1200" noProof="0" dirty="0" err="1">
-              <a:latin typeface="맑은 고딕" panose="020B0503020000020004" pitchFamily="50" charset="-127"/>
-              <a:ea typeface="맑은 고딕" panose="020B0503020000020004" pitchFamily="50" charset="-127"/>
-            </a:rPr>
-            <a:t>Vivamus</a:t>
-          </a:r>
-          <a:r>
-            <a:rPr lang="en-US" altLang="ko-KR" sz="1400" kern="1200" noProof="0" dirty="0">
-              <a:latin typeface="맑은 고딕" panose="020B0503020000020004" pitchFamily="50" charset="-127"/>
-              <a:ea typeface="맑은 고딕" panose="020B0503020000020004" pitchFamily="50" charset="-127"/>
-            </a:rPr>
-            <a:t> a </a:t>
-          </a:r>
-          <a:r>
-            <a:rPr lang="en-US" altLang="ko-KR" sz="1400" kern="1200" noProof="0" dirty="0" err="1">
-              <a:latin typeface="맑은 고딕" panose="020B0503020000020004" pitchFamily="50" charset="-127"/>
-              <a:ea typeface="맑은 고딕" panose="020B0503020000020004" pitchFamily="50" charset="-127"/>
-            </a:rPr>
-            <a:t>tellus</a:t>
-          </a:r>
-          <a:r>
-            <a:rPr lang="en-US" altLang="ko-KR" sz="1400" kern="1200" noProof="0" dirty="0">
-              <a:latin typeface="맑은 고딕" panose="020B0503020000020004" pitchFamily="50" charset="-127"/>
-              <a:ea typeface="맑은 고딕" panose="020B0503020000020004" pitchFamily="50" charset="-127"/>
-            </a:rPr>
-            <a:t>.</a:t>
-          </a:r>
-        </a:p>
-      </dsp:txBody>
-      <dsp:txXfrm>
-        <a:off x="3425756" y="2798862"/>
-        <a:ext cx="2868750" cy="720000"/>
-      </dsp:txXfrm>
-    </dsp:sp>
-    <dsp:sp modelId="{FF93E135-77D6-48A0-8871-9BC93D705D06}">
-      <dsp:nvSpPr>
-        <dsp:cNvPr id="0" name=""/>
-        <dsp:cNvSpPr/>
-      </dsp:nvSpPr>
-      <dsp:spPr>
-        <a:xfrm>
-          <a:off x="7355943" y="503862"/>
-          <a:ext cx="1749937" cy="1749937"/>
-        </a:xfrm>
-        <a:prstGeom prst="ellipse">
-          <a:avLst/>
-        </a:prstGeom>
-        <a:solidFill>
-          <a:schemeClr val="accent1"/>
-        </a:solidFill>
-        <a:ln>
-          <a:noFill/>
-        </a:ln>
-        <a:effectLst/>
-      </dsp:spPr>
-      <dsp:style>
-        <a:lnRef idx="0">
-          <a:scrgbClr r="0" g="0" b="0"/>
-        </a:lnRef>
-        <a:fillRef idx="1">
-          <a:scrgbClr r="0" g="0" b="0"/>
-        </a:fillRef>
-        <a:effectRef idx="0">
-          <a:scrgbClr r="0" g="0" b="0"/>
-        </a:effectRef>
-        <a:fontRef idx="minor"/>
-      </dsp:style>
-    </dsp:sp>
-    <dsp:sp modelId="{39509775-983E-4110-B989-EE2CD6514BE0}">
-      <dsp:nvSpPr>
-        <dsp:cNvPr id="0" name=""/>
-        <dsp:cNvSpPr/>
-      </dsp:nvSpPr>
-      <dsp:spPr>
-        <a:xfrm>
-          <a:off x="7728881" y="876800"/>
-          <a:ext cx="1004062" cy="1004062"/>
-        </a:xfrm>
-        <a:prstGeom prst="rect">
-          <a:avLst/>
-        </a:prstGeom>
-        <a:blipFill>
-          <a:blip xmlns:r="http://schemas.openxmlformats.org/officeDocument/2006/relationships" r:embed="rId5">
-            <a:extLst>
-              <a:ext uri="{28A0092B-C50C-407E-A947-70E740481C1C}">
-                <a14:useLocalDpi xmlns:a14="http://schemas.microsoft.com/office/drawing/2010/main" val="0"/>
-              </a:ext>
-              <a:ext uri="{96DAC541-7B7A-43D3-8B79-37D633B846F1}">
-                <asvg:svgBlip xmlns:asvg="http://schemas.microsoft.com/office/drawing/2016/SVG/main" r:embed="rId6"/>
-              </a:ext>
-            </a:extLst>
-          </a:blip>
-          <a:srcRect/>
-          <a:stretch>
-            <a:fillRect/>
-          </a:stretch>
-        </a:blipFill>
-        <a:ln w="15875" cap="flat" cmpd="sng" algn="ctr">
-          <a:noFill/>
-          <a:prstDash val="solid"/>
-        </a:ln>
-        <a:effectLst/>
-      </dsp:spPr>
-      <dsp:style>
-        <a:lnRef idx="2">
-          <a:scrgbClr r="0" g="0" b="0"/>
-        </a:lnRef>
-        <a:fillRef idx="1">
-          <a:scrgbClr r="0" g="0" b="0"/>
-        </a:fillRef>
-        <a:effectRef idx="0">
-          <a:scrgbClr r="0" g="0" b="0"/>
-        </a:effectRef>
-        <a:fontRef idx="minor">
-          <a:schemeClr val="lt1"/>
-        </a:fontRef>
-      </dsp:style>
-    </dsp:sp>
-    <dsp:sp modelId="{1AEDC777-00B3-41D7-9AE1-23D741E941C3}">
-      <dsp:nvSpPr>
-        <dsp:cNvPr id="0" name=""/>
-        <dsp:cNvSpPr/>
-      </dsp:nvSpPr>
-      <dsp:spPr>
-        <a:xfrm>
-          <a:off x="6796537" y="2798862"/>
-          <a:ext cx="2868750" cy="720000"/>
-        </a:xfrm>
-        <a:prstGeom prst="rect">
-          <a:avLst/>
-        </a:prstGeom>
-        <a:noFill/>
-        <a:ln>
-          <a:noFill/>
-        </a:ln>
-        <a:effectLst/>
-      </dsp:spPr>
-      <dsp:style>
-        <a:lnRef idx="0">
-          <a:scrgbClr r="0" g="0" b="0"/>
-        </a:lnRef>
-        <a:fillRef idx="0">
-          <a:scrgbClr r="0" g="0" b="0"/>
-        </a:fillRef>
-        <a:effectRef idx="0">
-          <a:scrgbClr r="0" g="0" b="0"/>
-        </a:effectRef>
-        <a:fontRef idx="minor"/>
-      </dsp:style>
-      <dsp:txBody>
-        <a:bodyPr spcFirstLastPara="0" vert="horz" wrap="square" lIns="0" tIns="0" rIns="0" bIns="0" numCol="1" spcCol="1270" rtlCol="0" anchor="t" anchorCtr="0">
-          <a:noAutofit/>
-        </a:bodyPr>
-        <a:lstStyle/>
-        <a:p>
-          <a:pPr marL="0" lvl="0" indent="0" algn="ctr" defTabSz="622300" rtl="0">
-            <a:lnSpc>
-              <a:spcPct val="100000"/>
-            </a:lnSpc>
-            <a:spcBef>
-              <a:spcPct val="0"/>
-            </a:spcBef>
-            <a:spcAft>
-              <a:spcPct val="35000"/>
-            </a:spcAft>
-            <a:buNone/>
-            <a:defRPr cap="all"/>
-          </a:pPr>
-          <a:r>
-            <a:rPr lang="en-US" altLang="ko-KR" sz="1400" kern="1200" noProof="0" dirty="0" err="1">
-              <a:latin typeface="맑은 고딕" panose="020B0503020000020004" pitchFamily="50" charset="-127"/>
-              <a:ea typeface="맑은 고딕" panose="020B0503020000020004" pitchFamily="50" charset="-127"/>
-            </a:rPr>
-            <a:t>Pellentesque</a:t>
-          </a:r>
-          <a:r>
-            <a:rPr lang="en-US" altLang="ko-KR" sz="1400" kern="1200" noProof="0" dirty="0">
-              <a:latin typeface="맑은 고딕" panose="020B0503020000020004" pitchFamily="50" charset="-127"/>
-              <a:ea typeface="맑은 고딕" panose="020B0503020000020004" pitchFamily="50" charset="-127"/>
-            </a:rPr>
-            <a:t> habitant </a:t>
-          </a:r>
-          <a:r>
-            <a:rPr lang="en-US" altLang="ko-KR" sz="1400" kern="1200" noProof="0" dirty="0" err="1">
-              <a:latin typeface="맑은 고딕" panose="020B0503020000020004" pitchFamily="50" charset="-127"/>
-              <a:ea typeface="맑은 고딕" panose="020B0503020000020004" pitchFamily="50" charset="-127"/>
-            </a:rPr>
-            <a:t>morbi</a:t>
-          </a:r>
-          <a:r>
-            <a:rPr lang="en-US" altLang="ko-KR" sz="1400" kern="1200" noProof="0" dirty="0">
-              <a:latin typeface="맑은 고딕" panose="020B0503020000020004" pitchFamily="50" charset="-127"/>
-              <a:ea typeface="맑은 고딕" panose="020B0503020000020004" pitchFamily="50" charset="-127"/>
-            </a:rPr>
-            <a:t> </a:t>
-          </a:r>
-          <a:r>
-            <a:rPr lang="en-US" altLang="ko-KR" sz="1400" kern="1200" noProof="0" dirty="0" err="1">
-              <a:latin typeface="맑은 고딕" panose="020B0503020000020004" pitchFamily="50" charset="-127"/>
-              <a:ea typeface="맑은 고딕" panose="020B0503020000020004" pitchFamily="50" charset="-127"/>
-            </a:rPr>
-            <a:t>tristique</a:t>
-          </a:r>
-          <a:r>
-            <a:rPr lang="en-US" altLang="ko-KR" sz="1400" kern="1200" noProof="0" dirty="0">
-              <a:latin typeface="맑은 고딕" panose="020B0503020000020004" pitchFamily="50" charset="-127"/>
-              <a:ea typeface="맑은 고딕" panose="020B0503020000020004" pitchFamily="50" charset="-127"/>
-            </a:rPr>
-            <a:t> </a:t>
-          </a:r>
-          <a:r>
-            <a:rPr lang="en-US" altLang="ko-KR" sz="1400" kern="1200" noProof="0" dirty="0" err="1">
-              <a:latin typeface="맑은 고딕" panose="020B0503020000020004" pitchFamily="50" charset="-127"/>
-              <a:ea typeface="맑은 고딕" panose="020B0503020000020004" pitchFamily="50" charset="-127"/>
-            </a:rPr>
-            <a:t>senectus</a:t>
-          </a:r>
-          <a:r>
-            <a:rPr lang="en-US" altLang="ko-KR" sz="1400" kern="1200" noProof="0" dirty="0">
-              <a:latin typeface="맑은 고딕" panose="020B0503020000020004" pitchFamily="50" charset="-127"/>
-              <a:ea typeface="맑은 고딕" panose="020B0503020000020004" pitchFamily="50" charset="-127"/>
-            </a:rPr>
-            <a:t> et </a:t>
-          </a:r>
-          <a:r>
-            <a:rPr lang="en-US" altLang="ko-KR" sz="1400" kern="1200" noProof="0" dirty="0" err="1">
-              <a:latin typeface="맑은 고딕" panose="020B0503020000020004" pitchFamily="50" charset="-127"/>
-              <a:ea typeface="맑은 고딕" panose="020B0503020000020004" pitchFamily="50" charset="-127"/>
-            </a:rPr>
-            <a:t>netus</a:t>
-          </a:r>
-          <a:r>
-            <a:rPr lang="en-US" altLang="ko-KR" sz="1400" kern="1200" noProof="0" dirty="0">
-              <a:latin typeface="맑은 고딕" panose="020B0503020000020004" pitchFamily="50" charset="-127"/>
-              <a:ea typeface="맑은 고딕" panose="020B0503020000020004" pitchFamily="50" charset="-127"/>
-            </a:rPr>
-            <a:t>.</a:t>
-          </a:r>
-        </a:p>
-      </dsp:txBody>
-      <dsp:txXfrm>
-        <a:off x="6796537" y="2798862"/>
-        <a:ext cx="2868750" cy="720000"/>
-      </dsp:txXfrm>
-    </dsp:sp>
-  </dsp:spTree>
-</dsp:drawing>
-</file>
-
-<file path=ppt/diagrams/layout1.xml><?xml version="1.0" encoding="utf-8"?>
-<dgm:layoutDef xmlns:dgm="http://schemas.openxmlformats.org/drawingml/2006/diagram" xmlns:a="http://schemas.openxmlformats.org/drawingml/2006/main" uniqueId="urn:microsoft.com/office/officeart/2018/5/layout/IconCircleLabelList">
-  <dgm:title val="아이콘 원 레이블 목록"/>
-  <dgm:desc val="관련 시각적 개체를 동반한 비순차적이거나 그룹화된 정보를 표시하는 데 사용합니다. 짧은 텍스트 캡션이 있는 아이콘이나 작은 그림에 적합합니다."/>
-  <dgm:catLst>
-    <dgm:cat type="icon" pri="500"/>
-  </dgm:catLst>
-  <dgm:sampData useDef="1">
-    <dgm:dataModel>
-      <dgm:ptLst/>
-      <dgm:bg/>
-      <dgm:whole/>
-    </dgm:dataModel>
-  </dgm:sampData>
-  <dgm:styleData useDef="1">
-    <dgm:dataModel>
-      <dgm:ptLst/>
-      <dgm:bg/>
-      <dgm:whole/>
-    </dgm:dataModel>
-  </dgm:styleData>
-  <dgm:clrData useDef="1">
-    <dgm:dataModel>
-      <dgm:ptLst/>
-      <dgm:bg/>
-      <dgm:whole/>
-    </dgm:dataModel>
-  </dgm:clrData>
-  <dgm:layoutNode name="root">
-    <dgm:varLst>
-      <dgm:dir/>
-      <dgm:resizeHandles val="exact"/>
-    </dgm:varLst>
-    <dgm:choose name="Name0">
-      <dgm:if name="Name1" axis="self" func="var" arg="dir" op="equ" val="norm">
-        <dgm:alg type="snake">
-          <dgm:param type="grDir" val="tL"/>
-          <dgm:param type="flowDir" val="row"/>
-          <dgm:param type="contDir" val="sameDir"/>
-          <dgm:param type="off" val="ctr"/>
-          <dgm:param type="vertAlign" val="mid"/>
-          <dgm:param type="horzAlign" val="ctr"/>
-        </dgm:alg>
-      </dgm:if>
-      <dgm:else name="Name2">
-        <dgm:alg type="snake">
-          <dgm:param type="grDir" val="tR"/>
-          <dgm:param type="flowDir" val="row"/>
-          <dgm:param type="contDir" val="sameDir"/>
-          <dgm:param type="off" val="ctr"/>
-          <dgm:param type="vertAlign" val="mid"/>
-          <dgm:param type="horzAlign" val="ctr"/>
-        </dgm:alg>
-      </dgm:else>
-    </dgm:choose>
-    <dgm:shape xmlns:r="http://schemas.openxmlformats.org/officeDocument/2006/relationships" r:blip="">
-      <dgm:adjLst/>
-    </dgm:shape>
-    <dgm:presOf/>
-    <dgm:choose name="Name3">
-      <dgm:if name="Name4" axis="ch" ptType="node" func="cnt" op="lte" val="2">
-        <dgm:constrLst>
-          <dgm:constr type="h" for="ch" forName="compNode" refType="h" fact="0.4"/>
-          <dgm:constr type="w" for="ch" forName="compNode" val="100"/>
-          <dgm:constr type="w" for="ch" forName="sibTrans" refType="w" refFor="ch" refForName="compNode" fact="0.175"/>
-          <dgm:constr type="sp" refType="w" refFor="ch" refForName="compNode" op="equ" fact="0.25"/>
-          <dgm:constr type="primFontSz" for="des" ptType="node" op="equ" val="44"/>
-          <dgm:constr type="h" for="des" forName="compNode" op="equ"/>
-          <dgm:constr type="h" for="des" forName="textRect" op="equ"/>
-        </dgm:constrLst>
-      </dgm:if>
-      <dgm:if name="Name5" axis="ch" ptType="node" func="cnt" op="lte" val="3">
-        <dgm:constrLst>
-          <dgm:constr type="h" for="ch" forName="compNode" refType="h" fact="0.4"/>
-          <dgm:constr type="w" for="ch" forName="compNode" val="100"/>
-          <dgm:constr type="w" for="ch" forName="sibTrans" refType="w" refFor="ch" refForName="compNode" fact="0.175"/>
-          <dgm:constr type="sp" refType="w" refFor="ch" refForName="compNode" op="equ" fact="0.25"/>
-          <dgm:constr type="primFontSz" for="des" ptType="node" op="equ" val="40"/>
-          <dgm:constr type="h" for="des" forName="compNode" op="equ"/>
-          <dgm:constr type="h" for="des" forName="textRect" op="equ"/>
-        </dgm:constrLst>
-      </dgm:if>
-      <dgm:if name="Name6" axis="ch" ptType="node" func="cnt" op="lte" val="4">
-        <dgm:constrLst>
-          <dgm:constr type="h" for="ch" forName="compNode" refType="h" fact="0.4"/>
-          <dgm:constr type="w" for="ch" forName="compNode" refType="w"/>
-          <dgm:constr type="w" for="ch" forName="sibTrans" refType="w" refFor="ch" refForName="compNode" fact="0.175"/>
-          <dgm:constr type="sp" refType="w" refFor="ch" refForName="compNode" op="equ" fact="0.25"/>
-          <dgm:constr type="primFontSz" for="des" ptType="node" op="equ" val="32"/>
-          <dgm:constr type="h" for="des" forName="compNode" op="equ"/>
-          <dgm:constr type="h" for="des" forName="textRect" op="equ"/>
-        </dgm:constrLst>
-      </dgm:if>
-      <dgm:else name="Name7">
-        <dgm:constrLst>
-          <dgm:constr type="h" for="ch" forName="compNode" refType="h" fact="0.4"/>
-          <dgm:constr type="w" for="ch" forName="compNode" refType="w"/>
-          <dgm:constr type="w" for="ch" forName="sibTrans" refType="w" refFor="ch" refForName="compNode" fact="0.175"/>
-          <dgm:constr type="sp" refType="w" refFor="ch" refForName="compNode" op="equ" fact="0.25"/>
-          <dgm:constr type="primFontSz" for="des" ptType="node" op="equ" val="24"/>
-          <dgm:constr type="h" for="des" forName="compNode" op="equ"/>
-          <dgm:constr type="h" for="des" forName="textRect" op="equ"/>
-        </dgm:constrLst>
-      </dgm:else>
-    </dgm:choose>
-    <dgm:ruleLst>
-      <dgm:rule type="w" for="ch" forName="compNode" val="50" fact="NaN" max="NaN"/>
-    </dgm:ruleLst>
-    <dgm:forEach name="Name8" axis="ch" ptType="node">
-      <dgm:layoutNode name="compNode">
-        <dgm:alg type="composite"/>
-        <dgm:shape xmlns:r="http://schemas.openxmlformats.org/officeDocument/2006/relationships" r:blip="">
-          <dgm:adjLst/>
-        </dgm:shape>
-        <dgm:presOf axis="self"/>
-        <dgm:constrLst>
-          <dgm:constr type="w" for="ch" forName="iconBgRect" refType="w" fact="0.61"/>
-          <dgm:constr type="h" for="ch" forName="iconBgRect" refType="w" refFor="ch" refForName="iconBgRect"/>
-          <dgm:constr type="t" for="ch" forName="iconBgRect"/>
-          <dgm:constr type="ctrX" for="ch" forName="iconBgRect" refType="w" fact="0.5"/>
-          <dgm:constr type="w" for="ch" forName="iconRect" refType="w" fact="0.35"/>
-          <dgm:constr type="h" for="ch" forName="iconRect" refType="w" refFor="ch" refForName="iconRect"/>
-          <dgm:constr type="ctrX" for="ch" forName="iconRect" refType="ctrX" refFor="ch" refForName="iconBgRect"/>
-          <dgm:constr type="ctrY" for="ch" forName="iconRect" refType="ctrY" refFor="ch" refForName="iconBgRect"/>
-          <dgm:constr type="h" for="ch" forName="spaceRect" refType="w" fact="0.19"/>
-          <dgm:constr type="w" for="ch" forName="spaceRect" refType="w"/>
-          <dgm:constr type="l" for="ch" forName="spaceRect"/>
-          <dgm:constr type="t" for="ch" forName="spaceRect" refType="b" refFor="ch" refForName="iconBgRect"/>
-          <dgm:constr type="h" for="ch" forName="textRect" val="20"/>
-          <dgm:constr type="w" for="ch" forName="textRect" refType="w"/>
-          <dgm:constr type="l" for="ch" forName="textRect"/>
-          <dgm:constr type="t" for="ch" forName="textRect" refType="b" refFor="ch" refForName="spaceRect"/>
-        </dgm:constrLst>
-        <dgm:ruleLst>
-          <dgm:rule type="h" val="INF" fact="NaN" max="NaN"/>
-        </dgm:ruleLst>
-        <dgm:layoutNode name="iconBgRect" styleLbl="bgShp">
-          <dgm:alg type="sp"/>
-          <dgm:shape xmlns:r="http://schemas.openxmlformats.org/officeDocument/2006/relationships" type="ellipse" r:blip="">
-            <dgm:adjLst/>
-          </dgm:shape>
-          <dgm:presOf/>
-          <dgm:constrLst/>
-          <dgm:ruleLst/>
-        </dgm:layoutNode>
-        <dgm:layoutNode name="iconRect" styleLbl="node1">
-          <dgm:alg type="sp"/>
-          <dgm:shape xmlns:r="http://schemas.openxmlformats.org/officeDocument/2006/relationships" type="rect" r:blip="" blipPhldr="1">
-            <dgm:adjLst/>
-          </dgm:shape>
-          <dgm:presOf/>
-          <dgm:constrLst/>
-          <dgm:ruleLst/>
-        </dgm:layoutNode>
-        <dgm:layoutNode name="spaceRect">
-          <dgm:alg type="sp"/>
-          <dgm:shape xmlns:r="http://schemas.openxmlformats.org/officeDocument/2006/relationships" r:blip="">
-            <dgm:adjLst/>
-          </dgm:shape>
-          <dgm:presOf/>
-          <dgm:constrLst/>
-          <dgm:ruleLst/>
-        </dgm:layoutNode>
-        <dgm:layoutNode name="textRect" styleLbl="revTx">
-          <dgm:varLst>
-            <dgm:chMax val="1"/>
-            <dgm:chPref val="1"/>
-          </dgm:varLst>
-          <dgm:alg type="tx">
-            <dgm:param type="txAnchorVert" val="t"/>
-          </dgm:alg>
-          <dgm:shape xmlns:r="http://schemas.openxmlformats.org/officeDocument/2006/relationships" type="rect" r:blip="">
-            <dgm:adjLst/>
-          </dgm:shape>
-          <dgm:presOf axis="self" ptType="node"/>
-          <dgm:constrLst>
-            <dgm:constr type="lMarg"/>
-            <dgm:constr type="rMarg"/>
-            <dgm:constr type="tMarg"/>
-            <dgm:constr type="bMarg"/>
-          </dgm:constrLst>
-          <dgm:ruleLst>
-            <dgm:rule type="primFontSz" val="11" fact="NaN" max="NaN"/>
-            <dgm:rule type="h" val="INF" fact="NaN" max="NaN"/>
-          </dgm:ruleLst>
-        </dgm:layoutNode>
-      </dgm:layoutNode>
-      <dgm:forEach name="Name9" axis="followSib" ptType="sibTrans" cnt="1">
-        <dgm:layoutNode name="sibTrans">
-          <dgm:alg type="sp"/>
-          <dgm:shape xmlns:r="http://schemas.openxmlformats.org/officeDocument/2006/relationships" r:blip="">
-            <dgm:adjLst/>
-          </dgm:shape>
-          <dgm:presOf axis="self"/>
-          <dgm:constrLst/>
-          <dgm:ruleLst/>
-        </dgm:layoutNode>
-      </dgm:forEach>
-    </dgm:forEach>
-  </dgm:layoutNode>
-  <dgm:extLst>
-    <a:ext uri="{68A01E43-0DF5-4B5B-8FA6-DAF915123BFB}">
-      <dgm1612:lstStyle xmlns:dgm1612="http://schemas.microsoft.com/office/drawing/2016/12/diagram">
-        <a:lvl1pPr>
-          <a:lnSpc>
-            <a:spcPct val="100000"/>
-          </a:lnSpc>
-          <a:defRPr cap="all"/>
-        </a:lvl1pPr>
-      </dgm1612:lstStyle>
-    </a:ext>
-  </dgm:extLst>
-</dgm:layoutDef>
-</file>
-
-<file path=ppt/diagrams/quickStyle1.xml><?xml version="1.0" encoding="utf-8"?>
-<dgm:styleDef xmlns:dgm="http://schemas.openxmlformats.org/drawingml/2006/diagram" xmlns:a="http://schemas.openxmlformats.org/drawingml/2006/main" uniqueId="urn:microsoft.com/office/officeart/2005/8/quickstyle/simple1">
-  <dgm:title val=""/>
-  <dgm:desc val=""/>
-  <dgm:catLst>
-    <dgm:cat type="simple" pri="10100"/>
-  </dgm:catLst>
-  <dgm:scene3d>
-    <a:camera prst="orthographicFront"/>
-    <a:lightRig rig="threePt" dir="t"/>
-  </dgm:scene3d>
-  <dgm:styleLbl name="node0">
-    <dgm:scene3d>
-      <a:camera prst="orthographicFront"/>
-      <a:lightRig rig="threePt" dir="t"/>
-    </dgm:scene3d>
-    <dgm:sp3d/>
-    <dgm:txPr/>
-    <dgm:style>
-      <a:lnRef idx="2">
-        <a:scrgbClr r="0" g="0" b="0"/>
-      </a:lnRef>
-      <a:fillRef idx="1">
-        <a:scrgbClr r="0" g="0" b="0"/>
-      </a:fillRef>
-      <a:effectRef idx="0">
-        <a:scrgbClr r="0" g="0" b="0"/>
-      </a:effectRef>
-      <a:fontRef idx="minor">
-        <a:schemeClr val="lt1"/>
-      </a:fontRef>
-    </dgm:style>
-  </dgm:styleLbl>
-  <dgm:styleLbl name="lnNode1">
-    <dgm:scene3d>
-      <a:camera prst="orthographicFront"/>
-      <a:lightRig rig="threePt" dir="t"/>
-    </dgm:scene3d>
-    <dgm:sp3d/>
-    <dgm:txPr/>
-    <dgm:style>
-      <a:lnRef idx="2">
-        <a:scrgbClr r="0" g="0" b="0"/>
-      </a:lnRef>
-      <a:fillRef idx="1">
-        <a:scrgbClr r="0" g="0" b="0"/>
-      </a:fillRef>
-      <a:effectRef idx="0">
-        <a:scrgbClr r="0" g="0" b="0"/>
-      </a:effectRef>
-      <a:fontRef idx="minor">
-        <a:schemeClr val="lt1"/>
-      </a:fontRef>
-    </dgm:style>
-  </dgm:styleLbl>
-  <dgm:styleLbl name="vennNode1">
-    <dgm:scene3d>
-      <a:camera prst="orthographicFront"/>
-      <a:lightRig rig="threePt" dir="t"/>
-    </dgm:scene3d>
-    <dgm:sp3d/>
-    <dgm:txPr/>
-    <dgm:style>
-      <a:lnRef idx="2">
-        <a:scrgbClr r="0" g="0" b="0"/>
-      </a:lnRef>
-      <a:fillRef idx="1">
-        <a:scrgbClr r="0" g="0" b="0"/>
-      </a:fillRef>
-      <a:effectRef idx="0">
-        <a:scrgbClr r="0" g="0" b="0"/>
-      </a:effectRef>
-      <a:fontRef idx="minor">
-        <a:schemeClr val="tx1"/>
-      </a:fontRef>
-    </dgm:style>
-  </dgm:styleLbl>
-  <dgm:styleLbl name="alignNode1">
-    <dgm:scene3d>
-      <a:camera prst="orthographicFront"/>
-      <a:lightRig rig="threePt" dir="t"/>
-    </dgm:scene3d>
-    <dgm:sp3d/>
-    <dgm:txPr/>
-    <dgm:style>
-      <a:lnRef idx="2">
-        <a:scrgbClr r="0" g="0" b="0"/>
-      </a:lnRef>
-      <a:fillRef idx="1">
-        <a:scrgbClr r="0" g="0" b="0"/>
-      </a:fillRef>
-      <a:effectRef idx="0">
-        <a:scrgbClr r="0" g="0" b="0"/>
-      </a:effectRef>
-      <a:fontRef idx="minor">
-        <a:schemeClr val="lt1"/>
-      </a:fontRef>
-    </dgm:style>
-  </dgm:styleLbl>
-  <dgm:styleLbl name="node1">
-    <dgm:scene3d>
-      <a:camera prst="orthographicFront"/>
-      <a:lightRig rig="threePt" dir="t"/>
-    </dgm:scene3d>
-    <dgm:sp3d/>
-    <dgm:txPr/>
-    <dgm:style>
-      <a:lnRef idx="2">
-        <a:scrgbClr r="0" g="0" b="0"/>
-      </a:lnRef>
-      <a:fillRef idx="1">
-        <a:scrgbClr r="0" g="0" b="0"/>
-      </a:fillRef>
-      <a:effectRef idx="0">
-        <a:scrgbClr r="0" g="0" b="0"/>
-      </a:effectRef>
-      <a:fontRef idx="minor">
-        <a:schemeClr val="lt1"/>
-      </a:fontRef>
-    </dgm:style>
-  </dgm:styleLbl>
-  <dgm:styleLbl name="node2">
-    <dgm:scene3d>
-      <a:camera prst="orthographicFront"/>
-      <a:lightRig rig="threePt" dir="t"/>
-    </dgm:scene3d>
-    <dgm:sp3d/>
-    <dgm:txPr/>
-    <dgm:style>
-      <a:lnRef idx="2">
-        <a:scrgbClr r="0" g="0" b="0"/>
-      </a:lnRef>
-      <a:fillRef idx="1">
-        <a:scrgbClr r="0" g="0" b="0"/>
-      </a:fillRef>
-      <a:effectRef idx="0">
-        <a:scrgbClr r="0" g="0" b="0"/>
-      </a:effectRef>
-      <a:fontRef idx="minor">
-        <a:schemeClr val="lt1"/>
-      </a:fontRef>
-    </dgm:style>
-  </dgm:styleLbl>
-  <dgm:styleLbl name="node3">
-    <dgm:scene3d>
-      <a:camera prst="orthographicFront"/>
-      <a:lightRig rig="threePt" dir="t"/>
-    </dgm:scene3d>
-    <dgm:sp3d/>
-    <dgm:txPr/>
-    <dgm:style>
-      <a:lnRef idx="2">
-        <a:scrgbClr r="0" g="0" b="0"/>
-      </a:lnRef>
-      <a:fillRef idx="1">
-        <a:scrgbClr r="0" g="0" b="0"/>
-      </a:fillRef>
-      <a:effectRef idx="0">
-        <a:scrgbClr r="0" g="0" b="0"/>
-      </a:effectRef>
-      <a:fontRef idx="minor">
-        <a:schemeClr val="lt1"/>
-      </a:fontRef>
-    </dgm:style>
-  </dgm:styleLbl>
-  <dgm:styleLbl name="node4">
-    <dgm:scene3d>
-      <a:camera prst="orthographicFront"/>
-      <a:lightRig rig="threePt" dir="t"/>
-    </dgm:scene3d>
-    <dgm:sp3d/>
-    <dgm:txPr/>
-    <dgm:style>
-      <a:lnRef idx="2">
-        <a:scrgbClr r="0" g="0" b="0"/>
-      </a:lnRef>
-      <a:fillRef idx="1">
-        <a:scrgbClr r="0" g="0" b="0"/>
-      </a:fillRef>
-      <a:effectRef idx="0">
-        <a:scrgbClr r="0" g="0" b="0"/>
-      </a:effectRef>
-      <a:fontRef idx="minor">
-        <a:schemeClr val="lt1"/>
-      </a:fontRef>
-    </dgm:style>
-  </dgm:styleLbl>
-  <dgm:styleLbl name="fgImgPlace1">
-    <dgm:scene3d>
-      <a:camera prst="orthographicFront"/>
-      <a:lightRig rig="threePt" dir="t"/>
-    </dgm:scene3d>
-    <dgm:sp3d/>
-    <dgm:txPr/>
-    <dgm:style>
-      <a:lnRef idx="2">
-        <a:scrgbClr r="0" g="0" b="0"/>
-      </a:lnRef>
-      <a:fillRef idx="1">
-        <a:scrgbClr r="0" g="0" b="0"/>
-      </a:fillRef>
-      <a:effectRef idx="0">
-        <a:scrgbClr r="0" g="0" b="0"/>
-      </a:effectRef>
-      <a:fontRef idx="minor"/>
-    </dgm:style>
-  </dgm:styleLbl>
-  <dgm:styleLbl name="alignImgPlace1">
-    <dgm:scene3d>
-      <a:camera prst="orthographicFront"/>
-      <a:lightRig rig="threePt" dir="t"/>
-    </dgm:scene3d>
-    <dgm:sp3d/>
-    <dgm:txPr/>
-    <dgm:style>
-      <a:lnRef idx="2">
-        <a:scrgbClr r="0" g="0" b="0"/>
-      </a:lnRef>
-      <a:fillRef idx="1">
-        <a:scrgbClr r="0" g="0" b="0"/>
-      </a:fillRef>
-      <a:effectRef idx="0">
-        <a:scrgbClr r="0" g="0" b="0"/>
-      </a:effectRef>
-      <a:fontRef idx="minor"/>
-    </dgm:style>
-  </dgm:styleLbl>
-  <dgm:styleLbl name="bgImgPlace1">
-    <dgm:scene3d>
-      <a:camera prst="orthographicFront"/>
-      <a:lightRig rig="threePt" dir="t"/>
-    </dgm:scene3d>
-    <dgm:sp3d/>
-    <dgm:txPr/>
-    <dgm:style>
-      <a:lnRef idx="2">
-        <a:scrgbClr r="0" g="0" b="0"/>
-      </a:lnRef>
-      <a:fillRef idx="1">
-        <a:scrgbClr r="0" g="0" b="0"/>
-      </a:fillRef>
-      <a:effectRef idx="0">
-        <a:scrgbClr r="0" g="0" b="0"/>
-      </a:effectRef>
-      <a:fontRef idx="minor"/>
-    </dgm:style>
-  </dgm:styleLbl>
-  <dgm:styleLbl name="sibTrans2D1">
-    <dgm:scene3d>
-      <a:camera prst="orthographicFront"/>
-      <a:lightRig rig="threePt" dir="t"/>
-    </dgm:scene3d>
-    <dgm:sp3d/>
-    <dgm:txPr/>
-    <dgm:style>
-      <a:lnRef idx="0">
-        <a:scrgbClr r="0" g="0" b="0"/>
-      </a:lnRef>
-      <a:fillRef idx="1">
-        <a:scrgbClr r="0" g="0" b="0"/>
-      </a:fillRef>
-      <a:effectRef idx="0">
-        <a:scrgbClr r="0" g="0" b="0"/>
-      </a:effectRef>
-      <a:fontRef idx="minor">
-        <a:schemeClr val="lt1"/>
-      </a:fontRef>
-    </dgm:style>
-  </dgm:styleLbl>
-  <dgm:styleLbl name="fgSibTrans2D1">
-    <dgm:scene3d>
-      <a:camera prst="orthographicFront"/>
-      <a:lightRig rig="threePt" dir="t"/>
-    </dgm:scene3d>
-    <dgm:sp3d/>
-    <dgm:txPr/>
-    <dgm:style>
-      <a:lnRef idx="0">
-        <a:scrgbClr r="0" g="0" b="0"/>
-      </a:lnRef>
-      <a:fillRef idx="1">
-        <a:scrgbClr r="0" g="0" b="0"/>
-      </a:fillRef>
-      <a:effectRef idx="0">
-        <a:scrgbClr r="0" g="0" b="0"/>
-      </a:effectRef>
-      <a:fontRef idx="minor">
-        <a:schemeClr val="lt1"/>
-      </a:fontRef>
-    </dgm:style>
-  </dgm:styleLbl>
-  <dgm:styleLbl name="bgSibTrans2D1">
-    <dgm:scene3d>
-      <a:camera prst="orthographicFront"/>
-      <a:lightRig rig="threePt" dir="t"/>
-    </dgm:scene3d>
-    <dgm:sp3d/>
-    <dgm:txPr/>
-    <dgm:style>
-      <a:lnRef idx="0">
-        <a:scrgbClr r="0" g="0" b="0"/>
-      </a:lnRef>
-      <a:fillRef idx="1">
-        <a:scrgbClr r="0" g="0" b="0"/>
-      </a:fillRef>
-      <a:effectRef idx="0">
-        <a:scrgbClr r="0" g="0" b="0"/>
-      </a:effectRef>
-      <a:fontRef idx="minor">
-        <a:schemeClr val="lt1"/>
-      </a:fontRef>
-    </dgm:style>
-  </dgm:styleLbl>
-  <dgm:styleLbl name="sibTrans1D1">
-    <dgm:scene3d>
-      <a:camera prst="orthographicFront"/>
-      <a:lightRig rig="threePt" dir="t"/>
-    </dgm:scene3d>
-    <dgm:sp3d/>
-    <dgm:txPr/>
-    <dgm:style>
-      <a:lnRef idx="1">
-        <a:scrgbClr r="0" g="0" b="0"/>
-      </a:lnRef>
-      <a:fillRef idx="0">
-        <a:scrgbClr r="0" g="0" b="0"/>
-      </a:fillRef>
-      <a:effectRef idx="0">
-        <a:scrgbClr r="0" g="0" b="0"/>
-      </a:effectRef>
-      <a:fontRef idx="minor"/>
-    </dgm:style>
-  </dgm:styleLbl>
-  <dgm:styleLbl name="callout">
-    <dgm:scene3d>
-      <a:camera prst="orthographicFront"/>
-      <a:lightRig rig="threePt" dir="t"/>
-    </dgm:scene3d>
-    <dgm:sp3d/>
-    <dgm:txPr/>
-    <dgm:style>
-      <a:lnRef idx="2">
-        <a:scrgbClr r="0" g="0" b="0"/>
-      </a:lnRef>
-      <a:fillRef idx="1">
-        <a:scrgbClr r="0" g="0" b="0"/>
-      </a:fillRef>
-      <a:effectRef idx="0">
-        <a:scrgbClr r="0" g="0" b="0"/>
-      </a:effectRef>
-      <a:fontRef idx="minor"/>
-    </dgm:style>
-  </dgm:styleLbl>
-  <dgm:styleLbl name="asst0">
-    <dgm:scene3d>
-      <a:camera prst="orthographicFront"/>
-      <a:lightRig rig="threePt" dir="t"/>
-    </dgm:scene3d>
-    <dgm:sp3d/>
-    <dgm:txPr/>
-    <dgm:style>
-      <a:lnRef idx="2">
-        <a:scrgbClr r="0" g="0" b="0"/>
-      </a:lnRef>
-      <a:fillRef idx="1">
-        <a:scrgbClr r="0" g="0" b="0"/>
-      </a:fillRef>
-      <a:effectRef idx="0">
-        <a:scrgbClr r="0" g="0" b="0"/>
-      </a:effectRef>
-      <a:fontRef idx="minor">
-        <a:schemeClr val="lt1"/>
-      </a:fontRef>
-    </dgm:style>
-  </dgm:styleLbl>
-  <dgm:styleLbl name="asst1">
-    <dgm:scene3d>
-      <a:camera prst="orthographicFront"/>
-      <a:lightRig rig="threePt" dir="t"/>
-    </dgm:scene3d>
-    <dgm:sp3d/>
-    <dgm:txPr/>
-    <dgm:style>
-      <a:lnRef idx="2">
-        <a:scrgbClr r="0" g="0" b="0"/>
-      </a:lnRef>
-      <a:fillRef idx="1">
-        <a:scrgbClr r="0" g="0" b="0"/>
-      </a:fillRef>
-      <a:effectRef idx="0">
-        <a:scrgbClr r="0" g="0" b="0"/>
-      </a:effectRef>
-      <a:fontRef idx="minor">
-        <a:schemeClr val="lt1"/>
-      </a:fontRef>
-    </dgm:style>
-  </dgm:styleLbl>
-  <dgm:styleLbl name="asst2">
-    <dgm:scene3d>
-      <a:camera prst="orthographicFront"/>
-      <a:lightRig rig="threePt" dir="t"/>
-    </dgm:scene3d>
-    <dgm:sp3d/>
-    <dgm:txPr/>
-    <dgm:style>
-      <a:lnRef idx="2">
-        <a:scrgbClr r="0" g="0" b="0"/>
-      </a:lnRef>
-      <a:fillRef idx="1">
-        <a:scrgbClr r="0" g="0" b="0"/>
-      </a:fillRef>
-      <a:effectRef idx="0">
-        <a:scrgbClr r="0" g="0" b="0"/>
-      </a:effectRef>
-      <a:fontRef idx="minor">
-        <a:schemeClr val="lt1"/>
-      </a:fontRef>
-    </dgm:style>
-  </dgm:styleLbl>
-  <dgm:styleLbl name="asst3">
-    <dgm:scene3d>
-      <a:camera prst="orthographicFront"/>
-      <a:lightRig rig="threePt" dir="t"/>
-    </dgm:scene3d>
-    <dgm:sp3d/>
-    <dgm:txPr/>
-    <dgm:style>
-      <a:lnRef idx="2">
-        <a:scrgbClr r="0" g="0" b="0"/>
-      </a:lnRef>
-      <a:fillRef idx="1">
-        <a:scrgbClr r="0" g="0" b="0"/>
-      </a:fillRef>
-      <a:effectRef idx="0">
-        <a:scrgbClr r="0" g="0" b="0"/>
-      </a:effectRef>
-      <a:fontRef idx="minor">
-        <a:schemeClr val="lt1"/>
-      </a:fontRef>
-    </dgm:style>
-  </dgm:styleLbl>
-  <dgm:styleLbl name="asst4">
-    <dgm:scene3d>
-      <a:camera prst="orthographicFront"/>
-      <a:lightRig rig="threePt" dir="t"/>
-    </dgm:scene3d>
-    <dgm:sp3d/>
-    <dgm:txPr/>
-    <dgm:style>
-      <a:lnRef idx="2">
-        <a:scrgbClr r="0" g="0" b="0"/>
-      </a:lnRef>
-      <a:fillRef idx="1">
-        <a:scrgbClr r="0" g="0" b="0"/>
-      </a:fillRef>
-      <a:effectRef idx="0">
-        <a:scrgbClr r="0" g="0" b="0"/>
-      </a:effectRef>
-      <a:fontRef idx="minor">
-        <a:schemeClr val="lt1"/>
-      </a:fontRef>
-    </dgm:style>
-  </dgm:styleLbl>
-  <dgm:styleLbl name="parChTrans2D1">
-    <dgm:scene3d>
-      <a:camera prst="orthographicFront"/>
-      <a:lightRig rig="threePt" dir="t"/>
-    </dgm:scene3d>
-    <dgm:sp3d/>
-    <dgm:txPr/>
-    <dgm:style>
-      <a:lnRef idx="2">
-        <a:scrgbClr r="0" g="0" b="0"/>
-      </a:lnRef>
-      <a:fillRef idx="1">
-        <a:scrgbClr r="0" g="0" b="0"/>
-      </a:fillRef>
-      <a:effectRef idx="0">
-        <a:scrgbClr r="0" g="0" b="0"/>
-      </a:effectRef>
-      <a:fontRef idx="minor">
-        <a:schemeClr val="lt1"/>
-      </a:fontRef>
-    </dgm:style>
-  </dgm:styleLbl>
-  <dgm:styleLbl name="parChTrans2D2">
-    <dgm:scene3d>
-      <a:camera prst="orthographicFront"/>
-      <a:lightRig rig="threePt" dir="t"/>
-    </dgm:scene3d>
-    <dgm:sp3d/>
-    <dgm:txPr/>
-    <dgm:style>
-      <a:lnRef idx="2">
-        <a:scrgbClr r="0" g="0" b="0"/>
-      </a:lnRef>
-      <a:fillRef idx="1">
-        <a:scrgbClr r="0" g="0" b="0"/>
-      </a:fillRef>
-      <a:effectRef idx="0">
-        <a:scrgbClr r="0" g="0" b="0"/>
-      </a:effectRef>
-      <a:fontRef idx="minor">
-        <a:schemeClr val="lt1"/>
-      </a:fontRef>
-    </dgm:style>
-  </dgm:styleLbl>
-  <dgm:styleLbl name="parChTrans2D3">
-    <dgm:scene3d>
-      <a:camera prst="orthographicFront"/>
-      <a:lightRig rig="threePt" dir="t"/>
-    </dgm:scene3d>
-    <dgm:sp3d/>
-    <dgm:txPr/>
-    <dgm:style>
-      <a:lnRef idx="2">
-        <a:scrgbClr r="0" g="0" b="0"/>
-      </a:lnRef>
-      <a:fillRef idx="1">
-        <a:scrgbClr r="0" g="0" b="0"/>
-      </a:fillRef>
-      <a:effectRef idx="0">
-        <a:scrgbClr r="0" g="0" b="0"/>
-      </a:effectRef>
-      <a:fontRef idx="minor">
-        <a:schemeClr val="lt1"/>
-      </a:fontRef>
-    </dgm:style>
-  </dgm:styleLbl>
-  <dgm:styleLbl name="parChTrans2D4">
-    <dgm:scene3d>
-      <a:camera prst="orthographicFront"/>
-      <a:lightRig rig="threePt" dir="t"/>
-    </dgm:scene3d>
-    <dgm:sp3d/>
-    <dgm:txPr/>
-    <dgm:style>
-      <a:lnRef idx="2">
-        <a:scrgbClr r="0" g="0" b="0"/>
-      </a:lnRef>
-      <a:fillRef idx="1">
-        <a:scrgbClr r="0" g="0" b="0"/>
-      </a:fillRef>
-      <a:effectRef idx="0">
-        <a:scrgbClr r="0" g="0" b="0"/>
-      </a:effectRef>
-      <a:fontRef idx="minor">
-        <a:schemeClr val="lt1"/>
-      </a:fontRef>
-    </dgm:style>
-  </dgm:styleLbl>
-  <dgm:styleLbl name="parChTrans1D1">
-    <dgm:scene3d>
-      <a:camera prst="orthographicFront"/>
-      <a:lightRig rig="threePt" dir="t"/>
-    </dgm:scene3d>
-    <dgm:sp3d/>
-    <dgm:txPr/>
-    <dgm:style>
-      <a:lnRef idx="2">
-        <a:scrgbClr r="0" g="0" b="0"/>
-      </a:lnRef>
-      <a:fillRef idx="0">
-        <a:scrgbClr r="0" g="0" b="0"/>
-      </a:fillRef>
-      <a:effectRef idx="0">
-        <a:scrgbClr r="0" g="0" b="0"/>
-      </a:effectRef>
-      <a:fontRef idx="minor"/>
-    </dgm:style>
-  </dgm:styleLbl>
-  <dgm:styleLbl name="parChTrans1D2">
-    <dgm:scene3d>
-      <a:camera prst="orthographicFront"/>
-      <a:lightRig rig="threePt" dir="t"/>
-    </dgm:scene3d>
-    <dgm:sp3d/>
-    <dgm:txPr/>
-    <dgm:style>
-      <a:lnRef idx="2">
-        <a:scrgbClr r="0" g="0" b="0"/>
-      </a:lnRef>
-      <a:fillRef idx="0">
-        <a:scrgbClr r="0" g="0" b="0"/>
-      </a:fillRef>
-      <a:effectRef idx="0">
-        <a:scrgbClr r="0" g="0" b="0"/>
-      </a:effectRef>
-      <a:fontRef idx="minor"/>
-    </dgm:style>
-  </dgm:styleLbl>
-  <dgm:styleLbl name="parChTrans1D3">
-    <dgm:scene3d>
-      <a:camera prst="orthographicFront"/>
-      <a:lightRig rig="threePt" dir="t"/>
-    </dgm:scene3d>
-    <dgm:sp3d/>
-    <dgm:txPr/>
-    <dgm:style>
-      <a:lnRef idx="2">
-        <a:scrgbClr r="0" g="0" b="0"/>
-      </a:lnRef>
-      <a:fillRef idx="0">
-        <a:scrgbClr r="0" g="0" b="0"/>
-      </a:fillRef>
-      <a:effectRef idx="0">
-        <a:scrgbClr r="0" g="0" b="0"/>
-      </a:effectRef>
-      <a:fontRef idx="minor"/>
-    </dgm:style>
-  </dgm:styleLbl>
-  <dgm:styleLbl name="parChTrans1D4">
-    <dgm:scene3d>
-      <a:camera prst="orthographicFront"/>
-      <a:lightRig rig="threePt" dir="t"/>
-    </dgm:scene3d>
-    <dgm:sp3d/>
-    <dgm:txPr/>
-    <dgm:style>
-      <a:lnRef idx="2">
-        <a:scrgbClr r="0" g="0" b="0"/>
-      </a:lnRef>
-      <a:fillRef idx="0">
-        <a:scrgbClr r="0" g="0" b="0"/>
-      </a:fillRef>
-      <a:effectRef idx="0">
-        <a:scrgbClr r="0" g="0" b="0"/>
-      </a:effectRef>
-      <a:fontRef idx="minor"/>
-    </dgm:style>
-  </dgm:styleLbl>
-  <dgm:styleLbl name="fgAcc1">
-    <dgm:scene3d>
-      <a:camera prst="orthographicFront"/>
-      <a:lightRig rig="threePt" dir="t"/>
-    </dgm:scene3d>
-    <dgm:sp3d/>
-    <dgm:txPr/>
-    <dgm:style>
-      <a:lnRef idx="2">
-        <a:scrgbClr r="0" g="0" b="0"/>
-      </a:lnRef>
-      <a:fillRef idx="1">
-        <a:scrgbClr r="0" g="0" b="0"/>
-      </a:fillRef>
-      <a:effectRef idx="0">
-        <a:scrgbClr r="0" g="0" b="0"/>
-      </a:effectRef>
-      <a:fontRef idx="minor"/>
-    </dgm:style>
-  </dgm:styleLbl>
-  <dgm:styleLbl name="conFgAcc1">
-    <dgm:scene3d>
-      <a:camera prst="orthographicFront"/>
-      <a:lightRig rig="threePt" dir="t"/>
-    </dgm:scene3d>
-    <dgm:sp3d/>
-    <dgm:txPr/>
-    <dgm:style>
-      <a:lnRef idx="2">
-        <a:scrgbClr r="0" g="0" b="0"/>
-      </a:lnRef>
-      <a:fillRef idx="1">
-        <a:scrgbClr r="0" g="0" b="0"/>
-      </a:fillRef>
-      <a:effectRef idx="0">
-        <a:scrgbClr r="0" g="0" b="0"/>
-      </a:effectRef>
-      <a:fontRef idx="minor"/>
-    </dgm:style>
-  </dgm:styleLbl>
-  <dgm:styleLbl name="alignAcc1">
-    <dgm:scene3d>
-      <a:camera prst="orthographicFront"/>
-      <a:lightRig rig="threePt" dir="t"/>
-    </dgm:scene3d>
-    <dgm:sp3d/>
-    <dgm:txPr/>
-    <dgm:style>
-      <a:lnRef idx="2">
-        <a:scrgbClr r="0" g="0" b="0"/>
-      </a:lnRef>
-      <a:fillRef idx="1">
-        <a:scrgbClr r="0" g="0" b="0"/>
-      </a:fillRef>
-      <a:effectRef idx="0">
-        <a:scrgbClr r="0" g="0" b="0"/>
-      </a:effectRef>
-      <a:fontRef idx="minor"/>
-    </dgm:style>
-  </dgm:styleLbl>
-  <dgm:styleLbl name="trAlignAcc1">
-    <dgm:scene3d>
-      <a:camera prst="orthographicFront"/>
-      <a:lightRig rig="threePt" dir="t"/>
-    </dgm:scene3d>
-    <dgm:sp3d/>
-    <dgm:txPr/>
-    <dgm:style>
-      <a:lnRef idx="1">
-        <a:scrgbClr r="0" g="0" b="0"/>
-      </a:lnRef>
-      <a:fillRef idx="1">
-        <a:scrgbClr r="0" g="0" b="0"/>
-      </a:fillRef>
-      <a:effectRef idx="0">
-        <a:scrgbClr r="0" g="0" b="0"/>
-      </a:effectRef>
-      <a:fontRef idx="minor"/>
-    </dgm:style>
-  </dgm:styleLbl>
-  <dgm:styleLbl name="bgAcc1">
-    <dgm:scene3d>
-      <a:camera prst="orthographicFront"/>
-      <a:lightRig rig="threePt" dir="t"/>
-    </dgm:scene3d>
-    <dgm:sp3d/>
-    <dgm:txPr/>
-    <dgm:style>
-      <a:lnRef idx="2">
-        <a:scrgbClr r="0" g="0" b="0"/>
-      </a:lnRef>
-      <a:fillRef idx="1">
-        <a:scrgbClr r="0" g="0" b="0"/>
-      </a:fillRef>
-      <a:effectRef idx="0">
-        <a:scrgbClr r="0" g="0" b="0"/>
-      </a:effectRef>
-      <a:fontRef idx="minor"/>
-    </dgm:style>
-  </dgm:styleLbl>
-  <dgm:styleLbl name="solidFgAcc1">
-    <dgm:scene3d>
-      <a:camera prst="orthographicFront"/>
-      <a:lightRig rig="threePt" dir="t"/>
-    </dgm:scene3d>
-    <dgm:sp3d/>
-    <dgm:txPr/>
-    <dgm:style>
-      <a:lnRef idx="2">
-        <a:scrgbClr r="0" g="0" b="0"/>
-      </a:lnRef>
-      <a:fillRef idx="1">
-        <a:scrgbClr r="0" g="0" b="0"/>
-      </a:fillRef>
-      <a:effectRef idx="0">
-        <a:scrgbClr r="0" g="0" b="0"/>
-      </a:effectRef>
-      <a:fontRef idx="minor"/>
-    </dgm:style>
-  </dgm:styleLbl>
-  <dgm:styleLbl name="solidAlignAcc1">
-    <dgm:scene3d>
-      <a:camera prst="orthographicFront"/>
-      <a:lightRig rig="threePt" dir="t"/>
-    </dgm:scene3d>
-    <dgm:sp3d/>
-    <dgm:txPr/>
-    <dgm:style>
-      <a:lnRef idx="2">
-        <a:scrgbClr r="0" g="0" b="0"/>
-      </a:lnRef>
-      <a:fillRef idx="1">
-        <a:scrgbClr r="0" g="0" b="0"/>
-      </a:fillRef>
-      <a:effectRef idx="0">
-        <a:scrgbClr r="0" g="0" b="0"/>
-      </a:effectRef>
-      <a:fontRef idx="minor"/>
-    </dgm:style>
-  </dgm:styleLbl>
-  <dgm:styleLbl name="solidBgAcc1">
-    <dgm:scene3d>
-      <a:camera prst="orthographicFront"/>
-      <a:lightRig rig="threePt" dir="t"/>
-    </dgm:scene3d>
-    <dgm:sp3d/>
-    <dgm:txPr/>
-    <dgm:style>
-      <a:lnRef idx="2">
-        <a:scrgbClr r="0" g="0" b="0"/>
-      </a:lnRef>
-      <a:fillRef idx="1">
-        <a:scrgbClr r="0" g="0" b="0"/>
-      </a:fillRef>
-      <a:effectRef idx="0">
-        <a:scrgbClr r="0" g="0" b="0"/>
-      </a:effectRef>
-      <a:fontRef idx="minor"/>
-    </dgm:style>
-  </dgm:styleLbl>
-  <dgm:styleLbl name="fgAccFollowNode1">
-    <dgm:scene3d>
-      <a:camera prst="orthographicFront"/>
-      <a:lightRig rig="threePt" dir="t"/>
-    </dgm:scene3d>
-    <dgm:sp3d/>
-    <dgm:txPr/>
-    <dgm:style>
-      <a:lnRef idx="2">
-        <a:scrgbClr r="0" g="0" b="0"/>
-      </a:lnRef>
-      <a:fillRef idx="1">
-        <a:scrgbClr r="0" g="0" b="0"/>
-      </a:fillRef>
-      <a:effectRef idx="0">
-        <a:scrgbClr r="0" g="0" b="0"/>
-      </a:effectRef>
-      <a:fontRef idx="minor"/>
-    </dgm:style>
-  </dgm:styleLbl>
-  <dgm:styleLbl name="alignAccFollowNode1">
-    <dgm:scene3d>
-      <a:camera prst="orthographicFront"/>
-      <a:lightRig rig="threePt" dir="t"/>
-    </dgm:scene3d>
-    <dgm:sp3d/>
-    <dgm:txPr/>
-    <dgm:style>
-      <a:lnRef idx="2">
-        <a:scrgbClr r="0" g="0" b="0"/>
-      </a:lnRef>
-      <a:fillRef idx="1">
-        <a:scrgbClr r="0" g="0" b="0"/>
-      </a:fillRef>
-      <a:effectRef idx="0">
-        <a:scrgbClr r="0" g="0" b="0"/>
-      </a:effectRef>
-      <a:fontRef idx="minor"/>
-    </dgm:style>
-  </dgm:styleLbl>
-  <dgm:styleLbl name="bgAccFollowNode1">
-    <dgm:scene3d>
-      <a:camera prst="orthographicFront"/>
-      <a:lightRig rig="threePt" dir="t"/>
-    </dgm:scene3d>
-    <dgm:sp3d/>
-    <dgm:txPr/>
-    <dgm:style>
-      <a:lnRef idx="2">
-        <a:scrgbClr r="0" g="0" b="0"/>
-      </a:lnRef>
-      <a:fillRef idx="1">
-        <a:scrgbClr r="0" g="0" b="0"/>
-      </a:fillRef>
-      <a:effectRef idx="0">
-        <a:scrgbClr r="0" g="0" b="0"/>
-      </a:effectRef>
-      <a:fontRef idx="minor"/>
-    </dgm:style>
-  </dgm:styleLbl>
-  <dgm:styleLbl name="fgAcc0">
-    <dgm:scene3d>
-      <a:camera prst="orthographicFront"/>
-      <a:lightRig rig="threePt" dir="t"/>
-    </dgm:scene3d>
-    <dgm:sp3d/>
-    <dgm:txPr/>
-    <dgm:style>
-      <a:lnRef idx="2">
-        <a:scrgbClr r="0" g="0" b="0"/>
-      </a:lnRef>
-      <a:fillRef idx="1">
-        <a:scrgbClr r="0" g="0" b="0"/>
-      </a:fillRef>
-      <a:effectRef idx="0">
-        <a:scrgbClr r="0" g="0" b="0"/>
-      </a:effectRef>
-      <a:fontRef idx="minor"/>
-    </dgm:style>
-  </dgm:styleLbl>
-  <dgm:styleLbl name="fgAcc2">
-    <dgm:scene3d>
-      <a:camera prst="orthographicFront"/>
-      <a:lightRig rig="threePt" dir="t"/>
-    </dgm:scene3d>
-    <dgm:sp3d/>
-    <dgm:txPr/>
-    <dgm:style>
-      <a:lnRef idx="2">
-        <a:scrgbClr r="0" g="0" b="0"/>
-      </a:lnRef>
-      <a:fillRef idx="1">
-        <a:scrgbClr r="0" g="0" b="0"/>
-      </a:fillRef>
-      <a:effectRef idx="0">
-        <a:scrgbClr r="0" g="0" b="0"/>
-      </a:effectRef>
-      <a:fontRef idx="minor"/>
-    </dgm:style>
-  </dgm:styleLbl>
-  <dgm:styleLbl name="fgAcc3">
-    <dgm:scene3d>
-      <a:camera prst="orthographicFront"/>
-      <a:lightRig rig="threePt" dir="t"/>
-    </dgm:scene3d>
-    <dgm:sp3d/>
-    <dgm:txPr/>
-    <dgm:style>
-      <a:lnRef idx="2">
-        <a:scrgbClr r="0" g="0" b="0"/>
-      </a:lnRef>
-      <a:fillRef idx="1">
-        <a:scrgbClr r="0" g="0" b="0"/>
-      </a:fillRef>
-      <a:effectRef idx="0">
-        <a:scrgbClr r="0" g="0" b="0"/>
-      </a:effectRef>
-      <a:fontRef idx="minor"/>
-    </dgm:style>
-  </dgm:styleLbl>
-  <dgm:styleLbl name="fgAcc4">
-    <dgm:scene3d>
-      <a:camera prst="orthographicFront"/>
-      <a:lightRig rig="threePt" dir="t"/>
-    </dgm:scene3d>
-    <dgm:sp3d/>
-    <dgm:txPr/>
-    <dgm:style>
-      <a:lnRef idx="2">
-        <a:scrgbClr r="0" g="0" b="0"/>
-      </a:lnRef>
-      <a:fillRef idx="1">
-        <a:scrgbClr r="0" g="0" b="0"/>
-      </a:fillRef>
-      <a:effectRef idx="0">
-        <a:scrgbClr r="0" g="0" b="0"/>
-      </a:effectRef>
-      <a:fontRef idx="minor"/>
-    </dgm:style>
-  </dgm:styleLbl>
-  <dgm:styleLbl name="bgShp">
-    <dgm:scene3d>
-      <a:camera prst="orthographicFront"/>
-      <a:lightRig rig="threePt" dir="t"/>
-    </dgm:scene3d>
-    <dgm:sp3d/>
-    <dgm:txPr/>
-    <dgm:style>
-      <a:lnRef idx="0">
-        <a:scrgbClr r="0" g="0" b="0"/>
-      </a:lnRef>
-      <a:fillRef idx="1">
-        <a:scrgbClr r="0" g="0" b="0"/>
-      </a:fillRef>
-      <a:effectRef idx="0">
-        <a:scrgbClr r="0" g="0" b="0"/>
-      </a:effectRef>
-      <a:fontRef idx="minor"/>
-    </dgm:style>
-  </dgm:styleLbl>
-  <dgm:styleLbl name="dkBgShp">
-    <dgm:scene3d>
-      <a:camera prst="orthographicFront"/>
-      <a:lightRig rig="threePt" dir="t"/>
-    </dgm:scene3d>
-    <dgm:sp3d/>
-    <dgm:txPr/>
-    <dgm:style>
-      <a:lnRef idx="0">
-        <a:scrgbClr r="0" g="0" b="0"/>
-      </a:lnRef>
-      <a:fillRef idx="1">
-        <a:scrgbClr r="0" g="0" b="0"/>
-      </a:fillRef>
-      <a:effectRef idx="0">
-        <a:scrgbClr r="0" g="0" b="0"/>
-      </a:effectRef>
-      <a:fontRef idx="minor"/>
-    </dgm:style>
-  </dgm:styleLbl>
-  <dgm:styleLbl name="trBgShp">
-    <dgm:scene3d>
-      <a:camera prst="orthographicFront"/>
-      <a:lightRig rig="threePt" dir="t"/>
-    </dgm:scene3d>
-    <dgm:sp3d/>
-    <dgm:txPr/>
-    <dgm:style>
-      <a:lnRef idx="0">
-        <a:scrgbClr r="0" g="0" b="0"/>
-      </a:lnRef>
-      <a:fillRef idx="1">
-        <a:scrgbClr r="0" g="0" b="0"/>
-      </a:fillRef>
-      <a:effectRef idx="0">
-        <a:scrgbClr r="0" g="0" b="0"/>
-      </a:effectRef>
-      <a:fontRef idx="minor"/>
-    </dgm:style>
-  </dgm:styleLbl>
-  <dgm:styleLbl name="fgShp">
-    <dgm:scene3d>
-      <a:camera prst="orthographicFront"/>
-      <a:lightRig rig="threePt" dir="t"/>
-    </dgm:scene3d>
-    <dgm:sp3d/>
-    <dgm:txPr/>
-    <dgm:style>
-      <a:lnRef idx="2">
-        <a:scrgbClr r="0" g="0" b="0"/>
-      </a:lnRef>
-      <a:fillRef idx="1">
-        <a:scrgbClr r="0" g="0" b="0"/>
-      </a:fillRef>
-      <a:effectRef idx="0">
-        <a:scrgbClr r="0" g="0" b="0"/>
-      </a:effectRef>
-      <a:fontRef idx="minor"/>
-    </dgm:style>
-  </dgm:styleLbl>
-  <dgm:styleLbl name="revTx">
-    <dgm:scene3d>
-      <a:camera prst="orthographicFront"/>
-      <a:lightRig rig="threePt" dir="t"/>
-    </dgm:scene3d>
-    <dgm:sp3d/>
-    <dgm:txPr/>
-    <dgm:style>
-      <a:lnRef idx="0">
-        <a:scrgbClr r="0" g="0" b="0"/>
-      </a:lnRef>
-      <a:fillRef idx="0">
-        <a:scrgbClr r="0" g="0" b="0"/>
-      </a:fillRef>
-      <a:effectRef idx="0">
-        <a:scrgbClr r="0" g="0" b="0"/>
-      </a:effectRef>
-      <a:fontRef idx="minor"/>
-    </dgm:style>
-  </dgm:styleLbl>
-</dgm:styleDef>
-</file>
-
 <file path=ppt/handoutMasters/handoutMaster1.xml><?xml version="1.0" encoding="utf-8"?>
 <p:handoutMaster xmlns:a="http://schemas.openxmlformats.org/drawingml/2006/main" xmlns:r="http://schemas.openxmlformats.org/officeDocument/2006/relationships" xmlns:p="http://schemas.openxmlformats.org/presentationml/2006/main">
   <p:cSld>
@@ -4382,7 +1131,7 @@
                 <a:latin typeface="맑은 고딕" panose="020B0503020000020004" pitchFamily="50" charset="-127"/>
                 <a:ea typeface="맑은 고딕" panose="020B0503020000020004" pitchFamily="50" charset="-127"/>
               </a:rPr>
-              <a:t>2022-12-26</a:t>
+              <a:t>2023-01-17</a:t>
             </a:fld>
             <a:endParaRPr lang="ko-KR" altLang="en-US" dirty="0">
               <a:latin typeface="맑은 고딕" panose="020B0503020000020004" pitchFamily="50" charset="-127"/>
@@ -4569,7 +1318,7 @@
             <a:fld id="{C6D4BD08-001C-4DA3-A8F2-B1A0C43B0DFD}" type="datetime1">
               <a:rPr lang="ko-KR" altLang="en-US" smtClean="0"/>
               <a:pPr/>
-              <a:t>2022-12-26</a:t>
+              <a:t>2023-01-17</a:t>
             </a:fld>
             <a:endParaRPr lang="ko-KR" altLang="en-US" dirty="0"/>
           </a:p>
@@ -4944,92 +1693,6 @@
 </p:notes>
 </file>
 
-<file path=ppt/notesSlides/notesSlide2.xml><?xml version="1.0" encoding="utf-8"?>
-<p:notes xmlns:a="http://schemas.openxmlformats.org/drawingml/2006/main" xmlns:r="http://schemas.openxmlformats.org/officeDocument/2006/relationships" xmlns:p="http://schemas.openxmlformats.org/presentationml/2006/main">
-  <p:cSld>
-    <p:spTree>
-      <p:nvGrpSpPr>
-        <p:cNvPr id="1" name=""/>
-        <p:cNvGrpSpPr/>
-        <p:nvPr/>
-      </p:nvGrpSpPr>
-      <p:grpSpPr>
-        <a:xfrm>
-          <a:off x="0" y="0"/>
-          <a:ext cx="0" cy="0"/>
-          <a:chOff x="0" y="0"/>
-          <a:chExt cx="0" cy="0"/>
-        </a:xfrm>
-      </p:grpSpPr>
-      <p:sp>
-        <p:nvSpPr>
-          <p:cNvPr id="2" name="슬라이드 이미지 개체 틀 1"/>
-          <p:cNvSpPr>
-            <a:spLocks noGrp="1" noRot="1" noChangeAspect="1"/>
-          </p:cNvSpPr>
-          <p:nvPr>
-            <p:ph type="sldImg"/>
-          </p:nvPr>
-        </p:nvSpPr>
-        <p:spPr/>
-      </p:sp>
-      <p:sp>
-        <p:nvSpPr>
-          <p:cNvPr id="3" name="슬라이드 노트 개체 틀 2"/>
-          <p:cNvSpPr>
-            <a:spLocks noGrp="1"/>
-          </p:cNvSpPr>
-          <p:nvPr>
-            <p:ph type="body" idx="1"/>
-          </p:nvPr>
-        </p:nvSpPr>
-        <p:spPr/>
-        <p:txBody>
-          <a:bodyPr rtlCol="0"/>
-          <a:lstStyle/>
-          <a:p>
-            <a:pPr rtl="0"/>
-            <a:endParaRPr lang="ko-KR" altLang="en-US" dirty="0"/>
-          </a:p>
-        </p:txBody>
-      </p:sp>
-      <p:sp>
-        <p:nvSpPr>
-          <p:cNvPr id="4" name="슬라이드 번호 개체 틀 3"/>
-          <p:cNvSpPr>
-            <a:spLocks noGrp="1"/>
-          </p:cNvSpPr>
-          <p:nvPr>
-            <p:ph type="sldNum" sz="quarter" idx="10"/>
-          </p:nvPr>
-        </p:nvSpPr>
-        <p:spPr/>
-        <p:txBody>
-          <a:bodyPr rtlCol="0"/>
-          <a:lstStyle/>
-          <a:p>
-            <a:pPr rtl="0"/>
-            <a:fld id="{4B725628-3A68-42F4-BA86-981817953149}" type="slidenum">
-              <a:rPr lang="en-US" altLang="ko-KR" smtClean="0"/>
-              <a:t>2</a:t>
-            </a:fld>
-            <a:endParaRPr lang="ko-KR" altLang="en-US" dirty="0"/>
-          </a:p>
-        </p:txBody>
-      </p:sp>
-    </p:spTree>
-    <p:extLst>
-      <p:ext uri="{BB962C8B-B14F-4D97-AF65-F5344CB8AC3E}">
-        <p14:creationId xmlns:p14="http://schemas.microsoft.com/office/powerpoint/2010/main" val="3959845782"/>
-      </p:ext>
-    </p:extLst>
-  </p:cSld>
-  <p:clrMapOvr>
-    <a:masterClrMapping/>
-  </p:clrMapOvr>
-</p:notes>
-</file>
-
 <file path=ppt/slideLayouts/slideLayout1.xml><?xml version="1.0" encoding="utf-8"?>
 <p:sldLayout xmlns:a="http://schemas.openxmlformats.org/drawingml/2006/main" xmlns:r="http://schemas.openxmlformats.org/officeDocument/2006/relationships" xmlns:p="http://schemas.openxmlformats.org/presentationml/2006/main" type="title" preserve="1">
   <p:cSld name="제목 슬라이드">
@@ -13826,7 +10489,7 @@
             <a:fld id="{20DA4868-5905-4D40-A3C7-A08A77FB381F}" type="datetime1">
               <a:rPr lang="ko-KR" altLang="en-US" smtClean="0"/>
               <a:pPr/>
-              <a:t>2022-12-26</a:t>
+              <a:t>2023-01-17</a:t>
             </a:fld>
             <a:endParaRPr lang="ko-KR" altLang="en-US" dirty="0"/>
           </a:p>
@@ -14036,7 +10699,7 @@
             <a:fld id="{A7059D92-5434-44F0-8311-BFCB0FE3ABFC}" type="datetime1">
               <a:rPr lang="ko-KR" altLang="en-US" smtClean="0"/>
               <a:pPr/>
-              <a:t>2022-12-26</a:t>
+              <a:t>2023-01-17</a:t>
             </a:fld>
             <a:endParaRPr lang="ko-KR" altLang="en-US" dirty="0"/>
           </a:p>
@@ -14260,7 +10923,7 @@
             <a:fld id="{2FB232E3-E22B-46B2-B042-7B0B4F3513F2}" type="datetime1">
               <a:rPr lang="ko-KR" altLang="en-US" smtClean="0"/>
               <a:pPr/>
-              <a:t>2022-12-26</a:t>
+              <a:t>2023-01-17</a:t>
             </a:fld>
             <a:endParaRPr lang="ko-KR" altLang="en-US" dirty="0"/>
           </a:p>
@@ -14481,7 +11144,7 @@
             <a:fld id="{9EFA091B-FB79-4832-BBA6-485BF4956E11}" type="datetime1">
               <a:rPr lang="ko-KR" altLang="en-US" smtClean="0"/>
               <a:pPr/>
-              <a:t>2022-12-26</a:t>
+              <a:t>2023-01-17</a:t>
             </a:fld>
             <a:endParaRPr lang="ko-KR" altLang="en-US" dirty="0"/>
           </a:p>
@@ -23382,7 +20045,7 @@
             <a:fld id="{5F31BFAB-5A50-4862-991D-7095D6C5D4BE}" type="datetime1">
               <a:rPr lang="ko-KR" altLang="en-US" smtClean="0"/>
               <a:pPr/>
-              <a:t>2022-12-26</a:t>
+              <a:t>2023-01-17</a:t>
             </a:fld>
             <a:endParaRPr lang="ko-KR" altLang="en-US" dirty="0"/>
           </a:p>
@@ -23659,7 +20322,7 @@
             <a:fld id="{A3BD5271-FEFE-4914-869C-5327720A295E}" type="datetime1">
               <a:rPr lang="ko-KR" altLang="en-US" smtClean="0"/>
               <a:pPr/>
-              <a:t>2022-12-26</a:t>
+              <a:t>2023-01-17</a:t>
             </a:fld>
             <a:endParaRPr lang="ko-KR" altLang="en-US" dirty="0"/>
           </a:p>
@@ -24060,7 +20723,7 @@
             <a:fld id="{6961C815-1148-4AA6-9F9C-F8BBBFBB10CA}" type="datetime1">
               <a:rPr lang="ko-KR" altLang="en-US" smtClean="0"/>
               <a:pPr/>
-              <a:t>2022-12-26</a:t>
+              <a:t>2023-01-17</a:t>
             </a:fld>
             <a:endParaRPr lang="ko-KR" altLang="en-US" dirty="0"/>
           </a:p>
@@ -24181,7 +20844,7 @@
             <a:fld id="{A47AA9F1-F81C-4105-8A81-06D610EC4B63}" type="datetime1">
               <a:rPr lang="ko-KR" altLang="en-US" smtClean="0"/>
               <a:pPr/>
-              <a:t>2022-12-26</a:t>
+              <a:t>2023-01-17</a:t>
             </a:fld>
             <a:endParaRPr lang="ko-KR" altLang="en-US" dirty="0"/>
           </a:p>
@@ -24278,7 +20941,7 @@
             <a:fld id="{1F487A97-1A80-4798-B672-85D6AB250DCF}" type="datetime1">
               <a:rPr lang="ko-KR" altLang="en-US" smtClean="0"/>
               <a:pPr/>
-              <a:t>2022-12-26</a:t>
+              <a:t>2023-01-17</a:t>
             </a:fld>
             <a:endParaRPr lang="ko-KR" altLang="en-US" dirty="0"/>
           </a:p>
@@ -24571,7 +21234,7 @@
             <a:fld id="{EE653310-AD94-41CD-AC0F-1501C4EA6D6F}" type="datetime1">
               <a:rPr lang="ko-KR" altLang="en-US" smtClean="0"/>
               <a:pPr/>
-              <a:t>2022-12-26</a:t>
+              <a:t>2023-01-17</a:t>
             </a:fld>
             <a:endParaRPr lang="en-US" dirty="0"/>
           </a:p>
@@ -24855,7 +21518,7 @@
             <a:fld id="{A9C485AE-A5AE-4102-AAA7-CE7177004C64}" type="datetime1">
               <a:rPr lang="ko-KR" altLang="en-US" smtClean="0"/>
               <a:pPr/>
-              <a:t>2022-12-26</a:t>
+              <a:t>2023-01-17</a:t>
             </a:fld>
             <a:endParaRPr lang="ko-KR" altLang="en-US" dirty="0"/>
           </a:p>
@@ -25107,7 +21770,7 @@
             <a:fld id="{55E25835-15BF-46FE-B0BD-ED10F3056879}" type="datetime1">
               <a:rPr lang="ko-KR" altLang="en-US" smtClean="0"/>
               <a:pPr/>
-              <a:t>2022-12-26</a:t>
+              <a:t>2023-01-17</a:t>
             </a:fld>
             <a:endParaRPr lang="ko-KR" altLang="en-US" dirty="0"/>
           </a:p>
@@ -25806,44 +22469,6 @@
                 <a:solidFill>
                   <a:srgbClr val="FFFFFF"/>
                 </a:solidFill>
-                <a:latin typeface="맑은 고딕" panose="020B0503020000020004" pitchFamily="50" charset="-127"/>
-                <a:ea typeface="맑은 고딕" panose="020B0503020000020004" pitchFamily="50" charset="-127"/>
-              </a:rPr>
-              <a:t>テーマ</a:t>
-            </a:r>
-            <a:r>
-              <a:rPr lang="ko-KR" altLang="en-US" dirty="0">
-                <a:solidFill>
-                  <a:srgbClr val="FFFFFF"/>
-                </a:solidFill>
-                <a:latin typeface="맑은 고딕" panose="020B0503020000020004" pitchFamily="50" charset="-127"/>
-                <a:ea typeface="맑은 고딕" panose="020B0503020000020004" pitchFamily="50" charset="-127"/>
-              </a:rPr>
-              <a:t>模索</a:t>
-            </a:r>
-            <a:r>
-              <a:rPr lang="en-US" altLang="ko-KR" dirty="0">
-                <a:solidFill>
-                  <a:srgbClr val="FFFFFF"/>
-                </a:solidFill>
-                <a:latin typeface="맑은 고딕" panose="020B0503020000020004" pitchFamily="50" charset="-127"/>
-                <a:ea typeface="맑은 고딕" panose="020B0503020000020004" pitchFamily="50" charset="-127"/>
-              </a:rPr>
-              <a:t>7</a:t>
-            </a:r>
-            <a:r>
-              <a:rPr lang="en-US" altLang="ko-KR" dirty="0">
-                <a:solidFill>
-                  <a:srgbClr val="FFFFFF"/>
-                </a:solidFill>
-              </a:rPr>
-              <a:t>&amp;</a:t>
-            </a:r>
-            <a:r>
-              <a:rPr lang="ja-JP" altLang="en-US" dirty="0">
-                <a:solidFill>
-                  <a:srgbClr val="FFFFFF"/>
-                </a:solidFill>
               </a:rPr>
               <a:t>進捗発表</a:t>
             </a:r>
@@ -26007,179 +22632,6 @@
           <p:cNvPr id="2" name="제목 1">
             <a:extLst>
               <a:ext uri="{FF2B5EF4-FFF2-40B4-BE49-F238E27FC236}">
-                <a16:creationId xmlns:a16="http://schemas.microsoft.com/office/drawing/2014/main" id="{F97210A1-79E7-2291-8365-DDEAEE54B77F}"/>
-              </a:ext>
-            </a:extLst>
-          </p:cNvPr>
-          <p:cNvSpPr>
-            <a:spLocks noGrp="1"/>
-          </p:cNvSpPr>
-          <p:nvPr>
-            <p:ph type="title"/>
-          </p:nvPr>
-        </p:nvSpPr>
-        <p:spPr/>
-        <p:txBody>
-          <a:bodyPr/>
-          <a:lstStyle/>
-          <a:p>
-            <a:r>
-              <a:rPr lang="en-US" altLang="ko-KR" dirty="0"/>
-              <a:t>Optimizer</a:t>
-            </a:r>
-            <a:endParaRPr lang="ko-KR" altLang="en-US" dirty="0"/>
-          </a:p>
-        </p:txBody>
-      </p:sp>
-      <p:sp>
-        <p:nvSpPr>
-          <p:cNvPr id="3" name="내용 개체 틀 2">
-            <a:extLst>
-              <a:ext uri="{FF2B5EF4-FFF2-40B4-BE49-F238E27FC236}">
-                <a16:creationId xmlns:a16="http://schemas.microsoft.com/office/drawing/2014/main" id="{B079A239-B15B-B5AF-2512-323F09633B37}"/>
-              </a:ext>
-            </a:extLst>
-          </p:cNvPr>
-          <p:cNvSpPr>
-            <a:spLocks noGrp="1"/>
-          </p:cNvSpPr>
-          <p:nvPr>
-            <p:ph idx="1"/>
-          </p:nvPr>
-        </p:nvSpPr>
-        <p:spPr>
-          <a:xfrm>
-            <a:off x="1024128" y="2286000"/>
-            <a:ext cx="9969220" cy="4023360"/>
-          </a:xfrm>
-        </p:spPr>
-        <p:txBody>
-          <a:bodyPr/>
-          <a:lstStyle/>
-          <a:p>
-            <a:r>
-              <a:rPr lang="en-US" altLang="ko-KR" dirty="0"/>
-              <a:t>1. Momentum : </a:t>
-            </a:r>
-            <a:r>
-              <a:rPr lang="ja-JP" altLang="en-US" dirty="0"/>
-              <a:t>傾斜下降法から計算された傾きに、一時点前の接点の傾きも反映する。慣性と加速度を具現→</a:t>
-            </a:r>
-            <a:r>
-              <a:rPr lang="en-US" altLang="ja-JP" dirty="0"/>
-              <a:t>Local Minimum</a:t>
-            </a:r>
-            <a:r>
-              <a:rPr lang="ja-JP" altLang="en-US" dirty="0"/>
-              <a:t>に嵌められても脱出できる。</a:t>
-            </a:r>
-            <a:endParaRPr lang="en-US" altLang="ja-JP" dirty="0"/>
-          </a:p>
-          <a:p>
-            <a:r>
-              <a:rPr lang="en-US" altLang="ko-KR" dirty="0"/>
-              <a:t>2. </a:t>
-            </a:r>
-            <a:r>
-              <a:rPr lang="en-US" altLang="ko-KR" dirty="0" err="1"/>
-              <a:t>Adagrad</a:t>
-            </a:r>
-            <a:r>
-              <a:rPr lang="en-US" altLang="ko-KR" dirty="0"/>
-              <a:t> : </a:t>
-            </a:r>
-            <a:r>
-              <a:rPr lang="ja-JP" altLang="en-US" dirty="0"/>
-              <a:t>パラメータの変化率によって学習率を変化させる。</a:t>
-            </a:r>
-            <a:r>
-              <a:rPr lang="en-US" altLang="ja-JP" dirty="0"/>
-              <a:t>(</a:t>
-            </a:r>
-            <a:r>
-              <a:rPr lang="ja-JP" altLang="en-US" dirty="0"/>
-              <a:t>変化多→学習率小</a:t>
-            </a:r>
-            <a:r>
-              <a:rPr lang="en-US" altLang="ja-JP" dirty="0"/>
-              <a:t>)</a:t>
-            </a:r>
-          </a:p>
-          <a:p>
-            <a:r>
-              <a:rPr lang="en-US" altLang="ko-KR" dirty="0"/>
-              <a:t>3. RMSprop : </a:t>
-            </a:r>
-            <a:r>
-              <a:rPr lang="en-US" altLang="ko-KR" dirty="0" err="1"/>
-              <a:t>Adagrad</a:t>
-            </a:r>
-            <a:r>
-              <a:rPr lang="ja-JP" altLang="en-US" dirty="0"/>
-              <a:t>の学習を繰り返すほど、学習率が下がるっていう短所を改善した方式。</a:t>
-            </a:r>
-            <a:endParaRPr lang="en-US" altLang="ja-JP" dirty="0"/>
-          </a:p>
-          <a:p>
-            <a:r>
-              <a:rPr lang="en-US" altLang="ko-KR" dirty="0"/>
-              <a:t>4. Adam : </a:t>
-            </a:r>
-            <a:r>
-              <a:rPr lang="en-GB" altLang="ko-KR" dirty="0"/>
-              <a:t>Momentum</a:t>
-            </a:r>
-            <a:r>
-              <a:rPr lang="ja-JP" altLang="en-US" dirty="0"/>
-              <a:t>と</a:t>
-            </a:r>
-            <a:r>
-              <a:rPr lang="en-US" altLang="ja-JP" dirty="0"/>
-              <a:t>RMSprop</a:t>
-            </a:r>
-            <a:r>
-              <a:rPr lang="ja-JP" altLang="en-US" dirty="0"/>
-              <a:t>を合わせた方式。</a:t>
-            </a:r>
-            <a:endParaRPr lang="ko-KR" altLang="en-US" dirty="0"/>
-          </a:p>
-        </p:txBody>
-      </p:sp>
-    </p:spTree>
-    <p:extLst>
-      <p:ext uri="{BB962C8B-B14F-4D97-AF65-F5344CB8AC3E}">
-        <p14:creationId xmlns:p14="http://schemas.microsoft.com/office/powerpoint/2010/main" val="724831208"/>
-      </p:ext>
-    </p:extLst>
-  </p:cSld>
-  <p:clrMapOvr>
-    <a:masterClrMapping/>
-  </p:clrMapOvr>
-</p:sld>
-</file>
-
-<file path=ppt/slides/slide11.xml><?xml version="1.0" encoding="utf-8"?>
-<p:sld xmlns:a="http://schemas.openxmlformats.org/drawingml/2006/main" xmlns:r="http://schemas.openxmlformats.org/officeDocument/2006/relationships" xmlns:p="http://schemas.openxmlformats.org/presentationml/2006/main">
-  <p:cSld>
-    <p:spTree>
-      <p:nvGrpSpPr>
-        <p:cNvPr id="1" name=""/>
-        <p:cNvGrpSpPr/>
-        <p:nvPr/>
-      </p:nvGrpSpPr>
-      <p:grpSpPr>
-        <a:xfrm>
-          <a:off x="0" y="0"/>
-          <a:ext cx="0" cy="0"/>
-          <a:chOff x="0" y="0"/>
-          <a:chExt cx="0" cy="0"/>
-        </a:xfrm>
-      </p:grpSpPr>
-      <p:sp>
-        <p:nvSpPr>
-          <p:cNvPr id="2" name="제목 1">
-            <a:extLst>
-              <a:ext uri="{FF2B5EF4-FFF2-40B4-BE49-F238E27FC236}">
                 <a16:creationId xmlns:a16="http://schemas.microsoft.com/office/drawing/2014/main" id="{BABEA755-E0B3-FEF8-A563-26535401984F}"/>
               </a:ext>
             </a:extLst>
@@ -26314,7 +22766,7 @@
 </p:sld>
 </file>
 
-<file path=ppt/slides/slide12.xml><?xml version="1.0" encoding="utf-8"?>
+<file path=ppt/slides/slide11.xml><?xml version="1.0" encoding="utf-8"?>
 <p:sld xmlns:a="http://schemas.openxmlformats.org/drawingml/2006/main" xmlns:r="http://schemas.openxmlformats.org/officeDocument/2006/relationships" xmlns:p="http://schemas.openxmlformats.org/presentationml/2006/main">
   <p:cSld>
     <p:spTree>
@@ -26714,7 +23166,7 @@
 </p:sld>
 </file>
 
-<file path=ppt/slides/slide13.xml><?xml version="1.0" encoding="utf-8"?>
+<file path=ppt/slides/slide12.xml><?xml version="1.0" encoding="utf-8"?>
 <p:sld xmlns:a="http://schemas.openxmlformats.org/drawingml/2006/main" xmlns:r="http://schemas.openxmlformats.org/officeDocument/2006/relationships" xmlns:p="http://schemas.openxmlformats.org/presentationml/2006/main">
   <p:cSld>
     <p:spTree>
@@ -26975,7 +23427,7 @@
 </p:sld>
 </file>
 
-<file path=ppt/slides/slide14.xml><?xml version="1.0" encoding="utf-8"?>
+<file path=ppt/slides/slide13.xml><?xml version="1.0" encoding="utf-8"?>
 <p:sld xmlns:a="http://schemas.openxmlformats.org/drawingml/2006/main" xmlns:r="http://schemas.openxmlformats.org/officeDocument/2006/relationships" xmlns:p="http://schemas.openxmlformats.org/presentationml/2006/main">
   <p:cSld>
     <p:spTree>
@@ -27066,7 +23518,7 @@
 </p:sld>
 </file>
 
-<file path=ppt/slides/slide15.xml><?xml version="1.0" encoding="utf-8"?>
+<file path=ppt/slides/slide14.xml><?xml version="1.0" encoding="utf-8"?>
 <p:sld xmlns:a="http://schemas.openxmlformats.org/drawingml/2006/main" xmlns:r="http://schemas.openxmlformats.org/officeDocument/2006/relationships" xmlns:p="http://schemas.openxmlformats.org/presentationml/2006/main">
   <p:cSld>
     <p:spTree>
@@ -27219,7 +23671,7 @@
 </p:sld>
 </file>
 
-<file path=ppt/slides/slide16.xml><?xml version="1.0" encoding="utf-8"?>
+<file path=ppt/slides/slide15.xml><?xml version="1.0" encoding="utf-8"?>
 <p:sld xmlns:a="http://schemas.openxmlformats.org/drawingml/2006/main" xmlns:r="http://schemas.openxmlformats.org/officeDocument/2006/relationships" xmlns:p="http://schemas.openxmlformats.org/presentationml/2006/main">
   <p:cSld>
     <p:spTree>
@@ -27470,109 +23922,6 @@
           <p:cNvPr id="2" name="제목 1">
             <a:extLst>
               <a:ext uri="{FF2B5EF4-FFF2-40B4-BE49-F238E27FC236}">
-                <a16:creationId xmlns:a16="http://schemas.microsoft.com/office/drawing/2014/main" id="{7A4919D0-F177-4BBA-9A0B-DBA69E2ED764}"/>
-              </a:ext>
-            </a:extLst>
-          </p:cNvPr>
-          <p:cNvSpPr>
-            <a:spLocks noGrp="1"/>
-          </p:cNvSpPr>
-          <p:nvPr>
-            <p:ph type="title"/>
-          </p:nvPr>
-        </p:nvSpPr>
-        <p:spPr>
-          <a:xfrm>
-            <a:off x="1024128" y="585216"/>
-            <a:ext cx="9720072" cy="1499616"/>
-          </a:xfrm>
-        </p:spPr>
-        <p:txBody>
-          <a:bodyPr rtlCol="0">
-            <a:normAutofit/>
-          </a:bodyPr>
-          <a:lstStyle/>
-          <a:p>
-            <a:r>
-              <a:rPr lang="ko-KR" altLang="en-US" dirty="0"/>
-              <a:t>제목</a:t>
-            </a:r>
-            <a:r>
-              <a:rPr lang="en-US" altLang="ko-KR" dirty="0">
-                <a:latin typeface="맑은 고딕" panose="020B0503020000020004" pitchFamily="50" charset="-127"/>
-                <a:ea typeface="맑은 고딕" panose="020B0503020000020004" pitchFamily="50" charset="-127"/>
-              </a:rPr>
-              <a:t> Lorem Ipsum Dolor</a:t>
-            </a:r>
-          </a:p>
-        </p:txBody>
-      </p:sp>
-      <p:graphicFrame>
-        <p:nvGraphicFramePr>
-          <p:cNvPr id="5" name="내용 개체 틀 2" descr="SmartArt 그래픽 개체 틀">
-            <a:extLst>
-              <a:ext uri="{FF2B5EF4-FFF2-40B4-BE49-F238E27FC236}">
-                <a16:creationId xmlns:a16="http://schemas.microsoft.com/office/drawing/2014/main" id="{91DB1382-7276-49FA-9632-38D558F457E3}"/>
-              </a:ext>
-            </a:extLst>
-          </p:cNvPr>
-          <p:cNvGraphicFramePr>
-            <a:graphicFrameLocks noGrp="1"/>
-          </p:cNvGraphicFramePr>
-          <p:nvPr>
-            <p:ph idx="1"/>
-            <p:extLst>
-              <p:ext uri="{D42A27DB-BD31-4B8C-83A1-F6EECF244321}">
-                <p14:modId xmlns:p14="http://schemas.microsoft.com/office/powerpoint/2010/main" val="640720469"/>
-              </p:ext>
-            </p:extLst>
-          </p:nvPr>
-        </p:nvGraphicFramePr>
-        <p:xfrm>
-          <a:off x="1023938" y="2286000"/>
-          <a:ext cx="9720262" cy="4022725"/>
-        </p:xfrm>
-        <a:graphic>
-          <a:graphicData uri="http://schemas.openxmlformats.org/drawingml/2006/diagram">
-            <dgm:relIds xmlns:dgm="http://schemas.openxmlformats.org/drawingml/2006/diagram" xmlns:r="http://schemas.openxmlformats.org/officeDocument/2006/relationships" r:dm="rId3" r:lo="rId4" r:qs="rId5" r:cs="rId6"/>
-          </a:graphicData>
-        </a:graphic>
-      </p:graphicFrame>
-    </p:spTree>
-    <p:extLst>
-      <p:ext uri="{BB962C8B-B14F-4D97-AF65-F5344CB8AC3E}">
-        <p14:creationId xmlns:p14="http://schemas.microsoft.com/office/powerpoint/2010/main" val="1401741552"/>
-      </p:ext>
-    </p:extLst>
-  </p:cSld>
-  <p:clrMapOvr>
-    <a:masterClrMapping/>
-  </p:clrMapOvr>
-</p:sld>
-</file>
-
-<file path=ppt/slides/slide3.xml><?xml version="1.0" encoding="utf-8"?>
-<p:sld xmlns:a="http://schemas.openxmlformats.org/drawingml/2006/main" xmlns:r="http://schemas.openxmlformats.org/officeDocument/2006/relationships" xmlns:p="http://schemas.openxmlformats.org/presentationml/2006/main">
-  <p:cSld>
-    <p:spTree>
-      <p:nvGrpSpPr>
-        <p:cNvPr id="1" name=""/>
-        <p:cNvGrpSpPr/>
-        <p:nvPr/>
-      </p:nvGrpSpPr>
-      <p:grpSpPr>
-        <a:xfrm>
-          <a:off x="0" y="0"/>
-          <a:ext cx="0" cy="0"/>
-          <a:chOff x="0" y="0"/>
-          <a:chExt cx="0" cy="0"/>
-        </a:xfrm>
-      </p:grpSpPr>
-      <p:sp>
-        <p:nvSpPr>
-          <p:cNvPr id="2" name="제목 1">
-            <a:extLst>
-              <a:ext uri="{FF2B5EF4-FFF2-40B4-BE49-F238E27FC236}">
                 <a16:creationId xmlns:a16="http://schemas.microsoft.com/office/drawing/2014/main" id="{4BDC7BBE-14C1-9054-1BA9-DEA80A591BA6}"/>
               </a:ext>
             </a:extLst>
@@ -27726,7 +24075,7 @@
 </p:sld>
 </file>
 
-<file path=ppt/slides/slide4.xml><?xml version="1.0" encoding="utf-8"?>
+<file path=ppt/slides/slide3.xml><?xml version="1.0" encoding="utf-8"?>
 <p:sld xmlns:a="http://schemas.openxmlformats.org/drawingml/2006/main" xmlns:r="http://schemas.openxmlformats.org/officeDocument/2006/relationships" xmlns:p="http://schemas.openxmlformats.org/presentationml/2006/main">
   <p:cSld>
     <p:spTree>
@@ -28791,7 +25140,7 @@
 </p:sld>
 </file>
 
-<file path=ppt/slides/slide5.xml><?xml version="1.0" encoding="utf-8"?>
+<file path=ppt/slides/slide4.xml><?xml version="1.0" encoding="utf-8"?>
 <p:sld xmlns:a="http://schemas.openxmlformats.org/drawingml/2006/main" xmlns:r="http://schemas.openxmlformats.org/officeDocument/2006/relationships" xmlns:p="http://schemas.openxmlformats.org/presentationml/2006/main">
   <p:cSld>
     <p:spTree>
@@ -29336,7 +25685,7 @@
 </p:sld>
 </file>
 
-<file path=ppt/slides/slide6.xml><?xml version="1.0" encoding="utf-8"?>
+<file path=ppt/slides/slide5.xml><?xml version="1.0" encoding="utf-8"?>
 <p:sld xmlns:a="http://schemas.openxmlformats.org/drawingml/2006/main" xmlns:r="http://schemas.openxmlformats.org/officeDocument/2006/relationships" xmlns:p="http://schemas.openxmlformats.org/presentationml/2006/main">
   <p:cSld>
     <p:spTree>
@@ -29500,7 +25849,7 @@
 </p:sld>
 </file>
 
-<file path=ppt/slides/slide7.xml><?xml version="1.0" encoding="utf-8"?>
+<file path=ppt/slides/slide6.xml><?xml version="1.0" encoding="utf-8"?>
 <p:sld xmlns:a="http://schemas.openxmlformats.org/drawingml/2006/main" xmlns:r="http://schemas.openxmlformats.org/officeDocument/2006/relationships" xmlns:p="http://schemas.openxmlformats.org/presentationml/2006/main">
   <p:cSld>
     <p:spTree>
@@ -29946,7 +26295,7 @@
 </p:sld>
 </file>
 
-<file path=ppt/slides/slide8.xml><?xml version="1.0" encoding="utf-8"?>
+<file path=ppt/slides/slide7.xml><?xml version="1.0" encoding="utf-8"?>
 <p:sld xmlns:a="http://schemas.openxmlformats.org/drawingml/2006/main" xmlns:r="http://schemas.openxmlformats.org/officeDocument/2006/relationships" xmlns:p="http://schemas.openxmlformats.org/presentationml/2006/main">
   <p:cSld>
     <p:spTree>
@@ -30162,7 +26511,7 @@
 </p:sld>
 </file>
 
-<file path=ppt/slides/slide9.xml><?xml version="1.0" encoding="utf-8"?>
+<file path=ppt/slides/slide8.xml><?xml version="1.0" encoding="utf-8"?>
 <p:sld xmlns:a="http://schemas.openxmlformats.org/drawingml/2006/main" xmlns:r="http://schemas.openxmlformats.org/officeDocument/2006/relationships" xmlns:p="http://schemas.openxmlformats.org/presentationml/2006/main">
   <p:cSld>
     <p:spTree>
@@ -30400,6 +26749,179 @@
     <p:extLst>
       <p:ext uri="{BB962C8B-B14F-4D97-AF65-F5344CB8AC3E}">
         <p14:creationId xmlns:p14="http://schemas.microsoft.com/office/powerpoint/2010/main" val="806523277"/>
+      </p:ext>
+    </p:extLst>
+  </p:cSld>
+  <p:clrMapOvr>
+    <a:masterClrMapping/>
+  </p:clrMapOvr>
+</p:sld>
+</file>
+
+<file path=ppt/slides/slide9.xml><?xml version="1.0" encoding="utf-8"?>
+<p:sld xmlns:a="http://schemas.openxmlformats.org/drawingml/2006/main" xmlns:r="http://schemas.openxmlformats.org/officeDocument/2006/relationships" xmlns:p="http://schemas.openxmlformats.org/presentationml/2006/main">
+  <p:cSld>
+    <p:spTree>
+      <p:nvGrpSpPr>
+        <p:cNvPr id="1" name=""/>
+        <p:cNvGrpSpPr/>
+        <p:nvPr/>
+      </p:nvGrpSpPr>
+      <p:grpSpPr>
+        <a:xfrm>
+          <a:off x="0" y="0"/>
+          <a:ext cx="0" cy="0"/>
+          <a:chOff x="0" y="0"/>
+          <a:chExt cx="0" cy="0"/>
+        </a:xfrm>
+      </p:grpSpPr>
+      <p:sp>
+        <p:nvSpPr>
+          <p:cNvPr id="2" name="제목 1">
+            <a:extLst>
+              <a:ext uri="{FF2B5EF4-FFF2-40B4-BE49-F238E27FC236}">
+                <a16:creationId xmlns:a16="http://schemas.microsoft.com/office/drawing/2014/main" id="{F97210A1-79E7-2291-8365-DDEAEE54B77F}"/>
+              </a:ext>
+            </a:extLst>
+          </p:cNvPr>
+          <p:cNvSpPr>
+            <a:spLocks noGrp="1"/>
+          </p:cNvSpPr>
+          <p:nvPr>
+            <p:ph type="title"/>
+          </p:nvPr>
+        </p:nvSpPr>
+        <p:spPr/>
+        <p:txBody>
+          <a:bodyPr/>
+          <a:lstStyle/>
+          <a:p>
+            <a:r>
+              <a:rPr lang="en-US" altLang="ko-KR" dirty="0"/>
+              <a:t>Optimizer</a:t>
+            </a:r>
+            <a:endParaRPr lang="ko-KR" altLang="en-US" dirty="0"/>
+          </a:p>
+        </p:txBody>
+      </p:sp>
+      <p:sp>
+        <p:nvSpPr>
+          <p:cNvPr id="3" name="내용 개체 틀 2">
+            <a:extLst>
+              <a:ext uri="{FF2B5EF4-FFF2-40B4-BE49-F238E27FC236}">
+                <a16:creationId xmlns:a16="http://schemas.microsoft.com/office/drawing/2014/main" id="{B079A239-B15B-B5AF-2512-323F09633B37}"/>
+              </a:ext>
+            </a:extLst>
+          </p:cNvPr>
+          <p:cNvSpPr>
+            <a:spLocks noGrp="1"/>
+          </p:cNvSpPr>
+          <p:nvPr>
+            <p:ph idx="1"/>
+          </p:nvPr>
+        </p:nvSpPr>
+        <p:spPr>
+          <a:xfrm>
+            <a:off x="1024128" y="2286000"/>
+            <a:ext cx="9969220" cy="4023360"/>
+          </a:xfrm>
+        </p:spPr>
+        <p:txBody>
+          <a:bodyPr/>
+          <a:lstStyle/>
+          <a:p>
+            <a:r>
+              <a:rPr lang="en-US" altLang="ko-KR" dirty="0"/>
+              <a:t>1. Momentum : </a:t>
+            </a:r>
+            <a:r>
+              <a:rPr lang="ja-JP" altLang="en-US" dirty="0"/>
+              <a:t>傾斜下降法から計算された傾きに、一時点前の接点の傾きも反映する。慣性と加速度を具現→</a:t>
+            </a:r>
+            <a:r>
+              <a:rPr lang="en-US" altLang="ja-JP" dirty="0"/>
+              <a:t>Local Minimum</a:t>
+            </a:r>
+            <a:r>
+              <a:rPr lang="ja-JP" altLang="en-US" dirty="0"/>
+              <a:t>に嵌められても脱出できる。</a:t>
+            </a:r>
+            <a:endParaRPr lang="en-US" altLang="ja-JP" dirty="0"/>
+          </a:p>
+          <a:p>
+            <a:r>
+              <a:rPr lang="en-US" altLang="ko-KR" dirty="0"/>
+              <a:t>2. </a:t>
+            </a:r>
+            <a:r>
+              <a:rPr lang="en-US" altLang="ko-KR" dirty="0" err="1"/>
+              <a:t>Adagrad</a:t>
+            </a:r>
+            <a:r>
+              <a:rPr lang="en-US" altLang="ko-KR" dirty="0"/>
+              <a:t> : </a:t>
+            </a:r>
+            <a:r>
+              <a:rPr lang="ja-JP" altLang="en-US" dirty="0"/>
+              <a:t>パラメータの変化率によって学習率を変化させる。</a:t>
+            </a:r>
+            <a:r>
+              <a:rPr lang="en-US" altLang="ja-JP" dirty="0"/>
+              <a:t>(</a:t>
+            </a:r>
+            <a:r>
+              <a:rPr lang="ja-JP" altLang="en-US" dirty="0"/>
+              <a:t>変化多→学習率小</a:t>
+            </a:r>
+            <a:r>
+              <a:rPr lang="en-US" altLang="ja-JP" dirty="0"/>
+              <a:t>)</a:t>
+            </a:r>
+          </a:p>
+          <a:p>
+            <a:r>
+              <a:rPr lang="en-US" altLang="ko-KR" dirty="0"/>
+              <a:t>3. RMSprop : </a:t>
+            </a:r>
+            <a:r>
+              <a:rPr lang="en-US" altLang="ko-KR" dirty="0" err="1"/>
+              <a:t>Adagrad</a:t>
+            </a:r>
+            <a:r>
+              <a:rPr lang="ja-JP" altLang="en-US" dirty="0"/>
+              <a:t>の学習を繰り返すほど、学習率が下がるっていう短所を改善した方式。</a:t>
+            </a:r>
+            <a:endParaRPr lang="en-US" altLang="ja-JP" dirty="0"/>
+          </a:p>
+          <a:p>
+            <a:r>
+              <a:rPr lang="en-US" altLang="ko-KR" dirty="0"/>
+              <a:t>4. Adam : </a:t>
+            </a:r>
+            <a:r>
+              <a:rPr lang="en-GB" altLang="ko-KR" dirty="0"/>
+              <a:t>Momentum</a:t>
+            </a:r>
+            <a:r>
+              <a:rPr lang="ja-JP" altLang="en-US" dirty="0"/>
+              <a:t>と</a:t>
+            </a:r>
+            <a:r>
+              <a:rPr lang="en-US" altLang="ja-JP" dirty="0"/>
+              <a:t>RMSprop</a:t>
+            </a:r>
+            <a:r>
+              <a:rPr lang="ja-JP" altLang="en-US" dirty="0"/>
+              <a:t>を合わせた方式。</a:t>
+            </a:r>
+            <a:endParaRPr lang="ko-KR" altLang="en-US" dirty="0"/>
+          </a:p>
+        </p:txBody>
+      </p:sp>
+    </p:spTree>
+    <p:extLst>
+      <p:ext uri="{BB962C8B-B14F-4D97-AF65-F5344CB8AC3E}">
+        <p14:creationId xmlns:p14="http://schemas.microsoft.com/office/powerpoint/2010/main" val="724831208"/>
       </p:ext>
     </p:extLst>
   </p:cSld>
@@ -31234,20 +27756,20 @@
 </file>
 
 <file path=customXml/item1.xml><?xml version="1.0" encoding="utf-8"?>
+<p:properties xmlns:p="http://schemas.microsoft.com/office/2006/metadata/properties" xmlns:xsi="http://www.w3.org/2001/XMLSchema-instance" xmlns:pc="http://schemas.microsoft.com/office/infopath/2007/PartnerControls">
+  <documentManagement>
+    <MediaServiceKeyPoints xmlns="71af3243-3dd4-4a8d-8c0d-dd76da1f02a5" xsi:nil="true"/>
+  </documentManagement>
+</p:properties>
+</file>
+
+<file path=customXml/item2.xml><?xml version="1.0" encoding="utf-8"?>
 <?mso-contentType ?>
 <FormTemplates xmlns="http://schemas.microsoft.com/sharepoint/v3/contenttype/forms">
   <Display>DocumentLibraryForm</Display>
   <Edit>DocumentLibraryForm</Edit>
   <New>DocumentLibraryForm</New>
 </FormTemplates>
-</file>
-
-<file path=customXml/item2.xml><?xml version="1.0" encoding="utf-8"?>
-<p:properties xmlns:p="http://schemas.microsoft.com/office/2006/metadata/properties" xmlns:xsi="http://www.w3.org/2001/XMLSchema-instance" xmlns:pc="http://schemas.microsoft.com/office/infopath/2007/PartnerControls">
-  <documentManagement>
-    <MediaServiceKeyPoints xmlns="71af3243-3dd4-4a8d-8c0d-dd76da1f02a5" xsi:nil="true"/>
-  </documentManagement>
-</p:properties>
 </file>
 
 <file path=customXml/item3.xml><?xml version="1.0" encoding="utf-8"?>
@@ -31462,19 +27984,19 @@
 </file>
 
 <file path=customXml/itemProps1.xml><?xml version="1.0" encoding="utf-8"?>
-<ds:datastoreItem xmlns:ds="http://schemas.openxmlformats.org/officeDocument/2006/customXml" ds:itemID="{4F44C90D-2A62-4985-9618-3460247437B1}">
+<ds:datastoreItem xmlns:ds="http://schemas.openxmlformats.org/officeDocument/2006/customXml" ds:itemID="{788A2F88-55C5-4ED1-9541-807C65424763}">
   <ds:schemaRefs>
-    <ds:schemaRef ds:uri="http://schemas.microsoft.com/sharepoint/v3/contenttype/forms"/>
+    <ds:schemaRef ds:uri="http://schemas.microsoft.com/office/2006/metadata/properties"/>
+    <ds:schemaRef ds:uri="http://schemas.microsoft.com/office/infopath/2007/PartnerControls"/>
+    <ds:schemaRef ds:uri="71af3243-3dd4-4a8d-8c0d-dd76da1f02a5"/>
   </ds:schemaRefs>
 </ds:datastoreItem>
 </file>
 
 <file path=customXml/itemProps2.xml><?xml version="1.0" encoding="utf-8"?>
-<ds:datastoreItem xmlns:ds="http://schemas.openxmlformats.org/officeDocument/2006/customXml" ds:itemID="{788A2F88-55C5-4ED1-9541-807C65424763}">
+<ds:datastoreItem xmlns:ds="http://schemas.openxmlformats.org/officeDocument/2006/customXml" ds:itemID="{4F44C90D-2A62-4985-9618-3460247437B1}">
   <ds:schemaRefs>
-    <ds:schemaRef ds:uri="http://schemas.microsoft.com/office/2006/metadata/properties"/>
-    <ds:schemaRef ds:uri="http://schemas.microsoft.com/office/infopath/2007/PartnerControls"/>
-    <ds:schemaRef ds:uri="71af3243-3dd4-4a8d-8c0d-dd76da1f02a5"/>
+    <ds:schemaRef ds:uri="http://schemas.microsoft.com/sharepoint/v3/contenttype/forms"/>
   </ds:schemaRefs>
 </ds:datastoreItem>
 </file>
